--- a/Presentations/ADS Gate Review 9-13-12.pptx
+++ b/Presentations/ADS Gate Review 9-13-12.pptx
@@ -5,35 +5,36 @@
     <p:sldMasterId id="2147483732" r:id="rId1"/>
   </p:sldMasterIdLst>
   <p:notesMasterIdLst>
-    <p:notesMasterId r:id="rId28"/>
+    <p:notesMasterId r:id="rId29"/>
   </p:notesMasterIdLst>
   <p:sldIdLst>
     <p:sldId id="262" r:id="rId2"/>
-    <p:sldId id="292" r:id="rId3"/>
-    <p:sldId id="291" r:id="rId4"/>
-    <p:sldId id="326" r:id="rId5"/>
-    <p:sldId id="327" r:id="rId6"/>
-    <p:sldId id="328" r:id="rId7"/>
-    <p:sldId id="329" r:id="rId8"/>
-    <p:sldId id="338" r:id="rId9"/>
-    <p:sldId id="331" r:id="rId10"/>
-    <p:sldId id="337" r:id="rId11"/>
-    <p:sldId id="339" r:id="rId12"/>
-    <p:sldId id="340" r:id="rId13"/>
-    <p:sldId id="341" r:id="rId14"/>
-    <p:sldId id="342" r:id="rId15"/>
-    <p:sldId id="330" r:id="rId16"/>
-    <p:sldId id="344" r:id="rId17"/>
-    <p:sldId id="334" r:id="rId18"/>
-    <p:sldId id="332" r:id="rId19"/>
-    <p:sldId id="345" r:id="rId20"/>
-    <p:sldId id="333" r:id="rId21"/>
-    <p:sldId id="348" r:id="rId22"/>
-    <p:sldId id="335" r:id="rId23"/>
-    <p:sldId id="349" r:id="rId24"/>
-    <p:sldId id="347" r:id="rId25"/>
-    <p:sldId id="325" r:id="rId26"/>
-    <p:sldId id="346" r:id="rId27"/>
+    <p:sldId id="350" r:id="rId3"/>
+    <p:sldId id="292" r:id="rId4"/>
+    <p:sldId id="291" r:id="rId5"/>
+    <p:sldId id="326" r:id="rId6"/>
+    <p:sldId id="327" r:id="rId7"/>
+    <p:sldId id="328" r:id="rId8"/>
+    <p:sldId id="329" r:id="rId9"/>
+    <p:sldId id="338" r:id="rId10"/>
+    <p:sldId id="331" r:id="rId11"/>
+    <p:sldId id="337" r:id="rId12"/>
+    <p:sldId id="339" r:id="rId13"/>
+    <p:sldId id="340" r:id="rId14"/>
+    <p:sldId id="341" r:id="rId15"/>
+    <p:sldId id="342" r:id="rId16"/>
+    <p:sldId id="330" r:id="rId17"/>
+    <p:sldId id="344" r:id="rId18"/>
+    <p:sldId id="334" r:id="rId19"/>
+    <p:sldId id="332" r:id="rId20"/>
+    <p:sldId id="345" r:id="rId21"/>
+    <p:sldId id="333" r:id="rId22"/>
+    <p:sldId id="348" r:id="rId23"/>
+    <p:sldId id="335" r:id="rId24"/>
+    <p:sldId id="349" r:id="rId25"/>
+    <p:sldId id="347" r:id="rId26"/>
+    <p:sldId id="325" r:id="rId27"/>
+    <p:sldId id="346" r:id="rId28"/>
   </p:sldIdLst>
   <p:sldSz cx="9144000" cy="6858000" type="screen4x3"/>
   <p:notesSz cx="6858000" cy="9144000"/>
@@ -634,7 +635,7 @@
           <a:p>
             <a:fld id="{165BAAFA-8569-4F3A-B5A8-377F352D7750}" type="slidenum">
               <a:rPr lang="en-US" smtClean="0"/>
-              <a:t>2</a:t>
+              <a:t>3</a:t>
             </a:fld>
             <a:endParaRPr lang="en-US"/>
           </a:p>
@@ -718,7 +719,7 @@
           <a:p>
             <a:fld id="{165BAAFA-8569-4F3A-B5A8-377F352D7750}" type="slidenum">
               <a:rPr lang="en-US" smtClean="0"/>
-              <a:t>3</a:t>
+              <a:t>4</a:t>
             </a:fld>
             <a:endParaRPr lang="en-US"/>
           </a:p>
@@ -4354,6 +4355,90 @@
             <a:spLocks noGrp="1"/>
           </p:cNvSpPr>
           <p:nvPr>
+            <p:ph type="ctrTitle"/>
+          </p:nvPr>
+        </p:nvSpPr>
+        <p:spPr>
+          <a:xfrm>
+            <a:off x="762000" y="4724400"/>
+            <a:ext cx="7543800" cy="1524000"/>
+          </a:xfrm>
+        </p:spPr>
+        <p:txBody>
+          <a:bodyPr/>
+          <a:lstStyle/>
+          <a:p>
+            <a:r>
+              <a:rPr lang="en-US" dirty="0" smtClean="0"/>
+              <a:t>Subsystem Descriptions</a:t>
+            </a:r>
+            <a:endParaRPr lang="en-US" dirty="0"/>
+          </a:p>
+        </p:txBody>
+      </p:sp>
+      <p:sp>
+        <p:nvSpPr>
+          <p:cNvPr id="3" name="Subtitle 2"/>
+          <p:cNvSpPr>
+            <a:spLocks noGrp="1"/>
+          </p:cNvSpPr>
+          <p:nvPr>
+            <p:ph type="subTitle" idx="1"/>
+          </p:nvPr>
+        </p:nvSpPr>
+        <p:spPr/>
+        <p:txBody>
+          <a:bodyPr/>
+          <a:lstStyle/>
+          <a:p>
+            <a:endParaRPr lang="en-US"/>
+          </a:p>
+        </p:txBody>
+      </p:sp>
+    </p:spTree>
+    <p:extLst>
+      <p:ext uri="{BB962C8B-B14F-4D97-AF65-F5344CB8AC3E}">
+        <p14:creationId xmlns:p14="http://schemas.microsoft.com/office/powerpoint/2010/main" val="1673182452"/>
+      </p:ext>
+    </p:extLst>
+  </p:cSld>
+  <p:clrMapOvr>
+    <a:masterClrMapping/>
+  </p:clrMapOvr>
+  <p:timing>
+    <p:tnLst>
+      <p:par>
+        <p:cTn id="1" dur="indefinite" restart="never" nodeType="tmRoot"/>
+      </p:par>
+    </p:tnLst>
+  </p:timing>
+</p:sld>
+</file>
+
+<file path=ppt/slides/slide11.xml><?xml version="1.0" encoding="utf-8"?>
+<p:sld xmlns:a="http://schemas.openxmlformats.org/drawingml/2006/main" xmlns:r="http://schemas.openxmlformats.org/officeDocument/2006/relationships" xmlns:p="http://schemas.openxmlformats.org/presentationml/2006/main">
+  <p:cSld>
+    <p:spTree>
+      <p:nvGrpSpPr>
+        <p:cNvPr id="1" name=""/>
+        <p:cNvGrpSpPr/>
+        <p:nvPr/>
+      </p:nvGrpSpPr>
+      <p:grpSpPr>
+        <a:xfrm>
+          <a:off x="0" y="0"/>
+          <a:ext cx="0" cy="0"/>
+          <a:chOff x="0" y="0"/>
+          <a:chExt cx="0" cy="0"/>
+        </a:xfrm>
+      </p:grpSpPr>
+      <p:sp>
+        <p:nvSpPr>
+          <p:cNvPr id="2" name="Title 1"/>
+          <p:cNvSpPr>
+            <a:spLocks noGrp="1"/>
+          </p:cNvSpPr>
+          <p:nvPr>
             <p:ph type="title"/>
           </p:nvPr>
         </p:nvSpPr>
@@ -4391,7 +4476,7 @@
       </p:sp>
       <p:pic>
         <p:nvPicPr>
-          <p:cNvPr id="1027" name="Picture 3"/>
+          <p:cNvPr id="2050" name="Picture 2"/>
           <p:cNvPicPr>
             <a:picLocks noChangeAspect="1" noChangeArrowheads="1"/>
           </p:cNvPicPr>
@@ -4412,8 +4497,8 @@
         </p:blipFill>
         <p:spPr bwMode="auto">
           <a:xfrm>
-            <a:off x="762000" y="762000"/>
-            <a:ext cx="7467600" cy="4276139"/>
+            <a:off x="1049869" y="685800"/>
+            <a:ext cx="6874931" cy="4419599"/>
           </a:xfrm>
           <a:prstGeom prst="rect">
             <a:avLst/>
@@ -4473,7 +4558,7 @@
 </p:sld>
 </file>
 
-<file path=ppt/slides/slide11.xml><?xml version="1.0" encoding="utf-8"?>
+<file path=ppt/slides/slide12.xml><?xml version="1.0" encoding="utf-8"?>
 <p:sld xmlns:a="http://schemas.openxmlformats.org/drawingml/2006/main" xmlns:r="http://schemas.openxmlformats.org/officeDocument/2006/relationships" xmlns:p="http://schemas.openxmlformats.org/presentationml/2006/main">
   <p:cSld>
     <p:spTree>
@@ -4534,7 +4619,7 @@
       </p:sp>
       <p:pic>
         <p:nvPicPr>
-          <p:cNvPr id="3074" name="Picture 2"/>
+          <p:cNvPr id="4" name="Picture 2"/>
           <p:cNvPicPr>
             <a:picLocks noChangeAspect="1" noChangeArrowheads="1"/>
           </p:cNvPicPr>
@@ -4555,8 +4640,8 @@
         </p:blipFill>
         <p:spPr bwMode="auto">
           <a:xfrm>
-            <a:off x="1676400" y="685800"/>
-            <a:ext cx="5410912" cy="4180271"/>
+            <a:off x="1371600" y="609600"/>
+            <a:ext cx="5954950" cy="4600575"/>
           </a:xfrm>
           <a:prstGeom prst="rect">
             <a:avLst/>
@@ -4616,7 +4701,7 @@
 </p:sld>
 </file>
 
-<file path=ppt/slides/slide12.xml><?xml version="1.0" encoding="utf-8"?>
+<file path=ppt/slides/slide13.xml><?xml version="1.0" encoding="utf-8"?>
 <p:sld xmlns:a="http://schemas.openxmlformats.org/drawingml/2006/main" xmlns:r="http://schemas.openxmlformats.org/officeDocument/2006/relationships" xmlns:p="http://schemas.openxmlformats.org/presentationml/2006/main">
   <p:cSld>
     <p:spTree>
@@ -4677,7 +4762,7 @@
       </p:sp>
       <p:pic>
         <p:nvPicPr>
-          <p:cNvPr id="4098" name="Picture 2"/>
+          <p:cNvPr id="4099" name="Picture 3"/>
           <p:cNvPicPr>
             <a:picLocks noChangeAspect="1" noChangeArrowheads="1"/>
           </p:cNvPicPr>
@@ -4698,8 +4783,8 @@
         </p:blipFill>
         <p:spPr bwMode="auto">
           <a:xfrm>
-            <a:off x="1981200" y="533400"/>
-            <a:ext cx="4724400" cy="4556868"/>
+            <a:off x="1676400" y="532320"/>
+            <a:ext cx="5257800" cy="4717104"/>
           </a:xfrm>
           <a:prstGeom prst="rect">
             <a:avLst/>
@@ -4759,7 +4844,7 @@
 </p:sld>
 </file>
 
-<file path=ppt/slides/slide13.xml><?xml version="1.0" encoding="utf-8"?>
+<file path=ppt/slides/slide14.xml><?xml version="1.0" encoding="utf-8"?>
 <p:sld xmlns:a="http://schemas.openxmlformats.org/drawingml/2006/main" xmlns:r="http://schemas.openxmlformats.org/officeDocument/2006/relationships" xmlns:p="http://schemas.openxmlformats.org/presentationml/2006/main">
   <p:cSld>
     <p:spTree>
@@ -4820,7 +4905,7 @@
       </p:sp>
       <p:pic>
         <p:nvPicPr>
-          <p:cNvPr id="5122" name="Picture 2"/>
+          <p:cNvPr id="4" name="Picture 2"/>
           <p:cNvPicPr>
             <a:picLocks noChangeAspect="1" noChangeArrowheads="1"/>
           </p:cNvPicPr>
@@ -4841,8 +4926,8 @@
         </p:blipFill>
         <p:spPr bwMode="auto">
           <a:xfrm>
-            <a:off x="1143000" y="685801"/>
-            <a:ext cx="6381297" cy="4343399"/>
+            <a:off x="1143000" y="609600"/>
+            <a:ext cx="6881159" cy="4683627"/>
           </a:xfrm>
           <a:prstGeom prst="rect">
             <a:avLst/>
@@ -4902,7 +4987,7 @@
 </p:sld>
 </file>
 
-<file path=ppt/slides/slide14.xml><?xml version="1.0" encoding="utf-8"?>
+<file path=ppt/slides/slide15.xml><?xml version="1.0" encoding="utf-8"?>
 <p:sld xmlns:a="http://schemas.openxmlformats.org/drawingml/2006/main" xmlns:r="http://schemas.openxmlformats.org/officeDocument/2006/relationships" xmlns:p="http://schemas.openxmlformats.org/presentationml/2006/main">
   <p:cSld>
     <p:spTree>
@@ -4963,7 +5048,7 @@
       </p:sp>
       <p:pic>
         <p:nvPicPr>
-          <p:cNvPr id="6146" name="Picture 2"/>
+          <p:cNvPr id="4" name="Picture 2"/>
           <p:cNvPicPr>
             <a:picLocks noChangeAspect="1" noChangeArrowheads="1"/>
           </p:cNvPicPr>
@@ -4984,8 +5069,8 @@
         </p:blipFill>
         <p:spPr bwMode="auto">
           <a:xfrm>
-            <a:off x="296165" y="733425"/>
-            <a:ext cx="8466835" cy="3990975"/>
+            <a:off x="228600" y="951752"/>
+            <a:ext cx="8625466" cy="3536110"/>
           </a:xfrm>
           <a:prstGeom prst="rect">
             <a:avLst/>
@@ -5045,90 +5130,6 @@
 </p:sld>
 </file>
 
-<file path=ppt/slides/slide15.xml><?xml version="1.0" encoding="utf-8"?>
-<p:sld xmlns:a="http://schemas.openxmlformats.org/drawingml/2006/main" xmlns:r="http://schemas.openxmlformats.org/officeDocument/2006/relationships" xmlns:p="http://schemas.openxmlformats.org/presentationml/2006/main">
-  <p:cSld>
-    <p:spTree>
-      <p:nvGrpSpPr>
-        <p:cNvPr id="1" name=""/>
-        <p:cNvGrpSpPr/>
-        <p:nvPr/>
-      </p:nvGrpSpPr>
-      <p:grpSpPr>
-        <a:xfrm>
-          <a:off x="0" y="0"/>
-          <a:ext cx="0" cy="0"/>
-          <a:chOff x="0" y="0"/>
-          <a:chExt cx="0" cy="0"/>
-        </a:xfrm>
-      </p:grpSpPr>
-      <p:sp>
-        <p:nvSpPr>
-          <p:cNvPr id="2" name="Title 1"/>
-          <p:cNvSpPr>
-            <a:spLocks noGrp="1"/>
-          </p:cNvSpPr>
-          <p:nvPr>
-            <p:ph type="ctrTitle"/>
-          </p:nvPr>
-        </p:nvSpPr>
-        <p:spPr>
-          <a:xfrm>
-            <a:off x="762000" y="4724400"/>
-            <a:ext cx="7543800" cy="1524000"/>
-          </a:xfrm>
-        </p:spPr>
-        <p:txBody>
-          <a:bodyPr/>
-          <a:lstStyle/>
-          <a:p>
-            <a:r>
-              <a:rPr lang="en-US" dirty="0" smtClean="0"/>
-              <a:t>Data Flows</a:t>
-            </a:r>
-            <a:endParaRPr lang="en-US" dirty="0"/>
-          </a:p>
-        </p:txBody>
-      </p:sp>
-      <p:sp>
-        <p:nvSpPr>
-          <p:cNvPr id="3" name="Subtitle 2"/>
-          <p:cNvSpPr>
-            <a:spLocks noGrp="1"/>
-          </p:cNvSpPr>
-          <p:nvPr>
-            <p:ph type="subTitle" idx="1"/>
-          </p:nvPr>
-        </p:nvSpPr>
-        <p:spPr/>
-        <p:txBody>
-          <a:bodyPr/>
-          <a:lstStyle/>
-          <a:p>
-            <a:endParaRPr lang="en-US"/>
-          </a:p>
-        </p:txBody>
-      </p:sp>
-    </p:spTree>
-    <p:extLst>
-      <p:ext uri="{BB962C8B-B14F-4D97-AF65-F5344CB8AC3E}">
-        <p14:creationId xmlns:p14="http://schemas.microsoft.com/office/powerpoint/2010/main" val="3794040701"/>
-      </p:ext>
-    </p:extLst>
-  </p:cSld>
-  <p:clrMapOvr>
-    <a:masterClrMapping/>
-  </p:clrMapOvr>
-  <p:timing>
-    <p:tnLst>
-      <p:par>
-        <p:cTn id="1" dur="indefinite" restart="never" nodeType="tmRoot"/>
-      </p:par>
-    </p:tnLst>
-  </p:timing>
-</p:sld>
-</file>
-
 <file path=ppt/slides/slide16.xml><?xml version="1.0" encoding="utf-8"?>
 <p:sld xmlns:a="http://schemas.openxmlformats.org/drawingml/2006/main" xmlns:r="http://schemas.openxmlformats.org/officeDocument/2006/relationships" xmlns:p="http://schemas.openxmlformats.org/presentationml/2006/main">
   <p:cSld>
@@ -5146,64 +5147,57 @@
           <a:chExt cx="0" cy="0"/>
         </a:xfrm>
       </p:grpSpPr>
-      <p:pic>
-        <p:nvPicPr>
-          <p:cNvPr id="2" name="Picture 2" descr="Untitled"/>
-          <p:cNvPicPr>
-            <a:picLocks noChangeAspect="1" noChangeArrowheads="1"/>
-          </p:cNvPicPr>
-          <p:nvPr/>
-        </p:nvPicPr>
-        <p:blipFill>
-          <a:blip r:embed="rId2">
-            <a:extLst>
-              <a:ext uri="{28A0092B-C50C-407E-A947-70E740481C1C}">
-                <a14:useLocalDpi xmlns:a14="http://schemas.microsoft.com/office/drawing/2010/main" val="0"/>
-              </a:ext>
-            </a:extLst>
-          </a:blip>
-          <a:srcRect/>
-          <a:stretch>
-            <a:fillRect/>
-          </a:stretch>
-        </p:blipFill>
-        <p:spPr bwMode="auto">
+      <p:sp>
+        <p:nvSpPr>
+          <p:cNvPr id="2" name="Title 1"/>
+          <p:cNvSpPr>
+            <a:spLocks noGrp="1"/>
+          </p:cNvSpPr>
+          <p:nvPr>
+            <p:ph type="ctrTitle"/>
+          </p:nvPr>
+        </p:nvSpPr>
+        <p:spPr>
           <a:xfrm>
-            <a:off x="914400" y="0"/>
-            <a:ext cx="6858000" cy="6880456"/>
+            <a:off x="762000" y="4724400"/>
+            <a:ext cx="7543800" cy="1524000"/>
           </a:xfrm>
-          <a:prstGeom prst="rect">
-            <a:avLst/>
-          </a:prstGeom>
-          <a:noFill/>
-          <a:ln>
-            <a:noFill/>
-          </a:ln>
-          <a:extLst>
-            <a:ext uri="{909E8E84-426E-40DD-AFC4-6F175D3DCCD1}">
-              <a14:hiddenFill xmlns:a14="http://schemas.microsoft.com/office/drawing/2010/main">
-                <a:solidFill>
-                  <a:srgbClr val="FFFFFF"/>
-                </a:solidFill>
-              </a14:hiddenFill>
-            </a:ext>
-            <a:ext uri="{91240B29-F687-4F45-9708-019B960494DF}">
-              <a14:hiddenLine xmlns:a14="http://schemas.microsoft.com/office/drawing/2010/main" w="9525">
-                <a:solidFill>
-                  <a:srgbClr val="000000"/>
-                </a:solidFill>
-                <a:miter lim="800000"/>
-                <a:headEnd/>
-                <a:tailEnd/>
-              </a14:hiddenLine>
-            </a:ext>
-          </a:extLst>
         </p:spPr>
-      </p:pic>
+        <p:txBody>
+          <a:bodyPr/>
+          <a:lstStyle/>
+          <a:p>
+            <a:r>
+              <a:rPr lang="en-US" dirty="0" smtClean="0"/>
+              <a:t>Data Flows</a:t>
+            </a:r>
+            <a:endParaRPr lang="en-US" dirty="0"/>
+          </a:p>
+        </p:txBody>
+      </p:sp>
+      <p:sp>
+        <p:nvSpPr>
+          <p:cNvPr id="3" name="Subtitle 2"/>
+          <p:cNvSpPr>
+            <a:spLocks noGrp="1"/>
+          </p:cNvSpPr>
+          <p:nvPr>
+            <p:ph type="subTitle" idx="1"/>
+          </p:nvPr>
+        </p:nvSpPr>
+        <p:spPr/>
+        <p:txBody>
+          <a:bodyPr/>
+          <a:lstStyle/>
+          <a:p>
+            <a:endParaRPr lang="en-US"/>
+          </a:p>
+        </p:txBody>
+      </p:sp>
     </p:spTree>
     <p:extLst>
       <p:ext uri="{BB962C8B-B14F-4D97-AF65-F5344CB8AC3E}">
-        <p14:creationId xmlns:p14="http://schemas.microsoft.com/office/powerpoint/2010/main" val="2291719107"/>
+        <p14:creationId xmlns:p14="http://schemas.microsoft.com/office/powerpoint/2010/main" val="3794040701"/>
       </p:ext>
     </p:extLst>
   </p:cSld>
@@ -5237,38 +5231,74 @@
           <a:chExt cx="0" cy="0"/>
         </a:xfrm>
       </p:grpSpPr>
-      <p:sp>
-        <p:nvSpPr>
-          <p:cNvPr id="2" name="Title 1"/>
-          <p:cNvSpPr>
-            <a:spLocks noGrp="1"/>
-          </p:cNvSpPr>
-          <p:nvPr>
-            <p:ph type="ctrTitle"/>
-          </p:nvPr>
-        </p:nvSpPr>
-        <p:spPr>
+      <p:pic>
+        <p:nvPicPr>
+          <p:cNvPr id="7170" name="Picture 2"/>
+          <p:cNvPicPr>
+            <a:picLocks noChangeAspect="1" noChangeArrowheads="1"/>
+          </p:cNvPicPr>
+          <p:nvPr/>
+        </p:nvPicPr>
+        <p:blipFill>
+          <a:blip r:embed="rId2">
+            <a:extLst>
+              <a:ext uri="{28A0092B-C50C-407E-A947-70E740481C1C}">
+                <a14:useLocalDpi xmlns:a14="http://schemas.microsoft.com/office/drawing/2010/main" val="0"/>
+              </a:ext>
+            </a:extLst>
+          </a:blip>
+          <a:srcRect/>
+          <a:stretch>
+            <a:fillRect/>
+          </a:stretch>
+        </p:blipFill>
+        <p:spPr bwMode="auto">
           <a:xfrm>
-            <a:off x="762000" y="4724400"/>
-            <a:ext cx="7543800" cy="1524000"/>
+            <a:off x="1219200" y="1"/>
+            <a:ext cx="6511198" cy="6858000"/>
           </a:xfrm>
+          <a:prstGeom prst="rect">
+            <a:avLst/>
+          </a:prstGeom>
+          <a:noFill/>
+          <a:ln>
+            <a:noFill/>
+          </a:ln>
+          <a:effectLst/>
+          <a:extLst>
+            <a:ext uri="{909E8E84-426E-40DD-AFC4-6F175D3DCCD1}">
+              <a14:hiddenFill xmlns:a14="http://schemas.microsoft.com/office/drawing/2010/main">
+                <a:solidFill>
+                  <a:schemeClr val="accent1"/>
+                </a:solidFill>
+              </a14:hiddenFill>
+            </a:ext>
+            <a:ext uri="{91240B29-F687-4F45-9708-019B960494DF}">
+              <a14:hiddenLine xmlns:a14="http://schemas.microsoft.com/office/drawing/2010/main" w="9525">
+                <a:solidFill>
+                  <a:schemeClr val="tx1"/>
+                </a:solidFill>
+                <a:miter lim="800000"/>
+                <a:headEnd/>
+                <a:tailEnd/>
+              </a14:hiddenLine>
+            </a:ext>
+            <a:ext uri="{AF507438-7753-43E0-B8FC-AC1667EBCBE1}">
+              <a14:hiddenEffects xmlns:a14="http://schemas.microsoft.com/office/drawing/2010/main">
+                <a:effectLst>
+                  <a:outerShdw dist="35921" dir="2700000" algn="ctr" rotWithShape="0">
+                    <a:schemeClr val="bg2"/>
+                  </a:outerShdw>
+                </a:effectLst>
+              </a14:hiddenEffects>
+            </a:ext>
+          </a:extLst>
         </p:spPr>
-        <p:txBody>
-          <a:bodyPr/>
-          <a:lstStyle/>
-          <a:p>
-            <a:r>
-              <a:rPr lang="en-US" dirty="0" smtClean="0"/>
-              <a:t>Use Cases</a:t>
-            </a:r>
-            <a:endParaRPr lang="en-US" dirty="0"/>
-          </a:p>
-        </p:txBody>
-      </p:sp>
+      </p:pic>
     </p:spTree>
     <p:extLst>
       <p:ext uri="{BB962C8B-B14F-4D97-AF65-F5344CB8AC3E}">
-        <p14:creationId xmlns:p14="http://schemas.microsoft.com/office/powerpoint/2010/main" val="3400293301"/>
+        <p14:creationId xmlns:p14="http://schemas.microsoft.com/office/powerpoint/2010/main" val="2291719107"/>
       </p:ext>
     </p:extLst>
   </p:cSld>
@@ -5324,35 +5354,16 @@
           <a:p>
             <a:r>
               <a:rPr lang="en-US" dirty="0" smtClean="0"/>
-              <a:t>Requirement Mapping</a:t>
+              <a:t>Use Cases</a:t>
             </a:r>
             <a:endParaRPr lang="en-US" dirty="0"/>
-          </a:p>
-        </p:txBody>
-      </p:sp>
-      <p:sp>
-        <p:nvSpPr>
-          <p:cNvPr id="3" name="Subtitle 2"/>
-          <p:cNvSpPr>
-            <a:spLocks noGrp="1"/>
-          </p:cNvSpPr>
-          <p:nvPr>
-            <p:ph type="subTitle" idx="1"/>
-          </p:nvPr>
-        </p:nvSpPr>
-        <p:spPr/>
-        <p:txBody>
-          <a:bodyPr/>
-          <a:lstStyle/>
-          <a:p>
-            <a:endParaRPr lang="en-US"/>
           </a:p>
         </p:txBody>
       </p:sp>
     </p:spTree>
     <p:extLst>
       <p:ext uri="{BB962C8B-B14F-4D97-AF65-F5344CB8AC3E}">
-        <p14:creationId xmlns:p14="http://schemas.microsoft.com/office/powerpoint/2010/main" val="1781556997"/>
+        <p14:creationId xmlns:p14="http://schemas.microsoft.com/office/powerpoint/2010/main" val="3400293301"/>
       </p:ext>
     </p:extLst>
   </p:cSld>
@@ -5393,7 +5404,35 @@
             <a:spLocks noGrp="1"/>
           </p:cNvSpPr>
           <p:nvPr>
-            <p:ph type="title"/>
+            <p:ph type="ctrTitle"/>
+          </p:nvPr>
+        </p:nvSpPr>
+        <p:spPr>
+          <a:xfrm>
+            <a:off x="762000" y="4724400"/>
+            <a:ext cx="7543800" cy="1524000"/>
+          </a:xfrm>
+        </p:spPr>
+        <p:txBody>
+          <a:bodyPr/>
+          <a:lstStyle/>
+          <a:p>
+            <a:r>
+              <a:rPr lang="en-US" dirty="0" smtClean="0"/>
+              <a:t>Requirement Mapping</a:t>
+            </a:r>
+            <a:endParaRPr lang="en-US" dirty="0"/>
+          </a:p>
+        </p:txBody>
+      </p:sp>
+      <p:sp>
+        <p:nvSpPr>
+          <p:cNvPr id="3" name="Subtitle 2"/>
+          <p:cNvSpPr>
+            <a:spLocks noGrp="1"/>
+          </p:cNvSpPr>
+          <p:nvPr>
+            <p:ph type="subTitle" idx="1"/>
           </p:nvPr>
         </p:nvSpPr>
         <p:spPr/>
@@ -5401,2522 +5440,14 @@
           <a:bodyPr/>
           <a:lstStyle/>
           <a:p>
-            <a:r>
-              <a:rPr lang="en-US" dirty="0" smtClean="0"/>
-              <a:t>Key Requirements</a:t>
-            </a:r>
-            <a:endParaRPr lang="en-US" dirty="0"/>
-          </a:p>
-        </p:txBody>
-      </p:sp>
-      <p:graphicFrame>
-        <p:nvGraphicFramePr>
-          <p:cNvPr id="5" name="Content Placeholder 4"/>
-          <p:cNvGraphicFramePr>
-            <a:graphicFrameLocks noGrp="1"/>
-          </p:cNvGraphicFramePr>
-          <p:nvPr>
-            <p:ph idx="1"/>
-            <p:extLst>
-              <p:ext uri="{D42A27DB-BD31-4B8C-83A1-F6EECF244321}">
-                <p14:modId xmlns:p14="http://schemas.microsoft.com/office/powerpoint/2010/main" val="1105056789"/>
-              </p:ext>
-            </p:extLst>
-          </p:nvPr>
-        </p:nvGraphicFramePr>
-        <p:xfrm>
-          <a:off x="152400" y="838200"/>
-          <a:ext cx="8903674" cy="3840480"/>
-        </p:xfrm>
-        <a:graphic>
-          <a:graphicData uri="http://schemas.openxmlformats.org/drawingml/2006/table">
-            <a:tbl>
-              <a:tblPr firstRow="1" firstCol="1" bandRow="1">
-                <a:tableStyleId>{5C22544A-7EE6-4342-B048-85BDC9FD1C3A}</a:tableStyleId>
-              </a:tblPr>
-              <a:tblGrid>
-                <a:gridCol w="718037"/>
-                <a:gridCol w="4604237"/>
-                <a:gridCol w="685800"/>
-                <a:gridCol w="762000"/>
-                <a:gridCol w="762000"/>
-                <a:gridCol w="685800"/>
-                <a:gridCol w="685800"/>
-              </a:tblGrid>
-              <a:tr h="92122">
-                <a:tc>
-                  <a:txBody>
-                    <a:bodyPr/>
-                    <a:lstStyle/>
-                    <a:p>
-                      <a:pPr marL="0" marR="0">
-                        <a:spcBef>
-                          <a:spcPts val="0"/>
-                        </a:spcBef>
-                        <a:spcAft>
-                          <a:spcPts val="0"/>
-                        </a:spcAft>
-                      </a:pPr>
-                      <a:r>
-                        <a:rPr lang="en-US" sz="1400" dirty="0">
-                          <a:effectLst/>
-                        </a:rPr>
-                        <a:t>Number</a:t>
-                      </a:r>
-                      <a:endParaRPr lang="en-US" sz="1600" dirty="0">
-                        <a:effectLst/>
-                        <a:latin typeface="Times New Roman"/>
-                        <a:ea typeface="Times New Roman"/>
-                      </a:endParaRPr>
-                    </a:p>
-                  </a:txBody>
-                  <a:tcPr marL="20881" marR="20881" marT="0" marB="0"/>
-                </a:tc>
-                <a:tc>
-                  <a:txBody>
-                    <a:bodyPr/>
-                    <a:lstStyle/>
-                    <a:p>
-                      <a:pPr marL="0" marR="0">
-                        <a:spcBef>
-                          <a:spcPts val="0"/>
-                        </a:spcBef>
-                        <a:spcAft>
-                          <a:spcPts val="0"/>
-                        </a:spcAft>
-                      </a:pPr>
-                      <a:r>
-                        <a:rPr lang="en-US" sz="1400" dirty="0">
-                          <a:effectLst/>
-                        </a:rPr>
-                        <a:t>Requirement</a:t>
-                      </a:r>
-                      <a:endParaRPr lang="en-US" sz="1600" dirty="0">
-                        <a:effectLst/>
-                        <a:latin typeface="Times New Roman"/>
-                        <a:ea typeface="Times New Roman"/>
-                      </a:endParaRPr>
-                    </a:p>
-                  </a:txBody>
-                  <a:tcPr marL="20881" marR="20881" marT="0" marB="0"/>
-                </a:tc>
-                <a:tc>
-                  <a:txBody>
-                    <a:bodyPr/>
-                    <a:lstStyle/>
-                    <a:p>
-                      <a:pPr marL="0" marR="0">
-                        <a:spcBef>
-                          <a:spcPts val="0"/>
-                        </a:spcBef>
-                        <a:spcAft>
-                          <a:spcPts val="0"/>
-                        </a:spcAft>
-                      </a:pPr>
-                      <a:r>
-                        <a:rPr lang="en-US" sz="1400">
-                          <a:effectLst/>
-                        </a:rPr>
-                        <a:t>Storage Layer</a:t>
-                      </a:r>
-                      <a:endParaRPr lang="en-US" sz="1600">
-                        <a:effectLst/>
-                        <a:latin typeface="Times New Roman"/>
-                        <a:ea typeface="Times New Roman"/>
-                      </a:endParaRPr>
-                    </a:p>
-                  </a:txBody>
-                  <a:tcPr marL="20881" marR="20881" marT="0" marB="0"/>
-                </a:tc>
-                <a:tc>
-                  <a:txBody>
-                    <a:bodyPr/>
-                    <a:lstStyle/>
-                    <a:p>
-                      <a:pPr marL="0" marR="0">
-                        <a:spcBef>
-                          <a:spcPts val="0"/>
-                        </a:spcBef>
-                        <a:spcAft>
-                          <a:spcPts val="0"/>
-                        </a:spcAft>
-                      </a:pPr>
-                      <a:r>
-                        <a:rPr lang="en-US" sz="1400">
-                          <a:effectLst/>
-                        </a:rPr>
-                        <a:t>Process Layer</a:t>
-                      </a:r>
-                      <a:endParaRPr lang="en-US" sz="1600">
-                        <a:effectLst/>
-                        <a:latin typeface="Times New Roman"/>
-                        <a:ea typeface="Times New Roman"/>
-                      </a:endParaRPr>
-                    </a:p>
-                  </a:txBody>
-                  <a:tcPr marL="20881" marR="20881" marT="0" marB="0"/>
-                </a:tc>
-                <a:tc>
-                  <a:txBody>
-                    <a:bodyPr/>
-                    <a:lstStyle/>
-                    <a:p>
-                      <a:pPr marL="0" marR="0">
-                        <a:spcBef>
-                          <a:spcPts val="0"/>
-                        </a:spcBef>
-                        <a:spcAft>
-                          <a:spcPts val="0"/>
-                        </a:spcAft>
-                      </a:pPr>
-                      <a:r>
-                        <a:rPr lang="en-US" sz="1400">
-                          <a:effectLst/>
-                        </a:rPr>
-                        <a:t>Input Layer</a:t>
-                      </a:r>
-                      <a:endParaRPr lang="en-US" sz="1600">
-                        <a:effectLst/>
-                        <a:latin typeface="Times New Roman"/>
-                        <a:ea typeface="Times New Roman"/>
-                      </a:endParaRPr>
-                    </a:p>
-                  </a:txBody>
-                  <a:tcPr marL="20881" marR="20881" marT="0" marB="0"/>
-                </a:tc>
-                <a:tc>
-                  <a:txBody>
-                    <a:bodyPr/>
-                    <a:lstStyle/>
-                    <a:p>
-                      <a:pPr marL="0" marR="0">
-                        <a:spcBef>
-                          <a:spcPts val="0"/>
-                        </a:spcBef>
-                        <a:spcAft>
-                          <a:spcPts val="0"/>
-                        </a:spcAft>
-                      </a:pPr>
-                      <a:r>
-                        <a:rPr lang="en-US" sz="1400">
-                          <a:effectLst/>
-                        </a:rPr>
-                        <a:t>Output Layer</a:t>
-                      </a:r>
-                      <a:endParaRPr lang="en-US" sz="1600">
-                        <a:effectLst/>
-                        <a:latin typeface="Times New Roman"/>
-                        <a:ea typeface="Times New Roman"/>
-                      </a:endParaRPr>
-                    </a:p>
-                  </a:txBody>
-                  <a:tcPr marL="20881" marR="20881" marT="0" marB="0"/>
-                </a:tc>
-                <a:tc>
-                  <a:txBody>
-                    <a:bodyPr/>
-                    <a:lstStyle/>
-                    <a:p>
-                      <a:pPr marL="0" marR="0">
-                        <a:spcBef>
-                          <a:spcPts val="0"/>
-                        </a:spcBef>
-                        <a:spcAft>
-                          <a:spcPts val="0"/>
-                        </a:spcAft>
-                      </a:pPr>
-                      <a:r>
-                        <a:rPr lang="en-US" sz="1400">
-                          <a:effectLst/>
-                        </a:rPr>
-                        <a:t>GUI Layer</a:t>
-                      </a:r>
-                      <a:endParaRPr lang="en-US" sz="1600">
-                        <a:effectLst/>
-                        <a:latin typeface="Times New Roman"/>
-                        <a:ea typeface="Times New Roman"/>
-                      </a:endParaRPr>
-                    </a:p>
-                  </a:txBody>
-                  <a:tcPr marL="20881" marR="20881" marT="0" marB="0"/>
-                </a:tc>
-              </a:tr>
-              <a:tr h="162135">
-                <a:tc>
-                  <a:txBody>
-                    <a:bodyPr/>
-                    <a:lstStyle/>
-                    <a:p>
-                      <a:pPr marL="0" marR="0" algn="r">
-                        <a:spcBef>
-                          <a:spcPts val="0"/>
-                        </a:spcBef>
-                        <a:spcAft>
-                          <a:spcPts val="0"/>
-                        </a:spcAft>
-                      </a:pPr>
-                      <a:r>
-                        <a:rPr lang="en-US" sz="1400">
-                          <a:effectLst/>
-                        </a:rPr>
-                        <a:t>3.1</a:t>
-                      </a:r>
-                      <a:endParaRPr lang="en-US" sz="1600">
-                        <a:effectLst/>
-                        <a:latin typeface="Times New Roman"/>
-                        <a:ea typeface="Times New Roman"/>
-                      </a:endParaRPr>
-                    </a:p>
-                  </a:txBody>
-                  <a:tcPr marL="20881" marR="20881" marT="0" marB="0"/>
-                </a:tc>
-                <a:tc>
-                  <a:txBody>
-                    <a:bodyPr/>
-                    <a:lstStyle/>
-                    <a:p>
-                      <a:pPr marL="0" marR="0">
-                        <a:spcBef>
-                          <a:spcPts val="0"/>
-                        </a:spcBef>
-                        <a:spcAft>
-                          <a:spcPts val="0"/>
-                        </a:spcAft>
-                      </a:pPr>
-                      <a:r>
-                        <a:rPr lang="en-US" sz="1400">
-                          <a:effectLst/>
-                        </a:rPr>
-                        <a:t>Power on/off easily</a:t>
-                      </a:r>
-                      <a:endParaRPr lang="en-US" sz="1600">
-                        <a:effectLst/>
-                        <a:latin typeface="Times New Roman"/>
-                        <a:ea typeface="Times New Roman"/>
-                      </a:endParaRPr>
-                    </a:p>
-                  </a:txBody>
-                  <a:tcPr marL="20881" marR="20881" marT="0" marB="0"/>
-                </a:tc>
-                <a:tc>
-                  <a:txBody>
-                    <a:bodyPr/>
-                    <a:lstStyle/>
-                    <a:p>
-                      <a:endParaRPr lang="en-US" sz="1400">
-                        <a:effectLst/>
-                        <a:latin typeface="Times New Roman"/>
-                      </a:endParaRPr>
-                    </a:p>
-                  </a:txBody>
-                  <a:tcPr marL="20881" marR="20881" marT="0" marB="0"/>
-                </a:tc>
-                <a:tc>
-                  <a:txBody>
-                    <a:bodyPr/>
-                    <a:lstStyle/>
-                    <a:p>
-                      <a:endParaRPr lang="en-US" sz="1400">
-                        <a:effectLst/>
-                        <a:latin typeface="Times New Roman"/>
-                      </a:endParaRPr>
-                    </a:p>
-                  </a:txBody>
-                  <a:tcPr marL="20881" marR="20881" marT="0" marB="0"/>
-                </a:tc>
-                <a:tc>
-                  <a:txBody>
-                    <a:bodyPr/>
-                    <a:lstStyle/>
-                    <a:p>
-                      <a:pPr marL="0" marR="0" algn="ctr">
-                        <a:spcBef>
-                          <a:spcPts val="0"/>
-                        </a:spcBef>
-                        <a:spcAft>
-                          <a:spcPts val="0"/>
-                        </a:spcAft>
-                      </a:pPr>
-                      <a:r>
-                        <a:rPr lang="en-US" sz="1400">
-                          <a:effectLst/>
-                        </a:rPr>
-                        <a:t>X</a:t>
-                      </a:r>
-                      <a:endParaRPr lang="en-US" sz="1600">
-                        <a:effectLst/>
-                        <a:latin typeface="Times New Roman"/>
-                        <a:ea typeface="Times New Roman"/>
-                      </a:endParaRPr>
-                    </a:p>
-                  </a:txBody>
-                  <a:tcPr marL="20881" marR="20881" marT="0" marB="0"/>
-                </a:tc>
-                <a:tc>
-                  <a:txBody>
-                    <a:bodyPr/>
-                    <a:lstStyle/>
-                    <a:p>
-                      <a:endParaRPr lang="en-US" sz="1400">
-                        <a:effectLst/>
-                        <a:latin typeface="Times New Roman"/>
-                      </a:endParaRPr>
-                    </a:p>
-                  </a:txBody>
-                  <a:tcPr marL="20881" marR="20881" marT="0" marB="0"/>
-                </a:tc>
-                <a:tc>
-                  <a:txBody>
-                    <a:bodyPr/>
-                    <a:lstStyle/>
-                    <a:p>
-                      <a:endParaRPr lang="en-US" sz="1400">
-                        <a:effectLst/>
-                        <a:latin typeface="Times New Roman"/>
-                      </a:endParaRPr>
-                    </a:p>
-                  </a:txBody>
-                  <a:tcPr marL="20881" marR="20881" marT="0" marB="0"/>
-                </a:tc>
-              </a:tr>
-              <a:tr h="162135">
-                <a:tc>
-                  <a:txBody>
-                    <a:bodyPr/>
-                    <a:lstStyle/>
-                    <a:p>
-                      <a:pPr marL="0" marR="0" algn="r">
-                        <a:spcBef>
-                          <a:spcPts val="0"/>
-                        </a:spcBef>
-                        <a:spcAft>
-                          <a:spcPts val="0"/>
-                        </a:spcAft>
-                      </a:pPr>
-                      <a:r>
-                        <a:rPr lang="en-US" sz="1400" dirty="0">
-                          <a:effectLst/>
-                        </a:rPr>
-                        <a:t>3.3</a:t>
-                      </a:r>
-                      <a:endParaRPr lang="en-US" sz="1600" dirty="0">
-                        <a:effectLst/>
-                        <a:latin typeface="Times New Roman"/>
-                        <a:ea typeface="Times New Roman"/>
-                      </a:endParaRPr>
-                    </a:p>
-                  </a:txBody>
-                  <a:tcPr marL="20881" marR="20881" marT="0" marB="0"/>
-                </a:tc>
-                <a:tc>
-                  <a:txBody>
-                    <a:bodyPr/>
-                    <a:lstStyle/>
-                    <a:p>
-                      <a:pPr marL="0" marR="0">
-                        <a:spcBef>
-                          <a:spcPts val="0"/>
-                        </a:spcBef>
-                        <a:spcAft>
-                          <a:spcPts val="0"/>
-                        </a:spcAft>
-                      </a:pPr>
-                      <a:r>
-                        <a:rPr lang="en-US" sz="1400">
-                          <a:effectLst/>
-                        </a:rPr>
-                        <a:t>Visually indicate error conditions</a:t>
-                      </a:r>
-                      <a:endParaRPr lang="en-US" sz="1600">
-                        <a:effectLst/>
-                        <a:latin typeface="Times New Roman"/>
-                        <a:ea typeface="Times New Roman"/>
-                      </a:endParaRPr>
-                    </a:p>
-                  </a:txBody>
-                  <a:tcPr marL="20881" marR="20881" marT="0" marB="0"/>
-                </a:tc>
-                <a:tc>
-                  <a:txBody>
-                    <a:bodyPr/>
-                    <a:lstStyle/>
-                    <a:p>
-                      <a:endParaRPr lang="en-US" sz="1400">
-                        <a:effectLst/>
-                        <a:latin typeface="Times New Roman"/>
-                      </a:endParaRPr>
-                    </a:p>
-                  </a:txBody>
-                  <a:tcPr marL="20881" marR="20881" marT="0" marB="0"/>
-                </a:tc>
-                <a:tc>
-                  <a:txBody>
-                    <a:bodyPr/>
-                    <a:lstStyle/>
-                    <a:p>
-                      <a:endParaRPr lang="en-US" sz="1400">
-                        <a:effectLst/>
-                        <a:latin typeface="Times New Roman"/>
-                      </a:endParaRPr>
-                    </a:p>
-                  </a:txBody>
-                  <a:tcPr marL="20881" marR="20881" marT="0" marB="0"/>
-                </a:tc>
-                <a:tc>
-                  <a:txBody>
-                    <a:bodyPr/>
-                    <a:lstStyle/>
-                    <a:p>
-                      <a:endParaRPr lang="en-US" sz="1400">
-                        <a:effectLst/>
-                        <a:latin typeface="Times New Roman"/>
-                      </a:endParaRPr>
-                    </a:p>
-                  </a:txBody>
-                  <a:tcPr marL="20881" marR="20881" marT="0" marB="0"/>
-                </a:tc>
-                <a:tc>
-                  <a:txBody>
-                    <a:bodyPr/>
-                    <a:lstStyle/>
-                    <a:p>
-                      <a:pPr marL="0" marR="0" algn="ctr">
-                        <a:spcBef>
-                          <a:spcPts val="0"/>
-                        </a:spcBef>
-                        <a:spcAft>
-                          <a:spcPts val="0"/>
-                        </a:spcAft>
-                      </a:pPr>
-                      <a:r>
-                        <a:rPr lang="en-US" sz="1400">
-                          <a:effectLst/>
-                        </a:rPr>
-                        <a:t>X</a:t>
-                      </a:r>
-                      <a:endParaRPr lang="en-US" sz="1600">
-                        <a:effectLst/>
-                        <a:latin typeface="Times New Roman"/>
-                        <a:ea typeface="Times New Roman"/>
-                      </a:endParaRPr>
-                    </a:p>
-                  </a:txBody>
-                  <a:tcPr marL="20881" marR="20881" marT="0" marB="0"/>
-                </a:tc>
-                <a:tc>
-                  <a:txBody>
-                    <a:bodyPr/>
-                    <a:lstStyle/>
-                    <a:p>
-                      <a:endParaRPr lang="en-US" sz="1400">
-                        <a:effectLst/>
-                        <a:latin typeface="Times New Roman"/>
-                      </a:endParaRPr>
-                    </a:p>
-                  </a:txBody>
-                  <a:tcPr marL="20881" marR="20881" marT="0" marB="0"/>
-                </a:tc>
-              </a:tr>
-              <a:tr h="167640">
-                <a:tc>
-                  <a:txBody>
-                    <a:bodyPr/>
-                    <a:lstStyle/>
-                    <a:p>
-                      <a:pPr marL="0" marR="0" algn="r">
-                        <a:spcBef>
-                          <a:spcPts val="0"/>
-                        </a:spcBef>
-                        <a:spcAft>
-                          <a:spcPts val="0"/>
-                        </a:spcAft>
-                      </a:pPr>
-                      <a:r>
-                        <a:rPr lang="en-US" sz="1400">
-                          <a:effectLst/>
-                        </a:rPr>
-                        <a:t>3.4</a:t>
-                      </a:r>
-                      <a:endParaRPr lang="en-US" sz="1600">
-                        <a:effectLst/>
-                        <a:latin typeface="Times New Roman"/>
-                        <a:ea typeface="Times New Roman"/>
-                      </a:endParaRPr>
-                    </a:p>
-                  </a:txBody>
-                  <a:tcPr marL="20881" marR="20881" marT="0" marB="0"/>
-                </a:tc>
-                <a:tc>
-                  <a:txBody>
-                    <a:bodyPr/>
-                    <a:lstStyle/>
-                    <a:p>
-                      <a:pPr marL="0" marR="0">
-                        <a:spcBef>
-                          <a:spcPts val="0"/>
-                        </a:spcBef>
-                        <a:spcAft>
-                          <a:spcPts val="0"/>
-                        </a:spcAft>
-                      </a:pPr>
-                      <a:r>
-                        <a:rPr lang="en-US" sz="1400">
-                          <a:effectLst/>
-                        </a:rPr>
-                        <a:t>Indicate when it is operating normally</a:t>
-                      </a:r>
-                      <a:endParaRPr lang="en-US" sz="1600">
-                        <a:effectLst/>
-                        <a:latin typeface="Times New Roman"/>
-                        <a:ea typeface="Times New Roman"/>
-                      </a:endParaRPr>
-                    </a:p>
-                  </a:txBody>
-                  <a:tcPr marL="20881" marR="20881" marT="0" marB="0"/>
-                </a:tc>
-                <a:tc>
-                  <a:txBody>
-                    <a:bodyPr/>
-                    <a:lstStyle/>
-                    <a:p>
-                      <a:endParaRPr lang="en-US" sz="1400">
-                        <a:effectLst/>
-                        <a:latin typeface="Times New Roman"/>
-                      </a:endParaRPr>
-                    </a:p>
-                  </a:txBody>
-                  <a:tcPr marL="20881" marR="20881" marT="0" marB="0"/>
-                </a:tc>
-                <a:tc>
-                  <a:txBody>
-                    <a:bodyPr/>
-                    <a:lstStyle/>
-                    <a:p>
-                      <a:endParaRPr lang="en-US" sz="1400">
-                        <a:effectLst/>
-                        <a:latin typeface="Times New Roman"/>
-                      </a:endParaRPr>
-                    </a:p>
-                  </a:txBody>
-                  <a:tcPr marL="20881" marR="20881" marT="0" marB="0"/>
-                </a:tc>
-                <a:tc>
-                  <a:txBody>
-                    <a:bodyPr/>
-                    <a:lstStyle/>
-                    <a:p>
-                      <a:endParaRPr lang="en-US" sz="1400">
-                        <a:effectLst/>
-                        <a:latin typeface="Times New Roman"/>
-                      </a:endParaRPr>
-                    </a:p>
-                  </a:txBody>
-                  <a:tcPr marL="20881" marR="20881" marT="0" marB="0"/>
-                </a:tc>
-                <a:tc>
-                  <a:txBody>
-                    <a:bodyPr/>
-                    <a:lstStyle/>
-                    <a:p>
-                      <a:pPr marL="0" marR="0" algn="ctr">
-                        <a:spcBef>
-                          <a:spcPts val="0"/>
-                        </a:spcBef>
-                        <a:spcAft>
-                          <a:spcPts val="0"/>
-                        </a:spcAft>
-                      </a:pPr>
-                      <a:r>
-                        <a:rPr lang="en-US" sz="1400">
-                          <a:effectLst/>
-                        </a:rPr>
-                        <a:t>X</a:t>
-                      </a:r>
-                      <a:endParaRPr lang="en-US" sz="1600">
-                        <a:effectLst/>
-                        <a:latin typeface="Times New Roman"/>
-                        <a:ea typeface="Times New Roman"/>
-                      </a:endParaRPr>
-                    </a:p>
-                  </a:txBody>
-                  <a:tcPr marL="20881" marR="20881" marT="0" marB="0"/>
-                </a:tc>
-                <a:tc>
-                  <a:txBody>
-                    <a:bodyPr/>
-                    <a:lstStyle/>
-                    <a:p>
-                      <a:endParaRPr lang="en-US" sz="1400">
-                        <a:effectLst/>
-                        <a:latin typeface="Times New Roman"/>
-                      </a:endParaRPr>
-                    </a:p>
-                  </a:txBody>
-                  <a:tcPr marL="20881" marR="20881" marT="0" marB="0"/>
-                </a:tc>
-              </a:tr>
-              <a:tr h="152400">
-                <a:tc>
-                  <a:txBody>
-                    <a:bodyPr/>
-                    <a:lstStyle/>
-                    <a:p>
-                      <a:pPr marL="0" marR="0" algn="r">
-                        <a:spcBef>
-                          <a:spcPts val="0"/>
-                        </a:spcBef>
-                        <a:spcAft>
-                          <a:spcPts val="0"/>
-                        </a:spcAft>
-                      </a:pPr>
-                      <a:r>
-                        <a:rPr lang="en-US" sz="1400">
-                          <a:effectLst/>
-                        </a:rPr>
-                        <a:t>3.5</a:t>
-                      </a:r>
-                      <a:endParaRPr lang="en-US" sz="1600">
-                        <a:effectLst/>
-                        <a:latin typeface="Times New Roman"/>
-                        <a:ea typeface="Times New Roman"/>
-                      </a:endParaRPr>
-                    </a:p>
-                  </a:txBody>
-                  <a:tcPr marL="20881" marR="20881" marT="0" marB="0"/>
-                </a:tc>
-                <a:tc>
-                  <a:txBody>
-                    <a:bodyPr/>
-                    <a:lstStyle/>
-                    <a:p>
-                      <a:pPr marL="0" marR="0">
-                        <a:spcBef>
-                          <a:spcPts val="0"/>
-                        </a:spcBef>
-                        <a:spcAft>
-                          <a:spcPts val="0"/>
-                        </a:spcAft>
-                      </a:pPr>
-                      <a:r>
-                        <a:rPr lang="en-US" sz="1400">
-                          <a:effectLst/>
-                        </a:rPr>
-                        <a:t>Measure the travel distance of the platform</a:t>
-                      </a:r>
-                      <a:endParaRPr lang="en-US" sz="1600">
-                        <a:effectLst/>
-                        <a:latin typeface="Times New Roman"/>
-                        <a:ea typeface="Times New Roman"/>
-                      </a:endParaRPr>
-                    </a:p>
-                  </a:txBody>
-                  <a:tcPr marL="20881" marR="20881" marT="0" marB="0"/>
-                </a:tc>
-                <a:tc>
-                  <a:txBody>
-                    <a:bodyPr/>
-                    <a:lstStyle/>
-                    <a:p>
-                      <a:endParaRPr lang="en-US" sz="1400">
-                        <a:effectLst/>
-                        <a:latin typeface="Times New Roman"/>
-                      </a:endParaRPr>
-                    </a:p>
-                  </a:txBody>
-                  <a:tcPr marL="20881" marR="20881" marT="0" marB="0"/>
-                </a:tc>
-                <a:tc>
-                  <a:txBody>
-                    <a:bodyPr/>
-                    <a:lstStyle/>
-                    <a:p>
-                      <a:endParaRPr lang="en-US" sz="1400">
-                        <a:effectLst/>
-                        <a:latin typeface="Times New Roman"/>
-                      </a:endParaRPr>
-                    </a:p>
-                  </a:txBody>
-                  <a:tcPr marL="20881" marR="20881" marT="0" marB="0"/>
-                </a:tc>
-                <a:tc>
-                  <a:txBody>
-                    <a:bodyPr/>
-                    <a:lstStyle/>
-                    <a:p>
-                      <a:pPr marL="0" marR="0" algn="ctr">
-                        <a:spcBef>
-                          <a:spcPts val="0"/>
-                        </a:spcBef>
-                        <a:spcAft>
-                          <a:spcPts val="0"/>
-                        </a:spcAft>
-                      </a:pPr>
-                      <a:r>
-                        <a:rPr lang="en-US" sz="1400">
-                          <a:effectLst/>
-                        </a:rPr>
-                        <a:t>X</a:t>
-                      </a:r>
-                      <a:endParaRPr lang="en-US" sz="1600">
-                        <a:effectLst/>
-                        <a:latin typeface="Times New Roman"/>
-                        <a:ea typeface="Times New Roman"/>
-                      </a:endParaRPr>
-                    </a:p>
-                  </a:txBody>
-                  <a:tcPr marL="20881" marR="20881" marT="0" marB="0"/>
-                </a:tc>
-                <a:tc>
-                  <a:txBody>
-                    <a:bodyPr/>
-                    <a:lstStyle/>
-                    <a:p>
-                      <a:endParaRPr lang="en-US" sz="1400">
-                        <a:effectLst/>
-                        <a:latin typeface="Times New Roman"/>
-                      </a:endParaRPr>
-                    </a:p>
-                  </a:txBody>
-                  <a:tcPr marL="20881" marR="20881" marT="0" marB="0"/>
-                </a:tc>
-                <a:tc>
-                  <a:txBody>
-                    <a:bodyPr/>
-                    <a:lstStyle/>
-                    <a:p>
-                      <a:endParaRPr lang="en-US" sz="1400">
-                        <a:effectLst/>
-                        <a:latin typeface="Times New Roman"/>
-                      </a:endParaRPr>
-                    </a:p>
-                  </a:txBody>
-                  <a:tcPr marL="20881" marR="20881" marT="0" marB="0"/>
-                </a:tc>
-              </a:tr>
-              <a:tr h="137160">
-                <a:tc>
-                  <a:txBody>
-                    <a:bodyPr/>
-                    <a:lstStyle/>
-                    <a:p>
-                      <a:pPr marL="0" marR="0" algn="r">
-                        <a:spcBef>
-                          <a:spcPts val="0"/>
-                        </a:spcBef>
-                        <a:spcAft>
-                          <a:spcPts val="0"/>
-                        </a:spcAft>
-                      </a:pPr>
-                      <a:r>
-                        <a:rPr lang="en-US" sz="1400">
-                          <a:effectLst/>
-                        </a:rPr>
-                        <a:t>3.6</a:t>
-                      </a:r>
-                      <a:endParaRPr lang="en-US" sz="1600">
-                        <a:effectLst/>
-                        <a:latin typeface="Times New Roman"/>
-                        <a:ea typeface="Times New Roman"/>
-                      </a:endParaRPr>
-                    </a:p>
-                  </a:txBody>
-                  <a:tcPr marL="20881" marR="20881" marT="0" marB="0"/>
-                </a:tc>
-                <a:tc>
-                  <a:txBody>
-                    <a:bodyPr/>
-                    <a:lstStyle/>
-                    <a:p>
-                      <a:pPr marL="0" marR="0">
-                        <a:spcBef>
-                          <a:spcPts val="0"/>
-                        </a:spcBef>
-                        <a:spcAft>
-                          <a:spcPts val="0"/>
-                        </a:spcAft>
-                      </a:pPr>
-                      <a:r>
-                        <a:rPr lang="en-US" sz="1400">
-                          <a:effectLst/>
-                        </a:rPr>
-                        <a:t>Measure the inclination of the platform from a calibration point</a:t>
-                      </a:r>
-                      <a:endParaRPr lang="en-US" sz="1600">
-                        <a:effectLst/>
-                        <a:latin typeface="Times New Roman"/>
-                        <a:ea typeface="Times New Roman"/>
-                      </a:endParaRPr>
-                    </a:p>
-                  </a:txBody>
-                  <a:tcPr marL="20881" marR="20881" marT="0" marB="0"/>
-                </a:tc>
-                <a:tc>
-                  <a:txBody>
-                    <a:bodyPr/>
-                    <a:lstStyle/>
-                    <a:p>
-                      <a:endParaRPr lang="en-US" sz="1400">
-                        <a:effectLst/>
-                        <a:latin typeface="Times New Roman"/>
-                      </a:endParaRPr>
-                    </a:p>
-                  </a:txBody>
-                  <a:tcPr marL="20881" marR="20881" marT="0" marB="0"/>
-                </a:tc>
-                <a:tc>
-                  <a:txBody>
-                    <a:bodyPr/>
-                    <a:lstStyle/>
-                    <a:p>
-                      <a:endParaRPr lang="en-US" sz="1400">
-                        <a:effectLst/>
-                        <a:latin typeface="Times New Roman"/>
-                      </a:endParaRPr>
-                    </a:p>
-                  </a:txBody>
-                  <a:tcPr marL="20881" marR="20881" marT="0" marB="0"/>
-                </a:tc>
-                <a:tc>
-                  <a:txBody>
-                    <a:bodyPr/>
-                    <a:lstStyle/>
-                    <a:p>
-                      <a:pPr marL="0" marR="0" algn="ctr">
-                        <a:spcBef>
-                          <a:spcPts val="0"/>
-                        </a:spcBef>
-                        <a:spcAft>
-                          <a:spcPts val="0"/>
-                        </a:spcAft>
-                      </a:pPr>
-                      <a:r>
-                        <a:rPr lang="en-US" sz="1400">
-                          <a:effectLst/>
-                        </a:rPr>
-                        <a:t>X</a:t>
-                      </a:r>
-                      <a:endParaRPr lang="en-US" sz="1600">
-                        <a:effectLst/>
-                        <a:latin typeface="Times New Roman"/>
-                        <a:ea typeface="Times New Roman"/>
-                      </a:endParaRPr>
-                    </a:p>
-                  </a:txBody>
-                  <a:tcPr marL="20881" marR="20881" marT="0" marB="0"/>
-                </a:tc>
-                <a:tc>
-                  <a:txBody>
-                    <a:bodyPr/>
-                    <a:lstStyle/>
-                    <a:p>
-                      <a:endParaRPr lang="en-US" sz="1400">
-                        <a:effectLst/>
-                        <a:latin typeface="Times New Roman"/>
-                      </a:endParaRPr>
-                    </a:p>
-                  </a:txBody>
-                  <a:tcPr marL="20881" marR="20881" marT="0" marB="0"/>
-                </a:tc>
-                <a:tc>
-                  <a:txBody>
-                    <a:bodyPr/>
-                    <a:lstStyle/>
-                    <a:p>
-                      <a:endParaRPr lang="en-US" sz="1400">
-                        <a:effectLst/>
-                        <a:latin typeface="Times New Roman"/>
-                      </a:endParaRPr>
-                    </a:p>
-                  </a:txBody>
-                  <a:tcPr marL="20881" marR="20881" marT="0" marB="0"/>
-                </a:tc>
-              </a:tr>
-              <a:tr h="121920">
-                <a:tc>
-                  <a:txBody>
-                    <a:bodyPr/>
-                    <a:lstStyle/>
-                    <a:p>
-                      <a:pPr marL="0" marR="0" algn="r">
-                        <a:spcBef>
-                          <a:spcPts val="0"/>
-                        </a:spcBef>
-                        <a:spcAft>
-                          <a:spcPts val="0"/>
-                        </a:spcAft>
-                      </a:pPr>
-                      <a:r>
-                        <a:rPr lang="en-US" sz="1400">
-                          <a:effectLst/>
-                        </a:rPr>
-                        <a:t>3.7</a:t>
-                      </a:r>
-                      <a:endParaRPr lang="en-US" sz="1600">
-                        <a:effectLst/>
-                        <a:latin typeface="Times New Roman"/>
-                        <a:ea typeface="Times New Roman"/>
-                      </a:endParaRPr>
-                    </a:p>
-                  </a:txBody>
-                  <a:tcPr marL="20881" marR="20881" marT="0" marB="0"/>
-                </a:tc>
-                <a:tc>
-                  <a:txBody>
-                    <a:bodyPr/>
-                    <a:lstStyle/>
-                    <a:p>
-                      <a:pPr marL="0" marR="0">
-                        <a:spcBef>
-                          <a:spcPts val="0"/>
-                        </a:spcBef>
-                        <a:spcAft>
-                          <a:spcPts val="0"/>
-                        </a:spcAft>
-                      </a:pPr>
-                      <a:r>
-                        <a:rPr lang="en-US" sz="1400">
-                          <a:effectLst/>
-                        </a:rPr>
-                        <a:t>Generate operational data from the raw data of the sensors</a:t>
-                      </a:r>
-                      <a:endParaRPr lang="en-US" sz="1600">
-                        <a:effectLst/>
-                        <a:latin typeface="Times New Roman"/>
-                        <a:ea typeface="Times New Roman"/>
-                      </a:endParaRPr>
-                    </a:p>
-                  </a:txBody>
-                  <a:tcPr marL="20881" marR="20881" marT="0" marB="0"/>
-                </a:tc>
-                <a:tc>
-                  <a:txBody>
-                    <a:bodyPr/>
-                    <a:lstStyle/>
-                    <a:p>
-                      <a:endParaRPr lang="en-US" sz="1400">
-                        <a:effectLst/>
-                        <a:latin typeface="Times New Roman"/>
-                      </a:endParaRPr>
-                    </a:p>
-                  </a:txBody>
-                  <a:tcPr marL="20881" marR="20881" marT="0" marB="0"/>
-                </a:tc>
-                <a:tc>
-                  <a:txBody>
-                    <a:bodyPr/>
-                    <a:lstStyle/>
-                    <a:p>
-                      <a:pPr marL="0" marR="0" algn="ctr">
-                        <a:spcBef>
-                          <a:spcPts val="0"/>
-                        </a:spcBef>
-                        <a:spcAft>
-                          <a:spcPts val="0"/>
-                        </a:spcAft>
-                      </a:pPr>
-                      <a:r>
-                        <a:rPr lang="en-US" sz="1400">
-                          <a:effectLst/>
-                        </a:rPr>
-                        <a:t>X</a:t>
-                      </a:r>
-                      <a:endParaRPr lang="en-US" sz="1600">
-                        <a:effectLst/>
-                        <a:latin typeface="Times New Roman"/>
-                        <a:ea typeface="Times New Roman"/>
-                      </a:endParaRPr>
-                    </a:p>
-                  </a:txBody>
-                  <a:tcPr marL="20881" marR="20881" marT="0" marB="0"/>
-                </a:tc>
-                <a:tc>
-                  <a:txBody>
-                    <a:bodyPr/>
-                    <a:lstStyle/>
-                    <a:p>
-                      <a:endParaRPr lang="en-US" sz="1400">
-                        <a:effectLst/>
-                        <a:latin typeface="Times New Roman"/>
-                      </a:endParaRPr>
-                    </a:p>
-                  </a:txBody>
-                  <a:tcPr marL="20881" marR="20881" marT="0" marB="0"/>
-                </a:tc>
-                <a:tc>
-                  <a:txBody>
-                    <a:bodyPr/>
-                    <a:lstStyle/>
-                    <a:p>
-                      <a:endParaRPr lang="en-US" sz="1400">
-                        <a:effectLst/>
-                        <a:latin typeface="Times New Roman"/>
-                      </a:endParaRPr>
-                    </a:p>
-                  </a:txBody>
-                  <a:tcPr marL="20881" marR="20881" marT="0" marB="0"/>
-                </a:tc>
-                <a:tc>
-                  <a:txBody>
-                    <a:bodyPr/>
-                    <a:lstStyle/>
-                    <a:p>
-                      <a:endParaRPr lang="en-US" sz="1400">
-                        <a:effectLst/>
-                        <a:latin typeface="Times New Roman"/>
-                      </a:endParaRPr>
-                    </a:p>
-                  </a:txBody>
-                  <a:tcPr marL="20881" marR="20881" marT="0" marB="0"/>
-                </a:tc>
-              </a:tr>
-              <a:tr h="165958">
-                <a:tc>
-                  <a:txBody>
-                    <a:bodyPr/>
-                    <a:lstStyle/>
-                    <a:p>
-                      <a:pPr marL="0" marR="0" algn="r">
-                        <a:spcBef>
-                          <a:spcPts val="0"/>
-                        </a:spcBef>
-                        <a:spcAft>
-                          <a:spcPts val="0"/>
-                        </a:spcAft>
-                      </a:pPr>
-                      <a:r>
-                        <a:rPr lang="en-US" sz="1400">
-                          <a:effectLst/>
-                        </a:rPr>
-                        <a:t>3.8</a:t>
-                      </a:r>
-                      <a:endParaRPr lang="en-US" sz="1600">
-                        <a:effectLst/>
-                        <a:latin typeface="Times New Roman"/>
-                        <a:ea typeface="Times New Roman"/>
-                      </a:endParaRPr>
-                    </a:p>
-                  </a:txBody>
-                  <a:tcPr marL="20881" marR="20881" marT="0" marB="0"/>
-                </a:tc>
-                <a:tc>
-                  <a:txBody>
-                    <a:bodyPr/>
-                    <a:lstStyle/>
-                    <a:p>
-                      <a:pPr marL="0" marR="0">
-                        <a:spcBef>
-                          <a:spcPts val="0"/>
-                        </a:spcBef>
-                        <a:spcAft>
-                          <a:spcPts val="0"/>
-                        </a:spcAft>
-                      </a:pPr>
-                      <a:r>
-                        <a:rPr lang="en-US" sz="1400">
-                          <a:effectLst/>
-                        </a:rPr>
-                        <a:t>Transfer operational data to the client application in real-time</a:t>
-                      </a:r>
-                      <a:endParaRPr lang="en-US" sz="1600">
-                        <a:effectLst/>
-                        <a:latin typeface="Times New Roman"/>
-                        <a:ea typeface="Times New Roman"/>
-                      </a:endParaRPr>
-                    </a:p>
-                  </a:txBody>
-                  <a:tcPr marL="20881" marR="20881" marT="0" marB="0"/>
-                </a:tc>
-                <a:tc>
-                  <a:txBody>
-                    <a:bodyPr/>
-                    <a:lstStyle/>
-                    <a:p>
-                      <a:endParaRPr lang="en-US" sz="1400">
-                        <a:effectLst/>
-                        <a:latin typeface="Times New Roman"/>
-                      </a:endParaRPr>
-                    </a:p>
-                  </a:txBody>
-                  <a:tcPr marL="20881" marR="20881" marT="0" marB="0"/>
-                </a:tc>
-                <a:tc>
-                  <a:txBody>
-                    <a:bodyPr/>
-                    <a:lstStyle/>
-                    <a:p>
-                      <a:endParaRPr lang="en-US" sz="1400">
-                        <a:effectLst/>
-                        <a:latin typeface="Times New Roman"/>
-                      </a:endParaRPr>
-                    </a:p>
-                  </a:txBody>
-                  <a:tcPr marL="20881" marR="20881" marT="0" marB="0"/>
-                </a:tc>
-                <a:tc>
-                  <a:txBody>
-                    <a:bodyPr/>
-                    <a:lstStyle/>
-                    <a:p>
-                      <a:endParaRPr lang="en-US" sz="1400">
-                        <a:effectLst/>
-                        <a:latin typeface="Times New Roman"/>
-                      </a:endParaRPr>
-                    </a:p>
-                  </a:txBody>
-                  <a:tcPr marL="20881" marR="20881" marT="0" marB="0"/>
-                </a:tc>
-                <a:tc>
-                  <a:txBody>
-                    <a:bodyPr/>
-                    <a:lstStyle/>
-                    <a:p>
-                      <a:pPr marL="0" marR="0" algn="ctr">
-                        <a:spcBef>
-                          <a:spcPts val="0"/>
-                        </a:spcBef>
-                        <a:spcAft>
-                          <a:spcPts val="0"/>
-                        </a:spcAft>
-                      </a:pPr>
-                      <a:r>
-                        <a:rPr lang="en-US" sz="1400">
-                          <a:effectLst/>
-                        </a:rPr>
-                        <a:t>X</a:t>
-                      </a:r>
-                      <a:endParaRPr lang="en-US" sz="1600">
-                        <a:effectLst/>
-                        <a:latin typeface="Times New Roman"/>
-                        <a:ea typeface="Times New Roman"/>
-                      </a:endParaRPr>
-                    </a:p>
-                  </a:txBody>
-                  <a:tcPr marL="20881" marR="20881" marT="0" marB="0"/>
-                </a:tc>
-                <a:tc>
-                  <a:txBody>
-                    <a:bodyPr/>
-                    <a:lstStyle/>
-                    <a:p>
-                      <a:endParaRPr lang="en-US" sz="1400">
-                        <a:effectLst/>
-                        <a:latin typeface="Times New Roman"/>
-                      </a:endParaRPr>
-                    </a:p>
-                  </a:txBody>
-                  <a:tcPr marL="20881" marR="20881" marT="0" marB="0"/>
-                </a:tc>
-              </a:tr>
-              <a:tr h="91440">
-                <a:tc>
-                  <a:txBody>
-                    <a:bodyPr/>
-                    <a:lstStyle/>
-                    <a:p>
-                      <a:pPr marL="0" marR="0" algn="r">
-                        <a:spcBef>
-                          <a:spcPts val="0"/>
-                        </a:spcBef>
-                        <a:spcAft>
-                          <a:spcPts val="0"/>
-                        </a:spcAft>
-                      </a:pPr>
-                      <a:r>
-                        <a:rPr lang="en-US" sz="1400" dirty="0">
-                          <a:effectLst/>
-                        </a:rPr>
-                        <a:t>3.9</a:t>
-                      </a:r>
-                      <a:endParaRPr lang="en-US" sz="1600" dirty="0">
-                        <a:effectLst/>
-                        <a:latin typeface="Times New Roman"/>
-                        <a:ea typeface="Times New Roman"/>
-                      </a:endParaRPr>
-                    </a:p>
-                  </a:txBody>
-                  <a:tcPr marL="20881" marR="20881" marT="0" marB="0"/>
-                </a:tc>
-                <a:tc>
-                  <a:txBody>
-                    <a:bodyPr/>
-                    <a:lstStyle/>
-                    <a:p>
-                      <a:pPr marL="0" marR="0">
-                        <a:spcBef>
-                          <a:spcPts val="0"/>
-                        </a:spcBef>
-                        <a:spcAft>
-                          <a:spcPts val="0"/>
-                        </a:spcAft>
-                      </a:pPr>
-                      <a:r>
-                        <a:rPr lang="en-US" sz="1400">
-                          <a:effectLst/>
-                        </a:rPr>
-                        <a:t>Detect bumps in concrete pavement</a:t>
-                      </a:r>
-                      <a:endParaRPr lang="en-US" sz="1600">
-                        <a:effectLst/>
-                        <a:latin typeface="Times New Roman"/>
-                        <a:ea typeface="Times New Roman"/>
-                      </a:endParaRPr>
-                    </a:p>
-                  </a:txBody>
-                  <a:tcPr marL="20881" marR="20881" marT="0" marB="0"/>
-                </a:tc>
-                <a:tc>
-                  <a:txBody>
-                    <a:bodyPr/>
-                    <a:lstStyle/>
-                    <a:p>
-                      <a:endParaRPr lang="en-US" sz="1400">
-                        <a:effectLst/>
-                        <a:latin typeface="Times New Roman"/>
-                      </a:endParaRPr>
-                    </a:p>
-                  </a:txBody>
-                  <a:tcPr marL="20881" marR="20881" marT="0" marB="0"/>
-                </a:tc>
-                <a:tc>
-                  <a:txBody>
-                    <a:bodyPr/>
-                    <a:lstStyle/>
-                    <a:p>
-                      <a:pPr marL="0" marR="0" algn="ctr">
-                        <a:spcBef>
-                          <a:spcPts val="0"/>
-                        </a:spcBef>
-                        <a:spcAft>
-                          <a:spcPts val="0"/>
-                        </a:spcAft>
-                      </a:pPr>
-                      <a:r>
-                        <a:rPr lang="en-US" sz="1400">
-                          <a:effectLst/>
-                        </a:rPr>
-                        <a:t>X</a:t>
-                      </a:r>
-                      <a:endParaRPr lang="en-US" sz="1600">
-                        <a:effectLst/>
-                        <a:latin typeface="Times New Roman"/>
-                        <a:ea typeface="Times New Roman"/>
-                      </a:endParaRPr>
-                    </a:p>
-                  </a:txBody>
-                  <a:tcPr marL="20881" marR="20881" marT="0" marB="0"/>
-                </a:tc>
-                <a:tc>
-                  <a:txBody>
-                    <a:bodyPr/>
-                    <a:lstStyle/>
-                    <a:p>
-                      <a:endParaRPr lang="en-US" sz="1400">
-                        <a:effectLst/>
-                        <a:latin typeface="Times New Roman"/>
-                      </a:endParaRPr>
-                    </a:p>
-                  </a:txBody>
-                  <a:tcPr marL="20881" marR="20881" marT="0" marB="0"/>
-                </a:tc>
-                <a:tc>
-                  <a:txBody>
-                    <a:bodyPr/>
-                    <a:lstStyle/>
-                    <a:p>
-                      <a:endParaRPr lang="en-US" sz="1400">
-                        <a:effectLst/>
-                        <a:latin typeface="Times New Roman"/>
-                      </a:endParaRPr>
-                    </a:p>
-                  </a:txBody>
-                  <a:tcPr marL="20881" marR="20881" marT="0" marB="0"/>
-                </a:tc>
-                <a:tc>
-                  <a:txBody>
-                    <a:bodyPr/>
-                    <a:lstStyle/>
-                    <a:p>
-                      <a:endParaRPr lang="en-US" sz="1400">
-                        <a:effectLst/>
-                        <a:latin typeface="Times New Roman"/>
-                      </a:endParaRPr>
-                    </a:p>
-                  </a:txBody>
-                  <a:tcPr marL="20881" marR="20881" marT="0" marB="0"/>
-                </a:tc>
-              </a:tr>
-              <a:tr h="162135">
-                <a:tc>
-                  <a:txBody>
-                    <a:bodyPr/>
-                    <a:lstStyle/>
-                    <a:p>
-                      <a:pPr marL="0" marR="0" algn="r">
-                        <a:spcBef>
-                          <a:spcPts val="0"/>
-                        </a:spcBef>
-                        <a:spcAft>
-                          <a:spcPts val="0"/>
-                        </a:spcAft>
-                      </a:pPr>
-                      <a:r>
-                        <a:rPr lang="en-US" sz="1400" dirty="0">
-                          <a:effectLst/>
-                        </a:rPr>
-                        <a:t>3.13</a:t>
-                      </a:r>
-                      <a:endParaRPr lang="en-US" sz="1600" dirty="0">
-                        <a:effectLst/>
-                        <a:latin typeface="Times New Roman"/>
-                        <a:ea typeface="Times New Roman"/>
-                      </a:endParaRPr>
-                    </a:p>
-                  </a:txBody>
-                  <a:tcPr marL="20881" marR="20881" marT="0" marB="0"/>
-                </a:tc>
-                <a:tc>
-                  <a:txBody>
-                    <a:bodyPr/>
-                    <a:lstStyle/>
-                    <a:p>
-                      <a:pPr marL="0" marR="0">
-                        <a:spcBef>
-                          <a:spcPts val="0"/>
-                        </a:spcBef>
-                        <a:spcAft>
-                          <a:spcPts val="0"/>
-                        </a:spcAft>
-                      </a:pPr>
-                      <a:r>
-                        <a:rPr lang="en-US" sz="1400">
-                          <a:effectLst/>
-                        </a:rPr>
-                        <a:t>Store operational data</a:t>
-                      </a:r>
-                      <a:endParaRPr lang="en-US" sz="1600">
-                        <a:effectLst/>
-                        <a:latin typeface="Times New Roman"/>
-                        <a:ea typeface="Times New Roman"/>
-                      </a:endParaRPr>
-                    </a:p>
-                  </a:txBody>
-                  <a:tcPr marL="20881" marR="20881" marT="0" marB="0"/>
-                </a:tc>
-                <a:tc>
-                  <a:txBody>
-                    <a:bodyPr/>
-                    <a:lstStyle/>
-                    <a:p>
-                      <a:pPr marL="0" marR="0" algn="ctr">
-                        <a:spcBef>
-                          <a:spcPts val="0"/>
-                        </a:spcBef>
-                        <a:spcAft>
-                          <a:spcPts val="0"/>
-                        </a:spcAft>
-                      </a:pPr>
-                      <a:r>
-                        <a:rPr lang="en-US" sz="1400">
-                          <a:effectLst/>
-                        </a:rPr>
-                        <a:t>X</a:t>
-                      </a:r>
-                      <a:endParaRPr lang="en-US" sz="1600">
-                        <a:effectLst/>
-                        <a:latin typeface="Times New Roman"/>
-                        <a:ea typeface="Times New Roman"/>
-                      </a:endParaRPr>
-                    </a:p>
-                  </a:txBody>
-                  <a:tcPr marL="20881" marR="20881" marT="0" marB="0"/>
-                </a:tc>
-                <a:tc>
-                  <a:txBody>
-                    <a:bodyPr/>
-                    <a:lstStyle/>
-                    <a:p>
-                      <a:endParaRPr lang="en-US" sz="1400">
-                        <a:effectLst/>
-                        <a:latin typeface="Times New Roman"/>
-                      </a:endParaRPr>
-                    </a:p>
-                  </a:txBody>
-                  <a:tcPr marL="20881" marR="20881" marT="0" marB="0"/>
-                </a:tc>
-                <a:tc>
-                  <a:txBody>
-                    <a:bodyPr/>
-                    <a:lstStyle/>
-                    <a:p>
-                      <a:endParaRPr lang="en-US" sz="1400">
-                        <a:effectLst/>
-                        <a:latin typeface="Times New Roman"/>
-                      </a:endParaRPr>
-                    </a:p>
-                  </a:txBody>
-                  <a:tcPr marL="20881" marR="20881" marT="0" marB="0"/>
-                </a:tc>
-                <a:tc>
-                  <a:txBody>
-                    <a:bodyPr/>
-                    <a:lstStyle/>
-                    <a:p>
-                      <a:endParaRPr lang="en-US" sz="1400">
-                        <a:effectLst/>
-                        <a:latin typeface="Times New Roman"/>
-                      </a:endParaRPr>
-                    </a:p>
-                  </a:txBody>
-                  <a:tcPr marL="20881" marR="20881" marT="0" marB="0"/>
-                </a:tc>
-                <a:tc>
-                  <a:txBody>
-                    <a:bodyPr/>
-                    <a:lstStyle/>
-                    <a:p>
-                      <a:endParaRPr lang="en-US" sz="1400">
-                        <a:effectLst/>
-                        <a:latin typeface="Times New Roman"/>
-                      </a:endParaRPr>
-                    </a:p>
-                  </a:txBody>
-                  <a:tcPr marL="20881" marR="20881" marT="0" marB="0"/>
-                </a:tc>
-              </a:tr>
-              <a:tr h="162135">
-                <a:tc>
-                  <a:txBody>
-                    <a:bodyPr/>
-                    <a:lstStyle/>
-                    <a:p>
-                      <a:pPr marL="0" marR="0" algn="r">
-                        <a:spcBef>
-                          <a:spcPts val="0"/>
-                        </a:spcBef>
-                        <a:spcAft>
-                          <a:spcPts val="0"/>
-                        </a:spcAft>
-                      </a:pPr>
-                      <a:r>
-                        <a:rPr lang="en-US" sz="1400" dirty="0">
-                          <a:effectLst/>
-                        </a:rPr>
-                        <a:t>3.19</a:t>
-                      </a:r>
-                      <a:endParaRPr lang="en-US" sz="1600" dirty="0">
-                        <a:effectLst/>
-                        <a:latin typeface="Times New Roman"/>
-                        <a:ea typeface="Times New Roman"/>
-                      </a:endParaRPr>
-                    </a:p>
-                  </a:txBody>
-                  <a:tcPr marL="20881" marR="20881" marT="0" marB="0"/>
-                </a:tc>
-                <a:tc>
-                  <a:txBody>
-                    <a:bodyPr/>
-                    <a:lstStyle/>
-                    <a:p>
-                      <a:pPr marL="0" marR="0">
-                        <a:spcBef>
-                          <a:spcPts val="0"/>
-                        </a:spcBef>
-                        <a:spcAft>
-                          <a:spcPts val="0"/>
-                        </a:spcAft>
-                      </a:pPr>
-                      <a:r>
-                        <a:rPr lang="en-US" sz="1400">
-                          <a:effectLst/>
-                        </a:rPr>
-                        <a:t>Display operational data</a:t>
-                      </a:r>
-                      <a:endParaRPr lang="en-US" sz="1600">
-                        <a:effectLst/>
-                        <a:latin typeface="Times New Roman"/>
-                        <a:ea typeface="Times New Roman"/>
-                      </a:endParaRPr>
-                    </a:p>
-                  </a:txBody>
-                  <a:tcPr marL="20881" marR="20881" marT="0" marB="0"/>
-                </a:tc>
-                <a:tc>
-                  <a:txBody>
-                    <a:bodyPr/>
-                    <a:lstStyle/>
-                    <a:p>
-                      <a:endParaRPr lang="en-US" sz="1400">
-                        <a:effectLst/>
-                        <a:latin typeface="Times New Roman"/>
-                      </a:endParaRPr>
-                    </a:p>
-                  </a:txBody>
-                  <a:tcPr marL="20881" marR="20881" marT="0" marB="0"/>
-                </a:tc>
-                <a:tc>
-                  <a:txBody>
-                    <a:bodyPr/>
-                    <a:lstStyle/>
-                    <a:p>
-                      <a:endParaRPr lang="en-US" sz="1400">
-                        <a:effectLst/>
-                        <a:latin typeface="Times New Roman"/>
-                      </a:endParaRPr>
-                    </a:p>
-                  </a:txBody>
-                  <a:tcPr marL="20881" marR="20881" marT="0" marB="0"/>
-                </a:tc>
-                <a:tc>
-                  <a:txBody>
-                    <a:bodyPr/>
-                    <a:lstStyle/>
-                    <a:p>
-                      <a:endParaRPr lang="en-US" sz="1400">
-                        <a:effectLst/>
-                        <a:latin typeface="Times New Roman"/>
-                      </a:endParaRPr>
-                    </a:p>
-                  </a:txBody>
-                  <a:tcPr marL="20881" marR="20881" marT="0" marB="0"/>
-                </a:tc>
-                <a:tc>
-                  <a:txBody>
-                    <a:bodyPr/>
-                    <a:lstStyle/>
-                    <a:p>
-                      <a:endParaRPr lang="en-US" sz="1400">
-                        <a:effectLst/>
-                        <a:latin typeface="Times New Roman"/>
-                      </a:endParaRPr>
-                    </a:p>
-                  </a:txBody>
-                  <a:tcPr marL="20881" marR="20881" marT="0" marB="0"/>
-                </a:tc>
-                <a:tc>
-                  <a:txBody>
-                    <a:bodyPr/>
-                    <a:lstStyle/>
-                    <a:p>
-                      <a:pPr marL="0" marR="0" algn="ctr">
-                        <a:spcBef>
-                          <a:spcPts val="0"/>
-                        </a:spcBef>
-                        <a:spcAft>
-                          <a:spcPts val="0"/>
-                        </a:spcAft>
-                      </a:pPr>
-                      <a:r>
-                        <a:rPr lang="en-US" sz="1400">
-                          <a:effectLst/>
-                        </a:rPr>
-                        <a:t>X</a:t>
-                      </a:r>
-                      <a:endParaRPr lang="en-US" sz="1600">
-                        <a:effectLst/>
-                        <a:latin typeface="Times New Roman"/>
-                        <a:ea typeface="Times New Roman"/>
-                      </a:endParaRPr>
-                    </a:p>
-                  </a:txBody>
-                  <a:tcPr marL="20881" marR="20881" marT="0" marB="0"/>
-                </a:tc>
-              </a:tr>
-              <a:tr h="162135">
-                <a:tc>
-                  <a:txBody>
-                    <a:bodyPr/>
-                    <a:lstStyle/>
-                    <a:p>
-                      <a:pPr marL="0" marR="0" algn="r">
-                        <a:spcBef>
-                          <a:spcPts val="0"/>
-                        </a:spcBef>
-                        <a:spcAft>
-                          <a:spcPts val="0"/>
-                        </a:spcAft>
-                      </a:pPr>
-                      <a:r>
-                        <a:rPr lang="en-US" sz="1400" dirty="0" smtClean="0">
-                          <a:effectLst/>
-                        </a:rPr>
-                        <a:t>3.20</a:t>
-                      </a:r>
-                      <a:endParaRPr lang="en-US" sz="1600" dirty="0">
-                        <a:effectLst/>
-                        <a:latin typeface="Times New Roman"/>
-                        <a:ea typeface="Times New Roman"/>
-                      </a:endParaRPr>
-                    </a:p>
-                  </a:txBody>
-                  <a:tcPr marL="20881" marR="20881" marT="0" marB="0"/>
-                </a:tc>
-                <a:tc>
-                  <a:txBody>
-                    <a:bodyPr/>
-                    <a:lstStyle/>
-                    <a:p>
-                      <a:pPr marL="0" marR="0">
-                        <a:spcBef>
-                          <a:spcPts val="0"/>
-                        </a:spcBef>
-                        <a:spcAft>
-                          <a:spcPts val="0"/>
-                        </a:spcAft>
-                      </a:pPr>
-                      <a:r>
-                        <a:rPr lang="en-US" sz="1400">
-                          <a:effectLst/>
-                        </a:rPr>
-                        <a:t>Read stored data</a:t>
-                      </a:r>
-                      <a:endParaRPr lang="en-US" sz="1600">
-                        <a:effectLst/>
-                        <a:latin typeface="Times New Roman"/>
-                        <a:ea typeface="Times New Roman"/>
-                      </a:endParaRPr>
-                    </a:p>
-                  </a:txBody>
-                  <a:tcPr marL="20881" marR="20881" marT="0" marB="0"/>
-                </a:tc>
-                <a:tc>
-                  <a:txBody>
-                    <a:bodyPr/>
-                    <a:lstStyle/>
-                    <a:p>
-                      <a:pPr marL="0" marR="0" algn="ctr">
-                        <a:spcBef>
-                          <a:spcPts val="0"/>
-                        </a:spcBef>
-                        <a:spcAft>
-                          <a:spcPts val="0"/>
-                        </a:spcAft>
-                      </a:pPr>
-                      <a:r>
-                        <a:rPr lang="en-US" sz="1400">
-                          <a:effectLst/>
-                        </a:rPr>
-                        <a:t>X</a:t>
-                      </a:r>
-                      <a:endParaRPr lang="en-US" sz="1600">
-                        <a:effectLst/>
-                        <a:latin typeface="Times New Roman"/>
-                        <a:ea typeface="Times New Roman"/>
-                      </a:endParaRPr>
-                    </a:p>
-                  </a:txBody>
-                  <a:tcPr marL="20881" marR="20881" marT="0" marB="0"/>
-                </a:tc>
-                <a:tc>
-                  <a:txBody>
-                    <a:bodyPr/>
-                    <a:lstStyle/>
-                    <a:p>
-                      <a:endParaRPr lang="en-US" sz="1400">
-                        <a:effectLst/>
-                        <a:latin typeface="Times New Roman"/>
-                      </a:endParaRPr>
-                    </a:p>
-                  </a:txBody>
-                  <a:tcPr marL="20881" marR="20881" marT="0" marB="0"/>
-                </a:tc>
-                <a:tc>
-                  <a:txBody>
-                    <a:bodyPr/>
-                    <a:lstStyle/>
-                    <a:p>
-                      <a:endParaRPr lang="en-US" sz="1400">
-                        <a:effectLst/>
-                        <a:latin typeface="Times New Roman"/>
-                      </a:endParaRPr>
-                    </a:p>
-                  </a:txBody>
-                  <a:tcPr marL="20881" marR="20881" marT="0" marB="0"/>
-                </a:tc>
-                <a:tc>
-                  <a:txBody>
-                    <a:bodyPr/>
-                    <a:lstStyle/>
-                    <a:p>
-                      <a:endParaRPr lang="en-US" sz="1400">
-                        <a:effectLst/>
-                        <a:latin typeface="Times New Roman"/>
-                      </a:endParaRPr>
-                    </a:p>
-                  </a:txBody>
-                  <a:tcPr marL="20881" marR="20881" marT="0" marB="0"/>
-                </a:tc>
-                <a:tc>
-                  <a:txBody>
-                    <a:bodyPr/>
-                    <a:lstStyle/>
-                    <a:p>
-                      <a:pPr marL="0" marR="0" algn="ctr">
-                        <a:spcBef>
-                          <a:spcPts val="0"/>
-                        </a:spcBef>
-                        <a:spcAft>
-                          <a:spcPts val="0"/>
-                        </a:spcAft>
-                      </a:pPr>
-                      <a:r>
-                        <a:rPr lang="en-US" sz="1400">
-                          <a:effectLst/>
-                        </a:rPr>
-                        <a:t>X</a:t>
-                      </a:r>
-                      <a:endParaRPr lang="en-US" sz="1600">
-                        <a:effectLst/>
-                        <a:latin typeface="Times New Roman"/>
-                        <a:ea typeface="Times New Roman"/>
-                      </a:endParaRPr>
-                    </a:p>
-                  </a:txBody>
-                  <a:tcPr marL="20881" marR="20881" marT="0" marB="0"/>
-                </a:tc>
-              </a:tr>
-              <a:tr h="162135">
-                <a:tc>
-                  <a:txBody>
-                    <a:bodyPr/>
-                    <a:lstStyle/>
-                    <a:p>
-                      <a:pPr marL="0" marR="0" algn="r">
-                        <a:spcBef>
-                          <a:spcPts val="0"/>
-                        </a:spcBef>
-                        <a:spcAft>
-                          <a:spcPts val="0"/>
-                        </a:spcAft>
-                      </a:pPr>
-                      <a:r>
-                        <a:rPr lang="en-US" sz="1400">
-                          <a:effectLst/>
-                        </a:rPr>
-                        <a:t>3.21</a:t>
-                      </a:r>
-                      <a:endParaRPr lang="en-US" sz="1600">
-                        <a:effectLst/>
-                        <a:latin typeface="Times New Roman"/>
-                        <a:ea typeface="Times New Roman"/>
-                      </a:endParaRPr>
-                    </a:p>
-                  </a:txBody>
-                  <a:tcPr marL="20881" marR="20881" marT="0" marB="0"/>
-                </a:tc>
-                <a:tc>
-                  <a:txBody>
-                    <a:bodyPr/>
-                    <a:lstStyle/>
-                    <a:p>
-                      <a:pPr marL="0" marR="0">
-                        <a:spcBef>
-                          <a:spcPts val="0"/>
-                        </a:spcBef>
-                        <a:spcAft>
-                          <a:spcPts val="0"/>
-                        </a:spcAft>
-                      </a:pPr>
-                      <a:r>
-                        <a:rPr lang="en-US" sz="1400">
-                          <a:effectLst/>
-                        </a:rPr>
-                        <a:t>Calibrate sensors</a:t>
-                      </a:r>
-                      <a:endParaRPr lang="en-US" sz="1600">
-                        <a:effectLst/>
-                        <a:latin typeface="Times New Roman"/>
-                        <a:ea typeface="Times New Roman"/>
-                      </a:endParaRPr>
-                    </a:p>
-                  </a:txBody>
-                  <a:tcPr marL="20881" marR="20881" marT="0" marB="0"/>
-                </a:tc>
-                <a:tc>
-                  <a:txBody>
-                    <a:bodyPr/>
-                    <a:lstStyle/>
-                    <a:p>
-                      <a:endParaRPr lang="en-US" sz="1400">
-                        <a:effectLst/>
-                        <a:latin typeface="Times New Roman"/>
-                      </a:endParaRPr>
-                    </a:p>
-                  </a:txBody>
-                  <a:tcPr marL="20881" marR="20881" marT="0" marB="0"/>
-                </a:tc>
-                <a:tc>
-                  <a:txBody>
-                    <a:bodyPr/>
-                    <a:lstStyle/>
-                    <a:p>
-                      <a:endParaRPr lang="en-US" sz="1400">
-                        <a:effectLst/>
-                        <a:latin typeface="Times New Roman"/>
-                      </a:endParaRPr>
-                    </a:p>
-                  </a:txBody>
-                  <a:tcPr marL="20881" marR="20881" marT="0" marB="0"/>
-                </a:tc>
-                <a:tc>
-                  <a:txBody>
-                    <a:bodyPr/>
-                    <a:lstStyle/>
-                    <a:p>
-                      <a:endParaRPr lang="en-US" sz="1400">
-                        <a:effectLst/>
-                        <a:latin typeface="Times New Roman"/>
-                      </a:endParaRPr>
-                    </a:p>
-                  </a:txBody>
-                  <a:tcPr marL="20881" marR="20881" marT="0" marB="0"/>
-                </a:tc>
-                <a:tc>
-                  <a:txBody>
-                    <a:bodyPr/>
-                    <a:lstStyle/>
-                    <a:p>
-                      <a:endParaRPr lang="en-US" sz="1400">
-                        <a:effectLst/>
-                        <a:latin typeface="Times New Roman"/>
-                      </a:endParaRPr>
-                    </a:p>
-                  </a:txBody>
-                  <a:tcPr marL="20881" marR="20881" marT="0" marB="0"/>
-                </a:tc>
-                <a:tc>
-                  <a:txBody>
-                    <a:bodyPr/>
-                    <a:lstStyle/>
-                    <a:p>
-                      <a:pPr marL="0" marR="0" algn="ctr">
-                        <a:spcBef>
-                          <a:spcPts val="0"/>
-                        </a:spcBef>
-                        <a:spcAft>
-                          <a:spcPts val="0"/>
-                        </a:spcAft>
-                      </a:pPr>
-                      <a:r>
-                        <a:rPr lang="en-US" sz="1400">
-                          <a:effectLst/>
-                        </a:rPr>
-                        <a:t>X</a:t>
-                      </a:r>
-                      <a:endParaRPr lang="en-US" sz="1600">
-                        <a:effectLst/>
-                        <a:latin typeface="Times New Roman"/>
-                        <a:ea typeface="Times New Roman"/>
-                      </a:endParaRPr>
-                    </a:p>
-                  </a:txBody>
-                  <a:tcPr marL="20881" marR="20881" marT="0" marB="0"/>
-                </a:tc>
-              </a:tr>
-              <a:tr h="91440">
-                <a:tc>
-                  <a:txBody>
-                    <a:bodyPr/>
-                    <a:lstStyle/>
-                    <a:p>
-                      <a:pPr marL="0" marR="0" algn="r">
-                        <a:spcBef>
-                          <a:spcPts val="0"/>
-                        </a:spcBef>
-                        <a:spcAft>
-                          <a:spcPts val="0"/>
-                        </a:spcAft>
-                      </a:pPr>
-                      <a:r>
-                        <a:rPr lang="en-US" sz="1400">
-                          <a:effectLst/>
-                        </a:rPr>
-                        <a:t>3.22</a:t>
-                      </a:r>
-                      <a:endParaRPr lang="en-US" sz="1600">
-                        <a:effectLst/>
-                        <a:latin typeface="Times New Roman"/>
-                        <a:ea typeface="Times New Roman"/>
-                      </a:endParaRPr>
-                    </a:p>
-                  </a:txBody>
-                  <a:tcPr marL="20881" marR="20881" marT="0" marB="0"/>
-                </a:tc>
-                <a:tc>
-                  <a:txBody>
-                    <a:bodyPr/>
-                    <a:lstStyle/>
-                    <a:p>
-                      <a:pPr marL="0" marR="0">
-                        <a:spcBef>
-                          <a:spcPts val="0"/>
-                        </a:spcBef>
-                        <a:spcAft>
-                          <a:spcPts val="0"/>
-                        </a:spcAft>
-                      </a:pPr>
-                      <a:r>
-                        <a:rPr lang="en-US" sz="1400">
-                          <a:effectLst/>
-                        </a:rPr>
-                        <a:t>The client application can configure the PIC microcontroller</a:t>
-                      </a:r>
-                      <a:endParaRPr lang="en-US" sz="1600">
-                        <a:effectLst/>
-                        <a:latin typeface="Times New Roman"/>
-                        <a:ea typeface="Times New Roman"/>
-                      </a:endParaRPr>
-                    </a:p>
-                  </a:txBody>
-                  <a:tcPr marL="20881" marR="20881" marT="0" marB="0"/>
-                </a:tc>
-                <a:tc>
-                  <a:txBody>
-                    <a:bodyPr/>
-                    <a:lstStyle/>
-                    <a:p>
-                      <a:endParaRPr lang="en-US" sz="1400">
-                        <a:effectLst/>
-                        <a:latin typeface="Times New Roman"/>
-                      </a:endParaRPr>
-                    </a:p>
-                  </a:txBody>
-                  <a:tcPr marL="20881" marR="20881" marT="0" marB="0"/>
-                </a:tc>
-                <a:tc>
-                  <a:txBody>
-                    <a:bodyPr/>
-                    <a:lstStyle/>
-                    <a:p>
-                      <a:endParaRPr lang="en-US" sz="1400">
-                        <a:effectLst/>
-                        <a:latin typeface="Times New Roman"/>
-                      </a:endParaRPr>
-                    </a:p>
-                  </a:txBody>
-                  <a:tcPr marL="20881" marR="20881" marT="0" marB="0"/>
-                </a:tc>
-                <a:tc>
-                  <a:txBody>
-                    <a:bodyPr/>
-                    <a:lstStyle/>
-                    <a:p>
-                      <a:endParaRPr lang="en-US" sz="1400">
-                        <a:effectLst/>
-                        <a:latin typeface="Times New Roman"/>
-                      </a:endParaRPr>
-                    </a:p>
-                  </a:txBody>
-                  <a:tcPr marL="20881" marR="20881" marT="0" marB="0"/>
-                </a:tc>
-                <a:tc>
-                  <a:txBody>
-                    <a:bodyPr/>
-                    <a:lstStyle/>
-                    <a:p>
-                      <a:endParaRPr lang="en-US" sz="1400">
-                        <a:effectLst/>
-                        <a:latin typeface="Times New Roman"/>
-                      </a:endParaRPr>
-                    </a:p>
-                  </a:txBody>
-                  <a:tcPr marL="20881" marR="20881" marT="0" marB="0"/>
-                </a:tc>
-                <a:tc>
-                  <a:txBody>
-                    <a:bodyPr/>
-                    <a:lstStyle/>
-                    <a:p>
-                      <a:pPr marL="0" marR="0" algn="ctr">
-                        <a:spcBef>
-                          <a:spcPts val="0"/>
-                        </a:spcBef>
-                        <a:spcAft>
-                          <a:spcPts val="0"/>
-                        </a:spcAft>
-                      </a:pPr>
-                      <a:r>
-                        <a:rPr lang="en-US" sz="1400">
-                          <a:effectLst/>
-                        </a:rPr>
-                        <a:t>X</a:t>
-                      </a:r>
-                      <a:endParaRPr lang="en-US" sz="1600">
-                        <a:effectLst/>
-                        <a:latin typeface="Times New Roman"/>
-                        <a:ea typeface="Times New Roman"/>
-                      </a:endParaRPr>
-                    </a:p>
-                  </a:txBody>
-                  <a:tcPr marL="20881" marR="20881" marT="0" marB="0"/>
-                </a:tc>
-              </a:tr>
-              <a:tr h="0">
-                <a:tc>
-                  <a:txBody>
-                    <a:bodyPr/>
-                    <a:lstStyle/>
-                    <a:p>
-                      <a:pPr marL="0" marR="0" algn="r">
-                        <a:spcBef>
-                          <a:spcPts val="0"/>
-                        </a:spcBef>
-                        <a:spcAft>
-                          <a:spcPts val="0"/>
-                        </a:spcAft>
-                      </a:pPr>
-                      <a:r>
-                        <a:rPr lang="en-US" sz="1400" dirty="0">
-                          <a:effectLst/>
-                        </a:rPr>
-                        <a:t>3.24</a:t>
-                      </a:r>
-                      <a:endParaRPr lang="en-US" sz="1600" dirty="0">
-                        <a:effectLst/>
-                        <a:latin typeface="Times New Roman"/>
-                        <a:ea typeface="Times New Roman"/>
-                      </a:endParaRPr>
-                    </a:p>
-                  </a:txBody>
-                  <a:tcPr marL="20881" marR="20881" marT="0" marB="0"/>
-                </a:tc>
-                <a:tc>
-                  <a:txBody>
-                    <a:bodyPr/>
-                    <a:lstStyle/>
-                    <a:p>
-                      <a:pPr marL="0" marR="0">
-                        <a:spcBef>
-                          <a:spcPts val="0"/>
-                        </a:spcBef>
-                        <a:spcAft>
-                          <a:spcPts val="0"/>
-                        </a:spcAft>
-                      </a:pPr>
-                      <a:r>
-                        <a:rPr lang="en-US" sz="1400">
-                          <a:effectLst/>
-                        </a:rPr>
-                        <a:t>User-friendly client application</a:t>
-                      </a:r>
-                      <a:endParaRPr lang="en-US" sz="1600">
-                        <a:effectLst/>
-                        <a:latin typeface="Times New Roman"/>
-                        <a:ea typeface="Times New Roman"/>
-                      </a:endParaRPr>
-                    </a:p>
-                  </a:txBody>
-                  <a:tcPr marL="20881" marR="20881" marT="0" marB="0"/>
-                </a:tc>
-                <a:tc>
-                  <a:txBody>
-                    <a:bodyPr/>
-                    <a:lstStyle/>
-                    <a:p>
-                      <a:endParaRPr lang="en-US" sz="1400">
-                        <a:effectLst/>
-                        <a:latin typeface="Times New Roman"/>
-                      </a:endParaRPr>
-                    </a:p>
-                  </a:txBody>
-                  <a:tcPr marL="20881" marR="20881" marT="0" marB="0"/>
-                </a:tc>
-                <a:tc>
-                  <a:txBody>
-                    <a:bodyPr/>
-                    <a:lstStyle/>
-                    <a:p>
-                      <a:endParaRPr lang="en-US" sz="1400">
-                        <a:effectLst/>
-                        <a:latin typeface="Times New Roman"/>
-                      </a:endParaRPr>
-                    </a:p>
-                  </a:txBody>
-                  <a:tcPr marL="20881" marR="20881" marT="0" marB="0"/>
-                </a:tc>
-                <a:tc>
-                  <a:txBody>
-                    <a:bodyPr/>
-                    <a:lstStyle/>
-                    <a:p>
-                      <a:endParaRPr lang="en-US" sz="1400">
-                        <a:effectLst/>
-                        <a:latin typeface="Times New Roman"/>
-                      </a:endParaRPr>
-                    </a:p>
-                  </a:txBody>
-                  <a:tcPr marL="20881" marR="20881" marT="0" marB="0"/>
-                </a:tc>
-                <a:tc>
-                  <a:txBody>
-                    <a:bodyPr/>
-                    <a:lstStyle/>
-                    <a:p>
-                      <a:endParaRPr lang="en-US" sz="1400">
-                        <a:effectLst/>
-                        <a:latin typeface="Times New Roman"/>
-                      </a:endParaRPr>
-                    </a:p>
-                  </a:txBody>
-                  <a:tcPr marL="20881" marR="20881" marT="0" marB="0"/>
-                </a:tc>
-                <a:tc>
-                  <a:txBody>
-                    <a:bodyPr/>
-                    <a:lstStyle/>
-                    <a:p>
-                      <a:pPr marL="0" marR="0" algn="ctr">
-                        <a:spcBef>
-                          <a:spcPts val="0"/>
-                        </a:spcBef>
-                        <a:spcAft>
-                          <a:spcPts val="0"/>
-                        </a:spcAft>
-                      </a:pPr>
-                      <a:r>
-                        <a:rPr lang="en-US" sz="1400">
-                          <a:effectLst/>
-                        </a:rPr>
-                        <a:t>X</a:t>
-                      </a:r>
-                      <a:endParaRPr lang="en-US" sz="1600">
-                        <a:effectLst/>
-                        <a:latin typeface="Times New Roman"/>
-                        <a:ea typeface="Times New Roman"/>
-                      </a:endParaRPr>
-                    </a:p>
-                  </a:txBody>
-                  <a:tcPr marL="20881" marR="20881" marT="0" marB="0"/>
-                </a:tc>
-              </a:tr>
-              <a:tr h="60960">
-                <a:tc>
-                  <a:txBody>
-                    <a:bodyPr/>
-                    <a:lstStyle/>
-                    <a:p>
-                      <a:pPr marL="0" marR="0" algn="r">
-                        <a:spcBef>
-                          <a:spcPts val="0"/>
-                        </a:spcBef>
-                        <a:spcAft>
-                          <a:spcPts val="0"/>
-                        </a:spcAft>
-                      </a:pPr>
-                      <a:r>
-                        <a:rPr lang="en-US" sz="1400" dirty="0">
-                          <a:effectLst/>
-                        </a:rPr>
-                        <a:t>3.26</a:t>
-                      </a:r>
-                      <a:endParaRPr lang="en-US" sz="1600" dirty="0">
-                        <a:effectLst/>
-                        <a:latin typeface="Times New Roman"/>
-                        <a:ea typeface="Times New Roman"/>
-                      </a:endParaRPr>
-                    </a:p>
-                  </a:txBody>
-                  <a:tcPr marL="20881" marR="20881" marT="0" marB="0"/>
-                </a:tc>
-                <a:tc>
-                  <a:txBody>
-                    <a:bodyPr/>
-                    <a:lstStyle/>
-                    <a:p>
-                      <a:pPr marL="0" marR="0">
-                        <a:spcBef>
-                          <a:spcPts val="0"/>
-                        </a:spcBef>
-                        <a:spcAft>
-                          <a:spcPts val="0"/>
-                        </a:spcAft>
-                      </a:pPr>
-                      <a:r>
-                        <a:rPr lang="en-US" sz="1400">
-                          <a:effectLst/>
-                        </a:rPr>
-                        <a:t>Able to operate in a stand-alone mode</a:t>
-                      </a:r>
-                      <a:endParaRPr lang="en-US" sz="1600">
-                        <a:effectLst/>
-                        <a:latin typeface="Times New Roman"/>
-                        <a:ea typeface="Times New Roman"/>
-                      </a:endParaRPr>
-                    </a:p>
-                  </a:txBody>
-                  <a:tcPr marL="20881" marR="20881" marT="0" marB="0"/>
-                </a:tc>
-                <a:tc>
-                  <a:txBody>
-                    <a:bodyPr/>
-                    <a:lstStyle/>
-                    <a:p>
-                      <a:pPr marL="0" marR="0" algn="ctr">
-                        <a:spcBef>
-                          <a:spcPts val="0"/>
-                        </a:spcBef>
-                        <a:spcAft>
-                          <a:spcPts val="0"/>
-                        </a:spcAft>
-                      </a:pPr>
-                      <a:r>
-                        <a:rPr lang="en-US" sz="1400">
-                          <a:effectLst/>
-                        </a:rPr>
-                        <a:t>X</a:t>
-                      </a:r>
-                      <a:endParaRPr lang="en-US" sz="1600">
-                        <a:effectLst/>
-                        <a:latin typeface="Times New Roman"/>
-                        <a:ea typeface="Times New Roman"/>
-                      </a:endParaRPr>
-                    </a:p>
-                  </a:txBody>
-                  <a:tcPr marL="20881" marR="20881" marT="0" marB="0"/>
-                </a:tc>
-                <a:tc>
-                  <a:txBody>
-                    <a:bodyPr/>
-                    <a:lstStyle/>
-                    <a:p>
-                      <a:pPr marL="0" marR="0" algn="ctr">
-                        <a:spcBef>
-                          <a:spcPts val="0"/>
-                        </a:spcBef>
-                        <a:spcAft>
-                          <a:spcPts val="0"/>
-                        </a:spcAft>
-                      </a:pPr>
-                      <a:r>
-                        <a:rPr lang="en-US" sz="1400">
-                          <a:effectLst/>
-                        </a:rPr>
-                        <a:t>X</a:t>
-                      </a:r>
-                      <a:endParaRPr lang="en-US" sz="1600">
-                        <a:effectLst/>
-                        <a:latin typeface="Times New Roman"/>
-                        <a:ea typeface="Times New Roman"/>
-                      </a:endParaRPr>
-                    </a:p>
-                  </a:txBody>
-                  <a:tcPr marL="20881" marR="20881" marT="0" marB="0"/>
-                </a:tc>
-                <a:tc>
-                  <a:txBody>
-                    <a:bodyPr/>
-                    <a:lstStyle/>
-                    <a:p>
-                      <a:pPr marL="0" marR="0" algn="ctr">
-                        <a:spcBef>
-                          <a:spcPts val="0"/>
-                        </a:spcBef>
-                        <a:spcAft>
-                          <a:spcPts val="0"/>
-                        </a:spcAft>
-                      </a:pPr>
-                      <a:r>
-                        <a:rPr lang="en-US" sz="1400">
-                          <a:effectLst/>
-                        </a:rPr>
-                        <a:t>X</a:t>
-                      </a:r>
-                      <a:endParaRPr lang="en-US" sz="1600">
-                        <a:effectLst/>
-                        <a:latin typeface="Times New Roman"/>
-                        <a:ea typeface="Times New Roman"/>
-                      </a:endParaRPr>
-                    </a:p>
-                  </a:txBody>
-                  <a:tcPr marL="20881" marR="20881" marT="0" marB="0"/>
-                </a:tc>
-                <a:tc>
-                  <a:txBody>
-                    <a:bodyPr/>
-                    <a:lstStyle/>
-                    <a:p>
-                      <a:pPr marL="0" marR="0" algn="ctr">
-                        <a:spcBef>
-                          <a:spcPts val="0"/>
-                        </a:spcBef>
-                        <a:spcAft>
-                          <a:spcPts val="0"/>
-                        </a:spcAft>
-                      </a:pPr>
-                      <a:r>
-                        <a:rPr lang="en-US" sz="1400">
-                          <a:effectLst/>
-                        </a:rPr>
-                        <a:t>X</a:t>
-                      </a:r>
-                      <a:endParaRPr lang="en-US" sz="1600">
-                        <a:effectLst/>
-                        <a:latin typeface="Times New Roman"/>
-                        <a:ea typeface="Times New Roman"/>
-                      </a:endParaRPr>
-                    </a:p>
-                  </a:txBody>
-                  <a:tcPr marL="20881" marR="20881" marT="0" marB="0"/>
-                </a:tc>
-                <a:tc>
-                  <a:txBody>
-                    <a:bodyPr/>
-                    <a:lstStyle/>
-                    <a:p>
-                      <a:endParaRPr lang="en-US" sz="1400">
-                        <a:effectLst/>
-                        <a:latin typeface="Times New Roman"/>
-                      </a:endParaRPr>
-                    </a:p>
-                  </a:txBody>
-                  <a:tcPr marL="20881" marR="20881" marT="0" marB="0"/>
-                </a:tc>
-              </a:tr>
-              <a:tr h="45720">
-                <a:tc>
-                  <a:txBody>
-                    <a:bodyPr/>
-                    <a:lstStyle/>
-                    <a:p>
-                      <a:pPr marL="0" marR="0" algn="r">
-                        <a:spcBef>
-                          <a:spcPts val="0"/>
-                        </a:spcBef>
-                        <a:spcAft>
-                          <a:spcPts val="0"/>
-                        </a:spcAft>
-                      </a:pPr>
-                      <a:r>
-                        <a:rPr lang="en-US" sz="1400">
-                          <a:effectLst/>
-                        </a:rPr>
-                        <a:t>3.27</a:t>
-                      </a:r>
-                      <a:endParaRPr lang="en-US" sz="1600">
-                        <a:effectLst/>
-                        <a:latin typeface="Times New Roman"/>
-                        <a:ea typeface="Times New Roman"/>
-                      </a:endParaRPr>
-                    </a:p>
-                  </a:txBody>
-                  <a:tcPr marL="20881" marR="20881" marT="0" marB="0"/>
-                </a:tc>
-                <a:tc>
-                  <a:txBody>
-                    <a:bodyPr/>
-                    <a:lstStyle/>
-                    <a:p>
-                      <a:pPr marL="0" marR="0">
-                        <a:spcBef>
-                          <a:spcPts val="0"/>
-                        </a:spcBef>
-                        <a:spcAft>
-                          <a:spcPts val="0"/>
-                        </a:spcAft>
-                      </a:pPr>
-                      <a:r>
-                        <a:rPr lang="en-US" sz="1400">
-                          <a:effectLst/>
-                        </a:rPr>
-                        <a:t>Visually indicate a bump using a beacon light</a:t>
-                      </a:r>
-                      <a:endParaRPr lang="en-US" sz="1600">
-                        <a:effectLst/>
-                        <a:latin typeface="Times New Roman"/>
-                        <a:ea typeface="Times New Roman"/>
-                      </a:endParaRPr>
-                    </a:p>
-                  </a:txBody>
-                  <a:tcPr marL="20881" marR="20881" marT="0" marB="0"/>
-                </a:tc>
-                <a:tc>
-                  <a:txBody>
-                    <a:bodyPr/>
-                    <a:lstStyle/>
-                    <a:p>
-                      <a:endParaRPr lang="en-US" sz="1400">
-                        <a:effectLst/>
-                        <a:latin typeface="Times New Roman"/>
-                      </a:endParaRPr>
-                    </a:p>
-                  </a:txBody>
-                  <a:tcPr marL="20881" marR="20881" marT="0" marB="0"/>
-                </a:tc>
-                <a:tc>
-                  <a:txBody>
-                    <a:bodyPr/>
-                    <a:lstStyle/>
-                    <a:p>
-                      <a:endParaRPr lang="en-US" sz="1400">
-                        <a:effectLst/>
-                        <a:latin typeface="Times New Roman"/>
-                      </a:endParaRPr>
-                    </a:p>
-                  </a:txBody>
-                  <a:tcPr marL="20881" marR="20881" marT="0" marB="0"/>
-                </a:tc>
-                <a:tc>
-                  <a:txBody>
-                    <a:bodyPr/>
-                    <a:lstStyle/>
-                    <a:p>
-                      <a:endParaRPr lang="en-US" sz="1400">
-                        <a:effectLst/>
-                        <a:latin typeface="Times New Roman"/>
-                      </a:endParaRPr>
-                    </a:p>
-                  </a:txBody>
-                  <a:tcPr marL="20881" marR="20881" marT="0" marB="0"/>
-                </a:tc>
-                <a:tc>
-                  <a:txBody>
-                    <a:bodyPr/>
-                    <a:lstStyle/>
-                    <a:p>
-                      <a:pPr marL="0" marR="0" algn="ctr">
-                        <a:spcBef>
-                          <a:spcPts val="0"/>
-                        </a:spcBef>
-                        <a:spcAft>
-                          <a:spcPts val="0"/>
-                        </a:spcAft>
-                      </a:pPr>
-                      <a:r>
-                        <a:rPr lang="en-US" sz="1400">
-                          <a:effectLst/>
-                        </a:rPr>
-                        <a:t>X</a:t>
-                      </a:r>
-                      <a:endParaRPr lang="en-US" sz="1600">
-                        <a:effectLst/>
-                        <a:latin typeface="Times New Roman"/>
-                        <a:ea typeface="Times New Roman"/>
-                      </a:endParaRPr>
-                    </a:p>
-                  </a:txBody>
-                  <a:tcPr marL="20881" marR="20881" marT="0" marB="0"/>
-                </a:tc>
-                <a:tc>
-                  <a:txBody>
-                    <a:bodyPr/>
-                    <a:lstStyle/>
-                    <a:p>
-                      <a:endParaRPr lang="en-US" sz="1400" dirty="0">
-                        <a:effectLst/>
-                        <a:latin typeface="Times New Roman"/>
-                      </a:endParaRPr>
-                    </a:p>
-                  </a:txBody>
-                  <a:tcPr marL="20881" marR="20881" marT="0" marB="0"/>
-                </a:tc>
-              </a:tr>
-            </a:tbl>
-          </a:graphicData>
-        </a:graphic>
-      </p:graphicFrame>
+            <a:endParaRPr lang="en-US"/>
+          </a:p>
+        </p:txBody>
+      </p:sp>
     </p:spTree>
     <p:extLst>
       <p:ext uri="{BB962C8B-B14F-4D97-AF65-F5344CB8AC3E}">
-        <p14:creationId xmlns:p14="http://schemas.microsoft.com/office/powerpoint/2010/main" val="2960037515"/>
+        <p14:creationId xmlns:p14="http://schemas.microsoft.com/office/powerpoint/2010/main" val="1781556997"/>
       </p:ext>
     </p:extLst>
   </p:cSld>
@@ -7952,7 +5483,7 @@
       </p:grpSpPr>
       <p:sp>
         <p:nvSpPr>
-          <p:cNvPr id="2" name="Title 1"/>
+          <p:cNvPr id="4" name="Title 3"/>
           <p:cNvSpPr>
             <a:spLocks noGrp="1"/>
           </p:cNvSpPr>
@@ -7960,41 +5491,48 @@
             <p:ph type="ctrTitle"/>
           </p:nvPr>
         </p:nvSpPr>
-        <p:spPr>
-          <a:xfrm>
-            <a:off x="762000" y="4724400"/>
-            <a:ext cx="7543800" cy="1524000"/>
-          </a:xfrm>
-        </p:spPr>
+        <p:spPr/>
         <p:txBody>
           <a:bodyPr/>
           <a:lstStyle/>
           <a:p>
             <a:r>
-              <a:rPr lang="en-US" sz="7200" dirty="0" smtClean="0"/>
-              <a:t>Product Concept</a:t>
-            </a:r>
-            <a:endParaRPr lang="en-US" sz="7200" dirty="0"/>
+              <a:rPr lang="en-US" dirty="0" smtClean="0"/>
+              <a:t>ADS GATE REVIEW</a:t>
+            </a:r>
+            <a:endParaRPr lang="en-US" dirty="0"/>
+          </a:p>
+        </p:txBody>
+      </p:sp>
+      <p:sp>
+        <p:nvSpPr>
+          <p:cNvPr id="5" name="Subtitle 4"/>
+          <p:cNvSpPr>
+            <a:spLocks noGrp="1"/>
+          </p:cNvSpPr>
+          <p:nvPr>
+            <p:ph type="subTitle" idx="1"/>
+          </p:nvPr>
+        </p:nvSpPr>
+        <p:spPr/>
+        <p:txBody>
+          <a:bodyPr/>
+          <a:lstStyle/>
+          <a:p>
+            <a:endParaRPr lang="en-US"/>
           </a:p>
         </p:txBody>
       </p:sp>
     </p:spTree>
     <p:extLst>
       <p:ext uri="{BB962C8B-B14F-4D97-AF65-F5344CB8AC3E}">
-        <p14:creationId xmlns:p14="http://schemas.microsoft.com/office/powerpoint/2010/main" val="2802254707"/>
+        <p14:creationId xmlns:p14="http://schemas.microsoft.com/office/powerpoint/2010/main" val="1700657102"/>
       </p:ext>
     </p:extLst>
   </p:cSld>
   <p:clrMapOvr>
     <a:masterClrMapping/>
   </p:clrMapOvr>
-  <p:timing>
-    <p:tnLst>
-      <p:par>
-        <p:cTn id="1" dur="indefinite" restart="never" nodeType="tmRoot"/>
-      </p:par>
-    </p:tnLst>
-  </p:timing>
 </p:sld>
 </file>
 
@@ -8032,146 +5570,2520 @@
           <a:p>
             <a:r>
               <a:rPr lang="en-US" dirty="0" smtClean="0"/>
-              <a:t>OS Dependencies</a:t>
+              <a:t>Key Requirements</a:t>
             </a:r>
             <a:endParaRPr lang="en-US" dirty="0"/>
           </a:p>
         </p:txBody>
       </p:sp>
-      <p:sp>
-        <p:nvSpPr>
-          <p:cNvPr id="4" name="Content Placeholder 3"/>
-          <p:cNvSpPr>
-            <a:spLocks noGrp="1"/>
-          </p:cNvSpPr>
+      <p:graphicFrame>
+        <p:nvGraphicFramePr>
+          <p:cNvPr id="5" name="Content Placeholder 4"/>
+          <p:cNvGraphicFramePr>
+            <a:graphicFrameLocks noGrp="1"/>
+          </p:cNvGraphicFramePr>
           <p:nvPr>
             <p:ph idx="1"/>
-          </p:nvPr>
-        </p:nvSpPr>
-        <p:spPr/>
-        <p:txBody>
-          <a:bodyPr>
-            <a:normAutofit lnSpcReduction="10000"/>
-          </a:bodyPr>
-          <a:lstStyle/>
-          <a:p>
-            <a:r>
-              <a:rPr lang="en-US" dirty="0"/>
-              <a:t>GUI </a:t>
-            </a:r>
-            <a:r>
-              <a:rPr lang="en-US" dirty="0" smtClean="0"/>
-              <a:t>Layer</a:t>
-            </a:r>
-          </a:p>
-          <a:p>
-            <a:pPr lvl="1"/>
-            <a:r>
-              <a:rPr lang="en-US" dirty="0"/>
-              <a:t>D</a:t>
-            </a:r>
-            <a:r>
-              <a:rPr lang="en-US" dirty="0" smtClean="0"/>
-              <a:t>eveloped </a:t>
-            </a:r>
-            <a:r>
-              <a:rPr lang="en-US" dirty="0"/>
-              <a:t>in Java with a Windows </a:t>
-            </a:r>
-            <a:r>
-              <a:rPr lang="en-US" dirty="0" smtClean="0"/>
-              <a:t>PC</a:t>
-            </a:r>
-          </a:p>
-          <a:p>
-            <a:pPr lvl="1"/>
-            <a:r>
-              <a:rPr lang="en-US" dirty="0"/>
-              <a:t>Java Development Kit </a:t>
-            </a:r>
-            <a:endParaRPr lang="en-US" dirty="0" smtClean="0"/>
-          </a:p>
-          <a:p>
-            <a:pPr lvl="1"/>
-            <a:r>
-              <a:rPr lang="en-US" dirty="0"/>
-              <a:t>customer will require a machine with compatible Java Runtime Environment </a:t>
-            </a:r>
-            <a:r>
-              <a:rPr lang="en-US" dirty="0" smtClean="0"/>
-              <a:t>installed</a:t>
-            </a:r>
-          </a:p>
-          <a:p>
-            <a:pPr lvl="1"/>
-            <a:r>
-              <a:rPr lang="en-US" dirty="0"/>
-              <a:t>R</a:t>
-            </a:r>
-            <a:r>
-              <a:rPr lang="en-US" dirty="0" smtClean="0"/>
-              <a:t>equired </a:t>
-            </a:r>
-            <a:r>
-              <a:rPr lang="en-US" dirty="0"/>
-              <a:t>system components will be provided by the JRE (</a:t>
-            </a:r>
-            <a:r>
-              <a:rPr lang="en-US" dirty="0" err="1"/>
-              <a:t>ie</a:t>
-            </a:r>
-            <a:r>
-              <a:rPr lang="en-US" dirty="0"/>
-              <a:t>. network stack</a:t>
-            </a:r>
-            <a:r>
-              <a:rPr lang="en-US" dirty="0" smtClean="0"/>
-              <a:t>)</a:t>
-            </a:r>
-          </a:p>
-          <a:p>
-            <a:r>
-              <a:rPr lang="en-US" dirty="0" smtClean="0"/>
-              <a:t>Other Layers</a:t>
-            </a:r>
-          </a:p>
-          <a:p>
-            <a:pPr lvl="1"/>
-            <a:r>
-              <a:rPr lang="en-US" dirty="0"/>
-              <a:t>D</a:t>
-            </a:r>
-            <a:r>
-              <a:rPr lang="en-US" dirty="0" smtClean="0"/>
-              <a:t>eveloped </a:t>
-            </a:r>
-            <a:r>
-              <a:rPr lang="en-US" dirty="0"/>
-              <a:t>in C with a Windows </a:t>
-            </a:r>
-            <a:r>
-              <a:rPr lang="en-US" dirty="0" smtClean="0"/>
-              <a:t>PC</a:t>
-            </a:r>
-          </a:p>
-          <a:p>
-            <a:pPr lvl="1"/>
-            <a:r>
-              <a:rPr lang="en-US" dirty="0" err="1"/>
-              <a:t>MPLab</a:t>
-            </a:r>
-            <a:r>
-              <a:rPr lang="en-US" dirty="0"/>
-              <a:t> C development environment </a:t>
-            </a:r>
-            <a:endParaRPr lang="en-US" dirty="0"/>
-          </a:p>
-        </p:txBody>
-      </p:sp>
+            <p:extLst>
+              <p:ext uri="{D42A27DB-BD31-4B8C-83A1-F6EECF244321}">
+                <p14:modId xmlns:p14="http://schemas.microsoft.com/office/powerpoint/2010/main" val="1105056789"/>
+              </p:ext>
+            </p:extLst>
+          </p:nvPr>
+        </p:nvGraphicFramePr>
+        <p:xfrm>
+          <a:off x="152400" y="838200"/>
+          <a:ext cx="8903674" cy="3840480"/>
+        </p:xfrm>
+        <a:graphic>
+          <a:graphicData uri="http://schemas.openxmlformats.org/drawingml/2006/table">
+            <a:tbl>
+              <a:tblPr firstRow="1" firstCol="1" bandRow="1">
+                <a:tableStyleId>{5C22544A-7EE6-4342-B048-85BDC9FD1C3A}</a:tableStyleId>
+              </a:tblPr>
+              <a:tblGrid>
+                <a:gridCol w="718037"/>
+                <a:gridCol w="4604237"/>
+                <a:gridCol w="685800"/>
+                <a:gridCol w="762000"/>
+                <a:gridCol w="762000"/>
+                <a:gridCol w="685800"/>
+                <a:gridCol w="685800"/>
+              </a:tblGrid>
+              <a:tr h="92122">
+                <a:tc>
+                  <a:txBody>
+                    <a:bodyPr/>
+                    <a:lstStyle/>
+                    <a:p>
+                      <a:pPr marL="0" marR="0">
+                        <a:spcBef>
+                          <a:spcPts val="0"/>
+                        </a:spcBef>
+                        <a:spcAft>
+                          <a:spcPts val="0"/>
+                        </a:spcAft>
+                      </a:pPr>
+                      <a:r>
+                        <a:rPr lang="en-US" sz="1400" dirty="0">
+                          <a:effectLst/>
+                        </a:rPr>
+                        <a:t>Number</a:t>
+                      </a:r>
+                      <a:endParaRPr lang="en-US" sz="1600" dirty="0">
+                        <a:effectLst/>
+                        <a:latin typeface="Times New Roman"/>
+                        <a:ea typeface="Times New Roman"/>
+                      </a:endParaRPr>
+                    </a:p>
+                  </a:txBody>
+                  <a:tcPr marL="20881" marR="20881" marT="0" marB="0"/>
+                </a:tc>
+                <a:tc>
+                  <a:txBody>
+                    <a:bodyPr/>
+                    <a:lstStyle/>
+                    <a:p>
+                      <a:pPr marL="0" marR="0">
+                        <a:spcBef>
+                          <a:spcPts val="0"/>
+                        </a:spcBef>
+                        <a:spcAft>
+                          <a:spcPts val="0"/>
+                        </a:spcAft>
+                      </a:pPr>
+                      <a:r>
+                        <a:rPr lang="en-US" sz="1400" dirty="0">
+                          <a:effectLst/>
+                        </a:rPr>
+                        <a:t>Requirement</a:t>
+                      </a:r>
+                      <a:endParaRPr lang="en-US" sz="1600" dirty="0">
+                        <a:effectLst/>
+                        <a:latin typeface="Times New Roman"/>
+                        <a:ea typeface="Times New Roman"/>
+                      </a:endParaRPr>
+                    </a:p>
+                  </a:txBody>
+                  <a:tcPr marL="20881" marR="20881" marT="0" marB="0"/>
+                </a:tc>
+                <a:tc>
+                  <a:txBody>
+                    <a:bodyPr/>
+                    <a:lstStyle/>
+                    <a:p>
+                      <a:pPr marL="0" marR="0">
+                        <a:spcBef>
+                          <a:spcPts val="0"/>
+                        </a:spcBef>
+                        <a:spcAft>
+                          <a:spcPts val="0"/>
+                        </a:spcAft>
+                      </a:pPr>
+                      <a:r>
+                        <a:rPr lang="en-US" sz="1400">
+                          <a:effectLst/>
+                        </a:rPr>
+                        <a:t>Storage Layer</a:t>
+                      </a:r>
+                      <a:endParaRPr lang="en-US" sz="1600">
+                        <a:effectLst/>
+                        <a:latin typeface="Times New Roman"/>
+                        <a:ea typeface="Times New Roman"/>
+                      </a:endParaRPr>
+                    </a:p>
+                  </a:txBody>
+                  <a:tcPr marL="20881" marR="20881" marT="0" marB="0"/>
+                </a:tc>
+                <a:tc>
+                  <a:txBody>
+                    <a:bodyPr/>
+                    <a:lstStyle/>
+                    <a:p>
+                      <a:pPr marL="0" marR="0">
+                        <a:spcBef>
+                          <a:spcPts val="0"/>
+                        </a:spcBef>
+                        <a:spcAft>
+                          <a:spcPts val="0"/>
+                        </a:spcAft>
+                      </a:pPr>
+                      <a:r>
+                        <a:rPr lang="en-US" sz="1400">
+                          <a:effectLst/>
+                        </a:rPr>
+                        <a:t>Process Layer</a:t>
+                      </a:r>
+                      <a:endParaRPr lang="en-US" sz="1600">
+                        <a:effectLst/>
+                        <a:latin typeface="Times New Roman"/>
+                        <a:ea typeface="Times New Roman"/>
+                      </a:endParaRPr>
+                    </a:p>
+                  </a:txBody>
+                  <a:tcPr marL="20881" marR="20881" marT="0" marB="0"/>
+                </a:tc>
+                <a:tc>
+                  <a:txBody>
+                    <a:bodyPr/>
+                    <a:lstStyle/>
+                    <a:p>
+                      <a:pPr marL="0" marR="0">
+                        <a:spcBef>
+                          <a:spcPts val="0"/>
+                        </a:spcBef>
+                        <a:spcAft>
+                          <a:spcPts val="0"/>
+                        </a:spcAft>
+                      </a:pPr>
+                      <a:r>
+                        <a:rPr lang="en-US" sz="1400">
+                          <a:effectLst/>
+                        </a:rPr>
+                        <a:t>Input Layer</a:t>
+                      </a:r>
+                      <a:endParaRPr lang="en-US" sz="1600">
+                        <a:effectLst/>
+                        <a:latin typeface="Times New Roman"/>
+                        <a:ea typeface="Times New Roman"/>
+                      </a:endParaRPr>
+                    </a:p>
+                  </a:txBody>
+                  <a:tcPr marL="20881" marR="20881" marT="0" marB="0"/>
+                </a:tc>
+                <a:tc>
+                  <a:txBody>
+                    <a:bodyPr/>
+                    <a:lstStyle/>
+                    <a:p>
+                      <a:pPr marL="0" marR="0">
+                        <a:spcBef>
+                          <a:spcPts val="0"/>
+                        </a:spcBef>
+                        <a:spcAft>
+                          <a:spcPts val="0"/>
+                        </a:spcAft>
+                      </a:pPr>
+                      <a:r>
+                        <a:rPr lang="en-US" sz="1400">
+                          <a:effectLst/>
+                        </a:rPr>
+                        <a:t>Output Layer</a:t>
+                      </a:r>
+                      <a:endParaRPr lang="en-US" sz="1600">
+                        <a:effectLst/>
+                        <a:latin typeface="Times New Roman"/>
+                        <a:ea typeface="Times New Roman"/>
+                      </a:endParaRPr>
+                    </a:p>
+                  </a:txBody>
+                  <a:tcPr marL="20881" marR="20881" marT="0" marB="0"/>
+                </a:tc>
+                <a:tc>
+                  <a:txBody>
+                    <a:bodyPr/>
+                    <a:lstStyle/>
+                    <a:p>
+                      <a:pPr marL="0" marR="0">
+                        <a:spcBef>
+                          <a:spcPts val="0"/>
+                        </a:spcBef>
+                        <a:spcAft>
+                          <a:spcPts val="0"/>
+                        </a:spcAft>
+                      </a:pPr>
+                      <a:r>
+                        <a:rPr lang="en-US" sz="1400">
+                          <a:effectLst/>
+                        </a:rPr>
+                        <a:t>GUI Layer</a:t>
+                      </a:r>
+                      <a:endParaRPr lang="en-US" sz="1600">
+                        <a:effectLst/>
+                        <a:latin typeface="Times New Roman"/>
+                        <a:ea typeface="Times New Roman"/>
+                      </a:endParaRPr>
+                    </a:p>
+                  </a:txBody>
+                  <a:tcPr marL="20881" marR="20881" marT="0" marB="0"/>
+                </a:tc>
+              </a:tr>
+              <a:tr h="162135">
+                <a:tc>
+                  <a:txBody>
+                    <a:bodyPr/>
+                    <a:lstStyle/>
+                    <a:p>
+                      <a:pPr marL="0" marR="0" algn="r">
+                        <a:spcBef>
+                          <a:spcPts val="0"/>
+                        </a:spcBef>
+                        <a:spcAft>
+                          <a:spcPts val="0"/>
+                        </a:spcAft>
+                      </a:pPr>
+                      <a:r>
+                        <a:rPr lang="en-US" sz="1400">
+                          <a:effectLst/>
+                        </a:rPr>
+                        <a:t>3.1</a:t>
+                      </a:r>
+                      <a:endParaRPr lang="en-US" sz="1600">
+                        <a:effectLst/>
+                        <a:latin typeface="Times New Roman"/>
+                        <a:ea typeface="Times New Roman"/>
+                      </a:endParaRPr>
+                    </a:p>
+                  </a:txBody>
+                  <a:tcPr marL="20881" marR="20881" marT="0" marB="0"/>
+                </a:tc>
+                <a:tc>
+                  <a:txBody>
+                    <a:bodyPr/>
+                    <a:lstStyle/>
+                    <a:p>
+                      <a:pPr marL="0" marR="0">
+                        <a:spcBef>
+                          <a:spcPts val="0"/>
+                        </a:spcBef>
+                        <a:spcAft>
+                          <a:spcPts val="0"/>
+                        </a:spcAft>
+                      </a:pPr>
+                      <a:r>
+                        <a:rPr lang="en-US" sz="1400">
+                          <a:effectLst/>
+                        </a:rPr>
+                        <a:t>Power on/off easily</a:t>
+                      </a:r>
+                      <a:endParaRPr lang="en-US" sz="1600">
+                        <a:effectLst/>
+                        <a:latin typeface="Times New Roman"/>
+                        <a:ea typeface="Times New Roman"/>
+                      </a:endParaRPr>
+                    </a:p>
+                  </a:txBody>
+                  <a:tcPr marL="20881" marR="20881" marT="0" marB="0"/>
+                </a:tc>
+                <a:tc>
+                  <a:txBody>
+                    <a:bodyPr/>
+                    <a:lstStyle/>
+                    <a:p>
+                      <a:endParaRPr lang="en-US" sz="1400">
+                        <a:effectLst/>
+                        <a:latin typeface="Times New Roman"/>
+                      </a:endParaRPr>
+                    </a:p>
+                  </a:txBody>
+                  <a:tcPr marL="20881" marR="20881" marT="0" marB="0"/>
+                </a:tc>
+                <a:tc>
+                  <a:txBody>
+                    <a:bodyPr/>
+                    <a:lstStyle/>
+                    <a:p>
+                      <a:endParaRPr lang="en-US" sz="1400">
+                        <a:effectLst/>
+                        <a:latin typeface="Times New Roman"/>
+                      </a:endParaRPr>
+                    </a:p>
+                  </a:txBody>
+                  <a:tcPr marL="20881" marR="20881" marT="0" marB="0"/>
+                </a:tc>
+                <a:tc>
+                  <a:txBody>
+                    <a:bodyPr/>
+                    <a:lstStyle/>
+                    <a:p>
+                      <a:pPr marL="0" marR="0" algn="ctr">
+                        <a:spcBef>
+                          <a:spcPts val="0"/>
+                        </a:spcBef>
+                        <a:spcAft>
+                          <a:spcPts val="0"/>
+                        </a:spcAft>
+                      </a:pPr>
+                      <a:r>
+                        <a:rPr lang="en-US" sz="1400">
+                          <a:effectLst/>
+                        </a:rPr>
+                        <a:t>X</a:t>
+                      </a:r>
+                      <a:endParaRPr lang="en-US" sz="1600">
+                        <a:effectLst/>
+                        <a:latin typeface="Times New Roman"/>
+                        <a:ea typeface="Times New Roman"/>
+                      </a:endParaRPr>
+                    </a:p>
+                  </a:txBody>
+                  <a:tcPr marL="20881" marR="20881" marT="0" marB="0"/>
+                </a:tc>
+                <a:tc>
+                  <a:txBody>
+                    <a:bodyPr/>
+                    <a:lstStyle/>
+                    <a:p>
+                      <a:endParaRPr lang="en-US" sz="1400">
+                        <a:effectLst/>
+                        <a:latin typeface="Times New Roman"/>
+                      </a:endParaRPr>
+                    </a:p>
+                  </a:txBody>
+                  <a:tcPr marL="20881" marR="20881" marT="0" marB="0"/>
+                </a:tc>
+                <a:tc>
+                  <a:txBody>
+                    <a:bodyPr/>
+                    <a:lstStyle/>
+                    <a:p>
+                      <a:endParaRPr lang="en-US" sz="1400">
+                        <a:effectLst/>
+                        <a:latin typeface="Times New Roman"/>
+                      </a:endParaRPr>
+                    </a:p>
+                  </a:txBody>
+                  <a:tcPr marL="20881" marR="20881" marT="0" marB="0"/>
+                </a:tc>
+              </a:tr>
+              <a:tr h="162135">
+                <a:tc>
+                  <a:txBody>
+                    <a:bodyPr/>
+                    <a:lstStyle/>
+                    <a:p>
+                      <a:pPr marL="0" marR="0" algn="r">
+                        <a:spcBef>
+                          <a:spcPts val="0"/>
+                        </a:spcBef>
+                        <a:spcAft>
+                          <a:spcPts val="0"/>
+                        </a:spcAft>
+                      </a:pPr>
+                      <a:r>
+                        <a:rPr lang="en-US" sz="1400" dirty="0">
+                          <a:effectLst/>
+                        </a:rPr>
+                        <a:t>3.3</a:t>
+                      </a:r>
+                      <a:endParaRPr lang="en-US" sz="1600" dirty="0">
+                        <a:effectLst/>
+                        <a:latin typeface="Times New Roman"/>
+                        <a:ea typeface="Times New Roman"/>
+                      </a:endParaRPr>
+                    </a:p>
+                  </a:txBody>
+                  <a:tcPr marL="20881" marR="20881" marT="0" marB="0"/>
+                </a:tc>
+                <a:tc>
+                  <a:txBody>
+                    <a:bodyPr/>
+                    <a:lstStyle/>
+                    <a:p>
+                      <a:pPr marL="0" marR="0">
+                        <a:spcBef>
+                          <a:spcPts val="0"/>
+                        </a:spcBef>
+                        <a:spcAft>
+                          <a:spcPts val="0"/>
+                        </a:spcAft>
+                      </a:pPr>
+                      <a:r>
+                        <a:rPr lang="en-US" sz="1400">
+                          <a:effectLst/>
+                        </a:rPr>
+                        <a:t>Visually indicate error conditions</a:t>
+                      </a:r>
+                      <a:endParaRPr lang="en-US" sz="1600">
+                        <a:effectLst/>
+                        <a:latin typeface="Times New Roman"/>
+                        <a:ea typeface="Times New Roman"/>
+                      </a:endParaRPr>
+                    </a:p>
+                  </a:txBody>
+                  <a:tcPr marL="20881" marR="20881" marT="0" marB="0"/>
+                </a:tc>
+                <a:tc>
+                  <a:txBody>
+                    <a:bodyPr/>
+                    <a:lstStyle/>
+                    <a:p>
+                      <a:endParaRPr lang="en-US" sz="1400">
+                        <a:effectLst/>
+                        <a:latin typeface="Times New Roman"/>
+                      </a:endParaRPr>
+                    </a:p>
+                  </a:txBody>
+                  <a:tcPr marL="20881" marR="20881" marT="0" marB="0"/>
+                </a:tc>
+                <a:tc>
+                  <a:txBody>
+                    <a:bodyPr/>
+                    <a:lstStyle/>
+                    <a:p>
+                      <a:endParaRPr lang="en-US" sz="1400">
+                        <a:effectLst/>
+                        <a:latin typeface="Times New Roman"/>
+                      </a:endParaRPr>
+                    </a:p>
+                  </a:txBody>
+                  <a:tcPr marL="20881" marR="20881" marT="0" marB="0"/>
+                </a:tc>
+                <a:tc>
+                  <a:txBody>
+                    <a:bodyPr/>
+                    <a:lstStyle/>
+                    <a:p>
+                      <a:endParaRPr lang="en-US" sz="1400">
+                        <a:effectLst/>
+                        <a:latin typeface="Times New Roman"/>
+                      </a:endParaRPr>
+                    </a:p>
+                  </a:txBody>
+                  <a:tcPr marL="20881" marR="20881" marT="0" marB="0"/>
+                </a:tc>
+                <a:tc>
+                  <a:txBody>
+                    <a:bodyPr/>
+                    <a:lstStyle/>
+                    <a:p>
+                      <a:pPr marL="0" marR="0" algn="ctr">
+                        <a:spcBef>
+                          <a:spcPts val="0"/>
+                        </a:spcBef>
+                        <a:spcAft>
+                          <a:spcPts val="0"/>
+                        </a:spcAft>
+                      </a:pPr>
+                      <a:r>
+                        <a:rPr lang="en-US" sz="1400">
+                          <a:effectLst/>
+                        </a:rPr>
+                        <a:t>X</a:t>
+                      </a:r>
+                      <a:endParaRPr lang="en-US" sz="1600">
+                        <a:effectLst/>
+                        <a:latin typeface="Times New Roman"/>
+                        <a:ea typeface="Times New Roman"/>
+                      </a:endParaRPr>
+                    </a:p>
+                  </a:txBody>
+                  <a:tcPr marL="20881" marR="20881" marT="0" marB="0"/>
+                </a:tc>
+                <a:tc>
+                  <a:txBody>
+                    <a:bodyPr/>
+                    <a:lstStyle/>
+                    <a:p>
+                      <a:endParaRPr lang="en-US" sz="1400">
+                        <a:effectLst/>
+                        <a:latin typeface="Times New Roman"/>
+                      </a:endParaRPr>
+                    </a:p>
+                  </a:txBody>
+                  <a:tcPr marL="20881" marR="20881" marT="0" marB="0"/>
+                </a:tc>
+              </a:tr>
+              <a:tr h="167640">
+                <a:tc>
+                  <a:txBody>
+                    <a:bodyPr/>
+                    <a:lstStyle/>
+                    <a:p>
+                      <a:pPr marL="0" marR="0" algn="r">
+                        <a:spcBef>
+                          <a:spcPts val="0"/>
+                        </a:spcBef>
+                        <a:spcAft>
+                          <a:spcPts val="0"/>
+                        </a:spcAft>
+                      </a:pPr>
+                      <a:r>
+                        <a:rPr lang="en-US" sz="1400">
+                          <a:effectLst/>
+                        </a:rPr>
+                        <a:t>3.4</a:t>
+                      </a:r>
+                      <a:endParaRPr lang="en-US" sz="1600">
+                        <a:effectLst/>
+                        <a:latin typeface="Times New Roman"/>
+                        <a:ea typeface="Times New Roman"/>
+                      </a:endParaRPr>
+                    </a:p>
+                  </a:txBody>
+                  <a:tcPr marL="20881" marR="20881" marT="0" marB="0"/>
+                </a:tc>
+                <a:tc>
+                  <a:txBody>
+                    <a:bodyPr/>
+                    <a:lstStyle/>
+                    <a:p>
+                      <a:pPr marL="0" marR="0">
+                        <a:spcBef>
+                          <a:spcPts val="0"/>
+                        </a:spcBef>
+                        <a:spcAft>
+                          <a:spcPts val="0"/>
+                        </a:spcAft>
+                      </a:pPr>
+                      <a:r>
+                        <a:rPr lang="en-US" sz="1400">
+                          <a:effectLst/>
+                        </a:rPr>
+                        <a:t>Indicate when it is operating normally</a:t>
+                      </a:r>
+                      <a:endParaRPr lang="en-US" sz="1600">
+                        <a:effectLst/>
+                        <a:latin typeface="Times New Roman"/>
+                        <a:ea typeface="Times New Roman"/>
+                      </a:endParaRPr>
+                    </a:p>
+                  </a:txBody>
+                  <a:tcPr marL="20881" marR="20881" marT="0" marB="0"/>
+                </a:tc>
+                <a:tc>
+                  <a:txBody>
+                    <a:bodyPr/>
+                    <a:lstStyle/>
+                    <a:p>
+                      <a:endParaRPr lang="en-US" sz="1400">
+                        <a:effectLst/>
+                        <a:latin typeface="Times New Roman"/>
+                      </a:endParaRPr>
+                    </a:p>
+                  </a:txBody>
+                  <a:tcPr marL="20881" marR="20881" marT="0" marB="0"/>
+                </a:tc>
+                <a:tc>
+                  <a:txBody>
+                    <a:bodyPr/>
+                    <a:lstStyle/>
+                    <a:p>
+                      <a:endParaRPr lang="en-US" sz="1400">
+                        <a:effectLst/>
+                        <a:latin typeface="Times New Roman"/>
+                      </a:endParaRPr>
+                    </a:p>
+                  </a:txBody>
+                  <a:tcPr marL="20881" marR="20881" marT="0" marB="0"/>
+                </a:tc>
+                <a:tc>
+                  <a:txBody>
+                    <a:bodyPr/>
+                    <a:lstStyle/>
+                    <a:p>
+                      <a:endParaRPr lang="en-US" sz="1400">
+                        <a:effectLst/>
+                        <a:latin typeface="Times New Roman"/>
+                      </a:endParaRPr>
+                    </a:p>
+                  </a:txBody>
+                  <a:tcPr marL="20881" marR="20881" marT="0" marB="0"/>
+                </a:tc>
+                <a:tc>
+                  <a:txBody>
+                    <a:bodyPr/>
+                    <a:lstStyle/>
+                    <a:p>
+                      <a:pPr marL="0" marR="0" algn="ctr">
+                        <a:spcBef>
+                          <a:spcPts val="0"/>
+                        </a:spcBef>
+                        <a:spcAft>
+                          <a:spcPts val="0"/>
+                        </a:spcAft>
+                      </a:pPr>
+                      <a:r>
+                        <a:rPr lang="en-US" sz="1400">
+                          <a:effectLst/>
+                        </a:rPr>
+                        <a:t>X</a:t>
+                      </a:r>
+                      <a:endParaRPr lang="en-US" sz="1600">
+                        <a:effectLst/>
+                        <a:latin typeface="Times New Roman"/>
+                        <a:ea typeface="Times New Roman"/>
+                      </a:endParaRPr>
+                    </a:p>
+                  </a:txBody>
+                  <a:tcPr marL="20881" marR="20881" marT="0" marB="0"/>
+                </a:tc>
+                <a:tc>
+                  <a:txBody>
+                    <a:bodyPr/>
+                    <a:lstStyle/>
+                    <a:p>
+                      <a:endParaRPr lang="en-US" sz="1400">
+                        <a:effectLst/>
+                        <a:latin typeface="Times New Roman"/>
+                      </a:endParaRPr>
+                    </a:p>
+                  </a:txBody>
+                  <a:tcPr marL="20881" marR="20881" marT="0" marB="0"/>
+                </a:tc>
+              </a:tr>
+              <a:tr h="152400">
+                <a:tc>
+                  <a:txBody>
+                    <a:bodyPr/>
+                    <a:lstStyle/>
+                    <a:p>
+                      <a:pPr marL="0" marR="0" algn="r">
+                        <a:spcBef>
+                          <a:spcPts val="0"/>
+                        </a:spcBef>
+                        <a:spcAft>
+                          <a:spcPts val="0"/>
+                        </a:spcAft>
+                      </a:pPr>
+                      <a:r>
+                        <a:rPr lang="en-US" sz="1400">
+                          <a:effectLst/>
+                        </a:rPr>
+                        <a:t>3.5</a:t>
+                      </a:r>
+                      <a:endParaRPr lang="en-US" sz="1600">
+                        <a:effectLst/>
+                        <a:latin typeface="Times New Roman"/>
+                        <a:ea typeface="Times New Roman"/>
+                      </a:endParaRPr>
+                    </a:p>
+                  </a:txBody>
+                  <a:tcPr marL="20881" marR="20881" marT="0" marB="0"/>
+                </a:tc>
+                <a:tc>
+                  <a:txBody>
+                    <a:bodyPr/>
+                    <a:lstStyle/>
+                    <a:p>
+                      <a:pPr marL="0" marR="0">
+                        <a:spcBef>
+                          <a:spcPts val="0"/>
+                        </a:spcBef>
+                        <a:spcAft>
+                          <a:spcPts val="0"/>
+                        </a:spcAft>
+                      </a:pPr>
+                      <a:r>
+                        <a:rPr lang="en-US" sz="1400">
+                          <a:effectLst/>
+                        </a:rPr>
+                        <a:t>Measure the travel distance of the platform</a:t>
+                      </a:r>
+                      <a:endParaRPr lang="en-US" sz="1600">
+                        <a:effectLst/>
+                        <a:latin typeface="Times New Roman"/>
+                        <a:ea typeface="Times New Roman"/>
+                      </a:endParaRPr>
+                    </a:p>
+                  </a:txBody>
+                  <a:tcPr marL="20881" marR="20881" marT="0" marB="0"/>
+                </a:tc>
+                <a:tc>
+                  <a:txBody>
+                    <a:bodyPr/>
+                    <a:lstStyle/>
+                    <a:p>
+                      <a:endParaRPr lang="en-US" sz="1400">
+                        <a:effectLst/>
+                        <a:latin typeface="Times New Roman"/>
+                      </a:endParaRPr>
+                    </a:p>
+                  </a:txBody>
+                  <a:tcPr marL="20881" marR="20881" marT="0" marB="0"/>
+                </a:tc>
+                <a:tc>
+                  <a:txBody>
+                    <a:bodyPr/>
+                    <a:lstStyle/>
+                    <a:p>
+                      <a:endParaRPr lang="en-US" sz="1400">
+                        <a:effectLst/>
+                        <a:latin typeface="Times New Roman"/>
+                      </a:endParaRPr>
+                    </a:p>
+                  </a:txBody>
+                  <a:tcPr marL="20881" marR="20881" marT="0" marB="0"/>
+                </a:tc>
+                <a:tc>
+                  <a:txBody>
+                    <a:bodyPr/>
+                    <a:lstStyle/>
+                    <a:p>
+                      <a:pPr marL="0" marR="0" algn="ctr">
+                        <a:spcBef>
+                          <a:spcPts val="0"/>
+                        </a:spcBef>
+                        <a:spcAft>
+                          <a:spcPts val="0"/>
+                        </a:spcAft>
+                      </a:pPr>
+                      <a:r>
+                        <a:rPr lang="en-US" sz="1400">
+                          <a:effectLst/>
+                        </a:rPr>
+                        <a:t>X</a:t>
+                      </a:r>
+                      <a:endParaRPr lang="en-US" sz="1600">
+                        <a:effectLst/>
+                        <a:latin typeface="Times New Roman"/>
+                        <a:ea typeface="Times New Roman"/>
+                      </a:endParaRPr>
+                    </a:p>
+                  </a:txBody>
+                  <a:tcPr marL="20881" marR="20881" marT="0" marB="0"/>
+                </a:tc>
+                <a:tc>
+                  <a:txBody>
+                    <a:bodyPr/>
+                    <a:lstStyle/>
+                    <a:p>
+                      <a:endParaRPr lang="en-US" sz="1400">
+                        <a:effectLst/>
+                        <a:latin typeface="Times New Roman"/>
+                      </a:endParaRPr>
+                    </a:p>
+                  </a:txBody>
+                  <a:tcPr marL="20881" marR="20881" marT="0" marB="0"/>
+                </a:tc>
+                <a:tc>
+                  <a:txBody>
+                    <a:bodyPr/>
+                    <a:lstStyle/>
+                    <a:p>
+                      <a:endParaRPr lang="en-US" sz="1400">
+                        <a:effectLst/>
+                        <a:latin typeface="Times New Roman"/>
+                      </a:endParaRPr>
+                    </a:p>
+                  </a:txBody>
+                  <a:tcPr marL="20881" marR="20881" marT="0" marB="0"/>
+                </a:tc>
+              </a:tr>
+              <a:tr h="137160">
+                <a:tc>
+                  <a:txBody>
+                    <a:bodyPr/>
+                    <a:lstStyle/>
+                    <a:p>
+                      <a:pPr marL="0" marR="0" algn="r">
+                        <a:spcBef>
+                          <a:spcPts val="0"/>
+                        </a:spcBef>
+                        <a:spcAft>
+                          <a:spcPts val="0"/>
+                        </a:spcAft>
+                      </a:pPr>
+                      <a:r>
+                        <a:rPr lang="en-US" sz="1400">
+                          <a:effectLst/>
+                        </a:rPr>
+                        <a:t>3.6</a:t>
+                      </a:r>
+                      <a:endParaRPr lang="en-US" sz="1600">
+                        <a:effectLst/>
+                        <a:latin typeface="Times New Roman"/>
+                        <a:ea typeface="Times New Roman"/>
+                      </a:endParaRPr>
+                    </a:p>
+                  </a:txBody>
+                  <a:tcPr marL="20881" marR="20881" marT="0" marB="0"/>
+                </a:tc>
+                <a:tc>
+                  <a:txBody>
+                    <a:bodyPr/>
+                    <a:lstStyle/>
+                    <a:p>
+                      <a:pPr marL="0" marR="0">
+                        <a:spcBef>
+                          <a:spcPts val="0"/>
+                        </a:spcBef>
+                        <a:spcAft>
+                          <a:spcPts val="0"/>
+                        </a:spcAft>
+                      </a:pPr>
+                      <a:r>
+                        <a:rPr lang="en-US" sz="1400">
+                          <a:effectLst/>
+                        </a:rPr>
+                        <a:t>Measure the inclination of the platform from a calibration point</a:t>
+                      </a:r>
+                      <a:endParaRPr lang="en-US" sz="1600">
+                        <a:effectLst/>
+                        <a:latin typeface="Times New Roman"/>
+                        <a:ea typeface="Times New Roman"/>
+                      </a:endParaRPr>
+                    </a:p>
+                  </a:txBody>
+                  <a:tcPr marL="20881" marR="20881" marT="0" marB="0"/>
+                </a:tc>
+                <a:tc>
+                  <a:txBody>
+                    <a:bodyPr/>
+                    <a:lstStyle/>
+                    <a:p>
+                      <a:endParaRPr lang="en-US" sz="1400">
+                        <a:effectLst/>
+                        <a:latin typeface="Times New Roman"/>
+                      </a:endParaRPr>
+                    </a:p>
+                  </a:txBody>
+                  <a:tcPr marL="20881" marR="20881" marT="0" marB="0"/>
+                </a:tc>
+                <a:tc>
+                  <a:txBody>
+                    <a:bodyPr/>
+                    <a:lstStyle/>
+                    <a:p>
+                      <a:endParaRPr lang="en-US" sz="1400">
+                        <a:effectLst/>
+                        <a:latin typeface="Times New Roman"/>
+                      </a:endParaRPr>
+                    </a:p>
+                  </a:txBody>
+                  <a:tcPr marL="20881" marR="20881" marT="0" marB="0"/>
+                </a:tc>
+                <a:tc>
+                  <a:txBody>
+                    <a:bodyPr/>
+                    <a:lstStyle/>
+                    <a:p>
+                      <a:pPr marL="0" marR="0" algn="ctr">
+                        <a:spcBef>
+                          <a:spcPts val="0"/>
+                        </a:spcBef>
+                        <a:spcAft>
+                          <a:spcPts val="0"/>
+                        </a:spcAft>
+                      </a:pPr>
+                      <a:r>
+                        <a:rPr lang="en-US" sz="1400">
+                          <a:effectLst/>
+                        </a:rPr>
+                        <a:t>X</a:t>
+                      </a:r>
+                      <a:endParaRPr lang="en-US" sz="1600">
+                        <a:effectLst/>
+                        <a:latin typeface="Times New Roman"/>
+                        <a:ea typeface="Times New Roman"/>
+                      </a:endParaRPr>
+                    </a:p>
+                  </a:txBody>
+                  <a:tcPr marL="20881" marR="20881" marT="0" marB="0"/>
+                </a:tc>
+                <a:tc>
+                  <a:txBody>
+                    <a:bodyPr/>
+                    <a:lstStyle/>
+                    <a:p>
+                      <a:endParaRPr lang="en-US" sz="1400">
+                        <a:effectLst/>
+                        <a:latin typeface="Times New Roman"/>
+                      </a:endParaRPr>
+                    </a:p>
+                  </a:txBody>
+                  <a:tcPr marL="20881" marR="20881" marT="0" marB="0"/>
+                </a:tc>
+                <a:tc>
+                  <a:txBody>
+                    <a:bodyPr/>
+                    <a:lstStyle/>
+                    <a:p>
+                      <a:endParaRPr lang="en-US" sz="1400">
+                        <a:effectLst/>
+                        <a:latin typeface="Times New Roman"/>
+                      </a:endParaRPr>
+                    </a:p>
+                  </a:txBody>
+                  <a:tcPr marL="20881" marR="20881" marT="0" marB="0"/>
+                </a:tc>
+              </a:tr>
+              <a:tr h="121920">
+                <a:tc>
+                  <a:txBody>
+                    <a:bodyPr/>
+                    <a:lstStyle/>
+                    <a:p>
+                      <a:pPr marL="0" marR="0" algn="r">
+                        <a:spcBef>
+                          <a:spcPts val="0"/>
+                        </a:spcBef>
+                        <a:spcAft>
+                          <a:spcPts val="0"/>
+                        </a:spcAft>
+                      </a:pPr>
+                      <a:r>
+                        <a:rPr lang="en-US" sz="1400">
+                          <a:effectLst/>
+                        </a:rPr>
+                        <a:t>3.7</a:t>
+                      </a:r>
+                      <a:endParaRPr lang="en-US" sz="1600">
+                        <a:effectLst/>
+                        <a:latin typeface="Times New Roman"/>
+                        <a:ea typeface="Times New Roman"/>
+                      </a:endParaRPr>
+                    </a:p>
+                  </a:txBody>
+                  <a:tcPr marL="20881" marR="20881" marT="0" marB="0"/>
+                </a:tc>
+                <a:tc>
+                  <a:txBody>
+                    <a:bodyPr/>
+                    <a:lstStyle/>
+                    <a:p>
+                      <a:pPr marL="0" marR="0">
+                        <a:spcBef>
+                          <a:spcPts val="0"/>
+                        </a:spcBef>
+                        <a:spcAft>
+                          <a:spcPts val="0"/>
+                        </a:spcAft>
+                      </a:pPr>
+                      <a:r>
+                        <a:rPr lang="en-US" sz="1400">
+                          <a:effectLst/>
+                        </a:rPr>
+                        <a:t>Generate operational data from the raw data of the sensors</a:t>
+                      </a:r>
+                      <a:endParaRPr lang="en-US" sz="1600">
+                        <a:effectLst/>
+                        <a:latin typeface="Times New Roman"/>
+                        <a:ea typeface="Times New Roman"/>
+                      </a:endParaRPr>
+                    </a:p>
+                  </a:txBody>
+                  <a:tcPr marL="20881" marR="20881" marT="0" marB="0"/>
+                </a:tc>
+                <a:tc>
+                  <a:txBody>
+                    <a:bodyPr/>
+                    <a:lstStyle/>
+                    <a:p>
+                      <a:endParaRPr lang="en-US" sz="1400">
+                        <a:effectLst/>
+                        <a:latin typeface="Times New Roman"/>
+                      </a:endParaRPr>
+                    </a:p>
+                  </a:txBody>
+                  <a:tcPr marL="20881" marR="20881" marT="0" marB="0"/>
+                </a:tc>
+                <a:tc>
+                  <a:txBody>
+                    <a:bodyPr/>
+                    <a:lstStyle/>
+                    <a:p>
+                      <a:pPr marL="0" marR="0" algn="ctr">
+                        <a:spcBef>
+                          <a:spcPts val="0"/>
+                        </a:spcBef>
+                        <a:spcAft>
+                          <a:spcPts val="0"/>
+                        </a:spcAft>
+                      </a:pPr>
+                      <a:r>
+                        <a:rPr lang="en-US" sz="1400">
+                          <a:effectLst/>
+                        </a:rPr>
+                        <a:t>X</a:t>
+                      </a:r>
+                      <a:endParaRPr lang="en-US" sz="1600">
+                        <a:effectLst/>
+                        <a:latin typeface="Times New Roman"/>
+                        <a:ea typeface="Times New Roman"/>
+                      </a:endParaRPr>
+                    </a:p>
+                  </a:txBody>
+                  <a:tcPr marL="20881" marR="20881" marT="0" marB="0"/>
+                </a:tc>
+                <a:tc>
+                  <a:txBody>
+                    <a:bodyPr/>
+                    <a:lstStyle/>
+                    <a:p>
+                      <a:endParaRPr lang="en-US" sz="1400">
+                        <a:effectLst/>
+                        <a:latin typeface="Times New Roman"/>
+                      </a:endParaRPr>
+                    </a:p>
+                  </a:txBody>
+                  <a:tcPr marL="20881" marR="20881" marT="0" marB="0"/>
+                </a:tc>
+                <a:tc>
+                  <a:txBody>
+                    <a:bodyPr/>
+                    <a:lstStyle/>
+                    <a:p>
+                      <a:endParaRPr lang="en-US" sz="1400">
+                        <a:effectLst/>
+                        <a:latin typeface="Times New Roman"/>
+                      </a:endParaRPr>
+                    </a:p>
+                  </a:txBody>
+                  <a:tcPr marL="20881" marR="20881" marT="0" marB="0"/>
+                </a:tc>
+                <a:tc>
+                  <a:txBody>
+                    <a:bodyPr/>
+                    <a:lstStyle/>
+                    <a:p>
+                      <a:endParaRPr lang="en-US" sz="1400">
+                        <a:effectLst/>
+                        <a:latin typeface="Times New Roman"/>
+                      </a:endParaRPr>
+                    </a:p>
+                  </a:txBody>
+                  <a:tcPr marL="20881" marR="20881" marT="0" marB="0"/>
+                </a:tc>
+              </a:tr>
+              <a:tr h="165958">
+                <a:tc>
+                  <a:txBody>
+                    <a:bodyPr/>
+                    <a:lstStyle/>
+                    <a:p>
+                      <a:pPr marL="0" marR="0" algn="r">
+                        <a:spcBef>
+                          <a:spcPts val="0"/>
+                        </a:spcBef>
+                        <a:spcAft>
+                          <a:spcPts val="0"/>
+                        </a:spcAft>
+                      </a:pPr>
+                      <a:r>
+                        <a:rPr lang="en-US" sz="1400">
+                          <a:effectLst/>
+                        </a:rPr>
+                        <a:t>3.8</a:t>
+                      </a:r>
+                      <a:endParaRPr lang="en-US" sz="1600">
+                        <a:effectLst/>
+                        <a:latin typeface="Times New Roman"/>
+                        <a:ea typeface="Times New Roman"/>
+                      </a:endParaRPr>
+                    </a:p>
+                  </a:txBody>
+                  <a:tcPr marL="20881" marR="20881" marT="0" marB="0"/>
+                </a:tc>
+                <a:tc>
+                  <a:txBody>
+                    <a:bodyPr/>
+                    <a:lstStyle/>
+                    <a:p>
+                      <a:pPr marL="0" marR="0">
+                        <a:spcBef>
+                          <a:spcPts val="0"/>
+                        </a:spcBef>
+                        <a:spcAft>
+                          <a:spcPts val="0"/>
+                        </a:spcAft>
+                      </a:pPr>
+                      <a:r>
+                        <a:rPr lang="en-US" sz="1400">
+                          <a:effectLst/>
+                        </a:rPr>
+                        <a:t>Transfer operational data to the client application in real-time</a:t>
+                      </a:r>
+                      <a:endParaRPr lang="en-US" sz="1600">
+                        <a:effectLst/>
+                        <a:latin typeface="Times New Roman"/>
+                        <a:ea typeface="Times New Roman"/>
+                      </a:endParaRPr>
+                    </a:p>
+                  </a:txBody>
+                  <a:tcPr marL="20881" marR="20881" marT="0" marB="0"/>
+                </a:tc>
+                <a:tc>
+                  <a:txBody>
+                    <a:bodyPr/>
+                    <a:lstStyle/>
+                    <a:p>
+                      <a:endParaRPr lang="en-US" sz="1400">
+                        <a:effectLst/>
+                        <a:latin typeface="Times New Roman"/>
+                      </a:endParaRPr>
+                    </a:p>
+                  </a:txBody>
+                  <a:tcPr marL="20881" marR="20881" marT="0" marB="0"/>
+                </a:tc>
+                <a:tc>
+                  <a:txBody>
+                    <a:bodyPr/>
+                    <a:lstStyle/>
+                    <a:p>
+                      <a:endParaRPr lang="en-US" sz="1400">
+                        <a:effectLst/>
+                        <a:latin typeface="Times New Roman"/>
+                      </a:endParaRPr>
+                    </a:p>
+                  </a:txBody>
+                  <a:tcPr marL="20881" marR="20881" marT="0" marB="0"/>
+                </a:tc>
+                <a:tc>
+                  <a:txBody>
+                    <a:bodyPr/>
+                    <a:lstStyle/>
+                    <a:p>
+                      <a:endParaRPr lang="en-US" sz="1400">
+                        <a:effectLst/>
+                        <a:latin typeface="Times New Roman"/>
+                      </a:endParaRPr>
+                    </a:p>
+                  </a:txBody>
+                  <a:tcPr marL="20881" marR="20881" marT="0" marB="0"/>
+                </a:tc>
+                <a:tc>
+                  <a:txBody>
+                    <a:bodyPr/>
+                    <a:lstStyle/>
+                    <a:p>
+                      <a:pPr marL="0" marR="0" algn="ctr">
+                        <a:spcBef>
+                          <a:spcPts val="0"/>
+                        </a:spcBef>
+                        <a:spcAft>
+                          <a:spcPts val="0"/>
+                        </a:spcAft>
+                      </a:pPr>
+                      <a:r>
+                        <a:rPr lang="en-US" sz="1400">
+                          <a:effectLst/>
+                        </a:rPr>
+                        <a:t>X</a:t>
+                      </a:r>
+                      <a:endParaRPr lang="en-US" sz="1600">
+                        <a:effectLst/>
+                        <a:latin typeface="Times New Roman"/>
+                        <a:ea typeface="Times New Roman"/>
+                      </a:endParaRPr>
+                    </a:p>
+                  </a:txBody>
+                  <a:tcPr marL="20881" marR="20881" marT="0" marB="0"/>
+                </a:tc>
+                <a:tc>
+                  <a:txBody>
+                    <a:bodyPr/>
+                    <a:lstStyle/>
+                    <a:p>
+                      <a:endParaRPr lang="en-US" sz="1400">
+                        <a:effectLst/>
+                        <a:latin typeface="Times New Roman"/>
+                      </a:endParaRPr>
+                    </a:p>
+                  </a:txBody>
+                  <a:tcPr marL="20881" marR="20881" marT="0" marB="0"/>
+                </a:tc>
+              </a:tr>
+              <a:tr h="91440">
+                <a:tc>
+                  <a:txBody>
+                    <a:bodyPr/>
+                    <a:lstStyle/>
+                    <a:p>
+                      <a:pPr marL="0" marR="0" algn="r">
+                        <a:spcBef>
+                          <a:spcPts val="0"/>
+                        </a:spcBef>
+                        <a:spcAft>
+                          <a:spcPts val="0"/>
+                        </a:spcAft>
+                      </a:pPr>
+                      <a:r>
+                        <a:rPr lang="en-US" sz="1400" dirty="0">
+                          <a:effectLst/>
+                        </a:rPr>
+                        <a:t>3.9</a:t>
+                      </a:r>
+                      <a:endParaRPr lang="en-US" sz="1600" dirty="0">
+                        <a:effectLst/>
+                        <a:latin typeface="Times New Roman"/>
+                        <a:ea typeface="Times New Roman"/>
+                      </a:endParaRPr>
+                    </a:p>
+                  </a:txBody>
+                  <a:tcPr marL="20881" marR="20881" marT="0" marB="0"/>
+                </a:tc>
+                <a:tc>
+                  <a:txBody>
+                    <a:bodyPr/>
+                    <a:lstStyle/>
+                    <a:p>
+                      <a:pPr marL="0" marR="0">
+                        <a:spcBef>
+                          <a:spcPts val="0"/>
+                        </a:spcBef>
+                        <a:spcAft>
+                          <a:spcPts val="0"/>
+                        </a:spcAft>
+                      </a:pPr>
+                      <a:r>
+                        <a:rPr lang="en-US" sz="1400">
+                          <a:effectLst/>
+                        </a:rPr>
+                        <a:t>Detect bumps in concrete pavement</a:t>
+                      </a:r>
+                      <a:endParaRPr lang="en-US" sz="1600">
+                        <a:effectLst/>
+                        <a:latin typeface="Times New Roman"/>
+                        <a:ea typeface="Times New Roman"/>
+                      </a:endParaRPr>
+                    </a:p>
+                  </a:txBody>
+                  <a:tcPr marL="20881" marR="20881" marT="0" marB="0"/>
+                </a:tc>
+                <a:tc>
+                  <a:txBody>
+                    <a:bodyPr/>
+                    <a:lstStyle/>
+                    <a:p>
+                      <a:endParaRPr lang="en-US" sz="1400">
+                        <a:effectLst/>
+                        <a:latin typeface="Times New Roman"/>
+                      </a:endParaRPr>
+                    </a:p>
+                  </a:txBody>
+                  <a:tcPr marL="20881" marR="20881" marT="0" marB="0"/>
+                </a:tc>
+                <a:tc>
+                  <a:txBody>
+                    <a:bodyPr/>
+                    <a:lstStyle/>
+                    <a:p>
+                      <a:pPr marL="0" marR="0" algn="ctr">
+                        <a:spcBef>
+                          <a:spcPts val="0"/>
+                        </a:spcBef>
+                        <a:spcAft>
+                          <a:spcPts val="0"/>
+                        </a:spcAft>
+                      </a:pPr>
+                      <a:r>
+                        <a:rPr lang="en-US" sz="1400">
+                          <a:effectLst/>
+                        </a:rPr>
+                        <a:t>X</a:t>
+                      </a:r>
+                      <a:endParaRPr lang="en-US" sz="1600">
+                        <a:effectLst/>
+                        <a:latin typeface="Times New Roman"/>
+                        <a:ea typeface="Times New Roman"/>
+                      </a:endParaRPr>
+                    </a:p>
+                  </a:txBody>
+                  <a:tcPr marL="20881" marR="20881" marT="0" marB="0"/>
+                </a:tc>
+                <a:tc>
+                  <a:txBody>
+                    <a:bodyPr/>
+                    <a:lstStyle/>
+                    <a:p>
+                      <a:endParaRPr lang="en-US" sz="1400">
+                        <a:effectLst/>
+                        <a:latin typeface="Times New Roman"/>
+                      </a:endParaRPr>
+                    </a:p>
+                  </a:txBody>
+                  <a:tcPr marL="20881" marR="20881" marT="0" marB="0"/>
+                </a:tc>
+                <a:tc>
+                  <a:txBody>
+                    <a:bodyPr/>
+                    <a:lstStyle/>
+                    <a:p>
+                      <a:endParaRPr lang="en-US" sz="1400">
+                        <a:effectLst/>
+                        <a:latin typeface="Times New Roman"/>
+                      </a:endParaRPr>
+                    </a:p>
+                  </a:txBody>
+                  <a:tcPr marL="20881" marR="20881" marT="0" marB="0"/>
+                </a:tc>
+                <a:tc>
+                  <a:txBody>
+                    <a:bodyPr/>
+                    <a:lstStyle/>
+                    <a:p>
+                      <a:endParaRPr lang="en-US" sz="1400">
+                        <a:effectLst/>
+                        <a:latin typeface="Times New Roman"/>
+                      </a:endParaRPr>
+                    </a:p>
+                  </a:txBody>
+                  <a:tcPr marL="20881" marR="20881" marT="0" marB="0"/>
+                </a:tc>
+              </a:tr>
+              <a:tr h="162135">
+                <a:tc>
+                  <a:txBody>
+                    <a:bodyPr/>
+                    <a:lstStyle/>
+                    <a:p>
+                      <a:pPr marL="0" marR="0" algn="r">
+                        <a:spcBef>
+                          <a:spcPts val="0"/>
+                        </a:spcBef>
+                        <a:spcAft>
+                          <a:spcPts val="0"/>
+                        </a:spcAft>
+                      </a:pPr>
+                      <a:r>
+                        <a:rPr lang="en-US" sz="1400" dirty="0">
+                          <a:effectLst/>
+                        </a:rPr>
+                        <a:t>3.13</a:t>
+                      </a:r>
+                      <a:endParaRPr lang="en-US" sz="1600" dirty="0">
+                        <a:effectLst/>
+                        <a:latin typeface="Times New Roman"/>
+                        <a:ea typeface="Times New Roman"/>
+                      </a:endParaRPr>
+                    </a:p>
+                  </a:txBody>
+                  <a:tcPr marL="20881" marR="20881" marT="0" marB="0"/>
+                </a:tc>
+                <a:tc>
+                  <a:txBody>
+                    <a:bodyPr/>
+                    <a:lstStyle/>
+                    <a:p>
+                      <a:pPr marL="0" marR="0">
+                        <a:spcBef>
+                          <a:spcPts val="0"/>
+                        </a:spcBef>
+                        <a:spcAft>
+                          <a:spcPts val="0"/>
+                        </a:spcAft>
+                      </a:pPr>
+                      <a:r>
+                        <a:rPr lang="en-US" sz="1400">
+                          <a:effectLst/>
+                        </a:rPr>
+                        <a:t>Store operational data</a:t>
+                      </a:r>
+                      <a:endParaRPr lang="en-US" sz="1600">
+                        <a:effectLst/>
+                        <a:latin typeface="Times New Roman"/>
+                        <a:ea typeface="Times New Roman"/>
+                      </a:endParaRPr>
+                    </a:p>
+                  </a:txBody>
+                  <a:tcPr marL="20881" marR="20881" marT="0" marB="0"/>
+                </a:tc>
+                <a:tc>
+                  <a:txBody>
+                    <a:bodyPr/>
+                    <a:lstStyle/>
+                    <a:p>
+                      <a:pPr marL="0" marR="0" algn="ctr">
+                        <a:spcBef>
+                          <a:spcPts val="0"/>
+                        </a:spcBef>
+                        <a:spcAft>
+                          <a:spcPts val="0"/>
+                        </a:spcAft>
+                      </a:pPr>
+                      <a:r>
+                        <a:rPr lang="en-US" sz="1400">
+                          <a:effectLst/>
+                        </a:rPr>
+                        <a:t>X</a:t>
+                      </a:r>
+                      <a:endParaRPr lang="en-US" sz="1600">
+                        <a:effectLst/>
+                        <a:latin typeface="Times New Roman"/>
+                        <a:ea typeface="Times New Roman"/>
+                      </a:endParaRPr>
+                    </a:p>
+                  </a:txBody>
+                  <a:tcPr marL="20881" marR="20881" marT="0" marB="0"/>
+                </a:tc>
+                <a:tc>
+                  <a:txBody>
+                    <a:bodyPr/>
+                    <a:lstStyle/>
+                    <a:p>
+                      <a:endParaRPr lang="en-US" sz="1400">
+                        <a:effectLst/>
+                        <a:latin typeface="Times New Roman"/>
+                      </a:endParaRPr>
+                    </a:p>
+                  </a:txBody>
+                  <a:tcPr marL="20881" marR="20881" marT="0" marB="0"/>
+                </a:tc>
+                <a:tc>
+                  <a:txBody>
+                    <a:bodyPr/>
+                    <a:lstStyle/>
+                    <a:p>
+                      <a:endParaRPr lang="en-US" sz="1400">
+                        <a:effectLst/>
+                        <a:latin typeface="Times New Roman"/>
+                      </a:endParaRPr>
+                    </a:p>
+                  </a:txBody>
+                  <a:tcPr marL="20881" marR="20881" marT="0" marB="0"/>
+                </a:tc>
+                <a:tc>
+                  <a:txBody>
+                    <a:bodyPr/>
+                    <a:lstStyle/>
+                    <a:p>
+                      <a:endParaRPr lang="en-US" sz="1400">
+                        <a:effectLst/>
+                        <a:latin typeface="Times New Roman"/>
+                      </a:endParaRPr>
+                    </a:p>
+                  </a:txBody>
+                  <a:tcPr marL="20881" marR="20881" marT="0" marB="0"/>
+                </a:tc>
+                <a:tc>
+                  <a:txBody>
+                    <a:bodyPr/>
+                    <a:lstStyle/>
+                    <a:p>
+                      <a:endParaRPr lang="en-US" sz="1400">
+                        <a:effectLst/>
+                        <a:latin typeface="Times New Roman"/>
+                      </a:endParaRPr>
+                    </a:p>
+                  </a:txBody>
+                  <a:tcPr marL="20881" marR="20881" marT="0" marB="0"/>
+                </a:tc>
+              </a:tr>
+              <a:tr h="162135">
+                <a:tc>
+                  <a:txBody>
+                    <a:bodyPr/>
+                    <a:lstStyle/>
+                    <a:p>
+                      <a:pPr marL="0" marR="0" algn="r">
+                        <a:spcBef>
+                          <a:spcPts val="0"/>
+                        </a:spcBef>
+                        <a:spcAft>
+                          <a:spcPts val="0"/>
+                        </a:spcAft>
+                      </a:pPr>
+                      <a:r>
+                        <a:rPr lang="en-US" sz="1400" dirty="0">
+                          <a:effectLst/>
+                        </a:rPr>
+                        <a:t>3.19</a:t>
+                      </a:r>
+                      <a:endParaRPr lang="en-US" sz="1600" dirty="0">
+                        <a:effectLst/>
+                        <a:latin typeface="Times New Roman"/>
+                        <a:ea typeface="Times New Roman"/>
+                      </a:endParaRPr>
+                    </a:p>
+                  </a:txBody>
+                  <a:tcPr marL="20881" marR="20881" marT="0" marB="0"/>
+                </a:tc>
+                <a:tc>
+                  <a:txBody>
+                    <a:bodyPr/>
+                    <a:lstStyle/>
+                    <a:p>
+                      <a:pPr marL="0" marR="0">
+                        <a:spcBef>
+                          <a:spcPts val="0"/>
+                        </a:spcBef>
+                        <a:spcAft>
+                          <a:spcPts val="0"/>
+                        </a:spcAft>
+                      </a:pPr>
+                      <a:r>
+                        <a:rPr lang="en-US" sz="1400">
+                          <a:effectLst/>
+                        </a:rPr>
+                        <a:t>Display operational data</a:t>
+                      </a:r>
+                      <a:endParaRPr lang="en-US" sz="1600">
+                        <a:effectLst/>
+                        <a:latin typeface="Times New Roman"/>
+                        <a:ea typeface="Times New Roman"/>
+                      </a:endParaRPr>
+                    </a:p>
+                  </a:txBody>
+                  <a:tcPr marL="20881" marR="20881" marT="0" marB="0"/>
+                </a:tc>
+                <a:tc>
+                  <a:txBody>
+                    <a:bodyPr/>
+                    <a:lstStyle/>
+                    <a:p>
+                      <a:endParaRPr lang="en-US" sz="1400">
+                        <a:effectLst/>
+                        <a:latin typeface="Times New Roman"/>
+                      </a:endParaRPr>
+                    </a:p>
+                  </a:txBody>
+                  <a:tcPr marL="20881" marR="20881" marT="0" marB="0"/>
+                </a:tc>
+                <a:tc>
+                  <a:txBody>
+                    <a:bodyPr/>
+                    <a:lstStyle/>
+                    <a:p>
+                      <a:endParaRPr lang="en-US" sz="1400">
+                        <a:effectLst/>
+                        <a:latin typeface="Times New Roman"/>
+                      </a:endParaRPr>
+                    </a:p>
+                  </a:txBody>
+                  <a:tcPr marL="20881" marR="20881" marT="0" marB="0"/>
+                </a:tc>
+                <a:tc>
+                  <a:txBody>
+                    <a:bodyPr/>
+                    <a:lstStyle/>
+                    <a:p>
+                      <a:endParaRPr lang="en-US" sz="1400">
+                        <a:effectLst/>
+                        <a:latin typeface="Times New Roman"/>
+                      </a:endParaRPr>
+                    </a:p>
+                  </a:txBody>
+                  <a:tcPr marL="20881" marR="20881" marT="0" marB="0"/>
+                </a:tc>
+                <a:tc>
+                  <a:txBody>
+                    <a:bodyPr/>
+                    <a:lstStyle/>
+                    <a:p>
+                      <a:endParaRPr lang="en-US" sz="1400">
+                        <a:effectLst/>
+                        <a:latin typeface="Times New Roman"/>
+                      </a:endParaRPr>
+                    </a:p>
+                  </a:txBody>
+                  <a:tcPr marL="20881" marR="20881" marT="0" marB="0"/>
+                </a:tc>
+                <a:tc>
+                  <a:txBody>
+                    <a:bodyPr/>
+                    <a:lstStyle/>
+                    <a:p>
+                      <a:pPr marL="0" marR="0" algn="ctr">
+                        <a:spcBef>
+                          <a:spcPts val="0"/>
+                        </a:spcBef>
+                        <a:spcAft>
+                          <a:spcPts val="0"/>
+                        </a:spcAft>
+                      </a:pPr>
+                      <a:r>
+                        <a:rPr lang="en-US" sz="1400">
+                          <a:effectLst/>
+                        </a:rPr>
+                        <a:t>X</a:t>
+                      </a:r>
+                      <a:endParaRPr lang="en-US" sz="1600">
+                        <a:effectLst/>
+                        <a:latin typeface="Times New Roman"/>
+                        <a:ea typeface="Times New Roman"/>
+                      </a:endParaRPr>
+                    </a:p>
+                  </a:txBody>
+                  <a:tcPr marL="20881" marR="20881" marT="0" marB="0"/>
+                </a:tc>
+              </a:tr>
+              <a:tr h="162135">
+                <a:tc>
+                  <a:txBody>
+                    <a:bodyPr/>
+                    <a:lstStyle/>
+                    <a:p>
+                      <a:pPr marL="0" marR="0" algn="r">
+                        <a:spcBef>
+                          <a:spcPts val="0"/>
+                        </a:spcBef>
+                        <a:spcAft>
+                          <a:spcPts val="0"/>
+                        </a:spcAft>
+                      </a:pPr>
+                      <a:r>
+                        <a:rPr lang="en-US" sz="1400" dirty="0" smtClean="0">
+                          <a:effectLst/>
+                        </a:rPr>
+                        <a:t>3.20</a:t>
+                      </a:r>
+                      <a:endParaRPr lang="en-US" sz="1600" dirty="0">
+                        <a:effectLst/>
+                        <a:latin typeface="Times New Roman"/>
+                        <a:ea typeface="Times New Roman"/>
+                      </a:endParaRPr>
+                    </a:p>
+                  </a:txBody>
+                  <a:tcPr marL="20881" marR="20881" marT="0" marB="0"/>
+                </a:tc>
+                <a:tc>
+                  <a:txBody>
+                    <a:bodyPr/>
+                    <a:lstStyle/>
+                    <a:p>
+                      <a:pPr marL="0" marR="0">
+                        <a:spcBef>
+                          <a:spcPts val="0"/>
+                        </a:spcBef>
+                        <a:spcAft>
+                          <a:spcPts val="0"/>
+                        </a:spcAft>
+                      </a:pPr>
+                      <a:r>
+                        <a:rPr lang="en-US" sz="1400">
+                          <a:effectLst/>
+                        </a:rPr>
+                        <a:t>Read stored data</a:t>
+                      </a:r>
+                      <a:endParaRPr lang="en-US" sz="1600">
+                        <a:effectLst/>
+                        <a:latin typeface="Times New Roman"/>
+                        <a:ea typeface="Times New Roman"/>
+                      </a:endParaRPr>
+                    </a:p>
+                  </a:txBody>
+                  <a:tcPr marL="20881" marR="20881" marT="0" marB="0"/>
+                </a:tc>
+                <a:tc>
+                  <a:txBody>
+                    <a:bodyPr/>
+                    <a:lstStyle/>
+                    <a:p>
+                      <a:pPr marL="0" marR="0" algn="ctr">
+                        <a:spcBef>
+                          <a:spcPts val="0"/>
+                        </a:spcBef>
+                        <a:spcAft>
+                          <a:spcPts val="0"/>
+                        </a:spcAft>
+                      </a:pPr>
+                      <a:r>
+                        <a:rPr lang="en-US" sz="1400">
+                          <a:effectLst/>
+                        </a:rPr>
+                        <a:t>X</a:t>
+                      </a:r>
+                      <a:endParaRPr lang="en-US" sz="1600">
+                        <a:effectLst/>
+                        <a:latin typeface="Times New Roman"/>
+                        <a:ea typeface="Times New Roman"/>
+                      </a:endParaRPr>
+                    </a:p>
+                  </a:txBody>
+                  <a:tcPr marL="20881" marR="20881" marT="0" marB="0"/>
+                </a:tc>
+                <a:tc>
+                  <a:txBody>
+                    <a:bodyPr/>
+                    <a:lstStyle/>
+                    <a:p>
+                      <a:endParaRPr lang="en-US" sz="1400">
+                        <a:effectLst/>
+                        <a:latin typeface="Times New Roman"/>
+                      </a:endParaRPr>
+                    </a:p>
+                  </a:txBody>
+                  <a:tcPr marL="20881" marR="20881" marT="0" marB="0"/>
+                </a:tc>
+                <a:tc>
+                  <a:txBody>
+                    <a:bodyPr/>
+                    <a:lstStyle/>
+                    <a:p>
+                      <a:endParaRPr lang="en-US" sz="1400">
+                        <a:effectLst/>
+                        <a:latin typeface="Times New Roman"/>
+                      </a:endParaRPr>
+                    </a:p>
+                  </a:txBody>
+                  <a:tcPr marL="20881" marR="20881" marT="0" marB="0"/>
+                </a:tc>
+                <a:tc>
+                  <a:txBody>
+                    <a:bodyPr/>
+                    <a:lstStyle/>
+                    <a:p>
+                      <a:endParaRPr lang="en-US" sz="1400">
+                        <a:effectLst/>
+                        <a:latin typeface="Times New Roman"/>
+                      </a:endParaRPr>
+                    </a:p>
+                  </a:txBody>
+                  <a:tcPr marL="20881" marR="20881" marT="0" marB="0"/>
+                </a:tc>
+                <a:tc>
+                  <a:txBody>
+                    <a:bodyPr/>
+                    <a:lstStyle/>
+                    <a:p>
+                      <a:pPr marL="0" marR="0" algn="ctr">
+                        <a:spcBef>
+                          <a:spcPts val="0"/>
+                        </a:spcBef>
+                        <a:spcAft>
+                          <a:spcPts val="0"/>
+                        </a:spcAft>
+                      </a:pPr>
+                      <a:r>
+                        <a:rPr lang="en-US" sz="1400">
+                          <a:effectLst/>
+                        </a:rPr>
+                        <a:t>X</a:t>
+                      </a:r>
+                      <a:endParaRPr lang="en-US" sz="1600">
+                        <a:effectLst/>
+                        <a:latin typeface="Times New Roman"/>
+                        <a:ea typeface="Times New Roman"/>
+                      </a:endParaRPr>
+                    </a:p>
+                  </a:txBody>
+                  <a:tcPr marL="20881" marR="20881" marT="0" marB="0"/>
+                </a:tc>
+              </a:tr>
+              <a:tr h="162135">
+                <a:tc>
+                  <a:txBody>
+                    <a:bodyPr/>
+                    <a:lstStyle/>
+                    <a:p>
+                      <a:pPr marL="0" marR="0" algn="r">
+                        <a:spcBef>
+                          <a:spcPts val="0"/>
+                        </a:spcBef>
+                        <a:spcAft>
+                          <a:spcPts val="0"/>
+                        </a:spcAft>
+                      </a:pPr>
+                      <a:r>
+                        <a:rPr lang="en-US" sz="1400">
+                          <a:effectLst/>
+                        </a:rPr>
+                        <a:t>3.21</a:t>
+                      </a:r>
+                      <a:endParaRPr lang="en-US" sz="1600">
+                        <a:effectLst/>
+                        <a:latin typeface="Times New Roman"/>
+                        <a:ea typeface="Times New Roman"/>
+                      </a:endParaRPr>
+                    </a:p>
+                  </a:txBody>
+                  <a:tcPr marL="20881" marR="20881" marT="0" marB="0"/>
+                </a:tc>
+                <a:tc>
+                  <a:txBody>
+                    <a:bodyPr/>
+                    <a:lstStyle/>
+                    <a:p>
+                      <a:pPr marL="0" marR="0">
+                        <a:spcBef>
+                          <a:spcPts val="0"/>
+                        </a:spcBef>
+                        <a:spcAft>
+                          <a:spcPts val="0"/>
+                        </a:spcAft>
+                      </a:pPr>
+                      <a:r>
+                        <a:rPr lang="en-US" sz="1400">
+                          <a:effectLst/>
+                        </a:rPr>
+                        <a:t>Calibrate sensors</a:t>
+                      </a:r>
+                      <a:endParaRPr lang="en-US" sz="1600">
+                        <a:effectLst/>
+                        <a:latin typeface="Times New Roman"/>
+                        <a:ea typeface="Times New Roman"/>
+                      </a:endParaRPr>
+                    </a:p>
+                  </a:txBody>
+                  <a:tcPr marL="20881" marR="20881" marT="0" marB="0"/>
+                </a:tc>
+                <a:tc>
+                  <a:txBody>
+                    <a:bodyPr/>
+                    <a:lstStyle/>
+                    <a:p>
+                      <a:endParaRPr lang="en-US" sz="1400">
+                        <a:effectLst/>
+                        <a:latin typeface="Times New Roman"/>
+                      </a:endParaRPr>
+                    </a:p>
+                  </a:txBody>
+                  <a:tcPr marL="20881" marR="20881" marT="0" marB="0"/>
+                </a:tc>
+                <a:tc>
+                  <a:txBody>
+                    <a:bodyPr/>
+                    <a:lstStyle/>
+                    <a:p>
+                      <a:endParaRPr lang="en-US" sz="1400">
+                        <a:effectLst/>
+                        <a:latin typeface="Times New Roman"/>
+                      </a:endParaRPr>
+                    </a:p>
+                  </a:txBody>
+                  <a:tcPr marL="20881" marR="20881" marT="0" marB="0"/>
+                </a:tc>
+                <a:tc>
+                  <a:txBody>
+                    <a:bodyPr/>
+                    <a:lstStyle/>
+                    <a:p>
+                      <a:endParaRPr lang="en-US" sz="1400">
+                        <a:effectLst/>
+                        <a:latin typeface="Times New Roman"/>
+                      </a:endParaRPr>
+                    </a:p>
+                  </a:txBody>
+                  <a:tcPr marL="20881" marR="20881" marT="0" marB="0"/>
+                </a:tc>
+                <a:tc>
+                  <a:txBody>
+                    <a:bodyPr/>
+                    <a:lstStyle/>
+                    <a:p>
+                      <a:endParaRPr lang="en-US" sz="1400">
+                        <a:effectLst/>
+                        <a:latin typeface="Times New Roman"/>
+                      </a:endParaRPr>
+                    </a:p>
+                  </a:txBody>
+                  <a:tcPr marL="20881" marR="20881" marT="0" marB="0"/>
+                </a:tc>
+                <a:tc>
+                  <a:txBody>
+                    <a:bodyPr/>
+                    <a:lstStyle/>
+                    <a:p>
+                      <a:pPr marL="0" marR="0" algn="ctr">
+                        <a:spcBef>
+                          <a:spcPts val="0"/>
+                        </a:spcBef>
+                        <a:spcAft>
+                          <a:spcPts val="0"/>
+                        </a:spcAft>
+                      </a:pPr>
+                      <a:r>
+                        <a:rPr lang="en-US" sz="1400">
+                          <a:effectLst/>
+                        </a:rPr>
+                        <a:t>X</a:t>
+                      </a:r>
+                      <a:endParaRPr lang="en-US" sz="1600">
+                        <a:effectLst/>
+                        <a:latin typeface="Times New Roman"/>
+                        <a:ea typeface="Times New Roman"/>
+                      </a:endParaRPr>
+                    </a:p>
+                  </a:txBody>
+                  <a:tcPr marL="20881" marR="20881" marT="0" marB="0"/>
+                </a:tc>
+              </a:tr>
+              <a:tr h="91440">
+                <a:tc>
+                  <a:txBody>
+                    <a:bodyPr/>
+                    <a:lstStyle/>
+                    <a:p>
+                      <a:pPr marL="0" marR="0" algn="r">
+                        <a:spcBef>
+                          <a:spcPts val="0"/>
+                        </a:spcBef>
+                        <a:spcAft>
+                          <a:spcPts val="0"/>
+                        </a:spcAft>
+                      </a:pPr>
+                      <a:r>
+                        <a:rPr lang="en-US" sz="1400">
+                          <a:effectLst/>
+                        </a:rPr>
+                        <a:t>3.22</a:t>
+                      </a:r>
+                      <a:endParaRPr lang="en-US" sz="1600">
+                        <a:effectLst/>
+                        <a:latin typeface="Times New Roman"/>
+                        <a:ea typeface="Times New Roman"/>
+                      </a:endParaRPr>
+                    </a:p>
+                  </a:txBody>
+                  <a:tcPr marL="20881" marR="20881" marT="0" marB="0"/>
+                </a:tc>
+                <a:tc>
+                  <a:txBody>
+                    <a:bodyPr/>
+                    <a:lstStyle/>
+                    <a:p>
+                      <a:pPr marL="0" marR="0">
+                        <a:spcBef>
+                          <a:spcPts val="0"/>
+                        </a:spcBef>
+                        <a:spcAft>
+                          <a:spcPts val="0"/>
+                        </a:spcAft>
+                      </a:pPr>
+                      <a:r>
+                        <a:rPr lang="en-US" sz="1400">
+                          <a:effectLst/>
+                        </a:rPr>
+                        <a:t>The client application can configure the PIC microcontroller</a:t>
+                      </a:r>
+                      <a:endParaRPr lang="en-US" sz="1600">
+                        <a:effectLst/>
+                        <a:latin typeface="Times New Roman"/>
+                        <a:ea typeface="Times New Roman"/>
+                      </a:endParaRPr>
+                    </a:p>
+                  </a:txBody>
+                  <a:tcPr marL="20881" marR="20881" marT="0" marB="0"/>
+                </a:tc>
+                <a:tc>
+                  <a:txBody>
+                    <a:bodyPr/>
+                    <a:lstStyle/>
+                    <a:p>
+                      <a:endParaRPr lang="en-US" sz="1400">
+                        <a:effectLst/>
+                        <a:latin typeface="Times New Roman"/>
+                      </a:endParaRPr>
+                    </a:p>
+                  </a:txBody>
+                  <a:tcPr marL="20881" marR="20881" marT="0" marB="0"/>
+                </a:tc>
+                <a:tc>
+                  <a:txBody>
+                    <a:bodyPr/>
+                    <a:lstStyle/>
+                    <a:p>
+                      <a:endParaRPr lang="en-US" sz="1400">
+                        <a:effectLst/>
+                        <a:latin typeface="Times New Roman"/>
+                      </a:endParaRPr>
+                    </a:p>
+                  </a:txBody>
+                  <a:tcPr marL="20881" marR="20881" marT="0" marB="0"/>
+                </a:tc>
+                <a:tc>
+                  <a:txBody>
+                    <a:bodyPr/>
+                    <a:lstStyle/>
+                    <a:p>
+                      <a:endParaRPr lang="en-US" sz="1400">
+                        <a:effectLst/>
+                        <a:latin typeface="Times New Roman"/>
+                      </a:endParaRPr>
+                    </a:p>
+                  </a:txBody>
+                  <a:tcPr marL="20881" marR="20881" marT="0" marB="0"/>
+                </a:tc>
+                <a:tc>
+                  <a:txBody>
+                    <a:bodyPr/>
+                    <a:lstStyle/>
+                    <a:p>
+                      <a:endParaRPr lang="en-US" sz="1400">
+                        <a:effectLst/>
+                        <a:latin typeface="Times New Roman"/>
+                      </a:endParaRPr>
+                    </a:p>
+                  </a:txBody>
+                  <a:tcPr marL="20881" marR="20881" marT="0" marB="0"/>
+                </a:tc>
+                <a:tc>
+                  <a:txBody>
+                    <a:bodyPr/>
+                    <a:lstStyle/>
+                    <a:p>
+                      <a:pPr marL="0" marR="0" algn="ctr">
+                        <a:spcBef>
+                          <a:spcPts val="0"/>
+                        </a:spcBef>
+                        <a:spcAft>
+                          <a:spcPts val="0"/>
+                        </a:spcAft>
+                      </a:pPr>
+                      <a:r>
+                        <a:rPr lang="en-US" sz="1400">
+                          <a:effectLst/>
+                        </a:rPr>
+                        <a:t>X</a:t>
+                      </a:r>
+                      <a:endParaRPr lang="en-US" sz="1600">
+                        <a:effectLst/>
+                        <a:latin typeface="Times New Roman"/>
+                        <a:ea typeface="Times New Roman"/>
+                      </a:endParaRPr>
+                    </a:p>
+                  </a:txBody>
+                  <a:tcPr marL="20881" marR="20881" marT="0" marB="0"/>
+                </a:tc>
+              </a:tr>
+              <a:tr h="0">
+                <a:tc>
+                  <a:txBody>
+                    <a:bodyPr/>
+                    <a:lstStyle/>
+                    <a:p>
+                      <a:pPr marL="0" marR="0" algn="r">
+                        <a:spcBef>
+                          <a:spcPts val="0"/>
+                        </a:spcBef>
+                        <a:spcAft>
+                          <a:spcPts val="0"/>
+                        </a:spcAft>
+                      </a:pPr>
+                      <a:r>
+                        <a:rPr lang="en-US" sz="1400" dirty="0">
+                          <a:effectLst/>
+                        </a:rPr>
+                        <a:t>3.24</a:t>
+                      </a:r>
+                      <a:endParaRPr lang="en-US" sz="1600" dirty="0">
+                        <a:effectLst/>
+                        <a:latin typeface="Times New Roman"/>
+                        <a:ea typeface="Times New Roman"/>
+                      </a:endParaRPr>
+                    </a:p>
+                  </a:txBody>
+                  <a:tcPr marL="20881" marR="20881" marT="0" marB="0"/>
+                </a:tc>
+                <a:tc>
+                  <a:txBody>
+                    <a:bodyPr/>
+                    <a:lstStyle/>
+                    <a:p>
+                      <a:pPr marL="0" marR="0">
+                        <a:spcBef>
+                          <a:spcPts val="0"/>
+                        </a:spcBef>
+                        <a:spcAft>
+                          <a:spcPts val="0"/>
+                        </a:spcAft>
+                      </a:pPr>
+                      <a:r>
+                        <a:rPr lang="en-US" sz="1400">
+                          <a:effectLst/>
+                        </a:rPr>
+                        <a:t>User-friendly client application</a:t>
+                      </a:r>
+                      <a:endParaRPr lang="en-US" sz="1600">
+                        <a:effectLst/>
+                        <a:latin typeface="Times New Roman"/>
+                        <a:ea typeface="Times New Roman"/>
+                      </a:endParaRPr>
+                    </a:p>
+                  </a:txBody>
+                  <a:tcPr marL="20881" marR="20881" marT="0" marB="0"/>
+                </a:tc>
+                <a:tc>
+                  <a:txBody>
+                    <a:bodyPr/>
+                    <a:lstStyle/>
+                    <a:p>
+                      <a:endParaRPr lang="en-US" sz="1400">
+                        <a:effectLst/>
+                        <a:latin typeface="Times New Roman"/>
+                      </a:endParaRPr>
+                    </a:p>
+                  </a:txBody>
+                  <a:tcPr marL="20881" marR="20881" marT="0" marB="0"/>
+                </a:tc>
+                <a:tc>
+                  <a:txBody>
+                    <a:bodyPr/>
+                    <a:lstStyle/>
+                    <a:p>
+                      <a:endParaRPr lang="en-US" sz="1400">
+                        <a:effectLst/>
+                        <a:latin typeface="Times New Roman"/>
+                      </a:endParaRPr>
+                    </a:p>
+                  </a:txBody>
+                  <a:tcPr marL="20881" marR="20881" marT="0" marB="0"/>
+                </a:tc>
+                <a:tc>
+                  <a:txBody>
+                    <a:bodyPr/>
+                    <a:lstStyle/>
+                    <a:p>
+                      <a:endParaRPr lang="en-US" sz="1400">
+                        <a:effectLst/>
+                        <a:latin typeface="Times New Roman"/>
+                      </a:endParaRPr>
+                    </a:p>
+                  </a:txBody>
+                  <a:tcPr marL="20881" marR="20881" marT="0" marB="0"/>
+                </a:tc>
+                <a:tc>
+                  <a:txBody>
+                    <a:bodyPr/>
+                    <a:lstStyle/>
+                    <a:p>
+                      <a:endParaRPr lang="en-US" sz="1400">
+                        <a:effectLst/>
+                        <a:latin typeface="Times New Roman"/>
+                      </a:endParaRPr>
+                    </a:p>
+                  </a:txBody>
+                  <a:tcPr marL="20881" marR="20881" marT="0" marB="0"/>
+                </a:tc>
+                <a:tc>
+                  <a:txBody>
+                    <a:bodyPr/>
+                    <a:lstStyle/>
+                    <a:p>
+                      <a:pPr marL="0" marR="0" algn="ctr">
+                        <a:spcBef>
+                          <a:spcPts val="0"/>
+                        </a:spcBef>
+                        <a:spcAft>
+                          <a:spcPts val="0"/>
+                        </a:spcAft>
+                      </a:pPr>
+                      <a:r>
+                        <a:rPr lang="en-US" sz="1400">
+                          <a:effectLst/>
+                        </a:rPr>
+                        <a:t>X</a:t>
+                      </a:r>
+                      <a:endParaRPr lang="en-US" sz="1600">
+                        <a:effectLst/>
+                        <a:latin typeface="Times New Roman"/>
+                        <a:ea typeface="Times New Roman"/>
+                      </a:endParaRPr>
+                    </a:p>
+                  </a:txBody>
+                  <a:tcPr marL="20881" marR="20881" marT="0" marB="0"/>
+                </a:tc>
+              </a:tr>
+              <a:tr h="60960">
+                <a:tc>
+                  <a:txBody>
+                    <a:bodyPr/>
+                    <a:lstStyle/>
+                    <a:p>
+                      <a:pPr marL="0" marR="0" algn="r">
+                        <a:spcBef>
+                          <a:spcPts val="0"/>
+                        </a:spcBef>
+                        <a:spcAft>
+                          <a:spcPts val="0"/>
+                        </a:spcAft>
+                      </a:pPr>
+                      <a:r>
+                        <a:rPr lang="en-US" sz="1400" dirty="0">
+                          <a:effectLst/>
+                        </a:rPr>
+                        <a:t>3.26</a:t>
+                      </a:r>
+                      <a:endParaRPr lang="en-US" sz="1600" dirty="0">
+                        <a:effectLst/>
+                        <a:latin typeface="Times New Roman"/>
+                        <a:ea typeface="Times New Roman"/>
+                      </a:endParaRPr>
+                    </a:p>
+                  </a:txBody>
+                  <a:tcPr marL="20881" marR="20881" marT="0" marB="0"/>
+                </a:tc>
+                <a:tc>
+                  <a:txBody>
+                    <a:bodyPr/>
+                    <a:lstStyle/>
+                    <a:p>
+                      <a:pPr marL="0" marR="0">
+                        <a:spcBef>
+                          <a:spcPts val="0"/>
+                        </a:spcBef>
+                        <a:spcAft>
+                          <a:spcPts val="0"/>
+                        </a:spcAft>
+                      </a:pPr>
+                      <a:r>
+                        <a:rPr lang="en-US" sz="1400">
+                          <a:effectLst/>
+                        </a:rPr>
+                        <a:t>Able to operate in a stand-alone mode</a:t>
+                      </a:r>
+                      <a:endParaRPr lang="en-US" sz="1600">
+                        <a:effectLst/>
+                        <a:latin typeface="Times New Roman"/>
+                        <a:ea typeface="Times New Roman"/>
+                      </a:endParaRPr>
+                    </a:p>
+                  </a:txBody>
+                  <a:tcPr marL="20881" marR="20881" marT="0" marB="0"/>
+                </a:tc>
+                <a:tc>
+                  <a:txBody>
+                    <a:bodyPr/>
+                    <a:lstStyle/>
+                    <a:p>
+                      <a:pPr marL="0" marR="0" algn="ctr">
+                        <a:spcBef>
+                          <a:spcPts val="0"/>
+                        </a:spcBef>
+                        <a:spcAft>
+                          <a:spcPts val="0"/>
+                        </a:spcAft>
+                      </a:pPr>
+                      <a:r>
+                        <a:rPr lang="en-US" sz="1400">
+                          <a:effectLst/>
+                        </a:rPr>
+                        <a:t>X</a:t>
+                      </a:r>
+                      <a:endParaRPr lang="en-US" sz="1600">
+                        <a:effectLst/>
+                        <a:latin typeface="Times New Roman"/>
+                        <a:ea typeface="Times New Roman"/>
+                      </a:endParaRPr>
+                    </a:p>
+                  </a:txBody>
+                  <a:tcPr marL="20881" marR="20881" marT="0" marB="0"/>
+                </a:tc>
+                <a:tc>
+                  <a:txBody>
+                    <a:bodyPr/>
+                    <a:lstStyle/>
+                    <a:p>
+                      <a:pPr marL="0" marR="0" algn="ctr">
+                        <a:spcBef>
+                          <a:spcPts val="0"/>
+                        </a:spcBef>
+                        <a:spcAft>
+                          <a:spcPts val="0"/>
+                        </a:spcAft>
+                      </a:pPr>
+                      <a:r>
+                        <a:rPr lang="en-US" sz="1400">
+                          <a:effectLst/>
+                        </a:rPr>
+                        <a:t>X</a:t>
+                      </a:r>
+                      <a:endParaRPr lang="en-US" sz="1600">
+                        <a:effectLst/>
+                        <a:latin typeface="Times New Roman"/>
+                        <a:ea typeface="Times New Roman"/>
+                      </a:endParaRPr>
+                    </a:p>
+                  </a:txBody>
+                  <a:tcPr marL="20881" marR="20881" marT="0" marB="0"/>
+                </a:tc>
+                <a:tc>
+                  <a:txBody>
+                    <a:bodyPr/>
+                    <a:lstStyle/>
+                    <a:p>
+                      <a:pPr marL="0" marR="0" algn="ctr">
+                        <a:spcBef>
+                          <a:spcPts val="0"/>
+                        </a:spcBef>
+                        <a:spcAft>
+                          <a:spcPts val="0"/>
+                        </a:spcAft>
+                      </a:pPr>
+                      <a:r>
+                        <a:rPr lang="en-US" sz="1400">
+                          <a:effectLst/>
+                        </a:rPr>
+                        <a:t>X</a:t>
+                      </a:r>
+                      <a:endParaRPr lang="en-US" sz="1600">
+                        <a:effectLst/>
+                        <a:latin typeface="Times New Roman"/>
+                        <a:ea typeface="Times New Roman"/>
+                      </a:endParaRPr>
+                    </a:p>
+                  </a:txBody>
+                  <a:tcPr marL="20881" marR="20881" marT="0" marB="0"/>
+                </a:tc>
+                <a:tc>
+                  <a:txBody>
+                    <a:bodyPr/>
+                    <a:lstStyle/>
+                    <a:p>
+                      <a:pPr marL="0" marR="0" algn="ctr">
+                        <a:spcBef>
+                          <a:spcPts val="0"/>
+                        </a:spcBef>
+                        <a:spcAft>
+                          <a:spcPts val="0"/>
+                        </a:spcAft>
+                      </a:pPr>
+                      <a:r>
+                        <a:rPr lang="en-US" sz="1400">
+                          <a:effectLst/>
+                        </a:rPr>
+                        <a:t>X</a:t>
+                      </a:r>
+                      <a:endParaRPr lang="en-US" sz="1600">
+                        <a:effectLst/>
+                        <a:latin typeface="Times New Roman"/>
+                        <a:ea typeface="Times New Roman"/>
+                      </a:endParaRPr>
+                    </a:p>
+                  </a:txBody>
+                  <a:tcPr marL="20881" marR="20881" marT="0" marB="0"/>
+                </a:tc>
+                <a:tc>
+                  <a:txBody>
+                    <a:bodyPr/>
+                    <a:lstStyle/>
+                    <a:p>
+                      <a:endParaRPr lang="en-US" sz="1400">
+                        <a:effectLst/>
+                        <a:latin typeface="Times New Roman"/>
+                      </a:endParaRPr>
+                    </a:p>
+                  </a:txBody>
+                  <a:tcPr marL="20881" marR="20881" marT="0" marB="0"/>
+                </a:tc>
+              </a:tr>
+              <a:tr h="45720">
+                <a:tc>
+                  <a:txBody>
+                    <a:bodyPr/>
+                    <a:lstStyle/>
+                    <a:p>
+                      <a:pPr marL="0" marR="0" algn="r">
+                        <a:spcBef>
+                          <a:spcPts val="0"/>
+                        </a:spcBef>
+                        <a:spcAft>
+                          <a:spcPts val="0"/>
+                        </a:spcAft>
+                      </a:pPr>
+                      <a:r>
+                        <a:rPr lang="en-US" sz="1400">
+                          <a:effectLst/>
+                        </a:rPr>
+                        <a:t>3.27</a:t>
+                      </a:r>
+                      <a:endParaRPr lang="en-US" sz="1600">
+                        <a:effectLst/>
+                        <a:latin typeface="Times New Roman"/>
+                        <a:ea typeface="Times New Roman"/>
+                      </a:endParaRPr>
+                    </a:p>
+                  </a:txBody>
+                  <a:tcPr marL="20881" marR="20881" marT="0" marB="0"/>
+                </a:tc>
+                <a:tc>
+                  <a:txBody>
+                    <a:bodyPr/>
+                    <a:lstStyle/>
+                    <a:p>
+                      <a:pPr marL="0" marR="0">
+                        <a:spcBef>
+                          <a:spcPts val="0"/>
+                        </a:spcBef>
+                        <a:spcAft>
+                          <a:spcPts val="0"/>
+                        </a:spcAft>
+                      </a:pPr>
+                      <a:r>
+                        <a:rPr lang="en-US" sz="1400">
+                          <a:effectLst/>
+                        </a:rPr>
+                        <a:t>Visually indicate a bump using a beacon light</a:t>
+                      </a:r>
+                      <a:endParaRPr lang="en-US" sz="1600">
+                        <a:effectLst/>
+                        <a:latin typeface="Times New Roman"/>
+                        <a:ea typeface="Times New Roman"/>
+                      </a:endParaRPr>
+                    </a:p>
+                  </a:txBody>
+                  <a:tcPr marL="20881" marR="20881" marT="0" marB="0"/>
+                </a:tc>
+                <a:tc>
+                  <a:txBody>
+                    <a:bodyPr/>
+                    <a:lstStyle/>
+                    <a:p>
+                      <a:endParaRPr lang="en-US" sz="1400">
+                        <a:effectLst/>
+                        <a:latin typeface="Times New Roman"/>
+                      </a:endParaRPr>
+                    </a:p>
+                  </a:txBody>
+                  <a:tcPr marL="20881" marR="20881" marT="0" marB="0"/>
+                </a:tc>
+                <a:tc>
+                  <a:txBody>
+                    <a:bodyPr/>
+                    <a:lstStyle/>
+                    <a:p>
+                      <a:endParaRPr lang="en-US" sz="1400">
+                        <a:effectLst/>
+                        <a:latin typeface="Times New Roman"/>
+                      </a:endParaRPr>
+                    </a:p>
+                  </a:txBody>
+                  <a:tcPr marL="20881" marR="20881" marT="0" marB="0"/>
+                </a:tc>
+                <a:tc>
+                  <a:txBody>
+                    <a:bodyPr/>
+                    <a:lstStyle/>
+                    <a:p>
+                      <a:endParaRPr lang="en-US" sz="1400">
+                        <a:effectLst/>
+                        <a:latin typeface="Times New Roman"/>
+                      </a:endParaRPr>
+                    </a:p>
+                  </a:txBody>
+                  <a:tcPr marL="20881" marR="20881" marT="0" marB="0"/>
+                </a:tc>
+                <a:tc>
+                  <a:txBody>
+                    <a:bodyPr/>
+                    <a:lstStyle/>
+                    <a:p>
+                      <a:pPr marL="0" marR="0" algn="ctr">
+                        <a:spcBef>
+                          <a:spcPts val="0"/>
+                        </a:spcBef>
+                        <a:spcAft>
+                          <a:spcPts val="0"/>
+                        </a:spcAft>
+                      </a:pPr>
+                      <a:r>
+                        <a:rPr lang="en-US" sz="1400">
+                          <a:effectLst/>
+                        </a:rPr>
+                        <a:t>X</a:t>
+                      </a:r>
+                      <a:endParaRPr lang="en-US" sz="1600">
+                        <a:effectLst/>
+                        <a:latin typeface="Times New Roman"/>
+                        <a:ea typeface="Times New Roman"/>
+                      </a:endParaRPr>
+                    </a:p>
+                  </a:txBody>
+                  <a:tcPr marL="20881" marR="20881" marT="0" marB="0"/>
+                </a:tc>
+                <a:tc>
+                  <a:txBody>
+                    <a:bodyPr/>
+                    <a:lstStyle/>
+                    <a:p>
+                      <a:endParaRPr lang="en-US" sz="1400" dirty="0">
+                        <a:effectLst/>
+                        <a:latin typeface="Times New Roman"/>
+                      </a:endParaRPr>
+                    </a:p>
+                  </a:txBody>
+                  <a:tcPr marL="20881" marR="20881" marT="0" marB="0"/>
+                </a:tc>
+              </a:tr>
+            </a:tbl>
+          </a:graphicData>
+        </a:graphic>
+      </p:graphicFrame>
     </p:spTree>
     <p:extLst>
       <p:ext uri="{BB962C8B-B14F-4D97-AF65-F5344CB8AC3E}">
-        <p14:creationId xmlns:p14="http://schemas.microsoft.com/office/powerpoint/2010/main" val="1330848102"/>
+        <p14:creationId xmlns:p14="http://schemas.microsoft.com/office/powerpoint/2010/main" val="2960037515"/>
       </p:ext>
     </p:extLst>
   </p:cSld>
@@ -8212,22 +8124,17 @@
             <a:spLocks noGrp="1"/>
           </p:cNvSpPr>
           <p:nvPr>
-            <p:ph type="ctrTitle"/>
-          </p:nvPr>
-        </p:nvSpPr>
-        <p:spPr>
-          <a:xfrm>
-            <a:off x="762000" y="4724400"/>
-            <a:ext cx="7543800" cy="1524000"/>
-          </a:xfrm>
-        </p:spPr>
+            <p:ph type="title"/>
+          </p:nvPr>
+        </p:nvSpPr>
+        <p:spPr/>
         <p:txBody>
           <a:bodyPr/>
           <a:lstStyle/>
           <a:p>
             <a:r>
               <a:rPr lang="en-US" dirty="0" smtClean="0"/>
-              <a:t>Testing Considerations</a:t>
+              <a:t>OS Dependencies</a:t>
             </a:r>
             <a:endParaRPr lang="en-US" dirty="0"/>
           </a:p>
@@ -8235,33 +8142,150 @@
       </p:sp>
       <p:sp>
         <p:nvSpPr>
-          <p:cNvPr id="3" name="Subtitle 2"/>
-          <p:cNvSpPr>
-            <a:spLocks noGrp="1"/>
-          </p:cNvSpPr>
-          <p:nvPr>
-            <p:ph type="subTitle" idx="1"/>
+          <p:cNvPr id="4" name="Content Placeholder 3"/>
+          <p:cNvSpPr>
+            <a:spLocks noGrp="1"/>
+          </p:cNvSpPr>
+          <p:nvPr>
+            <p:ph idx="1"/>
           </p:nvPr>
         </p:nvSpPr>
         <p:spPr/>
         <p:txBody>
-          <a:bodyPr/>
-          <a:lstStyle/>
-          <a:p>
-            <a:endParaRPr lang="en-US"/>
+          <a:bodyPr>
+            <a:normAutofit lnSpcReduction="10000"/>
+          </a:bodyPr>
+          <a:lstStyle/>
+          <a:p>
+            <a:r>
+              <a:rPr lang="en-US" dirty="0"/>
+              <a:t>GUI </a:t>
+            </a:r>
+            <a:r>
+              <a:rPr lang="en-US" dirty="0" smtClean="0"/>
+              <a:t>Layer</a:t>
+            </a:r>
+          </a:p>
+          <a:p>
+            <a:pPr lvl="1"/>
+            <a:r>
+              <a:rPr lang="en-US" dirty="0"/>
+              <a:t>D</a:t>
+            </a:r>
+            <a:r>
+              <a:rPr lang="en-US" dirty="0" smtClean="0"/>
+              <a:t>eveloped </a:t>
+            </a:r>
+            <a:r>
+              <a:rPr lang="en-US" dirty="0"/>
+              <a:t>in Java with a Windows </a:t>
+            </a:r>
+            <a:r>
+              <a:rPr lang="en-US" dirty="0" smtClean="0"/>
+              <a:t>PC</a:t>
+            </a:r>
+          </a:p>
+          <a:p>
+            <a:pPr lvl="1"/>
+            <a:r>
+              <a:rPr lang="en-US" dirty="0"/>
+              <a:t>Java Development Kit </a:t>
+            </a:r>
+            <a:endParaRPr lang="en-US" dirty="0" smtClean="0"/>
+          </a:p>
+          <a:p>
+            <a:pPr lvl="1"/>
+            <a:r>
+              <a:rPr lang="en-US" dirty="0"/>
+              <a:t>customer will require a machine with compatible Java Runtime Environment </a:t>
+            </a:r>
+            <a:r>
+              <a:rPr lang="en-US" dirty="0" smtClean="0"/>
+              <a:t>installed</a:t>
+            </a:r>
+          </a:p>
+          <a:p>
+            <a:pPr lvl="1"/>
+            <a:r>
+              <a:rPr lang="en-US" dirty="0"/>
+              <a:t>R</a:t>
+            </a:r>
+            <a:r>
+              <a:rPr lang="en-US" dirty="0" smtClean="0"/>
+              <a:t>equired </a:t>
+            </a:r>
+            <a:r>
+              <a:rPr lang="en-US" dirty="0"/>
+              <a:t>system components will be provided by the JRE (</a:t>
+            </a:r>
+            <a:r>
+              <a:rPr lang="en-US" dirty="0" err="1"/>
+              <a:t>ie</a:t>
+            </a:r>
+            <a:r>
+              <a:rPr lang="en-US" dirty="0"/>
+              <a:t>. network stack</a:t>
+            </a:r>
+            <a:r>
+              <a:rPr lang="en-US" dirty="0" smtClean="0"/>
+              <a:t>)</a:t>
+            </a:r>
+          </a:p>
+          <a:p>
+            <a:r>
+              <a:rPr lang="en-US" dirty="0" smtClean="0"/>
+              <a:t>Other Layers</a:t>
+            </a:r>
+          </a:p>
+          <a:p>
+            <a:pPr lvl="1"/>
+            <a:r>
+              <a:rPr lang="en-US" dirty="0"/>
+              <a:t>D</a:t>
+            </a:r>
+            <a:r>
+              <a:rPr lang="en-US" dirty="0" smtClean="0"/>
+              <a:t>eveloped </a:t>
+            </a:r>
+            <a:r>
+              <a:rPr lang="en-US" dirty="0"/>
+              <a:t>in C with a Windows </a:t>
+            </a:r>
+            <a:r>
+              <a:rPr lang="en-US" dirty="0" smtClean="0"/>
+              <a:t>PC</a:t>
+            </a:r>
+          </a:p>
+          <a:p>
+            <a:pPr lvl="1"/>
+            <a:r>
+              <a:rPr lang="en-US" dirty="0" err="1"/>
+              <a:t>MPLab</a:t>
+            </a:r>
+            <a:r>
+              <a:rPr lang="en-US" dirty="0"/>
+              <a:t> C development environment </a:t>
+            </a:r>
           </a:p>
         </p:txBody>
       </p:sp>
     </p:spTree>
     <p:extLst>
       <p:ext uri="{BB962C8B-B14F-4D97-AF65-F5344CB8AC3E}">
-        <p14:creationId xmlns:p14="http://schemas.microsoft.com/office/powerpoint/2010/main" val="1783155611"/>
+        <p14:creationId xmlns:p14="http://schemas.microsoft.com/office/powerpoint/2010/main" val="1330848102"/>
       </p:ext>
     </p:extLst>
   </p:cSld>
   <p:clrMapOvr>
     <a:masterClrMapping/>
   </p:clrMapOvr>
+  <p:timing>
+    <p:tnLst>
+      <p:par>
+        <p:cTn id="1" dur="indefinite" restart="never" nodeType="tmRoot"/>
+      </p:par>
+    </p:tnLst>
+  </p:timing>
 </p:sld>
 </file>
 
@@ -8289,6 +8313,83 @@
             <a:spLocks noGrp="1"/>
           </p:cNvSpPr>
           <p:nvPr>
+            <p:ph type="ctrTitle"/>
+          </p:nvPr>
+        </p:nvSpPr>
+        <p:spPr>
+          <a:xfrm>
+            <a:off x="762000" y="4724400"/>
+            <a:ext cx="7543800" cy="1524000"/>
+          </a:xfrm>
+        </p:spPr>
+        <p:txBody>
+          <a:bodyPr/>
+          <a:lstStyle/>
+          <a:p>
+            <a:r>
+              <a:rPr lang="en-US" dirty="0" smtClean="0"/>
+              <a:t>Testing Considerations</a:t>
+            </a:r>
+            <a:endParaRPr lang="en-US" dirty="0"/>
+          </a:p>
+        </p:txBody>
+      </p:sp>
+      <p:sp>
+        <p:nvSpPr>
+          <p:cNvPr id="3" name="Subtitle 2"/>
+          <p:cNvSpPr>
+            <a:spLocks noGrp="1"/>
+          </p:cNvSpPr>
+          <p:nvPr>
+            <p:ph type="subTitle" idx="1"/>
+          </p:nvPr>
+        </p:nvSpPr>
+        <p:spPr/>
+        <p:txBody>
+          <a:bodyPr/>
+          <a:lstStyle/>
+          <a:p>
+            <a:endParaRPr lang="en-US"/>
+          </a:p>
+        </p:txBody>
+      </p:sp>
+    </p:spTree>
+    <p:extLst>
+      <p:ext uri="{BB962C8B-B14F-4D97-AF65-F5344CB8AC3E}">
+        <p14:creationId xmlns:p14="http://schemas.microsoft.com/office/powerpoint/2010/main" val="1783155611"/>
+      </p:ext>
+    </p:extLst>
+  </p:cSld>
+  <p:clrMapOvr>
+    <a:masterClrMapping/>
+  </p:clrMapOvr>
+</p:sld>
+</file>
+
+<file path=ppt/slides/slide23.xml><?xml version="1.0" encoding="utf-8"?>
+<p:sld xmlns:a="http://schemas.openxmlformats.org/drawingml/2006/main" xmlns:r="http://schemas.openxmlformats.org/officeDocument/2006/relationships" xmlns:p="http://schemas.openxmlformats.org/presentationml/2006/main">
+  <p:cSld>
+    <p:spTree>
+      <p:nvGrpSpPr>
+        <p:cNvPr id="1" name=""/>
+        <p:cNvGrpSpPr/>
+        <p:nvPr/>
+      </p:nvGrpSpPr>
+      <p:grpSpPr>
+        <a:xfrm>
+          <a:off x="0" y="0"/>
+          <a:ext cx="0" cy="0"/>
+          <a:chOff x="0" y="0"/>
+          <a:chExt cx="0" cy="0"/>
+        </a:xfrm>
+      </p:grpSpPr>
+      <p:sp>
+        <p:nvSpPr>
+          <p:cNvPr id="2" name="Title 1"/>
+          <p:cNvSpPr>
+            <a:spLocks noGrp="1"/>
+          </p:cNvSpPr>
+          <p:nvPr>
             <p:ph type="title"/>
           </p:nvPr>
         </p:nvSpPr>
@@ -8374,100 +8475,6 @@
 </p:sld>
 </file>
 
-<file path=ppt/slides/slide23.xml><?xml version="1.0" encoding="utf-8"?>
-<p:sld xmlns:a="http://schemas.openxmlformats.org/drawingml/2006/main" xmlns:r="http://schemas.openxmlformats.org/officeDocument/2006/relationships" xmlns:p="http://schemas.openxmlformats.org/presentationml/2006/main">
-  <p:cSld>
-    <p:spTree>
-      <p:nvGrpSpPr>
-        <p:cNvPr id="1" name=""/>
-        <p:cNvGrpSpPr/>
-        <p:nvPr/>
-      </p:nvGrpSpPr>
-      <p:grpSpPr>
-        <a:xfrm>
-          <a:off x="0" y="0"/>
-          <a:ext cx="0" cy="0"/>
-          <a:chOff x="0" y="0"/>
-          <a:chExt cx="0" cy="0"/>
-        </a:xfrm>
-      </p:grpSpPr>
-      <p:sp>
-        <p:nvSpPr>
-          <p:cNvPr id="2" name="Title 1"/>
-          <p:cNvSpPr>
-            <a:spLocks noGrp="1"/>
-          </p:cNvSpPr>
-          <p:nvPr>
-            <p:ph type="title"/>
-          </p:nvPr>
-        </p:nvSpPr>
-        <p:spPr/>
-        <p:txBody>
-          <a:bodyPr/>
-          <a:lstStyle/>
-          <a:p>
-            <a:r>
-              <a:rPr lang="en-US" dirty="0"/>
-              <a:t>Layer </a:t>
-            </a:r>
-            <a:r>
-              <a:rPr lang="en-US" dirty="0" smtClean="0"/>
-              <a:t>Testing </a:t>
-            </a:r>
-            <a:r>
-              <a:rPr lang="en-US" dirty="0"/>
-              <a:t>Example</a:t>
-            </a:r>
-          </a:p>
-        </p:txBody>
-      </p:sp>
-      <p:sp>
-        <p:nvSpPr>
-          <p:cNvPr id="3" name="Content Placeholder 2"/>
-          <p:cNvSpPr>
-            <a:spLocks noGrp="1"/>
-          </p:cNvSpPr>
-          <p:nvPr>
-            <p:ph idx="1"/>
-          </p:nvPr>
-        </p:nvSpPr>
-        <p:spPr/>
-        <p:txBody>
-          <a:bodyPr/>
-          <a:lstStyle/>
-          <a:p>
-            <a:r>
-              <a:rPr lang="en-US" dirty="0" smtClean="0"/>
-              <a:t>Input Layer Testing:</a:t>
-            </a:r>
-          </a:p>
-          <a:p>
-            <a:pPr lvl="1"/>
-            <a:r>
-              <a:rPr lang="en-US" dirty="0" smtClean="0"/>
-              <a:t>The </a:t>
-            </a:r>
-            <a:r>
-              <a:rPr lang="en-US" dirty="0"/>
-              <a:t>Input Layer will be tested to make sure that it accepts sensor inputs and user inputs and correctly sends the data to the Storage Layer and Processing Layer. </a:t>
-            </a:r>
-            <a:endParaRPr lang="en-US" dirty="0"/>
-          </a:p>
-        </p:txBody>
-      </p:sp>
-    </p:spTree>
-    <p:extLst>
-      <p:ext uri="{BB962C8B-B14F-4D97-AF65-F5344CB8AC3E}">
-        <p14:creationId xmlns:p14="http://schemas.microsoft.com/office/powerpoint/2010/main" val="55016158"/>
-      </p:ext>
-    </p:extLst>
-  </p:cSld>
-  <p:clrMapOvr>
-    <a:masterClrMapping/>
-  </p:clrMapOvr>
-</p:sld>
-</file>
-
 <file path=ppt/slides/slide24.xml><?xml version="1.0" encoding="utf-8"?>
 <p:sld xmlns:a="http://schemas.openxmlformats.org/drawingml/2006/main" xmlns:r="http://schemas.openxmlformats.org/officeDocument/2006/relationships" xmlns:p="http://schemas.openxmlformats.org/presentationml/2006/main">
   <p:cSld>
@@ -8501,10 +8508,17 @@
           <a:lstStyle/>
           <a:p>
             <a:r>
+              <a:rPr lang="en-US" dirty="0"/>
+              <a:t>Layer </a:t>
+            </a:r>
+            <a:r>
               <a:rPr lang="en-US" dirty="0" smtClean="0"/>
-              <a:t>Integration Testing</a:t>
-            </a:r>
-            <a:endParaRPr lang="en-US" dirty="0"/>
+              <a:t>Testing </a:t>
+            </a:r>
+            <a:r>
+              <a:rPr lang="en-US" dirty="0"/>
+              <a:t>Example</a:t>
+            </a:r>
           </a:p>
         </p:txBody>
       </p:sp>
@@ -8520,77 +8534,31 @@
         </p:nvSpPr>
         <p:spPr/>
         <p:txBody>
-          <a:bodyPr>
-            <a:normAutofit/>
-          </a:bodyPr>
-          <a:lstStyle/>
-          <a:p>
-            <a:pPr marL="457200" indent="-457200">
-              <a:buFont typeface="+mj-lt"/>
-              <a:buAutoNum type="arabicPeriod"/>
-            </a:pPr>
+          <a:bodyPr/>
+          <a:lstStyle/>
+          <a:p>
             <a:r>
               <a:rPr lang="en-US" dirty="0" smtClean="0"/>
-              <a:t>Use Cases</a:t>
-            </a:r>
-          </a:p>
-          <a:p>
-            <a:pPr marL="834390" lvl="1" indent="-514350">
-              <a:buFont typeface="+mj-lt"/>
-              <a:buAutoNum type="romanLcPeriod"/>
-            </a:pPr>
+              <a:t>Input Layer Testing:</a:t>
+            </a:r>
+          </a:p>
+          <a:p>
+            <a:pPr lvl="1"/>
             <a:r>
               <a:rPr lang="en-US" dirty="0" smtClean="0"/>
-              <a:t>Backward Chaining</a:t>
-            </a:r>
-          </a:p>
-          <a:p>
-            <a:pPr marL="834390" lvl="1" indent="-514350">
-              <a:buFont typeface="+mj-lt"/>
-              <a:buAutoNum type="romanLcPeriod"/>
-            </a:pPr>
-            <a:r>
-              <a:rPr lang="en-US" dirty="0" smtClean="0"/>
-              <a:t>Forward Chaining</a:t>
-            </a:r>
-          </a:p>
-          <a:p>
-            <a:pPr marL="457200" indent="-457200">
-              <a:buFont typeface="+mj-lt"/>
-              <a:buAutoNum type="arabicPeriod"/>
-            </a:pPr>
-            <a:r>
-              <a:rPr lang="en-US" dirty="0" smtClean="0"/>
-              <a:t>Requirement Mapping</a:t>
-            </a:r>
-          </a:p>
-          <a:p>
-            <a:pPr marL="457200" indent="-457200">
-              <a:buFont typeface="+mj-lt"/>
-              <a:buAutoNum type="arabicPeriod"/>
-            </a:pPr>
-            <a:r>
-              <a:rPr lang="en-US" dirty="0" smtClean="0"/>
-              <a:t>Proper system data flows</a:t>
-            </a:r>
-          </a:p>
-          <a:p>
-            <a:pPr marL="457200" indent="-457200">
-              <a:buFont typeface="+mj-lt"/>
-              <a:buAutoNum type="arabicPeriod"/>
-            </a:pPr>
-            <a:r>
-              <a:rPr lang="en-US" dirty="0" smtClean="0"/>
-              <a:t>Design validation</a:t>
-            </a:r>
-            <a:endParaRPr lang="en-US" dirty="0"/>
+              <a:t>The </a:t>
+            </a:r>
+            <a:r>
+              <a:rPr lang="en-US" dirty="0"/>
+              <a:t>Input Layer will be tested to make sure that it accepts sensor inputs and user inputs and correctly sends the data to the Storage Layer and Processing Layer. </a:t>
+            </a:r>
           </a:p>
         </p:txBody>
       </p:sp>
     </p:spTree>
     <p:extLst>
       <p:ext uri="{BB962C8B-B14F-4D97-AF65-F5344CB8AC3E}">
-        <p14:creationId xmlns:p14="http://schemas.microsoft.com/office/powerpoint/2010/main" val="3477151305"/>
+        <p14:creationId xmlns:p14="http://schemas.microsoft.com/office/powerpoint/2010/main" val="55016158"/>
       </p:ext>
     </p:extLst>
   </p:cSld>
@@ -8624,6 +8592,138 @@
             <a:spLocks noGrp="1"/>
           </p:cNvSpPr>
           <p:nvPr>
+            <p:ph type="title"/>
+          </p:nvPr>
+        </p:nvSpPr>
+        <p:spPr/>
+        <p:txBody>
+          <a:bodyPr/>
+          <a:lstStyle/>
+          <a:p>
+            <a:r>
+              <a:rPr lang="en-US" dirty="0" smtClean="0"/>
+              <a:t>Integration Testing</a:t>
+            </a:r>
+            <a:endParaRPr lang="en-US" dirty="0"/>
+          </a:p>
+        </p:txBody>
+      </p:sp>
+      <p:sp>
+        <p:nvSpPr>
+          <p:cNvPr id="3" name="Content Placeholder 2"/>
+          <p:cNvSpPr>
+            <a:spLocks noGrp="1"/>
+          </p:cNvSpPr>
+          <p:nvPr>
+            <p:ph idx="1"/>
+          </p:nvPr>
+        </p:nvSpPr>
+        <p:spPr/>
+        <p:txBody>
+          <a:bodyPr>
+            <a:normAutofit/>
+          </a:bodyPr>
+          <a:lstStyle/>
+          <a:p>
+            <a:pPr marL="457200" indent="-457200">
+              <a:buFont typeface="+mj-lt"/>
+              <a:buAutoNum type="arabicPeriod"/>
+            </a:pPr>
+            <a:r>
+              <a:rPr lang="en-US" dirty="0" smtClean="0"/>
+              <a:t>Use Cases</a:t>
+            </a:r>
+          </a:p>
+          <a:p>
+            <a:pPr marL="834390" lvl="1" indent="-514350">
+              <a:buFont typeface="+mj-lt"/>
+              <a:buAutoNum type="romanLcPeriod"/>
+            </a:pPr>
+            <a:r>
+              <a:rPr lang="en-US" dirty="0" smtClean="0"/>
+              <a:t>Backward Chaining</a:t>
+            </a:r>
+          </a:p>
+          <a:p>
+            <a:pPr marL="834390" lvl="1" indent="-514350">
+              <a:buFont typeface="+mj-lt"/>
+              <a:buAutoNum type="romanLcPeriod"/>
+            </a:pPr>
+            <a:r>
+              <a:rPr lang="en-US" dirty="0" smtClean="0"/>
+              <a:t>Forward Chaining</a:t>
+            </a:r>
+          </a:p>
+          <a:p>
+            <a:pPr marL="457200" indent="-457200">
+              <a:buFont typeface="+mj-lt"/>
+              <a:buAutoNum type="arabicPeriod"/>
+            </a:pPr>
+            <a:r>
+              <a:rPr lang="en-US" dirty="0" smtClean="0"/>
+              <a:t>Requirement Mapping</a:t>
+            </a:r>
+          </a:p>
+          <a:p>
+            <a:pPr marL="457200" indent="-457200">
+              <a:buFont typeface="+mj-lt"/>
+              <a:buAutoNum type="arabicPeriod"/>
+            </a:pPr>
+            <a:r>
+              <a:rPr lang="en-US" dirty="0" smtClean="0"/>
+              <a:t>Proper system data flows</a:t>
+            </a:r>
+          </a:p>
+          <a:p>
+            <a:pPr marL="457200" indent="-457200">
+              <a:buFont typeface="+mj-lt"/>
+              <a:buAutoNum type="arabicPeriod"/>
+            </a:pPr>
+            <a:r>
+              <a:rPr lang="en-US" dirty="0" smtClean="0"/>
+              <a:t>Design validation</a:t>
+            </a:r>
+            <a:endParaRPr lang="en-US" dirty="0"/>
+          </a:p>
+        </p:txBody>
+      </p:sp>
+    </p:spTree>
+    <p:extLst>
+      <p:ext uri="{BB962C8B-B14F-4D97-AF65-F5344CB8AC3E}">
+        <p14:creationId xmlns:p14="http://schemas.microsoft.com/office/powerpoint/2010/main" val="3477151305"/>
+      </p:ext>
+    </p:extLst>
+  </p:cSld>
+  <p:clrMapOvr>
+    <a:masterClrMapping/>
+  </p:clrMapOvr>
+</p:sld>
+</file>
+
+<file path=ppt/slides/slide26.xml><?xml version="1.0" encoding="utf-8"?>
+<p:sld xmlns:a="http://schemas.openxmlformats.org/drawingml/2006/main" xmlns:r="http://schemas.openxmlformats.org/officeDocument/2006/relationships" xmlns:p="http://schemas.openxmlformats.org/presentationml/2006/main">
+  <p:cSld>
+    <p:spTree>
+      <p:nvGrpSpPr>
+        <p:cNvPr id="1" name=""/>
+        <p:cNvGrpSpPr/>
+        <p:nvPr/>
+      </p:nvGrpSpPr>
+      <p:grpSpPr>
+        <a:xfrm>
+          <a:off x="0" y="0"/>
+          <a:ext cx="0" cy="0"/>
+          <a:chOff x="0" y="0"/>
+          <a:chExt cx="0" cy="0"/>
+        </a:xfrm>
+      </p:grpSpPr>
+      <p:sp>
+        <p:nvSpPr>
+          <p:cNvPr id="2" name="Title 1"/>
+          <p:cNvSpPr>
+            <a:spLocks noGrp="1"/>
+          </p:cNvSpPr>
+          <p:nvPr>
             <p:ph type="ctrTitle"/>
           </p:nvPr>
         </p:nvSpPr>
@@ -8665,7 +8765,7 @@
 </p:sld>
 </file>
 
-<file path=ppt/slides/slide26.xml><?xml version="1.0" encoding="utf-8"?>
+<file path=ppt/slides/slide27.xml><?xml version="1.0" encoding="utf-8"?>
 <p:sld xmlns:a="http://schemas.openxmlformats.org/drawingml/2006/main" xmlns:r="http://schemas.openxmlformats.org/officeDocument/2006/relationships" xmlns:p="http://schemas.openxmlformats.org/presentationml/2006/main">
   <p:cSld>
     <p:spTree>
@@ -8722,7 +8822,7 @@
       </p:sp>
       <p:pic>
         <p:nvPicPr>
-          <p:cNvPr id="11266" name="Picture 2"/>
+          <p:cNvPr id="8193" name="Picture 1"/>
           <p:cNvPicPr>
             <a:picLocks noChangeAspect="1" noChangeArrowheads="1"/>
           </p:cNvPicPr>
@@ -8743,8 +8843,8 @@
         </p:blipFill>
         <p:spPr bwMode="auto">
           <a:xfrm>
-            <a:off x="178980" y="457200"/>
-            <a:ext cx="8650805" cy="6090684"/>
+            <a:off x="266700" y="633413"/>
+            <a:ext cx="8648700" cy="5930826"/>
           </a:xfrm>
           <a:prstGeom prst="rect">
             <a:avLst/>
@@ -8753,23 +8853,33 @@
           <a:ln>
             <a:noFill/>
           </a:ln>
+          <a:effectLst/>
           <a:extLst>
             <a:ext uri="{909E8E84-426E-40DD-AFC4-6F175D3DCCD1}">
               <a14:hiddenFill xmlns:a14="http://schemas.microsoft.com/office/drawing/2010/main">
                 <a:solidFill>
-                  <a:srgbClr val="FFFFFF"/>
+                  <a:schemeClr val="accent1"/>
                 </a:solidFill>
               </a14:hiddenFill>
             </a:ext>
             <a:ext uri="{91240B29-F687-4F45-9708-019B960494DF}">
               <a14:hiddenLine xmlns:a14="http://schemas.microsoft.com/office/drawing/2010/main" w="9525">
                 <a:solidFill>
-                  <a:srgbClr val="000000"/>
+                  <a:schemeClr val="tx1"/>
                 </a:solidFill>
                 <a:miter lim="800000"/>
                 <a:headEnd/>
                 <a:tailEnd/>
               </a14:hiddenLine>
+            </a:ext>
+            <a:ext uri="{AF507438-7753-43E0-B8FC-AC1667EBCBE1}">
+              <a14:hiddenEffects xmlns:a14="http://schemas.microsoft.com/office/drawing/2010/main">
+                <a:effectLst>
+                  <a:outerShdw dist="35921" dir="2700000" algn="ctr" rotWithShape="0">
+                    <a:schemeClr val="bg2"/>
+                  </a:outerShdw>
+                </a:effectLst>
+              </a14:hiddenEffects>
             </a:ext>
           </a:extLst>
         </p:spPr>
@@ -8788,6 +8898,71 @@
 </file>
 
 <file path=ppt/slides/slide3.xml><?xml version="1.0" encoding="utf-8"?>
+<p:sld xmlns:a="http://schemas.openxmlformats.org/drawingml/2006/main" xmlns:r="http://schemas.openxmlformats.org/officeDocument/2006/relationships" xmlns:p="http://schemas.openxmlformats.org/presentationml/2006/main">
+  <p:cSld>
+    <p:spTree>
+      <p:nvGrpSpPr>
+        <p:cNvPr id="1" name=""/>
+        <p:cNvGrpSpPr/>
+        <p:nvPr/>
+      </p:nvGrpSpPr>
+      <p:grpSpPr>
+        <a:xfrm>
+          <a:off x="0" y="0"/>
+          <a:ext cx="0" cy="0"/>
+          <a:chOff x="0" y="0"/>
+          <a:chExt cx="0" cy="0"/>
+        </a:xfrm>
+      </p:grpSpPr>
+      <p:sp>
+        <p:nvSpPr>
+          <p:cNvPr id="2" name="Title 1"/>
+          <p:cNvSpPr>
+            <a:spLocks noGrp="1"/>
+          </p:cNvSpPr>
+          <p:nvPr>
+            <p:ph type="ctrTitle"/>
+          </p:nvPr>
+        </p:nvSpPr>
+        <p:spPr>
+          <a:xfrm>
+            <a:off x="762000" y="4724400"/>
+            <a:ext cx="7543800" cy="1524000"/>
+          </a:xfrm>
+        </p:spPr>
+        <p:txBody>
+          <a:bodyPr/>
+          <a:lstStyle/>
+          <a:p>
+            <a:r>
+              <a:rPr lang="en-US" sz="7200" dirty="0" smtClean="0"/>
+              <a:t>Product Concept</a:t>
+            </a:r>
+            <a:endParaRPr lang="en-US" sz="7200" dirty="0"/>
+          </a:p>
+        </p:txBody>
+      </p:sp>
+    </p:spTree>
+    <p:extLst>
+      <p:ext uri="{BB962C8B-B14F-4D97-AF65-F5344CB8AC3E}">
+        <p14:creationId xmlns:p14="http://schemas.microsoft.com/office/powerpoint/2010/main" val="2802254707"/>
+      </p:ext>
+    </p:extLst>
+  </p:cSld>
+  <p:clrMapOvr>
+    <a:masterClrMapping/>
+  </p:clrMapOvr>
+  <p:timing>
+    <p:tnLst>
+      <p:par>
+        <p:cTn id="1" dur="indefinite" restart="never" nodeType="tmRoot"/>
+      </p:par>
+    </p:tnLst>
+  </p:timing>
+</p:sld>
+</file>
+
+<file path=ppt/slides/slide4.xml><?xml version="1.0" encoding="utf-8"?>
 <p:sld xmlns:a="http://schemas.openxmlformats.org/drawingml/2006/main" xmlns:r="http://schemas.openxmlformats.org/officeDocument/2006/relationships" xmlns:p="http://schemas.openxmlformats.org/presentationml/2006/main">
   <p:cSld>
     <p:spTree>
@@ -8990,158 +9165,6 @@
 </p:sld>
 </file>
 
-<file path=ppt/slides/slide4.xml><?xml version="1.0" encoding="utf-8"?>
-<p:sld xmlns:a="http://schemas.openxmlformats.org/drawingml/2006/main" xmlns:r="http://schemas.openxmlformats.org/officeDocument/2006/relationships" xmlns:p="http://schemas.openxmlformats.org/presentationml/2006/main">
-  <p:cSld>
-    <p:spTree>
-      <p:nvGrpSpPr>
-        <p:cNvPr id="1" name=""/>
-        <p:cNvGrpSpPr/>
-        <p:nvPr/>
-      </p:nvGrpSpPr>
-      <p:grpSpPr>
-        <a:xfrm>
-          <a:off x="0" y="0"/>
-          <a:ext cx="0" cy="0"/>
-          <a:chOff x="0" y="0"/>
-          <a:chExt cx="0" cy="0"/>
-        </a:xfrm>
-      </p:grpSpPr>
-      <p:sp>
-        <p:nvSpPr>
-          <p:cNvPr id="2" name="Title 1"/>
-          <p:cNvSpPr>
-            <a:spLocks noGrp="1"/>
-          </p:cNvSpPr>
-          <p:nvPr>
-            <p:ph type="title"/>
-          </p:nvPr>
-        </p:nvSpPr>
-        <p:spPr/>
-        <p:txBody>
-          <a:bodyPr/>
-          <a:lstStyle/>
-          <a:p>
-            <a:r>
-              <a:rPr lang="en-US" dirty="0" smtClean="0"/>
-              <a:t>Guiding Principles</a:t>
-            </a:r>
-            <a:endParaRPr lang="en-US" dirty="0"/>
-          </a:p>
-        </p:txBody>
-      </p:sp>
-      <p:sp>
-        <p:nvSpPr>
-          <p:cNvPr id="4" name="Content Placeholder 3"/>
-          <p:cNvSpPr>
-            <a:spLocks noGrp="1"/>
-          </p:cNvSpPr>
-          <p:nvPr>
-            <p:ph idx="1"/>
-          </p:nvPr>
-        </p:nvSpPr>
-        <p:spPr/>
-        <p:txBody>
-          <a:bodyPr>
-            <a:normAutofit/>
-          </a:bodyPr>
-          <a:lstStyle/>
-          <a:p>
-            <a:r>
-              <a:rPr lang="en-US" dirty="0" smtClean="0"/>
-              <a:t>Modularity</a:t>
-            </a:r>
-          </a:p>
-          <a:p>
-            <a:r>
-              <a:rPr lang="en-US" dirty="0" smtClean="0"/>
-              <a:t>Easy integration</a:t>
-            </a:r>
-            <a:endParaRPr lang="en-US" dirty="0"/>
-          </a:p>
-          <a:p>
-            <a:pPr lvl="0"/>
-            <a:r>
-              <a:rPr lang="en-US" dirty="0"/>
-              <a:t>Staged delivery </a:t>
-            </a:r>
-          </a:p>
-          <a:p>
-            <a:pPr lvl="0"/>
-            <a:r>
-              <a:rPr lang="en-US" dirty="0"/>
-              <a:t>Layers and subsystems with clear, well-defined logical roles</a:t>
-            </a:r>
-          </a:p>
-          <a:p>
-            <a:pPr lvl="0"/>
-            <a:r>
-              <a:rPr lang="en-US" dirty="0" smtClean="0"/>
-              <a:t>Extensibility</a:t>
-            </a:r>
-            <a:r>
-              <a:rPr lang="en-US" dirty="0"/>
-              <a:t> </a:t>
-            </a:r>
-            <a:r>
-              <a:rPr lang="en-US" dirty="0" smtClean="0"/>
-              <a:t>- </a:t>
-            </a:r>
-            <a:r>
-              <a:rPr lang="en-US" dirty="0"/>
-              <a:t>Easy to add future items/requirements</a:t>
-            </a:r>
-          </a:p>
-          <a:p>
-            <a:pPr lvl="0"/>
-            <a:r>
-              <a:rPr lang="en-US" dirty="0" smtClean="0"/>
-              <a:t>Fulfillment of all </a:t>
-            </a:r>
-            <a:r>
-              <a:rPr lang="en-US" dirty="0"/>
-              <a:t>System Requirement </a:t>
-            </a:r>
-            <a:r>
-              <a:rPr lang="en-US" dirty="0" smtClean="0"/>
-              <a:t>Specifications</a:t>
-            </a:r>
-            <a:endParaRPr lang="en-US" dirty="0"/>
-          </a:p>
-          <a:p>
-            <a:pPr lvl="0"/>
-            <a:r>
-              <a:rPr lang="en-US" dirty="0"/>
-              <a:t>Interface with PC </a:t>
-            </a:r>
-            <a:r>
-              <a:rPr lang="en-US" dirty="0" smtClean="0"/>
-              <a:t>only</a:t>
-            </a:r>
-            <a:endParaRPr lang="en-US" dirty="0"/>
-          </a:p>
-        </p:txBody>
-      </p:sp>
-    </p:spTree>
-    <p:extLst>
-      <p:ext uri="{BB962C8B-B14F-4D97-AF65-F5344CB8AC3E}">
-        <p14:creationId xmlns:p14="http://schemas.microsoft.com/office/powerpoint/2010/main" val="3643320344"/>
-      </p:ext>
-    </p:extLst>
-  </p:cSld>
-  <p:clrMapOvr>
-    <a:masterClrMapping/>
-  </p:clrMapOvr>
-  <p:timing>
-    <p:tnLst>
-      <p:par>
-        <p:cTn id="1" dur="indefinite" restart="never" nodeType="tmRoot"/>
-      </p:par>
-    </p:tnLst>
-  </p:timing>
-</p:sld>
-</file>
-
 <file path=ppt/slides/slide5.xml><?xml version="1.0" encoding="utf-8"?>
 <p:sld xmlns:a="http://schemas.openxmlformats.org/drawingml/2006/main" xmlns:r="http://schemas.openxmlformats.org/officeDocument/2006/relationships" xmlns:p="http://schemas.openxmlformats.org/presentationml/2006/main">
   <p:cSld>
@@ -9176,7 +9199,7 @@
           <a:p>
             <a:r>
               <a:rPr lang="en-US" dirty="0" smtClean="0"/>
-              <a:t>Assumptions</a:t>
+              <a:t>Guiding Principles</a:t>
             </a:r>
             <a:endParaRPr lang="en-US" dirty="0"/>
           </a:p>
@@ -9194,42 +9217,81 @@
         </p:nvSpPr>
         <p:spPr/>
         <p:txBody>
-          <a:bodyPr/>
+          <a:bodyPr>
+            <a:normAutofit/>
+          </a:bodyPr>
           <a:lstStyle/>
           <a:p>
             <a:r>
               <a:rPr lang="en-US" dirty="0" smtClean="0"/>
-              <a:t>Varied temperature range/weather</a:t>
+              <a:t>Modularity</a:t>
             </a:r>
           </a:p>
           <a:p>
             <a:r>
               <a:rPr lang="en-US" dirty="0" smtClean="0"/>
-              <a:t>Product will be returned for servicing</a:t>
-            </a:r>
-          </a:p>
-          <a:p>
+              <a:t>Easy integration</a:t>
+            </a:r>
+            <a:endParaRPr lang="en-US" dirty="0"/>
+          </a:p>
+          <a:p>
+            <a:pPr lvl="0"/>
+            <a:r>
+              <a:rPr lang="en-US" dirty="0"/>
+              <a:t>Staged delivery </a:t>
+            </a:r>
+          </a:p>
+          <a:p>
+            <a:pPr lvl="0"/>
+            <a:r>
+              <a:rPr lang="en-US" dirty="0"/>
+              <a:t>Layers and subsystems with clear, well-defined logical roles</a:t>
+            </a:r>
+          </a:p>
+          <a:p>
+            <a:pPr lvl="0"/>
             <a:r>
               <a:rPr lang="en-US" dirty="0" smtClean="0"/>
-              <a:t>Power will come from road paver</a:t>
-            </a:r>
-          </a:p>
-          <a:p>
+              <a:t>Extensibility</a:t>
+            </a:r>
             <a:r>
               <a:rPr lang="en-US" dirty="0"/>
-              <a:t>A</a:t>
+              <a:t> </a:t>
             </a:r>
             <a:r>
               <a:rPr lang="en-US" dirty="0" smtClean="0"/>
-              <a:t>udible </a:t>
+              <a:t>- </a:t>
             </a:r>
             <a:r>
               <a:rPr lang="en-US" dirty="0"/>
-              <a:t>bump </a:t>
-            </a:r>
+              <a:t>Easy to add future items/requirements</a:t>
+            </a:r>
+          </a:p>
+          <a:p>
+            <a:pPr lvl="0"/>
             <a:r>
               <a:rPr lang="en-US" dirty="0" smtClean="0"/>
-              <a:t>indicator not necessary</a:t>
+              <a:t>Fulfillment of all </a:t>
+            </a:r>
+            <a:r>
+              <a:rPr lang="en-US" dirty="0"/>
+              <a:t>System Requirement </a:t>
+            </a:r>
+            <a:r>
+              <a:rPr lang="en-US" dirty="0" smtClean="0"/>
+              <a:t>Specifications</a:t>
+            </a:r>
+            <a:endParaRPr lang="en-US" dirty="0"/>
+          </a:p>
+          <a:p>
+            <a:pPr lvl="0"/>
+            <a:r>
+              <a:rPr lang="en-US" dirty="0"/>
+              <a:t>Interface with PC </a:t>
+            </a:r>
+            <a:r>
+              <a:rPr lang="en-US" dirty="0" smtClean="0"/>
+              <a:t>only</a:t>
             </a:r>
             <a:endParaRPr lang="en-US" dirty="0"/>
           </a:p>
@@ -9238,7 +9300,7 @@
     </p:spTree>
     <p:extLst>
       <p:ext uri="{BB962C8B-B14F-4D97-AF65-F5344CB8AC3E}">
-        <p14:creationId xmlns:p14="http://schemas.microsoft.com/office/powerpoint/2010/main" val="3451546217"/>
+        <p14:creationId xmlns:p14="http://schemas.microsoft.com/office/powerpoint/2010/main" val="3643320344"/>
       </p:ext>
     </p:extLst>
   </p:cSld>
@@ -9289,7 +9351,7 @@
           <a:p>
             <a:r>
               <a:rPr lang="en-US" dirty="0" smtClean="0"/>
-              <a:t>Trade Offs</a:t>
+              <a:t>Assumptions</a:t>
             </a:r>
             <a:endParaRPr lang="en-US" dirty="0"/>
           </a:p>
@@ -9312,19 +9374,37 @@
           <a:p>
             <a:r>
               <a:rPr lang="en-US" dirty="0" smtClean="0"/>
-              <a:t>Output Layer &gt; Output Layer and GUI Layer</a:t>
+              <a:t>Varied temperature range/weather</a:t>
             </a:r>
           </a:p>
           <a:p>
             <a:r>
               <a:rPr lang="en-US" dirty="0" smtClean="0"/>
-              <a:t>Only using PC platform for GUI</a:t>
+              <a:t>Product will be returned for servicing</a:t>
             </a:r>
           </a:p>
           <a:p>
             <a:r>
               <a:rPr lang="en-US" dirty="0" smtClean="0"/>
-              <a:t>File system for removable storage </a:t>
+              <a:t>Power will come from road paver</a:t>
+            </a:r>
+          </a:p>
+          <a:p>
+            <a:r>
+              <a:rPr lang="en-US" dirty="0"/>
+              <a:t>A</a:t>
+            </a:r>
+            <a:r>
+              <a:rPr lang="en-US" dirty="0" smtClean="0"/>
+              <a:t>udible </a:t>
+            </a:r>
+            <a:r>
+              <a:rPr lang="en-US" dirty="0"/>
+              <a:t>bump </a:t>
+            </a:r>
+            <a:r>
+              <a:rPr lang="en-US" dirty="0" smtClean="0"/>
+              <a:t>indicator not necessary</a:t>
             </a:r>
             <a:endParaRPr lang="en-US" dirty="0"/>
           </a:p>
@@ -9333,7 +9413,7 @@
     </p:spTree>
     <p:extLst>
       <p:ext uri="{BB962C8B-B14F-4D97-AF65-F5344CB8AC3E}">
-        <p14:creationId xmlns:p14="http://schemas.microsoft.com/office/powerpoint/2010/main" val="451669208"/>
+        <p14:creationId xmlns:p14="http://schemas.microsoft.com/office/powerpoint/2010/main" val="3451546217"/>
       </p:ext>
     </p:extLst>
   </p:cSld>
@@ -9374,6 +9454,101 @@
             <a:spLocks noGrp="1"/>
           </p:cNvSpPr>
           <p:nvPr>
+            <p:ph type="title"/>
+          </p:nvPr>
+        </p:nvSpPr>
+        <p:spPr/>
+        <p:txBody>
+          <a:bodyPr/>
+          <a:lstStyle/>
+          <a:p>
+            <a:r>
+              <a:rPr lang="en-US" dirty="0" smtClean="0"/>
+              <a:t>Trade Offs</a:t>
+            </a:r>
+            <a:endParaRPr lang="en-US" dirty="0"/>
+          </a:p>
+        </p:txBody>
+      </p:sp>
+      <p:sp>
+        <p:nvSpPr>
+          <p:cNvPr id="4" name="Content Placeholder 3"/>
+          <p:cNvSpPr>
+            <a:spLocks noGrp="1"/>
+          </p:cNvSpPr>
+          <p:nvPr>
+            <p:ph idx="1"/>
+          </p:nvPr>
+        </p:nvSpPr>
+        <p:spPr/>
+        <p:txBody>
+          <a:bodyPr/>
+          <a:lstStyle/>
+          <a:p>
+            <a:r>
+              <a:rPr lang="en-US" dirty="0" smtClean="0"/>
+              <a:t>Output Layer &gt; Output Layer and GUI Layer</a:t>
+            </a:r>
+          </a:p>
+          <a:p>
+            <a:r>
+              <a:rPr lang="en-US" dirty="0" smtClean="0"/>
+              <a:t>Only using PC platform for GUI</a:t>
+            </a:r>
+          </a:p>
+          <a:p>
+            <a:r>
+              <a:rPr lang="en-US" dirty="0" smtClean="0"/>
+              <a:t>File system for removable storage </a:t>
+            </a:r>
+            <a:endParaRPr lang="en-US" dirty="0"/>
+          </a:p>
+        </p:txBody>
+      </p:sp>
+    </p:spTree>
+    <p:extLst>
+      <p:ext uri="{BB962C8B-B14F-4D97-AF65-F5344CB8AC3E}">
+        <p14:creationId xmlns:p14="http://schemas.microsoft.com/office/powerpoint/2010/main" val="451669208"/>
+      </p:ext>
+    </p:extLst>
+  </p:cSld>
+  <p:clrMapOvr>
+    <a:masterClrMapping/>
+  </p:clrMapOvr>
+  <p:timing>
+    <p:tnLst>
+      <p:par>
+        <p:cTn id="1" dur="indefinite" restart="never" nodeType="tmRoot"/>
+      </p:par>
+    </p:tnLst>
+  </p:timing>
+</p:sld>
+</file>
+
+<file path=ppt/slides/slide8.xml><?xml version="1.0" encoding="utf-8"?>
+<p:sld xmlns:a="http://schemas.openxmlformats.org/drawingml/2006/main" xmlns:r="http://schemas.openxmlformats.org/officeDocument/2006/relationships" xmlns:p="http://schemas.openxmlformats.org/presentationml/2006/main">
+  <p:cSld>
+    <p:spTree>
+      <p:nvGrpSpPr>
+        <p:cNvPr id="1" name=""/>
+        <p:cNvGrpSpPr/>
+        <p:nvPr/>
+      </p:nvGrpSpPr>
+      <p:grpSpPr>
+        <a:xfrm>
+          <a:off x="0" y="0"/>
+          <a:ext cx="0" cy="0"/>
+          <a:chOff x="0" y="0"/>
+          <a:chExt cx="0" cy="0"/>
+        </a:xfrm>
+      </p:grpSpPr>
+      <p:sp>
+        <p:nvSpPr>
+          <p:cNvPr id="2" name="Title 1"/>
+          <p:cNvSpPr>
+            <a:spLocks noGrp="1"/>
+          </p:cNvSpPr>
+          <p:nvPr>
             <p:ph type="ctrTitle"/>
           </p:nvPr>
         </p:nvSpPr>
@@ -9415,7 +9590,7 @@
 </p:sld>
 </file>
 
-<file path=ppt/slides/slide8.xml><?xml version="1.0" encoding="utf-8"?>
+<file path=ppt/slides/slide9.xml><?xml version="1.0" encoding="utf-8"?>
 <p:sld xmlns:a="http://schemas.openxmlformats.org/drawingml/2006/main" xmlns:r="http://schemas.openxmlformats.org/officeDocument/2006/relationships" xmlns:p="http://schemas.openxmlformats.org/presentationml/2006/main">
   <p:cSld>
     <p:spTree>
@@ -9535,7 +9710,7 @@
       </p:sp>
       <p:pic>
         <p:nvPicPr>
-          <p:cNvPr id="2052" name="Picture 4"/>
+          <p:cNvPr id="1026" name="Picture 2"/>
           <p:cNvPicPr>
             <a:picLocks noChangeAspect="1" noChangeArrowheads="1"/>
           </p:cNvPicPr>
@@ -9556,8 +9731,8 @@
         </p:blipFill>
         <p:spPr bwMode="auto">
           <a:xfrm>
-            <a:off x="1143000" y="0"/>
-            <a:ext cx="6788179" cy="6871527"/>
+            <a:off x="1309688" y="1"/>
+            <a:ext cx="6462712" cy="6885918"/>
           </a:xfrm>
           <a:prstGeom prst="rect">
             <a:avLst/>
@@ -9601,90 +9776,6 @@
     <p:extLst>
       <p:ext uri="{BB962C8B-B14F-4D97-AF65-F5344CB8AC3E}">
         <p14:creationId xmlns:p14="http://schemas.microsoft.com/office/powerpoint/2010/main" val="3244079174"/>
-      </p:ext>
-    </p:extLst>
-  </p:cSld>
-  <p:clrMapOvr>
-    <a:masterClrMapping/>
-  </p:clrMapOvr>
-  <p:timing>
-    <p:tnLst>
-      <p:par>
-        <p:cTn id="1" dur="indefinite" restart="never" nodeType="tmRoot"/>
-      </p:par>
-    </p:tnLst>
-  </p:timing>
-</p:sld>
-</file>
-
-<file path=ppt/slides/slide9.xml><?xml version="1.0" encoding="utf-8"?>
-<p:sld xmlns:a="http://schemas.openxmlformats.org/drawingml/2006/main" xmlns:r="http://schemas.openxmlformats.org/officeDocument/2006/relationships" xmlns:p="http://schemas.openxmlformats.org/presentationml/2006/main">
-  <p:cSld>
-    <p:spTree>
-      <p:nvGrpSpPr>
-        <p:cNvPr id="1" name=""/>
-        <p:cNvGrpSpPr/>
-        <p:nvPr/>
-      </p:nvGrpSpPr>
-      <p:grpSpPr>
-        <a:xfrm>
-          <a:off x="0" y="0"/>
-          <a:ext cx="0" cy="0"/>
-          <a:chOff x="0" y="0"/>
-          <a:chExt cx="0" cy="0"/>
-        </a:xfrm>
-      </p:grpSpPr>
-      <p:sp>
-        <p:nvSpPr>
-          <p:cNvPr id="2" name="Title 1"/>
-          <p:cNvSpPr>
-            <a:spLocks noGrp="1"/>
-          </p:cNvSpPr>
-          <p:nvPr>
-            <p:ph type="ctrTitle"/>
-          </p:nvPr>
-        </p:nvSpPr>
-        <p:spPr>
-          <a:xfrm>
-            <a:off x="762000" y="4724400"/>
-            <a:ext cx="7543800" cy="1524000"/>
-          </a:xfrm>
-        </p:spPr>
-        <p:txBody>
-          <a:bodyPr/>
-          <a:lstStyle/>
-          <a:p>
-            <a:r>
-              <a:rPr lang="en-US" dirty="0" smtClean="0"/>
-              <a:t>Subsystem Descriptions</a:t>
-            </a:r>
-            <a:endParaRPr lang="en-US" dirty="0"/>
-          </a:p>
-        </p:txBody>
-      </p:sp>
-      <p:sp>
-        <p:nvSpPr>
-          <p:cNvPr id="3" name="Subtitle 2"/>
-          <p:cNvSpPr>
-            <a:spLocks noGrp="1"/>
-          </p:cNvSpPr>
-          <p:nvPr>
-            <p:ph type="subTitle" idx="1"/>
-          </p:nvPr>
-        </p:nvSpPr>
-        <p:spPr/>
-        <p:txBody>
-          <a:bodyPr/>
-          <a:lstStyle/>
-          <a:p>
-            <a:endParaRPr lang="en-US"/>
-          </a:p>
-        </p:txBody>
-      </p:sp>
-    </p:spTree>
-    <p:extLst>
-      <p:ext uri="{BB962C8B-B14F-4D97-AF65-F5344CB8AC3E}">
-        <p14:creationId xmlns:p14="http://schemas.microsoft.com/office/powerpoint/2010/main" val="1673182452"/>
       </p:ext>
     </p:extLst>
   </p:cSld>

--- a/Presentations/ADS Gate Review 9-13-12.pptx
+++ b/Presentations/ADS Gate Review 9-13-12.pptx
@@ -5,36 +5,41 @@
     <p:sldMasterId id="2147483732" r:id="rId1"/>
   </p:sldMasterIdLst>
   <p:notesMasterIdLst>
-    <p:notesMasterId r:id="rId29"/>
+    <p:notesMasterId r:id="rId34"/>
   </p:notesMasterIdLst>
   <p:sldIdLst>
     <p:sldId id="262" r:id="rId2"/>
-    <p:sldId id="350" r:id="rId3"/>
-    <p:sldId id="292" r:id="rId4"/>
-    <p:sldId id="291" r:id="rId5"/>
-    <p:sldId id="326" r:id="rId6"/>
-    <p:sldId id="327" r:id="rId7"/>
-    <p:sldId id="328" r:id="rId8"/>
-    <p:sldId id="329" r:id="rId9"/>
-    <p:sldId id="338" r:id="rId10"/>
-    <p:sldId id="331" r:id="rId11"/>
-    <p:sldId id="337" r:id="rId12"/>
-    <p:sldId id="339" r:id="rId13"/>
-    <p:sldId id="340" r:id="rId14"/>
-    <p:sldId id="341" r:id="rId15"/>
-    <p:sldId id="342" r:id="rId16"/>
-    <p:sldId id="330" r:id="rId17"/>
-    <p:sldId id="344" r:id="rId18"/>
-    <p:sldId id="334" r:id="rId19"/>
-    <p:sldId id="332" r:id="rId20"/>
-    <p:sldId id="345" r:id="rId21"/>
-    <p:sldId id="333" r:id="rId22"/>
-    <p:sldId id="348" r:id="rId23"/>
-    <p:sldId id="335" r:id="rId24"/>
-    <p:sldId id="349" r:id="rId25"/>
-    <p:sldId id="347" r:id="rId26"/>
-    <p:sldId id="325" r:id="rId27"/>
-    <p:sldId id="346" r:id="rId28"/>
+    <p:sldId id="292" r:id="rId3"/>
+    <p:sldId id="291" r:id="rId4"/>
+    <p:sldId id="350" r:id="rId5"/>
+    <p:sldId id="351" r:id="rId6"/>
+    <p:sldId id="326" r:id="rId7"/>
+    <p:sldId id="327" r:id="rId8"/>
+    <p:sldId id="328" r:id="rId9"/>
+    <p:sldId id="329" r:id="rId10"/>
+    <p:sldId id="338" r:id="rId11"/>
+    <p:sldId id="331" r:id="rId12"/>
+    <p:sldId id="337" r:id="rId13"/>
+    <p:sldId id="339" r:id="rId14"/>
+    <p:sldId id="340" r:id="rId15"/>
+    <p:sldId id="341" r:id="rId16"/>
+    <p:sldId id="342" r:id="rId17"/>
+    <p:sldId id="330" r:id="rId18"/>
+    <p:sldId id="356" r:id="rId19"/>
+    <p:sldId id="334" r:id="rId20"/>
+    <p:sldId id="352" r:id="rId21"/>
+    <p:sldId id="353" r:id="rId22"/>
+    <p:sldId id="354" r:id="rId23"/>
+    <p:sldId id="355" r:id="rId24"/>
+    <p:sldId id="332" r:id="rId25"/>
+    <p:sldId id="345" r:id="rId26"/>
+    <p:sldId id="333" r:id="rId27"/>
+    <p:sldId id="348" r:id="rId28"/>
+    <p:sldId id="335" r:id="rId29"/>
+    <p:sldId id="349" r:id="rId30"/>
+    <p:sldId id="347" r:id="rId31"/>
+    <p:sldId id="325" r:id="rId32"/>
+    <p:sldId id="346" r:id="rId33"/>
   </p:sldIdLst>
   <p:sldSz cx="9144000" cy="6858000" type="screen4x3"/>
   <p:notesSz cx="6858000" cy="9144000"/>
@@ -635,7 +640,7 @@
           <a:p>
             <a:fld id="{165BAAFA-8569-4F3A-B5A8-377F352D7750}" type="slidenum">
               <a:rPr lang="en-US" smtClean="0"/>
-              <a:t>3</a:t>
+              <a:t>2</a:t>
             </a:fld>
             <a:endParaRPr lang="en-US"/>
           </a:p>
@@ -719,7 +724,7 @@
           <a:p>
             <a:fld id="{165BAAFA-8569-4F3A-B5A8-377F352D7750}" type="slidenum">
               <a:rPr lang="en-US" smtClean="0"/>
-              <a:t>4</a:t>
+              <a:t>3</a:t>
             </a:fld>
             <a:endParaRPr lang="en-US"/>
           </a:p>
@@ -4350,55 +4355,135 @@
       </p:grpSpPr>
       <p:sp>
         <p:nvSpPr>
-          <p:cNvPr id="2" name="Title 1"/>
-          <p:cNvSpPr>
-            <a:spLocks noGrp="1"/>
-          </p:cNvSpPr>
-          <p:nvPr>
-            <p:ph type="ctrTitle"/>
-          </p:nvPr>
-        </p:nvSpPr>
-        <p:spPr>
+          <p:cNvPr id="4" name="Rectangle 2"/>
+          <p:cNvSpPr>
+            <a:spLocks noChangeArrowheads="1"/>
+          </p:cNvSpPr>
+          <p:nvPr/>
+        </p:nvSpPr>
+        <p:spPr bwMode="auto">
           <a:xfrm>
-            <a:off x="762000" y="4724400"/>
-            <a:ext cx="7543800" cy="1524000"/>
+            <a:off x="0" y="0"/>
+            <a:ext cx="9144000" cy="0"/>
           </a:xfrm>
+          <a:prstGeom prst="rect">
+            <a:avLst/>
+          </a:prstGeom>
+          <a:noFill/>
+          <a:ln>
+            <a:noFill/>
+          </a:ln>
+          <a:effectLst/>
+          <a:extLst>
+            <a:ext uri="{909E8E84-426E-40DD-AFC4-6F175D3DCCD1}">
+              <a14:hiddenFill xmlns:a14="http://schemas.microsoft.com/office/drawing/2010/main">
+                <a:solidFill>
+                  <a:schemeClr val="accent1"/>
+                </a:solidFill>
+              </a14:hiddenFill>
+            </a:ext>
+            <a:ext uri="{91240B29-F687-4F45-9708-019B960494DF}">
+              <a14:hiddenLine xmlns:a14="http://schemas.microsoft.com/office/drawing/2010/main" w="9525">
+                <a:solidFill>
+                  <a:schemeClr val="tx1"/>
+                </a:solidFill>
+                <a:miter lim="800000"/>
+                <a:headEnd/>
+                <a:tailEnd/>
+              </a14:hiddenLine>
+            </a:ext>
+            <a:ext uri="{AF507438-7753-43E0-B8FC-AC1667EBCBE1}">
+              <a14:hiddenEffects xmlns:a14="http://schemas.microsoft.com/office/drawing/2010/main">
+                <a:effectLst>
+                  <a:outerShdw dist="35921" dir="2700000" algn="ctr" rotWithShape="0">
+                    <a:schemeClr val="bg2"/>
+                  </a:outerShdw>
+                </a:effectLst>
+              </a14:hiddenEffects>
+            </a:ext>
+          </a:extLst>
         </p:spPr>
         <p:txBody>
-          <a:bodyPr/>
+          <a:bodyPr vert="horz" wrap="none" lIns="91440" tIns="45720" rIns="91440" bIns="45720" numCol="1" anchor="ctr" anchorCtr="0" compatLnSpc="1">
+            <a:prstTxWarp prst="textNoShape">
+              <a:avLst/>
+            </a:prstTxWarp>
+            <a:spAutoFit/>
+          </a:bodyPr>
           <a:lstStyle/>
           <a:p>
-            <a:r>
-              <a:rPr lang="en-US" dirty="0" smtClean="0"/>
-              <a:t>Subsystem Descriptions</a:t>
-            </a:r>
-            <a:endParaRPr lang="en-US" dirty="0"/>
-          </a:p>
-        </p:txBody>
-      </p:sp>
-      <p:sp>
-        <p:nvSpPr>
-          <p:cNvPr id="3" name="Subtitle 2"/>
-          <p:cNvSpPr>
-            <a:spLocks noGrp="1"/>
-          </p:cNvSpPr>
-          <p:nvPr>
-            <p:ph type="subTitle" idx="1"/>
-          </p:nvPr>
-        </p:nvSpPr>
-        <p:spPr/>
-        <p:txBody>
-          <a:bodyPr/>
-          <a:lstStyle/>
-          <a:p>
             <a:endParaRPr lang="en-US"/>
           </a:p>
         </p:txBody>
       </p:sp>
+      <p:pic>
+        <p:nvPicPr>
+          <p:cNvPr id="1026" name="Picture 2"/>
+          <p:cNvPicPr>
+            <a:picLocks noChangeAspect="1" noChangeArrowheads="1"/>
+          </p:cNvPicPr>
+          <p:nvPr/>
+        </p:nvPicPr>
+        <p:blipFill>
+          <a:blip r:embed="rId2">
+            <a:extLst>
+              <a:ext uri="{28A0092B-C50C-407E-A947-70E740481C1C}">
+                <a14:useLocalDpi xmlns:a14="http://schemas.microsoft.com/office/drawing/2010/main" val="0"/>
+              </a:ext>
+            </a:extLst>
+          </a:blip>
+          <a:srcRect/>
+          <a:stretch>
+            <a:fillRect/>
+          </a:stretch>
+        </p:blipFill>
+        <p:spPr bwMode="auto">
+          <a:xfrm>
+            <a:off x="1752600" y="406400"/>
+            <a:ext cx="5334000" cy="5683292"/>
+          </a:xfrm>
+          <a:prstGeom prst="rect">
+            <a:avLst/>
+          </a:prstGeom>
+          <a:noFill/>
+          <a:ln>
+            <a:noFill/>
+          </a:ln>
+          <a:effectLst/>
+          <a:extLst>
+            <a:ext uri="{909E8E84-426E-40DD-AFC4-6F175D3DCCD1}">
+              <a14:hiddenFill xmlns:a14="http://schemas.microsoft.com/office/drawing/2010/main">
+                <a:solidFill>
+                  <a:schemeClr val="accent1"/>
+                </a:solidFill>
+              </a14:hiddenFill>
+            </a:ext>
+            <a:ext uri="{91240B29-F687-4F45-9708-019B960494DF}">
+              <a14:hiddenLine xmlns:a14="http://schemas.microsoft.com/office/drawing/2010/main" w="9525">
+                <a:solidFill>
+                  <a:schemeClr val="tx1"/>
+                </a:solidFill>
+                <a:miter lim="800000"/>
+                <a:headEnd/>
+                <a:tailEnd/>
+              </a14:hiddenLine>
+            </a:ext>
+            <a:ext uri="{AF507438-7753-43E0-B8FC-AC1667EBCBE1}">
+              <a14:hiddenEffects xmlns:a14="http://schemas.microsoft.com/office/drawing/2010/main">
+                <a:effectLst>
+                  <a:outerShdw dist="35921" dir="2700000" algn="ctr" rotWithShape="0">
+                    <a:schemeClr val="bg2"/>
+                  </a:outerShdw>
+                </a:effectLst>
+              </a14:hiddenEffects>
+            </a:ext>
+          </a:extLst>
+        </p:spPr>
+      </p:pic>
     </p:spTree>
     <p:extLst>
       <p:ext uri="{BB962C8B-B14F-4D97-AF65-F5344CB8AC3E}">
-        <p14:creationId xmlns:p14="http://schemas.microsoft.com/office/powerpoint/2010/main" val="1673182452"/>
+        <p14:creationId xmlns:p14="http://schemas.microsoft.com/office/powerpoint/2010/main" val="3244079174"/>
       </p:ext>
     </p:extLst>
   </p:cSld>
@@ -4439,30 +4524,72 @@
             <a:spLocks noGrp="1"/>
           </p:cNvSpPr>
           <p:nvPr>
-            <p:ph type="title"/>
-          </p:nvPr>
-        </p:nvSpPr>
-        <p:spPr/>
+            <p:ph type="ctrTitle"/>
+          </p:nvPr>
+        </p:nvSpPr>
+        <p:spPr>
+          <a:xfrm>
+            <a:off x="762000" y="4724400"/>
+            <a:ext cx="7543800" cy="1524000"/>
+          </a:xfrm>
+        </p:spPr>
         <p:txBody>
           <a:bodyPr/>
           <a:lstStyle/>
           <a:p>
             <a:r>
               <a:rPr lang="en-US" dirty="0" smtClean="0"/>
-              <a:t>Input Layer</a:t>
+              <a:t>Subsystem Descriptions</a:t>
             </a:r>
             <a:endParaRPr lang="en-US" dirty="0"/>
           </a:p>
         </p:txBody>
       </p:sp>
-      <p:sp>
-        <p:nvSpPr>
-          <p:cNvPr id="3" name="Content Placeholder 2"/>
+    </p:spTree>
+    <p:extLst>
+      <p:ext uri="{BB962C8B-B14F-4D97-AF65-F5344CB8AC3E}">
+        <p14:creationId xmlns:p14="http://schemas.microsoft.com/office/powerpoint/2010/main" val="1673182452"/>
+      </p:ext>
+    </p:extLst>
+  </p:cSld>
+  <p:clrMapOvr>
+    <a:masterClrMapping/>
+  </p:clrMapOvr>
+  <p:timing>
+    <p:tnLst>
+      <p:par>
+        <p:cTn id="1" dur="indefinite" restart="never" nodeType="tmRoot"/>
+      </p:par>
+    </p:tnLst>
+  </p:timing>
+</p:sld>
+</file>
+
+<file path=ppt/slides/slide12.xml><?xml version="1.0" encoding="utf-8"?>
+<p:sld xmlns:a="http://schemas.openxmlformats.org/drawingml/2006/main" xmlns:r="http://schemas.openxmlformats.org/officeDocument/2006/relationships" xmlns:p="http://schemas.openxmlformats.org/presentationml/2006/main">
+  <p:cSld>
+    <p:spTree>
+      <p:nvGrpSpPr>
+        <p:cNvPr id="1" name=""/>
+        <p:cNvGrpSpPr/>
+        <p:nvPr/>
+      </p:nvGrpSpPr>
+      <p:grpSpPr>
+        <a:xfrm>
+          <a:off x="0" y="0"/>
+          <a:ext cx="0" cy="0"/>
+          <a:chOff x="0" y="0"/>
+          <a:chExt cx="0" cy="0"/>
+        </a:xfrm>
+      </p:grpSpPr>
+      <p:sp>
+        <p:nvSpPr>
+          <p:cNvPr id="2" name="Title 1"/>
           <p:cNvSpPr>
             <a:spLocks noGrp="1"/>
           </p:cNvSpPr>
           <p:nvPr>
-            <p:ph idx="1"/>
+            <p:ph type="title"/>
           </p:nvPr>
         </p:nvSpPr>
         <p:spPr/>
@@ -4470,7 +4597,11 @@
           <a:bodyPr/>
           <a:lstStyle/>
           <a:p>
-            <a:endParaRPr lang="en-US"/>
+            <a:r>
+              <a:rPr lang="en-US" dirty="0" smtClean="0"/>
+              <a:t>Input Layer</a:t>
+            </a:r>
+            <a:endParaRPr lang="en-US" dirty="0"/>
           </a:p>
         </p:txBody>
       </p:sp>
@@ -4558,7 +4689,7 @@
 </p:sld>
 </file>
 
-<file path=ppt/slides/slide12.xml><?xml version="1.0" encoding="utf-8"?>
+<file path=ppt/slides/slide13.xml><?xml version="1.0" encoding="utf-8"?>
 <p:sld xmlns:a="http://schemas.openxmlformats.org/drawingml/2006/main" xmlns:r="http://schemas.openxmlformats.org/officeDocument/2006/relationships" xmlns:p="http://schemas.openxmlformats.org/presentationml/2006/main">
   <p:cSld>
     <p:spTree>
@@ -4595,25 +4726,6 @@
               <a:t>Processing Layer</a:t>
             </a:r>
             <a:endParaRPr lang="en-US" dirty="0"/>
-          </a:p>
-        </p:txBody>
-      </p:sp>
-      <p:sp>
-        <p:nvSpPr>
-          <p:cNvPr id="3" name="Content Placeholder 2"/>
-          <p:cNvSpPr>
-            <a:spLocks noGrp="1"/>
-          </p:cNvSpPr>
-          <p:nvPr>
-            <p:ph idx="1"/>
-          </p:nvPr>
-        </p:nvSpPr>
-        <p:spPr/>
-        <p:txBody>
-          <a:bodyPr/>
-          <a:lstStyle/>
-          <a:p>
-            <a:endParaRPr lang="en-US"/>
           </a:p>
         </p:txBody>
       </p:sp>
@@ -4701,7 +4813,7 @@
 </p:sld>
 </file>
 
-<file path=ppt/slides/slide13.xml><?xml version="1.0" encoding="utf-8"?>
+<file path=ppt/slides/slide14.xml><?xml version="1.0" encoding="utf-8"?>
 <p:sld xmlns:a="http://schemas.openxmlformats.org/drawingml/2006/main" xmlns:r="http://schemas.openxmlformats.org/officeDocument/2006/relationships" xmlns:p="http://schemas.openxmlformats.org/presentationml/2006/main">
   <p:cSld>
     <p:spTree>
@@ -4738,25 +4850,6 @@
               <a:t>Storage Layer</a:t>
             </a:r>
             <a:endParaRPr lang="en-US" dirty="0"/>
-          </a:p>
-        </p:txBody>
-      </p:sp>
-      <p:sp>
-        <p:nvSpPr>
-          <p:cNvPr id="3" name="Content Placeholder 2"/>
-          <p:cNvSpPr>
-            <a:spLocks noGrp="1"/>
-          </p:cNvSpPr>
-          <p:nvPr>
-            <p:ph idx="1"/>
-          </p:nvPr>
-        </p:nvSpPr>
-        <p:spPr/>
-        <p:txBody>
-          <a:bodyPr/>
-          <a:lstStyle/>
-          <a:p>
-            <a:endParaRPr lang="en-US"/>
           </a:p>
         </p:txBody>
       </p:sp>
@@ -4844,7 +4937,7 @@
 </p:sld>
 </file>
 
-<file path=ppt/slides/slide14.xml><?xml version="1.0" encoding="utf-8"?>
+<file path=ppt/slides/slide15.xml><?xml version="1.0" encoding="utf-8"?>
 <p:sld xmlns:a="http://schemas.openxmlformats.org/drawingml/2006/main" xmlns:r="http://schemas.openxmlformats.org/officeDocument/2006/relationships" xmlns:p="http://schemas.openxmlformats.org/presentationml/2006/main">
   <p:cSld>
     <p:spTree>
@@ -4881,25 +4974,6 @@
               <a:t>Output Layer</a:t>
             </a:r>
             <a:endParaRPr lang="en-US" dirty="0"/>
-          </a:p>
-        </p:txBody>
-      </p:sp>
-      <p:sp>
-        <p:nvSpPr>
-          <p:cNvPr id="3" name="Content Placeholder 2"/>
-          <p:cNvSpPr>
-            <a:spLocks noGrp="1"/>
-          </p:cNvSpPr>
-          <p:nvPr>
-            <p:ph idx="1"/>
-          </p:nvPr>
-        </p:nvSpPr>
-        <p:spPr/>
-        <p:txBody>
-          <a:bodyPr/>
-          <a:lstStyle/>
-          <a:p>
-            <a:endParaRPr lang="en-US"/>
           </a:p>
         </p:txBody>
       </p:sp>
@@ -4987,7 +5061,7 @@
 </p:sld>
 </file>
 
-<file path=ppt/slides/slide15.xml><?xml version="1.0" encoding="utf-8"?>
+<file path=ppt/slides/slide16.xml><?xml version="1.0" encoding="utf-8"?>
 <p:sld xmlns:a="http://schemas.openxmlformats.org/drawingml/2006/main" xmlns:r="http://schemas.openxmlformats.org/officeDocument/2006/relationships" xmlns:p="http://schemas.openxmlformats.org/presentationml/2006/main">
   <p:cSld>
     <p:spTree>
@@ -5024,25 +5098,6 @@
               <a:t>GUI Layer</a:t>
             </a:r>
             <a:endParaRPr lang="en-US" dirty="0"/>
-          </a:p>
-        </p:txBody>
-      </p:sp>
-      <p:sp>
-        <p:nvSpPr>
-          <p:cNvPr id="3" name="Content Placeholder 2"/>
-          <p:cNvSpPr>
-            <a:spLocks noGrp="1"/>
-          </p:cNvSpPr>
-          <p:nvPr>
-            <p:ph idx="1"/>
-          </p:nvPr>
-        </p:nvSpPr>
-        <p:spPr/>
-        <p:txBody>
-          <a:bodyPr/>
-          <a:lstStyle/>
-          <a:p>
-            <a:endParaRPr lang="en-US"/>
           </a:p>
         </p:txBody>
       </p:sp>
@@ -5130,7 +5185,7 @@
 </p:sld>
 </file>
 
-<file path=ppt/slides/slide16.xml><?xml version="1.0" encoding="utf-8"?>
+<file path=ppt/slides/slide17.xml><?xml version="1.0" encoding="utf-8"?>
 <p:sld xmlns:a="http://schemas.openxmlformats.org/drawingml/2006/main" xmlns:r="http://schemas.openxmlformats.org/officeDocument/2006/relationships" xmlns:p="http://schemas.openxmlformats.org/presentationml/2006/main">
   <p:cSld>
     <p:spTree>
@@ -5172,25 +5227,6 @@
               <a:t>Data Flows</a:t>
             </a:r>
             <a:endParaRPr lang="en-US" dirty="0"/>
-          </a:p>
-        </p:txBody>
-      </p:sp>
-      <p:sp>
-        <p:nvSpPr>
-          <p:cNvPr id="3" name="Subtitle 2"/>
-          <p:cNvSpPr>
-            <a:spLocks noGrp="1"/>
-          </p:cNvSpPr>
-          <p:nvPr>
-            <p:ph type="subTitle" idx="1"/>
-          </p:nvPr>
-        </p:nvSpPr>
-        <p:spPr/>
-        <p:txBody>
-          <a:bodyPr/>
-          <a:lstStyle/>
-          <a:p>
-            <a:endParaRPr lang="en-US"/>
           </a:p>
         </p:txBody>
       </p:sp>
@@ -5214,7 +5250,7 @@
 </p:sld>
 </file>
 
-<file path=ppt/slides/slide17.xml><?xml version="1.0" encoding="utf-8"?>
+<file path=ppt/slides/slide18.xml><?xml version="1.0" encoding="utf-8"?>
 <p:sld xmlns:a="http://schemas.openxmlformats.org/drawingml/2006/main" xmlns:r="http://schemas.openxmlformats.org/officeDocument/2006/relationships" xmlns:p="http://schemas.openxmlformats.org/presentationml/2006/main">
   <p:cSld>
     <p:spTree>
@@ -5231,9 +5267,72 @@
           <a:chExt cx="0" cy="0"/>
         </a:xfrm>
       </p:grpSpPr>
+      <p:sp>
+        <p:nvSpPr>
+          <p:cNvPr id="4" name="Rectangle 2"/>
+          <p:cNvSpPr>
+            <a:spLocks noChangeArrowheads="1"/>
+          </p:cNvSpPr>
+          <p:nvPr/>
+        </p:nvSpPr>
+        <p:spPr bwMode="auto">
+          <a:xfrm>
+            <a:off x="0" y="0"/>
+            <a:ext cx="9144000" cy="0"/>
+          </a:xfrm>
+          <a:prstGeom prst="rect">
+            <a:avLst/>
+          </a:prstGeom>
+          <a:noFill/>
+          <a:ln>
+            <a:noFill/>
+          </a:ln>
+          <a:effectLst/>
+          <a:extLst>
+            <a:ext uri="{909E8E84-426E-40DD-AFC4-6F175D3DCCD1}">
+              <a14:hiddenFill xmlns:a14="http://schemas.microsoft.com/office/drawing/2010/main">
+                <a:solidFill>
+                  <a:schemeClr val="accent1"/>
+                </a:solidFill>
+              </a14:hiddenFill>
+            </a:ext>
+            <a:ext uri="{91240B29-F687-4F45-9708-019B960494DF}">
+              <a14:hiddenLine xmlns:a14="http://schemas.microsoft.com/office/drawing/2010/main" w="9525">
+                <a:solidFill>
+                  <a:schemeClr val="tx1"/>
+                </a:solidFill>
+                <a:miter lim="800000"/>
+                <a:headEnd/>
+                <a:tailEnd/>
+              </a14:hiddenLine>
+            </a:ext>
+            <a:ext uri="{AF507438-7753-43E0-B8FC-AC1667EBCBE1}">
+              <a14:hiddenEffects xmlns:a14="http://schemas.microsoft.com/office/drawing/2010/main">
+                <a:effectLst>
+                  <a:outerShdw dist="35921" dir="2700000" algn="ctr" rotWithShape="0">
+                    <a:schemeClr val="bg2"/>
+                  </a:outerShdw>
+                </a:effectLst>
+              </a14:hiddenEffects>
+            </a:ext>
+          </a:extLst>
+        </p:spPr>
+        <p:txBody>
+          <a:bodyPr vert="horz" wrap="none" lIns="91440" tIns="45720" rIns="91440" bIns="45720" numCol="1" anchor="ctr" anchorCtr="0" compatLnSpc="1">
+            <a:prstTxWarp prst="textNoShape">
+              <a:avLst/>
+            </a:prstTxWarp>
+            <a:spAutoFit/>
+          </a:bodyPr>
+          <a:lstStyle/>
+          <a:p>
+            <a:endParaRPr lang="en-US"/>
+          </a:p>
+        </p:txBody>
+      </p:sp>
       <p:pic>
         <p:nvPicPr>
-          <p:cNvPr id="7170" name="Picture 2"/>
+          <p:cNvPr id="1026" name="Picture 2"/>
           <p:cNvPicPr>
             <a:picLocks noChangeAspect="1" noChangeArrowheads="1"/>
           </p:cNvPicPr>
@@ -5254,8 +5353,8 @@
         </p:blipFill>
         <p:spPr bwMode="auto">
           <a:xfrm>
-            <a:off x="1219200" y="1"/>
-            <a:ext cx="6511198" cy="6858000"/>
+            <a:off x="1752600" y="406400"/>
+            <a:ext cx="5334000" cy="5683292"/>
           </a:xfrm>
           <a:prstGeom prst="rect">
             <a:avLst/>
@@ -5298,72 +5397,7 @@
     </p:spTree>
     <p:extLst>
       <p:ext uri="{BB962C8B-B14F-4D97-AF65-F5344CB8AC3E}">
-        <p14:creationId xmlns:p14="http://schemas.microsoft.com/office/powerpoint/2010/main" val="2291719107"/>
-      </p:ext>
-    </p:extLst>
-  </p:cSld>
-  <p:clrMapOvr>
-    <a:masterClrMapping/>
-  </p:clrMapOvr>
-  <p:timing>
-    <p:tnLst>
-      <p:par>
-        <p:cTn id="1" dur="indefinite" restart="never" nodeType="tmRoot"/>
-      </p:par>
-    </p:tnLst>
-  </p:timing>
-</p:sld>
-</file>
-
-<file path=ppt/slides/slide18.xml><?xml version="1.0" encoding="utf-8"?>
-<p:sld xmlns:a="http://schemas.openxmlformats.org/drawingml/2006/main" xmlns:r="http://schemas.openxmlformats.org/officeDocument/2006/relationships" xmlns:p="http://schemas.openxmlformats.org/presentationml/2006/main">
-  <p:cSld>
-    <p:spTree>
-      <p:nvGrpSpPr>
-        <p:cNvPr id="1" name=""/>
-        <p:cNvGrpSpPr/>
-        <p:nvPr/>
-      </p:nvGrpSpPr>
-      <p:grpSpPr>
-        <a:xfrm>
-          <a:off x="0" y="0"/>
-          <a:ext cx="0" cy="0"/>
-          <a:chOff x="0" y="0"/>
-          <a:chExt cx="0" cy="0"/>
-        </a:xfrm>
-      </p:grpSpPr>
-      <p:sp>
-        <p:nvSpPr>
-          <p:cNvPr id="2" name="Title 1"/>
-          <p:cNvSpPr>
-            <a:spLocks noGrp="1"/>
-          </p:cNvSpPr>
-          <p:nvPr>
-            <p:ph type="ctrTitle"/>
-          </p:nvPr>
-        </p:nvSpPr>
-        <p:spPr>
-          <a:xfrm>
-            <a:off x="762000" y="4724400"/>
-            <a:ext cx="7543800" cy="1524000"/>
-          </a:xfrm>
-        </p:spPr>
-        <p:txBody>
-          <a:bodyPr/>
-          <a:lstStyle/>
-          <a:p>
-            <a:r>
-              <a:rPr lang="en-US" dirty="0" smtClean="0"/>
-              <a:t>Use Cases</a:t>
-            </a:r>
-            <a:endParaRPr lang="en-US" dirty="0"/>
-          </a:p>
-        </p:txBody>
-      </p:sp>
-    </p:spTree>
-    <p:extLst>
-      <p:ext uri="{BB962C8B-B14F-4D97-AF65-F5344CB8AC3E}">
-        <p14:creationId xmlns:p14="http://schemas.microsoft.com/office/powerpoint/2010/main" val="3400293301"/>
+        <p14:creationId xmlns:p14="http://schemas.microsoft.com/office/powerpoint/2010/main" val="3196216511"/>
       </p:ext>
     </p:extLst>
   </p:cSld>
@@ -5419,35 +5453,16 @@
           <a:p>
             <a:r>
               <a:rPr lang="en-US" dirty="0" smtClean="0"/>
-              <a:t>Requirement Mapping</a:t>
+              <a:t>Use Cases</a:t>
             </a:r>
             <a:endParaRPr lang="en-US" dirty="0"/>
-          </a:p>
-        </p:txBody>
-      </p:sp>
-      <p:sp>
-        <p:nvSpPr>
-          <p:cNvPr id="3" name="Subtitle 2"/>
-          <p:cNvSpPr>
-            <a:spLocks noGrp="1"/>
-          </p:cNvSpPr>
-          <p:nvPr>
-            <p:ph type="subTitle" idx="1"/>
-          </p:nvPr>
-        </p:nvSpPr>
-        <p:spPr/>
-        <p:txBody>
-          <a:bodyPr/>
-          <a:lstStyle/>
-          <a:p>
-            <a:endParaRPr lang="en-US"/>
           </a:p>
         </p:txBody>
       </p:sp>
     </p:spTree>
     <p:extLst>
       <p:ext uri="{BB962C8B-B14F-4D97-AF65-F5344CB8AC3E}">
-        <p14:creationId xmlns:p14="http://schemas.microsoft.com/office/powerpoint/2010/main" val="1781556997"/>
+        <p14:creationId xmlns:p14="http://schemas.microsoft.com/office/powerpoint/2010/main" val="3400293301"/>
       </p:ext>
     </p:extLst>
   </p:cSld>
@@ -5483,7 +5498,7 @@
       </p:grpSpPr>
       <p:sp>
         <p:nvSpPr>
-          <p:cNvPr id="4" name="Title 3"/>
+          <p:cNvPr id="2" name="Title 1"/>
           <p:cNvSpPr>
             <a:spLocks noGrp="1"/>
           </p:cNvSpPr>
@@ -5491,48 +5506,41 @@
             <p:ph type="ctrTitle"/>
           </p:nvPr>
         </p:nvSpPr>
-        <p:spPr/>
+        <p:spPr>
+          <a:xfrm>
+            <a:off x="762000" y="4724400"/>
+            <a:ext cx="7543800" cy="1524000"/>
+          </a:xfrm>
+        </p:spPr>
         <p:txBody>
           <a:bodyPr/>
           <a:lstStyle/>
           <a:p>
             <a:r>
-              <a:rPr lang="en-US" dirty="0" smtClean="0"/>
-              <a:t>ADS GATE REVIEW</a:t>
-            </a:r>
-            <a:endParaRPr lang="en-US" dirty="0"/>
-          </a:p>
-        </p:txBody>
-      </p:sp>
-      <p:sp>
-        <p:nvSpPr>
-          <p:cNvPr id="5" name="Subtitle 4"/>
-          <p:cNvSpPr>
-            <a:spLocks noGrp="1"/>
-          </p:cNvSpPr>
-          <p:nvPr>
-            <p:ph type="subTitle" idx="1"/>
-          </p:nvPr>
-        </p:nvSpPr>
-        <p:spPr/>
-        <p:txBody>
-          <a:bodyPr/>
-          <a:lstStyle/>
-          <a:p>
-            <a:endParaRPr lang="en-US"/>
+              <a:rPr lang="en-US" sz="7200" dirty="0" smtClean="0"/>
+              <a:t>Product Concept</a:t>
+            </a:r>
+            <a:endParaRPr lang="en-US" sz="7200" dirty="0"/>
           </a:p>
         </p:txBody>
       </p:sp>
     </p:spTree>
     <p:extLst>
       <p:ext uri="{BB962C8B-B14F-4D97-AF65-F5344CB8AC3E}">
-        <p14:creationId xmlns:p14="http://schemas.microsoft.com/office/powerpoint/2010/main" val="1700657102"/>
+        <p14:creationId xmlns:p14="http://schemas.microsoft.com/office/powerpoint/2010/main" val="2802254707"/>
       </p:ext>
     </p:extLst>
   </p:cSld>
   <p:clrMapOvr>
     <a:masterClrMapping/>
   </p:clrMapOvr>
+  <p:timing>
+    <p:tnLst>
+      <p:par>
+        <p:cTn id="1" dur="indefinite" restart="never" nodeType="tmRoot"/>
+      </p:par>
+    </p:tnLst>
+  </p:timing>
 </p:sld>
 </file>
 
@@ -5553,3276 +5561,9 @@
           <a:chExt cx="0" cy="0"/>
         </a:xfrm>
       </p:grpSpPr>
-      <p:sp>
-        <p:nvSpPr>
-          <p:cNvPr id="2" name="Title 1"/>
-          <p:cNvSpPr>
-            <a:spLocks noGrp="1"/>
-          </p:cNvSpPr>
-          <p:nvPr>
-            <p:ph type="title"/>
-          </p:nvPr>
-        </p:nvSpPr>
-        <p:spPr/>
-        <p:txBody>
-          <a:bodyPr/>
-          <a:lstStyle/>
-          <a:p>
-            <a:r>
-              <a:rPr lang="en-US" dirty="0" smtClean="0"/>
-              <a:t>Key Requirements</a:t>
-            </a:r>
-            <a:endParaRPr lang="en-US" dirty="0"/>
-          </a:p>
-        </p:txBody>
-      </p:sp>
-      <p:graphicFrame>
-        <p:nvGraphicFramePr>
-          <p:cNvPr id="5" name="Content Placeholder 4"/>
-          <p:cNvGraphicFramePr>
-            <a:graphicFrameLocks noGrp="1"/>
-          </p:cNvGraphicFramePr>
-          <p:nvPr>
-            <p:ph idx="1"/>
-            <p:extLst>
-              <p:ext uri="{D42A27DB-BD31-4B8C-83A1-F6EECF244321}">
-                <p14:modId xmlns:p14="http://schemas.microsoft.com/office/powerpoint/2010/main" val="1105056789"/>
-              </p:ext>
-            </p:extLst>
-          </p:nvPr>
-        </p:nvGraphicFramePr>
-        <p:xfrm>
-          <a:off x="152400" y="838200"/>
-          <a:ext cx="8903674" cy="3840480"/>
-        </p:xfrm>
-        <a:graphic>
-          <a:graphicData uri="http://schemas.openxmlformats.org/drawingml/2006/table">
-            <a:tbl>
-              <a:tblPr firstRow="1" firstCol="1" bandRow="1">
-                <a:tableStyleId>{5C22544A-7EE6-4342-B048-85BDC9FD1C3A}</a:tableStyleId>
-              </a:tblPr>
-              <a:tblGrid>
-                <a:gridCol w="718037"/>
-                <a:gridCol w="4604237"/>
-                <a:gridCol w="685800"/>
-                <a:gridCol w="762000"/>
-                <a:gridCol w="762000"/>
-                <a:gridCol w="685800"/>
-                <a:gridCol w="685800"/>
-              </a:tblGrid>
-              <a:tr h="92122">
-                <a:tc>
-                  <a:txBody>
-                    <a:bodyPr/>
-                    <a:lstStyle/>
-                    <a:p>
-                      <a:pPr marL="0" marR="0">
-                        <a:spcBef>
-                          <a:spcPts val="0"/>
-                        </a:spcBef>
-                        <a:spcAft>
-                          <a:spcPts val="0"/>
-                        </a:spcAft>
-                      </a:pPr>
-                      <a:r>
-                        <a:rPr lang="en-US" sz="1400" dirty="0">
-                          <a:effectLst/>
-                        </a:rPr>
-                        <a:t>Number</a:t>
-                      </a:r>
-                      <a:endParaRPr lang="en-US" sz="1600" dirty="0">
-                        <a:effectLst/>
-                        <a:latin typeface="Times New Roman"/>
-                        <a:ea typeface="Times New Roman"/>
-                      </a:endParaRPr>
-                    </a:p>
-                  </a:txBody>
-                  <a:tcPr marL="20881" marR="20881" marT="0" marB="0"/>
-                </a:tc>
-                <a:tc>
-                  <a:txBody>
-                    <a:bodyPr/>
-                    <a:lstStyle/>
-                    <a:p>
-                      <a:pPr marL="0" marR="0">
-                        <a:spcBef>
-                          <a:spcPts val="0"/>
-                        </a:spcBef>
-                        <a:spcAft>
-                          <a:spcPts val="0"/>
-                        </a:spcAft>
-                      </a:pPr>
-                      <a:r>
-                        <a:rPr lang="en-US" sz="1400" dirty="0">
-                          <a:effectLst/>
-                        </a:rPr>
-                        <a:t>Requirement</a:t>
-                      </a:r>
-                      <a:endParaRPr lang="en-US" sz="1600" dirty="0">
-                        <a:effectLst/>
-                        <a:latin typeface="Times New Roman"/>
-                        <a:ea typeface="Times New Roman"/>
-                      </a:endParaRPr>
-                    </a:p>
-                  </a:txBody>
-                  <a:tcPr marL="20881" marR="20881" marT="0" marB="0"/>
-                </a:tc>
-                <a:tc>
-                  <a:txBody>
-                    <a:bodyPr/>
-                    <a:lstStyle/>
-                    <a:p>
-                      <a:pPr marL="0" marR="0">
-                        <a:spcBef>
-                          <a:spcPts val="0"/>
-                        </a:spcBef>
-                        <a:spcAft>
-                          <a:spcPts val="0"/>
-                        </a:spcAft>
-                      </a:pPr>
-                      <a:r>
-                        <a:rPr lang="en-US" sz="1400">
-                          <a:effectLst/>
-                        </a:rPr>
-                        <a:t>Storage Layer</a:t>
-                      </a:r>
-                      <a:endParaRPr lang="en-US" sz="1600">
-                        <a:effectLst/>
-                        <a:latin typeface="Times New Roman"/>
-                        <a:ea typeface="Times New Roman"/>
-                      </a:endParaRPr>
-                    </a:p>
-                  </a:txBody>
-                  <a:tcPr marL="20881" marR="20881" marT="0" marB="0"/>
-                </a:tc>
-                <a:tc>
-                  <a:txBody>
-                    <a:bodyPr/>
-                    <a:lstStyle/>
-                    <a:p>
-                      <a:pPr marL="0" marR="0">
-                        <a:spcBef>
-                          <a:spcPts val="0"/>
-                        </a:spcBef>
-                        <a:spcAft>
-                          <a:spcPts val="0"/>
-                        </a:spcAft>
-                      </a:pPr>
-                      <a:r>
-                        <a:rPr lang="en-US" sz="1400">
-                          <a:effectLst/>
-                        </a:rPr>
-                        <a:t>Process Layer</a:t>
-                      </a:r>
-                      <a:endParaRPr lang="en-US" sz="1600">
-                        <a:effectLst/>
-                        <a:latin typeface="Times New Roman"/>
-                        <a:ea typeface="Times New Roman"/>
-                      </a:endParaRPr>
-                    </a:p>
-                  </a:txBody>
-                  <a:tcPr marL="20881" marR="20881" marT="0" marB="0"/>
-                </a:tc>
-                <a:tc>
-                  <a:txBody>
-                    <a:bodyPr/>
-                    <a:lstStyle/>
-                    <a:p>
-                      <a:pPr marL="0" marR="0">
-                        <a:spcBef>
-                          <a:spcPts val="0"/>
-                        </a:spcBef>
-                        <a:spcAft>
-                          <a:spcPts val="0"/>
-                        </a:spcAft>
-                      </a:pPr>
-                      <a:r>
-                        <a:rPr lang="en-US" sz="1400">
-                          <a:effectLst/>
-                        </a:rPr>
-                        <a:t>Input Layer</a:t>
-                      </a:r>
-                      <a:endParaRPr lang="en-US" sz="1600">
-                        <a:effectLst/>
-                        <a:latin typeface="Times New Roman"/>
-                        <a:ea typeface="Times New Roman"/>
-                      </a:endParaRPr>
-                    </a:p>
-                  </a:txBody>
-                  <a:tcPr marL="20881" marR="20881" marT="0" marB="0"/>
-                </a:tc>
-                <a:tc>
-                  <a:txBody>
-                    <a:bodyPr/>
-                    <a:lstStyle/>
-                    <a:p>
-                      <a:pPr marL="0" marR="0">
-                        <a:spcBef>
-                          <a:spcPts val="0"/>
-                        </a:spcBef>
-                        <a:spcAft>
-                          <a:spcPts val="0"/>
-                        </a:spcAft>
-                      </a:pPr>
-                      <a:r>
-                        <a:rPr lang="en-US" sz="1400">
-                          <a:effectLst/>
-                        </a:rPr>
-                        <a:t>Output Layer</a:t>
-                      </a:r>
-                      <a:endParaRPr lang="en-US" sz="1600">
-                        <a:effectLst/>
-                        <a:latin typeface="Times New Roman"/>
-                        <a:ea typeface="Times New Roman"/>
-                      </a:endParaRPr>
-                    </a:p>
-                  </a:txBody>
-                  <a:tcPr marL="20881" marR="20881" marT="0" marB="0"/>
-                </a:tc>
-                <a:tc>
-                  <a:txBody>
-                    <a:bodyPr/>
-                    <a:lstStyle/>
-                    <a:p>
-                      <a:pPr marL="0" marR="0">
-                        <a:spcBef>
-                          <a:spcPts val="0"/>
-                        </a:spcBef>
-                        <a:spcAft>
-                          <a:spcPts val="0"/>
-                        </a:spcAft>
-                      </a:pPr>
-                      <a:r>
-                        <a:rPr lang="en-US" sz="1400">
-                          <a:effectLst/>
-                        </a:rPr>
-                        <a:t>GUI Layer</a:t>
-                      </a:r>
-                      <a:endParaRPr lang="en-US" sz="1600">
-                        <a:effectLst/>
-                        <a:latin typeface="Times New Roman"/>
-                        <a:ea typeface="Times New Roman"/>
-                      </a:endParaRPr>
-                    </a:p>
-                  </a:txBody>
-                  <a:tcPr marL="20881" marR="20881" marT="0" marB="0"/>
-                </a:tc>
-              </a:tr>
-              <a:tr h="162135">
-                <a:tc>
-                  <a:txBody>
-                    <a:bodyPr/>
-                    <a:lstStyle/>
-                    <a:p>
-                      <a:pPr marL="0" marR="0" algn="r">
-                        <a:spcBef>
-                          <a:spcPts val="0"/>
-                        </a:spcBef>
-                        <a:spcAft>
-                          <a:spcPts val="0"/>
-                        </a:spcAft>
-                      </a:pPr>
-                      <a:r>
-                        <a:rPr lang="en-US" sz="1400">
-                          <a:effectLst/>
-                        </a:rPr>
-                        <a:t>3.1</a:t>
-                      </a:r>
-                      <a:endParaRPr lang="en-US" sz="1600">
-                        <a:effectLst/>
-                        <a:latin typeface="Times New Roman"/>
-                        <a:ea typeface="Times New Roman"/>
-                      </a:endParaRPr>
-                    </a:p>
-                  </a:txBody>
-                  <a:tcPr marL="20881" marR="20881" marT="0" marB="0"/>
-                </a:tc>
-                <a:tc>
-                  <a:txBody>
-                    <a:bodyPr/>
-                    <a:lstStyle/>
-                    <a:p>
-                      <a:pPr marL="0" marR="0">
-                        <a:spcBef>
-                          <a:spcPts val="0"/>
-                        </a:spcBef>
-                        <a:spcAft>
-                          <a:spcPts val="0"/>
-                        </a:spcAft>
-                      </a:pPr>
-                      <a:r>
-                        <a:rPr lang="en-US" sz="1400">
-                          <a:effectLst/>
-                        </a:rPr>
-                        <a:t>Power on/off easily</a:t>
-                      </a:r>
-                      <a:endParaRPr lang="en-US" sz="1600">
-                        <a:effectLst/>
-                        <a:latin typeface="Times New Roman"/>
-                        <a:ea typeface="Times New Roman"/>
-                      </a:endParaRPr>
-                    </a:p>
-                  </a:txBody>
-                  <a:tcPr marL="20881" marR="20881" marT="0" marB="0"/>
-                </a:tc>
-                <a:tc>
-                  <a:txBody>
-                    <a:bodyPr/>
-                    <a:lstStyle/>
-                    <a:p>
-                      <a:endParaRPr lang="en-US" sz="1400">
-                        <a:effectLst/>
-                        <a:latin typeface="Times New Roman"/>
-                      </a:endParaRPr>
-                    </a:p>
-                  </a:txBody>
-                  <a:tcPr marL="20881" marR="20881" marT="0" marB="0"/>
-                </a:tc>
-                <a:tc>
-                  <a:txBody>
-                    <a:bodyPr/>
-                    <a:lstStyle/>
-                    <a:p>
-                      <a:endParaRPr lang="en-US" sz="1400">
-                        <a:effectLst/>
-                        <a:latin typeface="Times New Roman"/>
-                      </a:endParaRPr>
-                    </a:p>
-                  </a:txBody>
-                  <a:tcPr marL="20881" marR="20881" marT="0" marB="0"/>
-                </a:tc>
-                <a:tc>
-                  <a:txBody>
-                    <a:bodyPr/>
-                    <a:lstStyle/>
-                    <a:p>
-                      <a:pPr marL="0" marR="0" algn="ctr">
-                        <a:spcBef>
-                          <a:spcPts val="0"/>
-                        </a:spcBef>
-                        <a:spcAft>
-                          <a:spcPts val="0"/>
-                        </a:spcAft>
-                      </a:pPr>
-                      <a:r>
-                        <a:rPr lang="en-US" sz="1400">
-                          <a:effectLst/>
-                        </a:rPr>
-                        <a:t>X</a:t>
-                      </a:r>
-                      <a:endParaRPr lang="en-US" sz="1600">
-                        <a:effectLst/>
-                        <a:latin typeface="Times New Roman"/>
-                        <a:ea typeface="Times New Roman"/>
-                      </a:endParaRPr>
-                    </a:p>
-                  </a:txBody>
-                  <a:tcPr marL="20881" marR="20881" marT="0" marB="0"/>
-                </a:tc>
-                <a:tc>
-                  <a:txBody>
-                    <a:bodyPr/>
-                    <a:lstStyle/>
-                    <a:p>
-                      <a:endParaRPr lang="en-US" sz="1400">
-                        <a:effectLst/>
-                        <a:latin typeface="Times New Roman"/>
-                      </a:endParaRPr>
-                    </a:p>
-                  </a:txBody>
-                  <a:tcPr marL="20881" marR="20881" marT="0" marB="0"/>
-                </a:tc>
-                <a:tc>
-                  <a:txBody>
-                    <a:bodyPr/>
-                    <a:lstStyle/>
-                    <a:p>
-                      <a:endParaRPr lang="en-US" sz="1400">
-                        <a:effectLst/>
-                        <a:latin typeface="Times New Roman"/>
-                      </a:endParaRPr>
-                    </a:p>
-                  </a:txBody>
-                  <a:tcPr marL="20881" marR="20881" marT="0" marB="0"/>
-                </a:tc>
-              </a:tr>
-              <a:tr h="162135">
-                <a:tc>
-                  <a:txBody>
-                    <a:bodyPr/>
-                    <a:lstStyle/>
-                    <a:p>
-                      <a:pPr marL="0" marR="0" algn="r">
-                        <a:spcBef>
-                          <a:spcPts val="0"/>
-                        </a:spcBef>
-                        <a:spcAft>
-                          <a:spcPts val="0"/>
-                        </a:spcAft>
-                      </a:pPr>
-                      <a:r>
-                        <a:rPr lang="en-US" sz="1400" dirty="0">
-                          <a:effectLst/>
-                        </a:rPr>
-                        <a:t>3.3</a:t>
-                      </a:r>
-                      <a:endParaRPr lang="en-US" sz="1600" dirty="0">
-                        <a:effectLst/>
-                        <a:latin typeface="Times New Roman"/>
-                        <a:ea typeface="Times New Roman"/>
-                      </a:endParaRPr>
-                    </a:p>
-                  </a:txBody>
-                  <a:tcPr marL="20881" marR="20881" marT="0" marB="0"/>
-                </a:tc>
-                <a:tc>
-                  <a:txBody>
-                    <a:bodyPr/>
-                    <a:lstStyle/>
-                    <a:p>
-                      <a:pPr marL="0" marR="0">
-                        <a:spcBef>
-                          <a:spcPts val="0"/>
-                        </a:spcBef>
-                        <a:spcAft>
-                          <a:spcPts val="0"/>
-                        </a:spcAft>
-                      </a:pPr>
-                      <a:r>
-                        <a:rPr lang="en-US" sz="1400">
-                          <a:effectLst/>
-                        </a:rPr>
-                        <a:t>Visually indicate error conditions</a:t>
-                      </a:r>
-                      <a:endParaRPr lang="en-US" sz="1600">
-                        <a:effectLst/>
-                        <a:latin typeface="Times New Roman"/>
-                        <a:ea typeface="Times New Roman"/>
-                      </a:endParaRPr>
-                    </a:p>
-                  </a:txBody>
-                  <a:tcPr marL="20881" marR="20881" marT="0" marB="0"/>
-                </a:tc>
-                <a:tc>
-                  <a:txBody>
-                    <a:bodyPr/>
-                    <a:lstStyle/>
-                    <a:p>
-                      <a:endParaRPr lang="en-US" sz="1400">
-                        <a:effectLst/>
-                        <a:latin typeface="Times New Roman"/>
-                      </a:endParaRPr>
-                    </a:p>
-                  </a:txBody>
-                  <a:tcPr marL="20881" marR="20881" marT="0" marB="0"/>
-                </a:tc>
-                <a:tc>
-                  <a:txBody>
-                    <a:bodyPr/>
-                    <a:lstStyle/>
-                    <a:p>
-                      <a:endParaRPr lang="en-US" sz="1400">
-                        <a:effectLst/>
-                        <a:latin typeface="Times New Roman"/>
-                      </a:endParaRPr>
-                    </a:p>
-                  </a:txBody>
-                  <a:tcPr marL="20881" marR="20881" marT="0" marB="0"/>
-                </a:tc>
-                <a:tc>
-                  <a:txBody>
-                    <a:bodyPr/>
-                    <a:lstStyle/>
-                    <a:p>
-                      <a:endParaRPr lang="en-US" sz="1400">
-                        <a:effectLst/>
-                        <a:latin typeface="Times New Roman"/>
-                      </a:endParaRPr>
-                    </a:p>
-                  </a:txBody>
-                  <a:tcPr marL="20881" marR="20881" marT="0" marB="0"/>
-                </a:tc>
-                <a:tc>
-                  <a:txBody>
-                    <a:bodyPr/>
-                    <a:lstStyle/>
-                    <a:p>
-                      <a:pPr marL="0" marR="0" algn="ctr">
-                        <a:spcBef>
-                          <a:spcPts val="0"/>
-                        </a:spcBef>
-                        <a:spcAft>
-                          <a:spcPts val="0"/>
-                        </a:spcAft>
-                      </a:pPr>
-                      <a:r>
-                        <a:rPr lang="en-US" sz="1400">
-                          <a:effectLst/>
-                        </a:rPr>
-                        <a:t>X</a:t>
-                      </a:r>
-                      <a:endParaRPr lang="en-US" sz="1600">
-                        <a:effectLst/>
-                        <a:latin typeface="Times New Roman"/>
-                        <a:ea typeface="Times New Roman"/>
-                      </a:endParaRPr>
-                    </a:p>
-                  </a:txBody>
-                  <a:tcPr marL="20881" marR="20881" marT="0" marB="0"/>
-                </a:tc>
-                <a:tc>
-                  <a:txBody>
-                    <a:bodyPr/>
-                    <a:lstStyle/>
-                    <a:p>
-                      <a:endParaRPr lang="en-US" sz="1400">
-                        <a:effectLst/>
-                        <a:latin typeface="Times New Roman"/>
-                      </a:endParaRPr>
-                    </a:p>
-                  </a:txBody>
-                  <a:tcPr marL="20881" marR="20881" marT="0" marB="0"/>
-                </a:tc>
-              </a:tr>
-              <a:tr h="167640">
-                <a:tc>
-                  <a:txBody>
-                    <a:bodyPr/>
-                    <a:lstStyle/>
-                    <a:p>
-                      <a:pPr marL="0" marR="0" algn="r">
-                        <a:spcBef>
-                          <a:spcPts val="0"/>
-                        </a:spcBef>
-                        <a:spcAft>
-                          <a:spcPts val="0"/>
-                        </a:spcAft>
-                      </a:pPr>
-                      <a:r>
-                        <a:rPr lang="en-US" sz="1400">
-                          <a:effectLst/>
-                        </a:rPr>
-                        <a:t>3.4</a:t>
-                      </a:r>
-                      <a:endParaRPr lang="en-US" sz="1600">
-                        <a:effectLst/>
-                        <a:latin typeface="Times New Roman"/>
-                        <a:ea typeface="Times New Roman"/>
-                      </a:endParaRPr>
-                    </a:p>
-                  </a:txBody>
-                  <a:tcPr marL="20881" marR="20881" marT="0" marB="0"/>
-                </a:tc>
-                <a:tc>
-                  <a:txBody>
-                    <a:bodyPr/>
-                    <a:lstStyle/>
-                    <a:p>
-                      <a:pPr marL="0" marR="0">
-                        <a:spcBef>
-                          <a:spcPts val="0"/>
-                        </a:spcBef>
-                        <a:spcAft>
-                          <a:spcPts val="0"/>
-                        </a:spcAft>
-                      </a:pPr>
-                      <a:r>
-                        <a:rPr lang="en-US" sz="1400">
-                          <a:effectLst/>
-                        </a:rPr>
-                        <a:t>Indicate when it is operating normally</a:t>
-                      </a:r>
-                      <a:endParaRPr lang="en-US" sz="1600">
-                        <a:effectLst/>
-                        <a:latin typeface="Times New Roman"/>
-                        <a:ea typeface="Times New Roman"/>
-                      </a:endParaRPr>
-                    </a:p>
-                  </a:txBody>
-                  <a:tcPr marL="20881" marR="20881" marT="0" marB="0"/>
-                </a:tc>
-                <a:tc>
-                  <a:txBody>
-                    <a:bodyPr/>
-                    <a:lstStyle/>
-                    <a:p>
-                      <a:endParaRPr lang="en-US" sz="1400">
-                        <a:effectLst/>
-                        <a:latin typeface="Times New Roman"/>
-                      </a:endParaRPr>
-                    </a:p>
-                  </a:txBody>
-                  <a:tcPr marL="20881" marR="20881" marT="0" marB="0"/>
-                </a:tc>
-                <a:tc>
-                  <a:txBody>
-                    <a:bodyPr/>
-                    <a:lstStyle/>
-                    <a:p>
-                      <a:endParaRPr lang="en-US" sz="1400">
-                        <a:effectLst/>
-                        <a:latin typeface="Times New Roman"/>
-                      </a:endParaRPr>
-                    </a:p>
-                  </a:txBody>
-                  <a:tcPr marL="20881" marR="20881" marT="0" marB="0"/>
-                </a:tc>
-                <a:tc>
-                  <a:txBody>
-                    <a:bodyPr/>
-                    <a:lstStyle/>
-                    <a:p>
-                      <a:endParaRPr lang="en-US" sz="1400">
-                        <a:effectLst/>
-                        <a:latin typeface="Times New Roman"/>
-                      </a:endParaRPr>
-                    </a:p>
-                  </a:txBody>
-                  <a:tcPr marL="20881" marR="20881" marT="0" marB="0"/>
-                </a:tc>
-                <a:tc>
-                  <a:txBody>
-                    <a:bodyPr/>
-                    <a:lstStyle/>
-                    <a:p>
-                      <a:pPr marL="0" marR="0" algn="ctr">
-                        <a:spcBef>
-                          <a:spcPts val="0"/>
-                        </a:spcBef>
-                        <a:spcAft>
-                          <a:spcPts val="0"/>
-                        </a:spcAft>
-                      </a:pPr>
-                      <a:r>
-                        <a:rPr lang="en-US" sz="1400">
-                          <a:effectLst/>
-                        </a:rPr>
-                        <a:t>X</a:t>
-                      </a:r>
-                      <a:endParaRPr lang="en-US" sz="1600">
-                        <a:effectLst/>
-                        <a:latin typeface="Times New Roman"/>
-                        <a:ea typeface="Times New Roman"/>
-                      </a:endParaRPr>
-                    </a:p>
-                  </a:txBody>
-                  <a:tcPr marL="20881" marR="20881" marT="0" marB="0"/>
-                </a:tc>
-                <a:tc>
-                  <a:txBody>
-                    <a:bodyPr/>
-                    <a:lstStyle/>
-                    <a:p>
-                      <a:endParaRPr lang="en-US" sz="1400">
-                        <a:effectLst/>
-                        <a:latin typeface="Times New Roman"/>
-                      </a:endParaRPr>
-                    </a:p>
-                  </a:txBody>
-                  <a:tcPr marL="20881" marR="20881" marT="0" marB="0"/>
-                </a:tc>
-              </a:tr>
-              <a:tr h="152400">
-                <a:tc>
-                  <a:txBody>
-                    <a:bodyPr/>
-                    <a:lstStyle/>
-                    <a:p>
-                      <a:pPr marL="0" marR="0" algn="r">
-                        <a:spcBef>
-                          <a:spcPts val="0"/>
-                        </a:spcBef>
-                        <a:spcAft>
-                          <a:spcPts val="0"/>
-                        </a:spcAft>
-                      </a:pPr>
-                      <a:r>
-                        <a:rPr lang="en-US" sz="1400">
-                          <a:effectLst/>
-                        </a:rPr>
-                        <a:t>3.5</a:t>
-                      </a:r>
-                      <a:endParaRPr lang="en-US" sz="1600">
-                        <a:effectLst/>
-                        <a:latin typeface="Times New Roman"/>
-                        <a:ea typeface="Times New Roman"/>
-                      </a:endParaRPr>
-                    </a:p>
-                  </a:txBody>
-                  <a:tcPr marL="20881" marR="20881" marT="0" marB="0"/>
-                </a:tc>
-                <a:tc>
-                  <a:txBody>
-                    <a:bodyPr/>
-                    <a:lstStyle/>
-                    <a:p>
-                      <a:pPr marL="0" marR="0">
-                        <a:spcBef>
-                          <a:spcPts val="0"/>
-                        </a:spcBef>
-                        <a:spcAft>
-                          <a:spcPts val="0"/>
-                        </a:spcAft>
-                      </a:pPr>
-                      <a:r>
-                        <a:rPr lang="en-US" sz="1400">
-                          <a:effectLst/>
-                        </a:rPr>
-                        <a:t>Measure the travel distance of the platform</a:t>
-                      </a:r>
-                      <a:endParaRPr lang="en-US" sz="1600">
-                        <a:effectLst/>
-                        <a:latin typeface="Times New Roman"/>
-                        <a:ea typeface="Times New Roman"/>
-                      </a:endParaRPr>
-                    </a:p>
-                  </a:txBody>
-                  <a:tcPr marL="20881" marR="20881" marT="0" marB="0"/>
-                </a:tc>
-                <a:tc>
-                  <a:txBody>
-                    <a:bodyPr/>
-                    <a:lstStyle/>
-                    <a:p>
-                      <a:endParaRPr lang="en-US" sz="1400">
-                        <a:effectLst/>
-                        <a:latin typeface="Times New Roman"/>
-                      </a:endParaRPr>
-                    </a:p>
-                  </a:txBody>
-                  <a:tcPr marL="20881" marR="20881" marT="0" marB="0"/>
-                </a:tc>
-                <a:tc>
-                  <a:txBody>
-                    <a:bodyPr/>
-                    <a:lstStyle/>
-                    <a:p>
-                      <a:endParaRPr lang="en-US" sz="1400">
-                        <a:effectLst/>
-                        <a:latin typeface="Times New Roman"/>
-                      </a:endParaRPr>
-                    </a:p>
-                  </a:txBody>
-                  <a:tcPr marL="20881" marR="20881" marT="0" marB="0"/>
-                </a:tc>
-                <a:tc>
-                  <a:txBody>
-                    <a:bodyPr/>
-                    <a:lstStyle/>
-                    <a:p>
-                      <a:pPr marL="0" marR="0" algn="ctr">
-                        <a:spcBef>
-                          <a:spcPts val="0"/>
-                        </a:spcBef>
-                        <a:spcAft>
-                          <a:spcPts val="0"/>
-                        </a:spcAft>
-                      </a:pPr>
-                      <a:r>
-                        <a:rPr lang="en-US" sz="1400">
-                          <a:effectLst/>
-                        </a:rPr>
-                        <a:t>X</a:t>
-                      </a:r>
-                      <a:endParaRPr lang="en-US" sz="1600">
-                        <a:effectLst/>
-                        <a:latin typeface="Times New Roman"/>
-                        <a:ea typeface="Times New Roman"/>
-                      </a:endParaRPr>
-                    </a:p>
-                  </a:txBody>
-                  <a:tcPr marL="20881" marR="20881" marT="0" marB="0"/>
-                </a:tc>
-                <a:tc>
-                  <a:txBody>
-                    <a:bodyPr/>
-                    <a:lstStyle/>
-                    <a:p>
-                      <a:endParaRPr lang="en-US" sz="1400">
-                        <a:effectLst/>
-                        <a:latin typeface="Times New Roman"/>
-                      </a:endParaRPr>
-                    </a:p>
-                  </a:txBody>
-                  <a:tcPr marL="20881" marR="20881" marT="0" marB="0"/>
-                </a:tc>
-                <a:tc>
-                  <a:txBody>
-                    <a:bodyPr/>
-                    <a:lstStyle/>
-                    <a:p>
-                      <a:endParaRPr lang="en-US" sz="1400">
-                        <a:effectLst/>
-                        <a:latin typeface="Times New Roman"/>
-                      </a:endParaRPr>
-                    </a:p>
-                  </a:txBody>
-                  <a:tcPr marL="20881" marR="20881" marT="0" marB="0"/>
-                </a:tc>
-              </a:tr>
-              <a:tr h="137160">
-                <a:tc>
-                  <a:txBody>
-                    <a:bodyPr/>
-                    <a:lstStyle/>
-                    <a:p>
-                      <a:pPr marL="0" marR="0" algn="r">
-                        <a:spcBef>
-                          <a:spcPts val="0"/>
-                        </a:spcBef>
-                        <a:spcAft>
-                          <a:spcPts val="0"/>
-                        </a:spcAft>
-                      </a:pPr>
-                      <a:r>
-                        <a:rPr lang="en-US" sz="1400">
-                          <a:effectLst/>
-                        </a:rPr>
-                        <a:t>3.6</a:t>
-                      </a:r>
-                      <a:endParaRPr lang="en-US" sz="1600">
-                        <a:effectLst/>
-                        <a:latin typeface="Times New Roman"/>
-                        <a:ea typeface="Times New Roman"/>
-                      </a:endParaRPr>
-                    </a:p>
-                  </a:txBody>
-                  <a:tcPr marL="20881" marR="20881" marT="0" marB="0"/>
-                </a:tc>
-                <a:tc>
-                  <a:txBody>
-                    <a:bodyPr/>
-                    <a:lstStyle/>
-                    <a:p>
-                      <a:pPr marL="0" marR="0">
-                        <a:spcBef>
-                          <a:spcPts val="0"/>
-                        </a:spcBef>
-                        <a:spcAft>
-                          <a:spcPts val="0"/>
-                        </a:spcAft>
-                      </a:pPr>
-                      <a:r>
-                        <a:rPr lang="en-US" sz="1400">
-                          <a:effectLst/>
-                        </a:rPr>
-                        <a:t>Measure the inclination of the platform from a calibration point</a:t>
-                      </a:r>
-                      <a:endParaRPr lang="en-US" sz="1600">
-                        <a:effectLst/>
-                        <a:latin typeface="Times New Roman"/>
-                        <a:ea typeface="Times New Roman"/>
-                      </a:endParaRPr>
-                    </a:p>
-                  </a:txBody>
-                  <a:tcPr marL="20881" marR="20881" marT="0" marB="0"/>
-                </a:tc>
-                <a:tc>
-                  <a:txBody>
-                    <a:bodyPr/>
-                    <a:lstStyle/>
-                    <a:p>
-                      <a:endParaRPr lang="en-US" sz="1400">
-                        <a:effectLst/>
-                        <a:latin typeface="Times New Roman"/>
-                      </a:endParaRPr>
-                    </a:p>
-                  </a:txBody>
-                  <a:tcPr marL="20881" marR="20881" marT="0" marB="0"/>
-                </a:tc>
-                <a:tc>
-                  <a:txBody>
-                    <a:bodyPr/>
-                    <a:lstStyle/>
-                    <a:p>
-                      <a:endParaRPr lang="en-US" sz="1400">
-                        <a:effectLst/>
-                        <a:latin typeface="Times New Roman"/>
-                      </a:endParaRPr>
-                    </a:p>
-                  </a:txBody>
-                  <a:tcPr marL="20881" marR="20881" marT="0" marB="0"/>
-                </a:tc>
-                <a:tc>
-                  <a:txBody>
-                    <a:bodyPr/>
-                    <a:lstStyle/>
-                    <a:p>
-                      <a:pPr marL="0" marR="0" algn="ctr">
-                        <a:spcBef>
-                          <a:spcPts val="0"/>
-                        </a:spcBef>
-                        <a:spcAft>
-                          <a:spcPts val="0"/>
-                        </a:spcAft>
-                      </a:pPr>
-                      <a:r>
-                        <a:rPr lang="en-US" sz="1400">
-                          <a:effectLst/>
-                        </a:rPr>
-                        <a:t>X</a:t>
-                      </a:r>
-                      <a:endParaRPr lang="en-US" sz="1600">
-                        <a:effectLst/>
-                        <a:latin typeface="Times New Roman"/>
-                        <a:ea typeface="Times New Roman"/>
-                      </a:endParaRPr>
-                    </a:p>
-                  </a:txBody>
-                  <a:tcPr marL="20881" marR="20881" marT="0" marB="0"/>
-                </a:tc>
-                <a:tc>
-                  <a:txBody>
-                    <a:bodyPr/>
-                    <a:lstStyle/>
-                    <a:p>
-                      <a:endParaRPr lang="en-US" sz="1400">
-                        <a:effectLst/>
-                        <a:latin typeface="Times New Roman"/>
-                      </a:endParaRPr>
-                    </a:p>
-                  </a:txBody>
-                  <a:tcPr marL="20881" marR="20881" marT="0" marB="0"/>
-                </a:tc>
-                <a:tc>
-                  <a:txBody>
-                    <a:bodyPr/>
-                    <a:lstStyle/>
-                    <a:p>
-                      <a:endParaRPr lang="en-US" sz="1400">
-                        <a:effectLst/>
-                        <a:latin typeface="Times New Roman"/>
-                      </a:endParaRPr>
-                    </a:p>
-                  </a:txBody>
-                  <a:tcPr marL="20881" marR="20881" marT="0" marB="0"/>
-                </a:tc>
-              </a:tr>
-              <a:tr h="121920">
-                <a:tc>
-                  <a:txBody>
-                    <a:bodyPr/>
-                    <a:lstStyle/>
-                    <a:p>
-                      <a:pPr marL="0" marR="0" algn="r">
-                        <a:spcBef>
-                          <a:spcPts val="0"/>
-                        </a:spcBef>
-                        <a:spcAft>
-                          <a:spcPts val="0"/>
-                        </a:spcAft>
-                      </a:pPr>
-                      <a:r>
-                        <a:rPr lang="en-US" sz="1400">
-                          <a:effectLst/>
-                        </a:rPr>
-                        <a:t>3.7</a:t>
-                      </a:r>
-                      <a:endParaRPr lang="en-US" sz="1600">
-                        <a:effectLst/>
-                        <a:latin typeface="Times New Roman"/>
-                        <a:ea typeface="Times New Roman"/>
-                      </a:endParaRPr>
-                    </a:p>
-                  </a:txBody>
-                  <a:tcPr marL="20881" marR="20881" marT="0" marB="0"/>
-                </a:tc>
-                <a:tc>
-                  <a:txBody>
-                    <a:bodyPr/>
-                    <a:lstStyle/>
-                    <a:p>
-                      <a:pPr marL="0" marR="0">
-                        <a:spcBef>
-                          <a:spcPts val="0"/>
-                        </a:spcBef>
-                        <a:spcAft>
-                          <a:spcPts val="0"/>
-                        </a:spcAft>
-                      </a:pPr>
-                      <a:r>
-                        <a:rPr lang="en-US" sz="1400">
-                          <a:effectLst/>
-                        </a:rPr>
-                        <a:t>Generate operational data from the raw data of the sensors</a:t>
-                      </a:r>
-                      <a:endParaRPr lang="en-US" sz="1600">
-                        <a:effectLst/>
-                        <a:latin typeface="Times New Roman"/>
-                        <a:ea typeface="Times New Roman"/>
-                      </a:endParaRPr>
-                    </a:p>
-                  </a:txBody>
-                  <a:tcPr marL="20881" marR="20881" marT="0" marB="0"/>
-                </a:tc>
-                <a:tc>
-                  <a:txBody>
-                    <a:bodyPr/>
-                    <a:lstStyle/>
-                    <a:p>
-                      <a:endParaRPr lang="en-US" sz="1400">
-                        <a:effectLst/>
-                        <a:latin typeface="Times New Roman"/>
-                      </a:endParaRPr>
-                    </a:p>
-                  </a:txBody>
-                  <a:tcPr marL="20881" marR="20881" marT="0" marB="0"/>
-                </a:tc>
-                <a:tc>
-                  <a:txBody>
-                    <a:bodyPr/>
-                    <a:lstStyle/>
-                    <a:p>
-                      <a:pPr marL="0" marR="0" algn="ctr">
-                        <a:spcBef>
-                          <a:spcPts val="0"/>
-                        </a:spcBef>
-                        <a:spcAft>
-                          <a:spcPts val="0"/>
-                        </a:spcAft>
-                      </a:pPr>
-                      <a:r>
-                        <a:rPr lang="en-US" sz="1400">
-                          <a:effectLst/>
-                        </a:rPr>
-                        <a:t>X</a:t>
-                      </a:r>
-                      <a:endParaRPr lang="en-US" sz="1600">
-                        <a:effectLst/>
-                        <a:latin typeface="Times New Roman"/>
-                        <a:ea typeface="Times New Roman"/>
-                      </a:endParaRPr>
-                    </a:p>
-                  </a:txBody>
-                  <a:tcPr marL="20881" marR="20881" marT="0" marB="0"/>
-                </a:tc>
-                <a:tc>
-                  <a:txBody>
-                    <a:bodyPr/>
-                    <a:lstStyle/>
-                    <a:p>
-                      <a:endParaRPr lang="en-US" sz="1400">
-                        <a:effectLst/>
-                        <a:latin typeface="Times New Roman"/>
-                      </a:endParaRPr>
-                    </a:p>
-                  </a:txBody>
-                  <a:tcPr marL="20881" marR="20881" marT="0" marB="0"/>
-                </a:tc>
-                <a:tc>
-                  <a:txBody>
-                    <a:bodyPr/>
-                    <a:lstStyle/>
-                    <a:p>
-                      <a:endParaRPr lang="en-US" sz="1400">
-                        <a:effectLst/>
-                        <a:latin typeface="Times New Roman"/>
-                      </a:endParaRPr>
-                    </a:p>
-                  </a:txBody>
-                  <a:tcPr marL="20881" marR="20881" marT="0" marB="0"/>
-                </a:tc>
-                <a:tc>
-                  <a:txBody>
-                    <a:bodyPr/>
-                    <a:lstStyle/>
-                    <a:p>
-                      <a:endParaRPr lang="en-US" sz="1400">
-                        <a:effectLst/>
-                        <a:latin typeface="Times New Roman"/>
-                      </a:endParaRPr>
-                    </a:p>
-                  </a:txBody>
-                  <a:tcPr marL="20881" marR="20881" marT="0" marB="0"/>
-                </a:tc>
-              </a:tr>
-              <a:tr h="165958">
-                <a:tc>
-                  <a:txBody>
-                    <a:bodyPr/>
-                    <a:lstStyle/>
-                    <a:p>
-                      <a:pPr marL="0" marR="0" algn="r">
-                        <a:spcBef>
-                          <a:spcPts val="0"/>
-                        </a:spcBef>
-                        <a:spcAft>
-                          <a:spcPts val="0"/>
-                        </a:spcAft>
-                      </a:pPr>
-                      <a:r>
-                        <a:rPr lang="en-US" sz="1400">
-                          <a:effectLst/>
-                        </a:rPr>
-                        <a:t>3.8</a:t>
-                      </a:r>
-                      <a:endParaRPr lang="en-US" sz="1600">
-                        <a:effectLst/>
-                        <a:latin typeface="Times New Roman"/>
-                        <a:ea typeface="Times New Roman"/>
-                      </a:endParaRPr>
-                    </a:p>
-                  </a:txBody>
-                  <a:tcPr marL="20881" marR="20881" marT="0" marB="0"/>
-                </a:tc>
-                <a:tc>
-                  <a:txBody>
-                    <a:bodyPr/>
-                    <a:lstStyle/>
-                    <a:p>
-                      <a:pPr marL="0" marR="0">
-                        <a:spcBef>
-                          <a:spcPts val="0"/>
-                        </a:spcBef>
-                        <a:spcAft>
-                          <a:spcPts val="0"/>
-                        </a:spcAft>
-                      </a:pPr>
-                      <a:r>
-                        <a:rPr lang="en-US" sz="1400">
-                          <a:effectLst/>
-                        </a:rPr>
-                        <a:t>Transfer operational data to the client application in real-time</a:t>
-                      </a:r>
-                      <a:endParaRPr lang="en-US" sz="1600">
-                        <a:effectLst/>
-                        <a:latin typeface="Times New Roman"/>
-                        <a:ea typeface="Times New Roman"/>
-                      </a:endParaRPr>
-                    </a:p>
-                  </a:txBody>
-                  <a:tcPr marL="20881" marR="20881" marT="0" marB="0"/>
-                </a:tc>
-                <a:tc>
-                  <a:txBody>
-                    <a:bodyPr/>
-                    <a:lstStyle/>
-                    <a:p>
-                      <a:endParaRPr lang="en-US" sz="1400">
-                        <a:effectLst/>
-                        <a:latin typeface="Times New Roman"/>
-                      </a:endParaRPr>
-                    </a:p>
-                  </a:txBody>
-                  <a:tcPr marL="20881" marR="20881" marT="0" marB="0"/>
-                </a:tc>
-                <a:tc>
-                  <a:txBody>
-                    <a:bodyPr/>
-                    <a:lstStyle/>
-                    <a:p>
-                      <a:endParaRPr lang="en-US" sz="1400">
-                        <a:effectLst/>
-                        <a:latin typeface="Times New Roman"/>
-                      </a:endParaRPr>
-                    </a:p>
-                  </a:txBody>
-                  <a:tcPr marL="20881" marR="20881" marT="0" marB="0"/>
-                </a:tc>
-                <a:tc>
-                  <a:txBody>
-                    <a:bodyPr/>
-                    <a:lstStyle/>
-                    <a:p>
-                      <a:endParaRPr lang="en-US" sz="1400">
-                        <a:effectLst/>
-                        <a:latin typeface="Times New Roman"/>
-                      </a:endParaRPr>
-                    </a:p>
-                  </a:txBody>
-                  <a:tcPr marL="20881" marR="20881" marT="0" marB="0"/>
-                </a:tc>
-                <a:tc>
-                  <a:txBody>
-                    <a:bodyPr/>
-                    <a:lstStyle/>
-                    <a:p>
-                      <a:pPr marL="0" marR="0" algn="ctr">
-                        <a:spcBef>
-                          <a:spcPts val="0"/>
-                        </a:spcBef>
-                        <a:spcAft>
-                          <a:spcPts val="0"/>
-                        </a:spcAft>
-                      </a:pPr>
-                      <a:r>
-                        <a:rPr lang="en-US" sz="1400">
-                          <a:effectLst/>
-                        </a:rPr>
-                        <a:t>X</a:t>
-                      </a:r>
-                      <a:endParaRPr lang="en-US" sz="1600">
-                        <a:effectLst/>
-                        <a:latin typeface="Times New Roman"/>
-                        <a:ea typeface="Times New Roman"/>
-                      </a:endParaRPr>
-                    </a:p>
-                  </a:txBody>
-                  <a:tcPr marL="20881" marR="20881" marT="0" marB="0"/>
-                </a:tc>
-                <a:tc>
-                  <a:txBody>
-                    <a:bodyPr/>
-                    <a:lstStyle/>
-                    <a:p>
-                      <a:endParaRPr lang="en-US" sz="1400">
-                        <a:effectLst/>
-                        <a:latin typeface="Times New Roman"/>
-                      </a:endParaRPr>
-                    </a:p>
-                  </a:txBody>
-                  <a:tcPr marL="20881" marR="20881" marT="0" marB="0"/>
-                </a:tc>
-              </a:tr>
-              <a:tr h="91440">
-                <a:tc>
-                  <a:txBody>
-                    <a:bodyPr/>
-                    <a:lstStyle/>
-                    <a:p>
-                      <a:pPr marL="0" marR="0" algn="r">
-                        <a:spcBef>
-                          <a:spcPts val="0"/>
-                        </a:spcBef>
-                        <a:spcAft>
-                          <a:spcPts val="0"/>
-                        </a:spcAft>
-                      </a:pPr>
-                      <a:r>
-                        <a:rPr lang="en-US" sz="1400" dirty="0">
-                          <a:effectLst/>
-                        </a:rPr>
-                        <a:t>3.9</a:t>
-                      </a:r>
-                      <a:endParaRPr lang="en-US" sz="1600" dirty="0">
-                        <a:effectLst/>
-                        <a:latin typeface="Times New Roman"/>
-                        <a:ea typeface="Times New Roman"/>
-                      </a:endParaRPr>
-                    </a:p>
-                  </a:txBody>
-                  <a:tcPr marL="20881" marR="20881" marT="0" marB="0"/>
-                </a:tc>
-                <a:tc>
-                  <a:txBody>
-                    <a:bodyPr/>
-                    <a:lstStyle/>
-                    <a:p>
-                      <a:pPr marL="0" marR="0">
-                        <a:spcBef>
-                          <a:spcPts val="0"/>
-                        </a:spcBef>
-                        <a:spcAft>
-                          <a:spcPts val="0"/>
-                        </a:spcAft>
-                      </a:pPr>
-                      <a:r>
-                        <a:rPr lang="en-US" sz="1400">
-                          <a:effectLst/>
-                        </a:rPr>
-                        <a:t>Detect bumps in concrete pavement</a:t>
-                      </a:r>
-                      <a:endParaRPr lang="en-US" sz="1600">
-                        <a:effectLst/>
-                        <a:latin typeface="Times New Roman"/>
-                        <a:ea typeface="Times New Roman"/>
-                      </a:endParaRPr>
-                    </a:p>
-                  </a:txBody>
-                  <a:tcPr marL="20881" marR="20881" marT="0" marB="0"/>
-                </a:tc>
-                <a:tc>
-                  <a:txBody>
-                    <a:bodyPr/>
-                    <a:lstStyle/>
-                    <a:p>
-                      <a:endParaRPr lang="en-US" sz="1400">
-                        <a:effectLst/>
-                        <a:latin typeface="Times New Roman"/>
-                      </a:endParaRPr>
-                    </a:p>
-                  </a:txBody>
-                  <a:tcPr marL="20881" marR="20881" marT="0" marB="0"/>
-                </a:tc>
-                <a:tc>
-                  <a:txBody>
-                    <a:bodyPr/>
-                    <a:lstStyle/>
-                    <a:p>
-                      <a:pPr marL="0" marR="0" algn="ctr">
-                        <a:spcBef>
-                          <a:spcPts val="0"/>
-                        </a:spcBef>
-                        <a:spcAft>
-                          <a:spcPts val="0"/>
-                        </a:spcAft>
-                      </a:pPr>
-                      <a:r>
-                        <a:rPr lang="en-US" sz="1400">
-                          <a:effectLst/>
-                        </a:rPr>
-                        <a:t>X</a:t>
-                      </a:r>
-                      <a:endParaRPr lang="en-US" sz="1600">
-                        <a:effectLst/>
-                        <a:latin typeface="Times New Roman"/>
-                        <a:ea typeface="Times New Roman"/>
-                      </a:endParaRPr>
-                    </a:p>
-                  </a:txBody>
-                  <a:tcPr marL="20881" marR="20881" marT="0" marB="0"/>
-                </a:tc>
-                <a:tc>
-                  <a:txBody>
-                    <a:bodyPr/>
-                    <a:lstStyle/>
-                    <a:p>
-                      <a:endParaRPr lang="en-US" sz="1400">
-                        <a:effectLst/>
-                        <a:latin typeface="Times New Roman"/>
-                      </a:endParaRPr>
-                    </a:p>
-                  </a:txBody>
-                  <a:tcPr marL="20881" marR="20881" marT="0" marB="0"/>
-                </a:tc>
-                <a:tc>
-                  <a:txBody>
-                    <a:bodyPr/>
-                    <a:lstStyle/>
-                    <a:p>
-                      <a:endParaRPr lang="en-US" sz="1400">
-                        <a:effectLst/>
-                        <a:latin typeface="Times New Roman"/>
-                      </a:endParaRPr>
-                    </a:p>
-                  </a:txBody>
-                  <a:tcPr marL="20881" marR="20881" marT="0" marB="0"/>
-                </a:tc>
-                <a:tc>
-                  <a:txBody>
-                    <a:bodyPr/>
-                    <a:lstStyle/>
-                    <a:p>
-                      <a:endParaRPr lang="en-US" sz="1400">
-                        <a:effectLst/>
-                        <a:latin typeface="Times New Roman"/>
-                      </a:endParaRPr>
-                    </a:p>
-                  </a:txBody>
-                  <a:tcPr marL="20881" marR="20881" marT="0" marB="0"/>
-                </a:tc>
-              </a:tr>
-              <a:tr h="162135">
-                <a:tc>
-                  <a:txBody>
-                    <a:bodyPr/>
-                    <a:lstStyle/>
-                    <a:p>
-                      <a:pPr marL="0" marR="0" algn="r">
-                        <a:spcBef>
-                          <a:spcPts val="0"/>
-                        </a:spcBef>
-                        <a:spcAft>
-                          <a:spcPts val="0"/>
-                        </a:spcAft>
-                      </a:pPr>
-                      <a:r>
-                        <a:rPr lang="en-US" sz="1400" dirty="0">
-                          <a:effectLst/>
-                        </a:rPr>
-                        <a:t>3.13</a:t>
-                      </a:r>
-                      <a:endParaRPr lang="en-US" sz="1600" dirty="0">
-                        <a:effectLst/>
-                        <a:latin typeface="Times New Roman"/>
-                        <a:ea typeface="Times New Roman"/>
-                      </a:endParaRPr>
-                    </a:p>
-                  </a:txBody>
-                  <a:tcPr marL="20881" marR="20881" marT="0" marB="0"/>
-                </a:tc>
-                <a:tc>
-                  <a:txBody>
-                    <a:bodyPr/>
-                    <a:lstStyle/>
-                    <a:p>
-                      <a:pPr marL="0" marR="0">
-                        <a:spcBef>
-                          <a:spcPts val="0"/>
-                        </a:spcBef>
-                        <a:spcAft>
-                          <a:spcPts val="0"/>
-                        </a:spcAft>
-                      </a:pPr>
-                      <a:r>
-                        <a:rPr lang="en-US" sz="1400">
-                          <a:effectLst/>
-                        </a:rPr>
-                        <a:t>Store operational data</a:t>
-                      </a:r>
-                      <a:endParaRPr lang="en-US" sz="1600">
-                        <a:effectLst/>
-                        <a:latin typeface="Times New Roman"/>
-                        <a:ea typeface="Times New Roman"/>
-                      </a:endParaRPr>
-                    </a:p>
-                  </a:txBody>
-                  <a:tcPr marL="20881" marR="20881" marT="0" marB="0"/>
-                </a:tc>
-                <a:tc>
-                  <a:txBody>
-                    <a:bodyPr/>
-                    <a:lstStyle/>
-                    <a:p>
-                      <a:pPr marL="0" marR="0" algn="ctr">
-                        <a:spcBef>
-                          <a:spcPts val="0"/>
-                        </a:spcBef>
-                        <a:spcAft>
-                          <a:spcPts val="0"/>
-                        </a:spcAft>
-                      </a:pPr>
-                      <a:r>
-                        <a:rPr lang="en-US" sz="1400">
-                          <a:effectLst/>
-                        </a:rPr>
-                        <a:t>X</a:t>
-                      </a:r>
-                      <a:endParaRPr lang="en-US" sz="1600">
-                        <a:effectLst/>
-                        <a:latin typeface="Times New Roman"/>
-                        <a:ea typeface="Times New Roman"/>
-                      </a:endParaRPr>
-                    </a:p>
-                  </a:txBody>
-                  <a:tcPr marL="20881" marR="20881" marT="0" marB="0"/>
-                </a:tc>
-                <a:tc>
-                  <a:txBody>
-                    <a:bodyPr/>
-                    <a:lstStyle/>
-                    <a:p>
-                      <a:endParaRPr lang="en-US" sz="1400">
-                        <a:effectLst/>
-                        <a:latin typeface="Times New Roman"/>
-                      </a:endParaRPr>
-                    </a:p>
-                  </a:txBody>
-                  <a:tcPr marL="20881" marR="20881" marT="0" marB="0"/>
-                </a:tc>
-                <a:tc>
-                  <a:txBody>
-                    <a:bodyPr/>
-                    <a:lstStyle/>
-                    <a:p>
-                      <a:endParaRPr lang="en-US" sz="1400">
-                        <a:effectLst/>
-                        <a:latin typeface="Times New Roman"/>
-                      </a:endParaRPr>
-                    </a:p>
-                  </a:txBody>
-                  <a:tcPr marL="20881" marR="20881" marT="0" marB="0"/>
-                </a:tc>
-                <a:tc>
-                  <a:txBody>
-                    <a:bodyPr/>
-                    <a:lstStyle/>
-                    <a:p>
-                      <a:endParaRPr lang="en-US" sz="1400">
-                        <a:effectLst/>
-                        <a:latin typeface="Times New Roman"/>
-                      </a:endParaRPr>
-                    </a:p>
-                  </a:txBody>
-                  <a:tcPr marL="20881" marR="20881" marT="0" marB="0"/>
-                </a:tc>
-                <a:tc>
-                  <a:txBody>
-                    <a:bodyPr/>
-                    <a:lstStyle/>
-                    <a:p>
-                      <a:endParaRPr lang="en-US" sz="1400">
-                        <a:effectLst/>
-                        <a:latin typeface="Times New Roman"/>
-                      </a:endParaRPr>
-                    </a:p>
-                  </a:txBody>
-                  <a:tcPr marL="20881" marR="20881" marT="0" marB="0"/>
-                </a:tc>
-              </a:tr>
-              <a:tr h="162135">
-                <a:tc>
-                  <a:txBody>
-                    <a:bodyPr/>
-                    <a:lstStyle/>
-                    <a:p>
-                      <a:pPr marL="0" marR="0" algn="r">
-                        <a:spcBef>
-                          <a:spcPts val="0"/>
-                        </a:spcBef>
-                        <a:spcAft>
-                          <a:spcPts val="0"/>
-                        </a:spcAft>
-                      </a:pPr>
-                      <a:r>
-                        <a:rPr lang="en-US" sz="1400" dirty="0">
-                          <a:effectLst/>
-                        </a:rPr>
-                        <a:t>3.19</a:t>
-                      </a:r>
-                      <a:endParaRPr lang="en-US" sz="1600" dirty="0">
-                        <a:effectLst/>
-                        <a:latin typeface="Times New Roman"/>
-                        <a:ea typeface="Times New Roman"/>
-                      </a:endParaRPr>
-                    </a:p>
-                  </a:txBody>
-                  <a:tcPr marL="20881" marR="20881" marT="0" marB="0"/>
-                </a:tc>
-                <a:tc>
-                  <a:txBody>
-                    <a:bodyPr/>
-                    <a:lstStyle/>
-                    <a:p>
-                      <a:pPr marL="0" marR="0">
-                        <a:spcBef>
-                          <a:spcPts val="0"/>
-                        </a:spcBef>
-                        <a:spcAft>
-                          <a:spcPts val="0"/>
-                        </a:spcAft>
-                      </a:pPr>
-                      <a:r>
-                        <a:rPr lang="en-US" sz="1400">
-                          <a:effectLst/>
-                        </a:rPr>
-                        <a:t>Display operational data</a:t>
-                      </a:r>
-                      <a:endParaRPr lang="en-US" sz="1600">
-                        <a:effectLst/>
-                        <a:latin typeface="Times New Roman"/>
-                        <a:ea typeface="Times New Roman"/>
-                      </a:endParaRPr>
-                    </a:p>
-                  </a:txBody>
-                  <a:tcPr marL="20881" marR="20881" marT="0" marB="0"/>
-                </a:tc>
-                <a:tc>
-                  <a:txBody>
-                    <a:bodyPr/>
-                    <a:lstStyle/>
-                    <a:p>
-                      <a:endParaRPr lang="en-US" sz="1400">
-                        <a:effectLst/>
-                        <a:latin typeface="Times New Roman"/>
-                      </a:endParaRPr>
-                    </a:p>
-                  </a:txBody>
-                  <a:tcPr marL="20881" marR="20881" marT="0" marB="0"/>
-                </a:tc>
-                <a:tc>
-                  <a:txBody>
-                    <a:bodyPr/>
-                    <a:lstStyle/>
-                    <a:p>
-                      <a:endParaRPr lang="en-US" sz="1400">
-                        <a:effectLst/>
-                        <a:latin typeface="Times New Roman"/>
-                      </a:endParaRPr>
-                    </a:p>
-                  </a:txBody>
-                  <a:tcPr marL="20881" marR="20881" marT="0" marB="0"/>
-                </a:tc>
-                <a:tc>
-                  <a:txBody>
-                    <a:bodyPr/>
-                    <a:lstStyle/>
-                    <a:p>
-                      <a:endParaRPr lang="en-US" sz="1400">
-                        <a:effectLst/>
-                        <a:latin typeface="Times New Roman"/>
-                      </a:endParaRPr>
-                    </a:p>
-                  </a:txBody>
-                  <a:tcPr marL="20881" marR="20881" marT="0" marB="0"/>
-                </a:tc>
-                <a:tc>
-                  <a:txBody>
-                    <a:bodyPr/>
-                    <a:lstStyle/>
-                    <a:p>
-                      <a:endParaRPr lang="en-US" sz="1400">
-                        <a:effectLst/>
-                        <a:latin typeface="Times New Roman"/>
-                      </a:endParaRPr>
-                    </a:p>
-                  </a:txBody>
-                  <a:tcPr marL="20881" marR="20881" marT="0" marB="0"/>
-                </a:tc>
-                <a:tc>
-                  <a:txBody>
-                    <a:bodyPr/>
-                    <a:lstStyle/>
-                    <a:p>
-                      <a:pPr marL="0" marR="0" algn="ctr">
-                        <a:spcBef>
-                          <a:spcPts val="0"/>
-                        </a:spcBef>
-                        <a:spcAft>
-                          <a:spcPts val="0"/>
-                        </a:spcAft>
-                      </a:pPr>
-                      <a:r>
-                        <a:rPr lang="en-US" sz="1400">
-                          <a:effectLst/>
-                        </a:rPr>
-                        <a:t>X</a:t>
-                      </a:r>
-                      <a:endParaRPr lang="en-US" sz="1600">
-                        <a:effectLst/>
-                        <a:latin typeface="Times New Roman"/>
-                        <a:ea typeface="Times New Roman"/>
-                      </a:endParaRPr>
-                    </a:p>
-                  </a:txBody>
-                  <a:tcPr marL="20881" marR="20881" marT="0" marB="0"/>
-                </a:tc>
-              </a:tr>
-              <a:tr h="162135">
-                <a:tc>
-                  <a:txBody>
-                    <a:bodyPr/>
-                    <a:lstStyle/>
-                    <a:p>
-                      <a:pPr marL="0" marR="0" algn="r">
-                        <a:spcBef>
-                          <a:spcPts val="0"/>
-                        </a:spcBef>
-                        <a:spcAft>
-                          <a:spcPts val="0"/>
-                        </a:spcAft>
-                      </a:pPr>
-                      <a:r>
-                        <a:rPr lang="en-US" sz="1400" dirty="0" smtClean="0">
-                          <a:effectLst/>
-                        </a:rPr>
-                        <a:t>3.20</a:t>
-                      </a:r>
-                      <a:endParaRPr lang="en-US" sz="1600" dirty="0">
-                        <a:effectLst/>
-                        <a:latin typeface="Times New Roman"/>
-                        <a:ea typeface="Times New Roman"/>
-                      </a:endParaRPr>
-                    </a:p>
-                  </a:txBody>
-                  <a:tcPr marL="20881" marR="20881" marT="0" marB="0"/>
-                </a:tc>
-                <a:tc>
-                  <a:txBody>
-                    <a:bodyPr/>
-                    <a:lstStyle/>
-                    <a:p>
-                      <a:pPr marL="0" marR="0">
-                        <a:spcBef>
-                          <a:spcPts val="0"/>
-                        </a:spcBef>
-                        <a:spcAft>
-                          <a:spcPts val="0"/>
-                        </a:spcAft>
-                      </a:pPr>
-                      <a:r>
-                        <a:rPr lang="en-US" sz="1400">
-                          <a:effectLst/>
-                        </a:rPr>
-                        <a:t>Read stored data</a:t>
-                      </a:r>
-                      <a:endParaRPr lang="en-US" sz="1600">
-                        <a:effectLst/>
-                        <a:latin typeface="Times New Roman"/>
-                        <a:ea typeface="Times New Roman"/>
-                      </a:endParaRPr>
-                    </a:p>
-                  </a:txBody>
-                  <a:tcPr marL="20881" marR="20881" marT="0" marB="0"/>
-                </a:tc>
-                <a:tc>
-                  <a:txBody>
-                    <a:bodyPr/>
-                    <a:lstStyle/>
-                    <a:p>
-                      <a:pPr marL="0" marR="0" algn="ctr">
-                        <a:spcBef>
-                          <a:spcPts val="0"/>
-                        </a:spcBef>
-                        <a:spcAft>
-                          <a:spcPts val="0"/>
-                        </a:spcAft>
-                      </a:pPr>
-                      <a:r>
-                        <a:rPr lang="en-US" sz="1400">
-                          <a:effectLst/>
-                        </a:rPr>
-                        <a:t>X</a:t>
-                      </a:r>
-                      <a:endParaRPr lang="en-US" sz="1600">
-                        <a:effectLst/>
-                        <a:latin typeface="Times New Roman"/>
-                        <a:ea typeface="Times New Roman"/>
-                      </a:endParaRPr>
-                    </a:p>
-                  </a:txBody>
-                  <a:tcPr marL="20881" marR="20881" marT="0" marB="0"/>
-                </a:tc>
-                <a:tc>
-                  <a:txBody>
-                    <a:bodyPr/>
-                    <a:lstStyle/>
-                    <a:p>
-                      <a:endParaRPr lang="en-US" sz="1400">
-                        <a:effectLst/>
-                        <a:latin typeface="Times New Roman"/>
-                      </a:endParaRPr>
-                    </a:p>
-                  </a:txBody>
-                  <a:tcPr marL="20881" marR="20881" marT="0" marB="0"/>
-                </a:tc>
-                <a:tc>
-                  <a:txBody>
-                    <a:bodyPr/>
-                    <a:lstStyle/>
-                    <a:p>
-                      <a:endParaRPr lang="en-US" sz="1400">
-                        <a:effectLst/>
-                        <a:latin typeface="Times New Roman"/>
-                      </a:endParaRPr>
-                    </a:p>
-                  </a:txBody>
-                  <a:tcPr marL="20881" marR="20881" marT="0" marB="0"/>
-                </a:tc>
-                <a:tc>
-                  <a:txBody>
-                    <a:bodyPr/>
-                    <a:lstStyle/>
-                    <a:p>
-                      <a:endParaRPr lang="en-US" sz="1400">
-                        <a:effectLst/>
-                        <a:latin typeface="Times New Roman"/>
-                      </a:endParaRPr>
-                    </a:p>
-                  </a:txBody>
-                  <a:tcPr marL="20881" marR="20881" marT="0" marB="0"/>
-                </a:tc>
-                <a:tc>
-                  <a:txBody>
-                    <a:bodyPr/>
-                    <a:lstStyle/>
-                    <a:p>
-                      <a:pPr marL="0" marR="0" algn="ctr">
-                        <a:spcBef>
-                          <a:spcPts val="0"/>
-                        </a:spcBef>
-                        <a:spcAft>
-                          <a:spcPts val="0"/>
-                        </a:spcAft>
-                      </a:pPr>
-                      <a:r>
-                        <a:rPr lang="en-US" sz="1400">
-                          <a:effectLst/>
-                        </a:rPr>
-                        <a:t>X</a:t>
-                      </a:r>
-                      <a:endParaRPr lang="en-US" sz="1600">
-                        <a:effectLst/>
-                        <a:latin typeface="Times New Roman"/>
-                        <a:ea typeface="Times New Roman"/>
-                      </a:endParaRPr>
-                    </a:p>
-                  </a:txBody>
-                  <a:tcPr marL="20881" marR="20881" marT="0" marB="0"/>
-                </a:tc>
-              </a:tr>
-              <a:tr h="162135">
-                <a:tc>
-                  <a:txBody>
-                    <a:bodyPr/>
-                    <a:lstStyle/>
-                    <a:p>
-                      <a:pPr marL="0" marR="0" algn="r">
-                        <a:spcBef>
-                          <a:spcPts val="0"/>
-                        </a:spcBef>
-                        <a:spcAft>
-                          <a:spcPts val="0"/>
-                        </a:spcAft>
-                      </a:pPr>
-                      <a:r>
-                        <a:rPr lang="en-US" sz="1400">
-                          <a:effectLst/>
-                        </a:rPr>
-                        <a:t>3.21</a:t>
-                      </a:r>
-                      <a:endParaRPr lang="en-US" sz="1600">
-                        <a:effectLst/>
-                        <a:latin typeface="Times New Roman"/>
-                        <a:ea typeface="Times New Roman"/>
-                      </a:endParaRPr>
-                    </a:p>
-                  </a:txBody>
-                  <a:tcPr marL="20881" marR="20881" marT="0" marB="0"/>
-                </a:tc>
-                <a:tc>
-                  <a:txBody>
-                    <a:bodyPr/>
-                    <a:lstStyle/>
-                    <a:p>
-                      <a:pPr marL="0" marR="0">
-                        <a:spcBef>
-                          <a:spcPts val="0"/>
-                        </a:spcBef>
-                        <a:spcAft>
-                          <a:spcPts val="0"/>
-                        </a:spcAft>
-                      </a:pPr>
-                      <a:r>
-                        <a:rPr lang="en-US" sz="1400">
-                          <a:effectLst/>
-                        </a:rPr>
-                        <a:t>Calibrate sensors</a:t>
-                      </a:r>
-                      <a:endParaRPr lang="en-US" sz="1600">
-                        <a:effectLst/>
-                        <a:latin typeface="Times New Roman"/>
-                        <a:ea typeface="Times New Roman"/>
-                      </a:endParaRPr>
-                    </a:p>
-                  </a:txBody>
-                  <a:tcPr marL="20881" marR="20881" marT="0" marB="0"/>
-                </a:tc>
-                <a:tc>
-                  <a:txBody>
-                    <a:bodyPr/>
-                    <a:lstStyle/>
-                    <a:p>
-                      <a:endParaRPr lang="en-US" sz="1400">
-                        <a:effectLst/>
-                        <a:latin typeface="Times New Roman"/>
-                      </a:endParaRPr>
-                    </a:p>
-                  </a:txBody>
-                  <a:tcPr marL="20881" marR="20881" marT="0" marB="0"/>
-                </a:tc>
-                <a:tc>
-                  <a:txBody>
-                    <a:bodyPr/>
-                    <a:lstStyle/>
-                    <a:p>
-                      <a:endParaRPr lang="en-US" sz="1400">
-                        <a:effectLst/>
-                        <a:latin typeface="Times New Roman"/>
-                      </a:endParaRPr>
-                    </a:p>
-                  </a:txBody>
-                  <a:tcPr marL="20881" marR="20881" marT="0" marB="0"/>
-                </a:tc>
-                <a:tc>
-                  <a:txBody>
-                    <a:bodyPr/>
-                    <a:lstStyle/>
-                    <a:p>
-                      <a:endParaRPr lang="en-US" sz="1400">
-                        <a:effectLst/>
-                        <a:latin typeface="Times New Roman"/>
-                      </a:endParaRPr>
-                    </a:p>
-                  </a:txBody>
-                  <a:tcPr marL="20881" marR="20881" marT="0" marB="0"/>
-                </a:tc>
-                <a:tc>
-                  <a:txBody>
-                    <a:bodyPr/>
-                    <a:lstStyle/>
-                    <a:p>
-                      <a:endParaRPr lang="en-US" sz="1400">
-                        <a:effectLst/>
-                        <a:latin typeface="Times New Roman"/>
-                      </a:endParaRPr>
-                    </a:p>
-                  </a:txBody>
-                  <a:tcPr marL="20881" marR="20881" marT="0" marB="0"/>
-                </a:tc>
-                <a:tc>
-                  <a:txBody>
-                    <a:bodyPr/>
-                    <a:lstStyle/>
-                    <a:p>
-                      <a:pPr marL="0" marR="0" algn="ctr">
-                        <a:spcBef>
-                          <a:spcPts val="0"/>
-                        </a:spcBef>
-                        <a:spcAft>
-                          <a:spcPts val="0"/>
-                        </a:spcAft>
-                      </a:pPr>
-                      <a:r>
-                        <a:rPr lang="en-US" sz="1400">
-                          <a:effectLst/>
-                        </a:rPr>
-                        <a:t>X</a:t>
-                      </a:r>
-                      <a:endParaRPr lang="en-US" sz="1600">
-                        <a:effectLst/>
-                        <a:latin typeface="Times New Roman"/>
-                        <a:ea typeface="Times New Roman"/>
-                      </a:endParaRPr>
-                    </a:p>
-                  </a:txBody>
-                  <a:tcPr marL="20881" marR="20881" marT="0" marB="0"/>
-                </a:tc>
-              </a:tr>
-              <a:tr h="91440">
-                <a:tc>
-                  <a:txBody>
-                    <a:bodyPr/>
-                    <a:lstStyle/>
-                    <a:p>
-                      <a:pPr marL="0" marR="0" algn="r">
-                        <a:spcBef>
-                          <a:spcPts val="0"/>
-                        </a:spcBef>
-                        <a:spcAft>
-                          <a:spcPts val="0"/>
-                        </a:spcAft>
-                      </a:pPr>
-                      <a:r>
-                        <a:rPr lang="en-US" sz="1400">
-                          <a:effectLst/>
-                        </a:rPr>
-                        <a:t>3.22</a:t>
-                      </a:r>
-                      <a:endParaRPr lang="en-US" sz="1600">
-                        <a:effectLst/>
-                        <a:latin typeface="Times New Roman"/>
-                        <a:ea typeface="Times New Roman"/>
-                      </a:endParaRPr>
-                    </a:p>
-                  </a:txBody>
-                  <a:tcPr marL="20881" marR="20881" marT="0" marB="0"/>
-                </a:tc>
-                <a:tc>
-                  <a:txBody>
-                    <a:bodyPr/>
-                    <a:lstStyle/>
-                    <a:p>
-                      <a:pPr marL="0" marR="0">
-                        <a:spcBef>
-                          <a:spcPts val="0"/>
-                        </a:spcBef>
-                        <a:spcAft>
-                          <a:spcPts val="0"/>
-                        </a:spcAft>
-                      </a:pPr>
-                      <a:r>
-                        <a:rPr lang="en-US" sz="1400">
-                          <a:effectLst/>
-                        </a:rPr>
-                        <a:t>The client application can configure the PIC microcontroller</a:t>
-                      </a:r>
-                      <a:endParaRPr lang="en-US" sz="1600">
-                        <a:effectLst/>
-                        <a:latin typeface="Times New Roman"/>
-                        <a:ea typeface="Times New Roman"/>
-                      </a:endParaRPr>
-                    </a:p>
-                  </a:txBody>
-                  <a:tcPr marL="20881" marR="20881" marT="0" marB="0"/>
-                </a:tc>
-                <a:tc>
-                  <a:txBody>
-                    <a:bodyPr/>
-                    <a:lstStyle/>
-                    <a:p>
-                      <a:endParaRPr lang="en-US" sz="1400">
-                        <a:effectLst/>
-                        <a:latin typeface="Times New Roman"/>
-                      </a:endParaRPr>
-                    </a:p>
-                  </a:txBody>
-                  <a:tcPr marL="20881" marR="20881" marT="0" marB="0"/>
-                </a:tc>
-                <a:tc>
-                  <a:txBody>
-                    <a:bodyPr/>
-                    <a:lstStyle/>
-                    <a:p>
-                      <a:endParaRPr lang="en-US" sz="1400">
-                        <a:effectLst/>
-                        <a:latin typeface="Times New Roman"/>
-                      </a:endParaRPr>
-                    </a:p>
-                  </a:txBody>
-                  <a:tcPr marL="20881" marR="20881" marT="0" marB="0"/>
-                </a:tc>
-                <a:tc>
-                  <a:txBody>
-                    <a:bodyPr/>
-                    <a:lstStyle/>
-                    <a:p>
-                      <a:endParaRPr lang="en-US" sz="1400">
-                        <a:effectLst/>
-                        <a:latin typeface="Times New Roman"/>
-                      </a:endParaRPr>
-                    </a:p>
-                  </a:txBody>
-                  <a:tcPr marL="20881" marR="20881" marT="0" marB="0"/>
-                </a:tc>
-                <a:tc>
-                  <a:txBody>
-                    <a:bodyPr/>
-                    <a:lstStyle/>
-                    <a:p>
-                      <a:endParaRPr lang="en-US" sz="1400">
-                        <a:effectLst/>
-                        <a:latin typeface="Times New Roman"/>
-                      </a:endParaRPr>
-                    </a:p>
-                  </a:txBody>
-                  <a:tcPr marL="20881" marR="20881" marT="0" marB="0"/>
-                </a:tc>
-                <a:tc>
-                  <a:txBody>
-                    <a:bodyPr/>
-                    <a:lstStyle/>
-                    <a:p>
-                      <a:pPr marL="0" marR="0" algn="ctr">
-                        <a:spcBef>
-                          <a:spcPts val="0"/>
-                        </a:spcBef>
-                        <a:spcAft>
-                          <a:spcPts val="0"/>
-                        </a:spcAft>
-                      </a:pPr>
-                      <a:r>
-                        <a:rPr lang="en-US" sz="1400">
-                          <a:effectLst/>
-                        </a:rPr>
-                        <a:t>X</a:t>
-                      </a:r>
-                      <a:endParaRPr lang="en-US" sz="1600">
-                        <a:effectLst/>
-                        <a:latin typeface="Times New Roman"/>
-                        <a:ea typeface="Times New Roman"/>
-                      </a:endParaRPr>
-                    </a:p>
-                  </a:txBody>
-                  <a:tcPr marL="20881" marR="20881" marT="0" marB="0"/>
-                </a:tc>
-              </a:tr>
-              <a:tr h="0">
-                <a:tc>
-                  <a:txBody>
-                    <a:bodyPr/>
-                    <a:lstStyle/>
-                    <a:p>
-                      <a:pPr marL="0" marR="0" algn="r">
-                        <a:spcBef>
-                          <a:spcPts val="0"/>
-                        </a:spcBef>
-                        <a:spcAft>
-                          <a:spcPts val="0"/>
-                        </a:spcAft>
-                      </a:pPr>
-                      <a:r>
-                        <a:rPr lang="en-US" sz="1400" dirty="0">
-                          <a:effectLst/>
-                        </a:rPr>
-                        <a:t>3.24</a:t>
-                      </a:r>
-                      <a:endParaRPr lang="en-US" sz="1600" dirty="0">
-                        <a:effectLst/>
-                        <a:latin typeface="Times New Roman"/>
-                        <a:ea typeface="Times New Roman"/>
-                      </a:endParaRPr>
-                    </a:p>
-                  </a:txBody>
-                  <a:tcPr marL="20881" marR="20881" marT="0" marB="0"/>
-                </a:tc>
-                <a:tc>
-                  <a:txBody>
-                    <a:bodyPr/>
-                    <a:lstStyle/>
-                    <a:p>
-                      <a:pPr marL="0" marR="0">
-                        <a:spcBef>
-                          <a:spcPts val="0"/>
-                        </a:spcBef>
-                        <a:spcAft>
-                          <a:spcPts val="0"/>
-                        </a:spcAft>
-                      </a:pPr>
-                      <a:r>
-                        <a:rPr lang="en-US" sz="1400">
-                          <a:effectLst/>
-                        </a:rPr>
-                        <a:t>User-friendly client application</a:t>
-                      </a:r>
-                      <a:endParaRPr lang="en-US" sz="1600">
-                        <a:effectLst/>
-                        <a:latin typeface="Times New Roman"/>
-                        <a:ea typeface="Times New Roman"/>
-                      </a:endParaRPr>
-                    </a:p>
-                  </a:txBody>
-                  <a:tcPr marL="20881" marR="20881" marT="0" marB="0"/>
-                </a:tc>
-                <a:tc>
-                  <a:txBody>
-                    <a:bodyPr/>
-                    <a:lstStyle/>
-                    <a:p>
-                      <a:endParaRPr lang="en-US" sz="1400">
-                        <a:effectLst/>
-                        <a:latin typeface="Times New Roman"/>
-                      </a:endParaRPr>
-                    </a:p>
-                  </a:txBody>
-                  <a:tcPr marL="20881" marR="20881" marT="0" marB="0"/>
-                </a:tc>
-                <a:tc>
-                  <a:txBody>
-                    <a:bodyPr/>
-                    <a:lstStyle/>
-                    <a:p>
-                      <a:endParaRPr lang="en-US" sz="1400">
-                        <a:effectLst/>
-                        <a:latin typeface="Times New Roman"/>
-                      </a:endParaRPr>
-                    </a:p>
-                  </a:txBody>
-                  <a:tcPr marL="20881" marR="20881" marT="0" marB="0"/>
-                </a:tc>
-                <a:tc>
-                  <a:txBody>
-                    <a:bodyPr/>
-                    <a:lstStyle/>
-                    <a:p>
-                      <a:endParaRPr lang="en-US" sz="1400">
-                        <a:effectLst/>
-                        <a:latin typeface="Times New Roman"/>
-                      </a:endParaRPr>
-                    </a:p>
-                  </a:txBody>
-                  <a:tcPr marL="20881" marR="20881" marT="0" marB="0"/>
-                </a:tc>
-                <a:tc>
-                  <a:txBody>
-                    <a:bodyPr/>
-                    <a:lstStyle/>
-                    <a:p>
-                      <a:endParaRPr lang="en-US" sz="1400">
-                        <a:effectLst/>
-                        <a:latin typeface="Times New Roman"/>
-                      </a:endParaRPr>
-                    </a:p>
-                  </a:txBody>
-                  <a:tcPr marL="20881" marR="20881" marT="0" marB="0"/>
-                </a:tc>
-                <a:tc>
-                  <a:txBody>
-                    <a:bodyPr/>
-                    <a:lstStyle/>
-                    <a:p>
-                      <a:pPr marL="0" marR="0" algn="ctr">
-                        <a:spcBef>
-                          <a:spcPts val="0"/>
-                        </a:spcBef>
-                        <a:spcAft>
-                          <a:spcPts val="0"/>
-                        </a:spcAft>
-                      </a:pPr>
-                      <a:r>
-                        <a:rPr lang="en-US" sz="1400">
-                          <a:effectLst/>
-                        </a:rPr>
-                        <a:t>X</a:t>
-                      </a:r>
-                      <a:endParaRPr lang="en-US" sz="1600">
-                        <a:effectLst/>
-                        <a:latin typeface="Times New Roman"/>
-                        <a:ea typeface="Times New Roman"/>
-                      </a:endParaRPr>
-                    </a:p>
-                  </a:txBody>
-                  <a:tcPr marL="20881" marR="20881" marT="0" marB="0"/>
-                </a:tc>
-              </a:tr>
-              <a:tr h="60960">
-                <a:tc>
-                  <a:txBody>
-                    <a:bodyPr/>
-                    <a:lstStyle/>
-                    <a:p>
-                      <a:pPr marL="0" marR="0" algn="r">
-                        <a:spcBef>
-                          <a:spcPts val="0"/>
-                        </a:spcBef>
-                        <a:spcAft>
-                          <a:spcPts val="0"/>
-                        </a:spcAft>
-                      </a:pPr>
-                      <a:r>
-                        <a:rPr lang="en-US" sz="1400" dirty="0">
-                          <a:effectLst/>
-                        </a:rPr>
-                        <a:t>3.26</a:t>
-                      </a:r>
-                      <a:endParaRPr lang="en-US" sz="1600" dirty="0">
-                        <a:effectLst/>
-                        <a:latin typeface="Times New Roman"/>
-                        <a:ea typeface="Times New Roman"/>
-                      </a:endParaRPr>
-                    </a:p>
-                  </a:txBody>
-                  <a:tcPr marL="20881" marR="20881" marT="0" marB="0"/>
-                </a:tc>
-                <a:tc>
-                  <a:txBody>
-                    <a:bodyPr/>
-                    <a:lstStyle/>
-                    <a:p>
-                      <a:pPr marL="0" marR="0">
-                        <a:spcBef>
-                          <a:spcPts val="0"/>
-                        </a:spcBef>
-                        <a:spcAft>
-                          <a:spcPts val="0"/>
-                        </a:spcAft>
-                      </a:pPr>
-                      <a:r>
-                        <a:rPr lang="en-US" sz="1400">
-                          <a:effectLst/>
-                        </a:rPr>
-                        <a:t>Able to operate in a stand-alone mode</a:t>
-                      </a:r>
-                      <a:endParaRPr lang="en-US" sz="1600">
-                        <a:effectLst/>
-                        <a:latin typeface="Times New Roman"/>
-                        <a:ea typeface="Times New Roman"/>
-                      </a:endParaRPr>
-                    </a:p>
-                  </a:txBody>
-                  <a:tcPr marL="20881" marR="20881" marT="0" marB="0"/>
-                </a:tc>
-                <a:tc>
-                  <a:txBody>
-                    <a:bodyPr/>
-                    <a:lstStyle/>
-                    <a:p>
-                      <a:pPr marL="0" marR="0" algn="ctr">
-                        <a:spcBef>
-                          <a:spcPts val="0"/>
-                        </a:spcBef>
-                        <a:spcAft>
-                          <a:spcPts val="0"/>
-                        </a:spcAft>
-                      </a:pPr>
-                      <a:r>
-                        <a:rPr lang="en-US" sz="1400">
-                          <a:effectLst/>
-                        </a:rPr>
-                        <a:t>X</a:t>
-                      </a:r>
-                      <a:endParaRPr lang="en-US" sz="1600">
-                        <a:effectLst/>
-                        <a:latin typeface="Times New Roman"/>
-                        <a:ea typeface="Times New Roman"/>
-                      </a:endParaRPr>
-                    </a:p>
-                  </a:txBody>
-                  <a:tcPr marL="20881" marR="20881" marT="0" marB="0"/>
-                </a:tc>
-                <a:tc>
-                  <a:txBody>
-                    <a:bodyPr/>
-                    <a:lstStyle/>
-                    <a:p>
-                      <a:pPr marL="0" marR="0" algn="ctr">
-                        <a:spcBef>
-                          <a:spcPts val="0"/>
-                        </a:spcBef>
-                        <a:spcAft>
-                          <a:spcPts val="0"/>
-                        </a:spcAft>
-                      </a:pPr>
-                      <a:r>
-                        <a:rPr lang="en-US" sz="1400">
-                          <a:effectLst/>
-                        </a:rPr>
-                        <a:t>X</a:t>
-                      </a:r>
-                      <a:endParaRPr lang="en-US" sz="1600">
-                        <a:effectLst/>
-                        <a:latin typeface="Times New Roman"/>
-                        <a:ea typeface="Times New Roman"/>
-                      </a:endParaRPr>
-                    </a:p>
-                  </a:txBody>
-                  <a:tcPr marL="20881" marR="20881" marT="0" marB="0"/>
-                </a:tc>
-                <a:tc>
-                  <a:txBody>
-                    <a:bodyPr/>
-                    <a:lstStyle/>
-                    <a:p>
-                      <a:pPr marL="0" marR="0" algn="ctr">
-                        <a:spcBef>
-                          <a:spcPts val="0"/>
-                        </a:spcBef>
-                        <a:spcAft>
-                          <a:spcPts val="0"/>
-                        </a:spcAft>
-                      </a:pPr>
-                      <a:r>
-                        <a:rPr lang="en-US" sz="1400">
-                          <a:effectLst/>
-                        </a:rPr>
-                        <a:t>X</a:t>
-                      </a:r>
-                      <a:endParaRPr lang="en-US" sz="1600">
-                        <a:effectLst/>
-                        <a:latin typeface="Times New Roman"/>
-                        <a:ea typeface="Times New Roman"/>
-                      </a:endParaRPr>
-                    </a:p>
-                  </a:txBody>
-                  <a:tcPr marL="20881" marR="20881" marT="0" marB="0"/>
-                </a:tc>
-                <a:tc>
-                  <a:txBody>
-                    <a:bodyPr/>
-                    <a:lstStyle/>
-                    <a:p>
-                      <a:pPr marL="0" marR="0" algn="ctr">
-                        <a:spcBef>
-                          <a:spcPts val="0"/>
-                        </a:spcBef>
-                        <a:spcAft>
-                          <a:spcPts val="0"/>
-                        </a:spcAft>
-                      </a:pPr>
-                      <a:r>
-                        <a:rPr lang="en-US" sz="1400">
-                          <a:effectLst/>
-                        </a:rPr>
-                        <a:t>X</a:t>
-                      </a:r>
-                      <a:endParaRPr lang="en-US" sz="1600">
-                        <a:effectLst/>
-                        <a:latin typeface="Times New Roman"/>
-                        <a:ea typeface="Times New Roman"/>
-                      </a:endParaRPr>
-                    </a:p>
-                  </a:txBody>
-                  <a:tcPr marL="20881" marR="20881" marT="0" marB="0"/>
-                </a:tc>
-                <a:tc>
-                  <a:txBody>
-                    <a:bodyPr/>
-                    <a:lstStyle/>
-                    <a:p>
-                      <a:endParaRPr lang="en-US" sz="1400">
-                        <a:effectLst/>
-                        <a:latin typeface="Times New Roman"/>
-                      </a:endParaRPr>
-                    </a:p>
-                  </a:txBody>
-                  <a:tcPr marL="20881" marR="20881" marT="0" marB="0"/>
-                </a:tc>
-              </a:tr>
-              <a:tr h="45720">
-                <a:tc>
-                  <a:txBody>
-                    <a:bodyPr/>
-                    <a:lstStyle/>
-                    <a:p>
-                      <a:pPr marL="0" marR="0" algn="r">
-                        <a:spcBef>
-                          <a:spcPts val="0"/>
-                        </a:spcBef>
-                        <a:spcAft>
-                          <a:spcPts val="0"/>
-                        </a:spcAft>
-                      </a:pPr>
-                      <a:r>
-                        <a:rPr lang="en-US" sz="1400">
-                          <a:effectLst/>
-                        </a:rPr>
-                        <a:t>3.27</a:t>
-                      </a:r>
-                      <a:endParaRPr lang="en-US" sz="1600">
-                        <a:effectLst/>
-                        <a:latin typeface="Times New Roman"/>
-                        <a:ea typeface="Times New Roman"/>
-                      </a:endParaRPr>
-                    </a:p>
-                  </a:txBody>
-                  <a:tcPr marL="20881" marR="20881" marT="0" marB="0"/>
-                </a:tc>
-                <a:tc>
-                  <a:txBody>
-                    <a:bodyPr/>
-                    <a:lstStyle/>
-                    <a:p>
-                      <a:pPr marL="0" marR="0">
-                        <a:spcBef>
-                          <a:spcPts val="0"/>
-                        </a:spcBef>
-                        <a:spcAft>
-                          <a:spcPts val="0"/>
-                        </a:spcAft>
-                      </a:pPr>
-                      <a:r>
-                        <a:rPr lang="en-US" sz="1400">
-                          <a:effectLst/>
-                        </a:rPr>
-                        <a:t>Visually indicate a bump using a beacon light</a:t>
-                      </a:r>
-                      <a:endParaRPr lang="en-US" sz="1600">
-                        <a:effectLst/>
-                        <a:latin typeface="Times New Roman"/>
-                        <a:ea typeface="Times New Roman"/>
-                      </a:endParaRPr>
-                    </a:p>
-                  </a:txBody>
-                  <a:tcPr marL="20881" marR="20881" marT="0" marB="0"/>
-                </a:tc>
-                <a:tc>
-                  <a:txBody>
-                    <a:bodyPr/>
-                    <a:lstStyle/>
-                    <a:p>
-                      <a:endParaRPr lang="en-US" sz="1400">
-                        <a:effectLst/>
-                        <a:latin typeface="Times New Roman"/>
-                      </a:endParaRPr>
-                    </a:p>
-                  </a:txBody>
-                  <a:tcPr marL="20881" marR="20881" marT="0" marB="0"/>
-                </a:tc>
-                <a:tc>
-                  <a:txBody>
-                    <a:bodyPr/>
-                    <a:lstStyle/>
-                    <a:p>
-                      <a:endParaRPr lang="en-US" sz="1400">
-                        <a:effectLst/>
-                        <a:latin typeface="Times New Roman"/>
-                      </a:endParaRPr>
-                    </a:p>
-                  </a:txBody>
-                  <a:tcPr marL="20881" marR="20881" marT="0" marB="0"/>
-                </a:tc>
-                <a:tc>
-                  <a:txBody>
-                    <a:bodyPr/>
-                    <a:lstStyle/>
-                    <a:p>
-                      <a:endParaRPr lang="en-US" sz="1400">
-                        <a:effectLst/>
-                        <a:latin typeface="Times New Roman"/>
-                      </a:endParaRPr>
-                    </a:p>
-                  </a:txBody>
-                  <a:tcPr marL="20881" marR="20881" marT="0" marB="0"/>
-                </a:tc>
-                <a:tc>
-                  <a:txBody>
-                    <a:bodyPr/>
-                    <a:lstStyle/>
-                    <a:p>
-                      <a:pPr marL="0" marR="0" algn="ctr">
-                        <a:spcBef>
-                          <a:spcPts val="0"/>
-                        </a:spcBef>
-                        <a:spcAft>
-                          <a:spcPts val="0"/>
-                        </a:spcAft>
-                      </a:pPr>
-                      <a:r>
-                        <a:rPr lang="en-US" sz="1400">
-                          <a:effectLst/>
-                        </a:rPr>
-                        <a:t>X</a:t>
-                      </a:r>
-                      <a:endParaRPr lang="en-US" sz="1600">
-                        <a:effectLst/>
-                        <a:latin typeface="Times New Roman"/>
-                        <a:ea typeface="Times New Roman"/>
-                      </a:endParaRPr>
-                    </a:p>
-                  </a:txBody>
-                  <a:tcPr marL="20881" marR="20881" marT="0" marB="0"/>
-                </a:tc>
-                <a:tc>
-                  <a:txBody>
-                    <a:bodyPr/>
-                    <a:lstStyle/>
-                    <a:p>
-                      <a:endParaRPr lang="en-US" sz="1400" dirty="0">
-                        <a:effectLst/>
-                        <a:latin typeface="Times New Roman"/>
-                      </a:endParaRPr>
-                    </a:p>
-                  </a:txBody>
-                  <a:tcPr marL="20881" marR="20881" marT="0" marB="0"/>
-                </a:tc>
-              </a:tr>
-            </a:tbl>
-          </a:graphicData>
-        </a:graphic>
-      </p:graphicFrame>
-    </p:spTree>
-    <p:extLst>
-      <p:ext uri="{BB962C8B-B14F-4D97-AF65-F5344CB8AC3E}">
-        <p14:creationId xmlns:p14="http://schemas.microsoft.com/office/powerpoint/2010/main" val="2960037515"/>
-      </p:ext>
-    </p:extLst>
-  </p:cSld>
-  <p:clrMapOvr>
-    <a:masterClrMapping/>
-  </p:clrMapOvr>
-  <p:timing>
-    <p:tnLst>
-      <p:par>
-        <p:cTn id="1" dur="indefinite" restart="never" nodeType="tmRoot"/>
-      </p:par>
-    </p:tnLst>
-  </p:timing>
-</p:sld>
-</file>
-
-<file path=ppt/slides/slide21.xml><?xml version="1.0" encoding="utf-8"?>
-<p:sld xmlns:a="http://schemas.openxmlformats.org/drawingml/2006/main" xmlns:r="http://schemas.openxmlformats.org/officeDocument/2006/relationships" xmlns:p="http://schemas.openxmlformats.org/presentationml/2006/main">
-  <p:cSld>
-    <p:spTree>
-      <p:nvGrpSpPr>
-        <p:cNvPr id="1" name=""/>
-        <p:cNvGrpSpPr/>
-        <p:nvPr/>
-      </p:nvGrpSpPr>
-      <p:grpSpPr>
-        <a:xfrm>
-          <a:off x="0" y="0"/>
-          <a:ext cx="0" cy="0"/>
-          <a:chOff x="0" y="0"/>
-          <a:chExt cx="0" cy="0"/>
-        </a:xfrm>
-      </p:grpSpPr>
-      <p:sp>
-        <p:nvSpPr>
-          <p:cNvPr id="2" name="Title 1"/>
-          <p:cNvSpPr>
-            <a:spLocks noGrp="1"/>
-          </p:cNvSpPr>
-          <p:nvPr>
-            <p:ph type="title"/>
-          </p:nvPr>
-        </p:nvSpPr>
-        <p:spPr/>
-        <p:txBody>
-          <a:bodyPr/>
-          <a:lstStyle/>
-          <a:p>
-            <a:r>
-              <a:rPr lang="en-US" dirty="0" smtClean="0"/>
-              <a:t>OS Dependencies</a:t>
-            </a:r>
-            <a:endParaRPr lang="en-US" dirty="0"/>
-          </a:p>
-        </p:txBody>
-      </p:sp>
-      <p:sp>
-        <p:nvSpPr>
-          <p:cNvPr id="4" name="Content Placeholder 3"/>
-          <p:cNvSpPr>
-            <a:spLocks noGrp="1"/>
-          </p:cNvSpPr>
-          <p:nvPr>
-            <p:ph idx="1"/>
-          </p:nvPr>
-        </p:nvSpPr>
-        <p:spPr/>
-        <p:txBody>
-          <a:bodyPr>
-            <a:normAutofit lnSpcReduction="10000"/>
-          </a:bodyPr>
-          <a:lstStyle/>
-          <a:p>
-            <a:r>
-              <a:rPr lang="en-US" dirty="0"/>
-              <a:t>GUI </a:t>
-            </a:r>
-            <a:r>
-              <a:rPr lang="en-US" dirty="0" smtClean="0"/>
-              <a:t>Layer</a:t>
-            </a:r>
-          </a:p>
-          <a:p>
-            <a:pPr lvl="1"/>
-            <a:r>
-              <a:rPr lang="en-US" dirty="0"/>
-              <a:t>D</a:t>
-            </a:r>
-            <a:r>
-              <a:rPr lang="en-US" dirty="0" smtClean="0"/>
-              <a:t>eveloped </a:t>
-            </a:r>
-            <a:r>
-              <a:rPr lang="en-US" dirty="0"/>
-              <a:t>in Java with a Windows </a:t>
-            </a:r>
-            <a:r>
-              <a:rPr lang="en-US" dirty="0" smtClean="0"/>
-              <a:t>PC</a:t>
-            </a:r>
-          </a:p>
-          <a:p>
-            <a:pPr lvl="1"/>
-            <a:r>
-              <a:rPr lang="en-US" dirty="0"/>
-              <a:t>Java Development Kit </a:t>
-            </a:r>
-            <a:endParaRPr lang="en-US" dirty="0" smtClean="0"/>
-          </a:p>
-          <a:p>
-            <a:pPr lvl="1"/>
-            <a:r>
-              <a:rPr lang="en-US" dirty="0"/>
-              <a:t>customer will require a machine with compatible Java Runtime Environment </a:t>
-            </a:r>
-            <a:r>
-              <a:rPr lang="en-US" dirty="0" smtClean="0"/>
-              <a:t>installed</a:t>
-            </a:r>
-          </a:p>
-          <a:p>
-            <a:pPr lvl="1"/>
-            <a:r>
-              <a:rPr lang="en-US" dirty="0"/>
-              <a:t>R</a:t>
-            </a:r>
-            <a:r>
-              <a:rPr lang="en-US" dirty="0" smtClean="0"/>
-              <a:t>equired </a:t>
-            </a:r>
-            <a:r>
-              <a:rPr lang="en-US" dirty="0"/>
-              <a:t>system components will be provided by the JRE (</a:t>
-            </a:r>
-            <a:r>
-              <a:rPr lang="en-US" dirty="0" err="1"/>
-              <a:t>ie</a:t>
-            </a:r>
-            <a:r>
-              <a:rPr lang="en-US" dirty="0"/>
-              <a:t>. network stack</a:t>
-            </a:r>
-            <a:r>
-              <a:rPr lang="en-US" dirty="0" smtClean="0"/>
-              <a:t>)</a:t>
-            </a:r>
-          </a:p>
-          <a:p>
-            <a:r>
-              <a:rPr lang="en-US" dirty="0" smtClean="0"/>
-              <a:t>Other Layers</a:t>
-            </a:r>
-          </a:p>
-          <a:p>
-            <a:pPr lvl="1"/>
-            <a:r>
-              <a:rPr lang="en-US" dirty="0"/>
-              <a:t>D</a:t>
-            </a:r>
-            <a:r>
-              <a:rPr lang="en-US" dirty="0" smtClean="0"/>
-              <a:t>eveloped </a:t>
-            </a:r>
-            <a:r>
-              <a:rPr lang="en-US" dirty="0"/>
-              <a:t>in C with a Windows </a:t>
-            </a:r>
-            <a:r>
-              <a:rPr lang="en-US" dirty="0" smtClean="0"/>
-              <a:t>PC</a:t>
-            </a:r>
-          </a:p>
-          <a:p>
-            <a:pPr lvl="1"/>
-            <a:r>
-              <a:rPr lang="en-US" dirty="0" err="1"/>
-              <a:t>MPLab</a:t>
-            </a:r>
-            <a:r>
-              <a:rPr lang="en-US" dirty="0"/>
-              <a:t> C development environment </a:t>
-            </a:r>
-          </a:p>
-        </p:txBody>
-      </p:sp>
-    </p:spTree>
-    <p:extLst>
-      <p:ext uri="{BB962C8B-B14F-4D97-AF65-F5344CB8AC3E}">
-        <p14:creationId xmlns:p14="http://schemas.microsoft.com/office/powerpoint/2010/main" val="1330848102"/>
-      </p:ext>
-    </p:extLst>
-  </p:cSld>
-  <p:clrMapOvr>
-    <a:masterClrMapping/>
-  </p:clrMapOvr>
-  <p:timing>
-    <p:tnLst>
-      <p:par>
-        <p:cTn id="1" dur="indefinite" restart="never" nodeType="tmRoot"/>
-      </p:par>
-    </p:tnLst>
-  </p:timing>
-</p:sld>
-</file>
-
-<file path=ppt/slides/slide22.xml><?xml version="1.0" encoding="utf-8"?>
-<p:sld xmlns:a="http://schemas.openxmlformats.org/drawingml/2006/main" xmlns:r="http://schemas.openxmlformats.org/officeDocument/2006/relationships" xmlns:p="http://schemas.openxmlformats.org/presentationml/2006/main">
-  <p:cSld>
-    <p:spTree>
-      <p:nvGrpSpPr>
-        <p:cNvPr id="1" name=""/>
-        <p:cNvGrpSpPr/>
-        <p:nvPr/>
-      </p:nvGrpSpPr>
-      <p:grpSpPr>
-        <a:xfrm>
-          <a:off x="0" y="0"/>
-          <a:ext cx="0" cy="0"/>
-          <a:chOff x="0" y="0"/>
-          <a:chExt cx="0" cy="0"/>
-        </a:xfrm>
-      </p:grpSpPr>
-      <p:sp>
-        <p:nvSpPr>
-          <p:cNvPr id="2" name="Title 1"/>
-          <p:cNvSpPr>
-            <a:spLocks noGrp="1"/>
-          </p:cNvSpPr>
-          <p:nvPr>
-            <p:ph type="ctrTitle"/>
-          </p:nvPr>
-        </p:nvSpPr>
-        <p:spPr>
-          <a:xfrm>
-            <a:off x="762000" y="4724400"/>
-            <a:ext cx="7543800" cy="1524000"/>
-          </a:xfrm>
-        </p:spPr>
-        <p:txBody>
-          <a:bodyPr/>
-          <a:lstStyle/>
-          <a:p>
-            <a:r>
-              <a:rPr lang="en-US" dirty="0" smtClean="0"/>
-              <a:t>Testing Considerations</a:t>
-            </a:r>
-            <a:endParaRPr lang="en-US" dirty="0"/>
-          </a:p>
-        </p:txBody>
-      </p:sp>
-      <p:sp>
-        <p:nvSpPr>
-          <p:cNvPr id="3" name="Subtitle 2"/>
-          <p:cNvSpPr>
-            <a:spLocks noGrp="1"/>
-          </p:cNvSpPr>
-          <p:nvPr>
-            <p:ph type="subTitle" idx="1"/>
-          </p:nvPr>
-        </p:nvSpPr>
-        <p:spPr/>
-        <p:txBody>
-          <a:bodyPr/>
-          <a:lstStyle/>
-          <a:p>
-            <a:endParaRPr lang="en-US"/>
-          </a:p>
-        </p:txBody>
-      </p:sp>
-    </p:spTree>
-    <p:extLst>
-      <p:ext uri="{BB962C8B-B14F-4D97-AF65-F5344CB8AC3E}">
-        <p14:creationId xmlns:p14="http://schemas.microsoft.com/office/powerpoint/2010/main" val="1783155611"/>
-      </p:ext>
-    </p:extLst>
-  </p:cSld>
-  <p:clrMapOvr>
-    <a:masterClrMapping/>
-  </p:clrMapOvr>
-</p:sld>
-</file>
-
-<file path=ppt/slides/slide23.xml><?xml version="1.0" encoding="utf-8"?>
-<p:sld xmlns:a="http://schemas.openxmlformats.org/drawingml/2006/main" xmlns:r="http://schemas.openxmlformats.org/officeDocument/2006/relationships" xmlns:p="http://schemas.openxmlformats.org/presentationml/2006/main">
-  <p:cSld>
-    <p:spTree>
-      <p:nvGrpSpPr>
-        <p:cNvPr id="1" name=""/>
-        <p:cNvGrpSpPr/>
-        <p:nvPr/>
-      </p:nvGrpSpPr>
-      <p:grpSpPr>
-        <a:xfrm>
-          <a:off x="0" y="0"/>
-          <a:ext cx="0" cy="0"/>
-          <a:chOff x="0" y="0"/>
-          <a:chExt cx="0" cy="0"/>
-        </a:xfrm>
-      </p:grpSpPr>
-      <p:sp>
-        <p:nvSpPr>
-          <p:cNvPr id="2" name="Title 1"/>
-          <p:cNvSpPr>
-            <a:spLocks noGrp="1"/>
-          </p:cNvSpPr>
-          <p:nvPr>
-            <p:ph type="title"/>
-          </p:nvPr>
-        </p:nvSpPr>
-        <p:spPr/>
-        <p:txBody>
-          <a:bodyPr/>
-          <a:lstStyle/>
-          <a:p>
-            <a:r>
-              <a:rPr lang="en-US" dirty="0" smtClean="0"/>
-              <a:t>Layer Testing</a:t>
-            </a:r>
-            <a:endParaRPr lang="en-US" dirty="0"/>
-          </a:p>
-        </p:txBody>
-      </p:sp>
-      <p:sp>
-        <p:nvSpPr>
-          <p:cNvPr id="4" name="Content Placeholder 3"/>
-          <p:cNvSpPr>
-            <a:spLocks noGrp="1"/>
-          </p:cNvSpPr>
-          <p:nvPr>
-            <p:ph idx="1"/>
-          </p:nvPr>
-        </p:nvSpPr>
-        <p:spPr/>
-        <p:txBody>
-          <a:bodyPr>
-            <a:normAutofit/>
-          </a:bodyPr>
-          <a:lstStyle/>
-          <a:p>
-            <a:pPr marL="457200" indent="-457200">
-              <a:buFont typeface="+mj-lt"/>
-              <a:buAutoNum type="arabicPeriod"/>
-            </a:pPr>
-            <a:r>
-              <a:rPr lang="en-US" sz="2800" dirty="0"/>
-              <a:t>Sub-system testing</a:t>
-            </a:r>
-          </a:p>
-          <a:p>
-            <a:pPr marL="457200" indent="-457200">
-              <a:buFont typeface="+mj-lt"/>
-              <a:buAutoNum type="arabicPeriod"/>
-            </a:pPr>
-            <a:r>
-              <a:rPr lang="en-US" sz="2800" dirty="0"/>
-              <a:t>Layer testing</a:t>
-            </a:r>
-          </a:p>
-          <a:p>
-            <a:pPr marL="457200" indent="-457200">
-              <a:buFont typeface="+mj-lt"/>
-              <a:buAutoNum type="arabicPeriod"/>
-            </a:pPr>
-            <a:r>
-              <a:rPr lang="en-US" sz="2800" dirty="0" smtClean="0"/>
-              <a:t>Inter-layer testing</a:t>
-            </a:r>
-            <a:endParaRPr lang="en-US" sz="2800" dirty="0"/>
-          </a:p>
-        </p:txBody>
-      </p:sp>
-    </p:spTree>
-    <p:extLst>
-      <p:ext uri="{BB962C8B-B14F-4D97-AF65-F5344CB8AC3E}">
-        <p14:creationId xmlns:p14="http://schemas.microsoft.com/office/powerpoint/2010/main" val="3858084543"/>
-      </p:ext>
-    </p:extLst>
-  </p:cSld>
-  <p:clrMapOvr>
-    <a:masterClrMapping/>
-  </p:clrMapOvr>
-  <p:timing>
-    <p:tnLst>
-      <p:par>
-        <p:cTn id="1" dur="indefinite" restart="never" nodeType="tmRoot"/>
-      </p:par>
-    </p:tnLst>
-  </p:timing>
-</p:sld>
-</file>
-
-<file path=ppt/slides/slide24.xml><?xml version="1.0" encoding="utf-8"?>
-<p:sld xmlns:a="http://schemas.openxmlformats.org/drawingml/2006/main" xmlns:r="http://schemas.openxmlformats.org/officeDocument/2006/relationships" xmlns:p="http://schemas.openxmlformats.org/presentationml/2006/main">
-  <p:cSld>
-    <p:spTree>
-      <p:nvGrpSpPr>
-        <p:cNvPr id="1" name=""/>
-        <p:cNvGrpSpPr/>
-        <p:nvPr/>
-      </p:nvGrpSpPr>
-      <p:grpSpPr>
-        <a:xfrm>
-          <a:off x="0" y="0"/>
-          <a:ext cx="0" cy="0"/>
-          <a:chOff x="0" y="0"/>
-          <a:chExt cx="0" cy="0"/>
-        </a:xfrm>
-      </p:grpSpPr>
-      <p:sp>
-        <p:nvSpPr>
-          <p:cNvPr id="2" name="Title 1"/>
-          <p:cNvSpPr>
-            <a:spLocks noGrp="1"/>
-          </p:cNvSpPr>
-          <p:nvPr>
-            <p:ph type="title"/>
-          </p:nvPr>
-        </p:nvSpPr>
-        <p:spPr/>
-        <p:txBody>
-          <a:bodyPr/>
-          <a:lstStyle/>
-          <a:p>
-            <a:r>
-              <a:rPr lang="en-US" dirty="0"/>
-              <a:t>Layer </a:t>
-            </a:r>
-            <a:r>
-              <a:rPr lang="en-US" dirty="0" smtClean="0"/>
-              <a:t>Testing </a:t>
-            </a:r>
-            <a:r>
-              <a:rPr lang="en-US" dirty="0"/>
-              <a:t>Example</a:t>
-            </a:r>
-          </a:p>
-        </p:txBody>
-      </p:sp>
-      <p:sp>
-        <p:nvSpPr>
-          <p:cNvPr id="3" name="Content Placeholder 2"/>
-          <p:cNvSpPr>
-            <a:spLocks noGrp="1"/>
-          </p:cNvSpPr>
-          <p:nvPr>
-            <p:ph idx="1"/>
-          </p:nvPr>
-        </p:nvSpPr>
-        <p:spPr/>
-        <p:txBody>
-          <a:bodyPr/>
-          <a:lstStyle/>
-          <a:p>
-            <a:r>
-              <a:rPr lang="en-US" dirty="0" smtClean="0"/>
-              <a:t>Input Layer Testing:</a:t>
-            </a:r>
-          </a:p>
-          <a:p>
-            <a:pPr lvl="1"/>
-            <a:r>
-              <a:rPr lang="en-US" dirty="0" smtClean="0"/>
-              <a:t>The </a:t>
-            </a:r>
-            <a:r>
-              <a:rPr lang="en-US" dirty="0"/>
-              <a:t>Input Layer will be tested to make sure that it accepts sensor inputs and user inputs and correctly sends the data to the Storage Layer and Processing Layer. </a:t>
-            </a:r>
-          </a:p>
-        </p:txBody>
-      </p:sp>
-    </p:spTree>
-    <p:extLst>
-      <p:ext uri="{BB962C8B-B14F-4D97-AF65-F5344CB8AC3E}">
-        <p14:creationId xmlns:p14="http://schemas.microsoft.com/office/powerpoint/2010/main" val="55016158"/>
-      </p:ext>
-    </p:extLst>
-  </p:cSld>
-  <p:clrMapOvr>
-    <a:masterClrMapping/>
-  </p:clrMapOvr>
-</p:sld>
-</file>
-
-<file path=ppt/slides/slide25.xml><?xml version="1.0" encoding="utf-8"?>
-<p:sld xmlns:a="http://schemas.openxmlformats.org/drawingml/2006/main" xmlns:r="http://schemas.openxmlformats.org/officeDocument/2006/relationships" xmlns:p="http://schemas.openxmlformats.org/presentationml/2006/main">
-  <p:cSld>
-    <p:spTree>
-      <p:nvGrpSpPr>
-        <p:cNvPr id="1" name=""/>
-        <p:cNvGrpSpPr/>
-        <p:nvPr/>
-      </p:nvGrpSpPr>
-      <p:grpSpPr>
-        <a:xfrm>
-          <a:off x="0" y="0"/>
-          <a:ext cx="0" cy="0"/>
-          <a:chOff x="0" y="0"/>
-          <a:chExt cx="0" cy="0"/>
-        </a:xfrm>
-      </p:grpSpPr>
-      <p:sp>
-        <p:nvSpPr>
-          <p:cNvPr id="2" name="Title 1"/>
-          <p:cNvSpPr>
-            <a:spLocks noGrp="1"/>
-          </p:cNvSpPr>
-          <p:nvPr>
-            <p:ph type="title"/>
-          </p:nvPr>
-        </p:nvSpPr>
-        <p:spPr/>
-        <p:txBody>
-          <a:bodyPr/>
-          <a:lstStyle/>
-          <a:p>
-            <a:r>
-              <a:rPr lang="en-US" dirty="0" smtClean="0"/>
-              <a:t>Integration Testing</a:t>
-            </a:r>
-            <a:endParaRPr lang="en-US" dirty="0"/>
-          </a:p>
-        </p:txBody>
-      </p:sp>
-      <p:sp>
-        <p:nvSpPr>
-          <p:cNvPr id="3" name="Content Placeholder 2"/>
-          <p:cNvSpPr>
-            <a:spLocks noGrp="1"/>
-          </p:cNvSpPr>
-          <p:nvPr>
-            <p:ph idx="1"/>
-          </p:nvPr>
-        </p:nvSpPr>
-        <p:spPr/>
-        <p:txBody>
-          <a:bodyPr>
-            <a:normAutofit/>
-          </a:bodyPr>
-          <a:lstStyle/>
-          <a:p>
-            <a:pPr marL="457200" indent="-457200">
-              <a:buFont typeface="+mj-lt"/>
-              <a:buAutoNum type="arabicPeriod"/>
-            </a:pPr>
-            <a:r>
-              <a:rPr lang="en-US" dirty="0" smtClean="0"/>
-              <a:t>Use Cases</a:t>
-            </a:r>
-          </a:p>
-          <a:p>
-            <a:pPr marL="834390" lvl="1" indent="-514350">
-              <a:buFont typeface="+mj-lt"/>
-              <a:buAutoNum type="romanLcPeriod"/>
-            </a:pPr>
-            <a:r>
-              <a:rPr lang="en-US" dirty="0" smtClean="0"/>
-              <a:t>Backward Chaining</a:t>
-            </a:r>
-          </a:p>
-          <a:p>
-            <a:pPr marL="834390" lvl="1" indent="-514350">
-              <a:buFont typeface="+mj-lt"/>
-              <a:buAutoNum type="romanLcPeriod"/>
-            </a:pPr>
-            <a:r>
-              <a:rPr lang="en-US" dirty="0" smtClean="0"/>
-              <a:t>Forward Chaining</a:t>
-            </a:r>
-          </a:p>
-          <a:p>
-            <a:pPr marL="457200" indent="-457200">
-              <a:buFont typeface="+mj-lt"/>
-              <a:buAutoNum type="arabicPeriod"/>
-            </a:pPr>
-            <a:r>
-              <a:rPr lang="en-US" dirty="0" smtClean="0"/>
-              <a:t>Requirement Mapping</a:t>
-            </a:r>
-          </a:p>
-          <a:p>
-            <a:pPr marL="457200" indent="-457200">
-              <a:buFont typeface="+mj-lt"/>
-              <a:buAutoNum type="arabicPeriod"/>
-            </a:pPr>
-            <a:r>
-              <a:rPr lang="en-US" dirty="0" smtClean="0"/>
-              <a:t>Proper system data flows</a:t>
-            </a:r>
-          </a:p>
-          <a:p>
-            <a:pPr marL="457200" indent="-457200">
-              <a:buFont typeface="+mj-lt"/>
-              <a:buAutoNum type="arabicPeriod"/>
-            </a:pPr>
-            <a:r>
-              <a:rPr lang="en-US" dirty="0" smtClean="0"/>
-              <a:t>Design validation</a:t>
-            </a:r>
-            <a:endParaRPr lang="en-US" dirty="0"/>
-          </a:p>
-        </p:txBody>
-      </p:sp>
-    </p:spTree>
-    <p:extLst>
-      <p:ext uri="{BB962C8B-B14F-4D97-AF65-F5344CB8AC3E}">
-        <p14:creationId xmlns:p14="http://schemas.microsoft.com/office/powerpoint/2010/main" val="3477151305"/>
-      </p:ext>
-    </p:extLst>
-  </p:cSld>
-  <p:clrMapOvr>
-    <a:masterClrMapping/>
-  </p:clrMapOvr>
-</p:sld>
-</file>
-
-<file path=ppt/slides/slide26.xml><?xml version="1.0" encoding="utf-8"?>
-<p:sld xmlns:a="http://schemas.openxmlformats.org/drawingml/2006/main" xmlns:r="http://schemas.openxmlformats.org/officeDocument/2006/relationships" xmlns:p="http://schemas.openxmlformats.org/presentationml/2006/main">
-  <p:cSld>
-    <p:spTree>
-      <p:nvGrpSpPr>
-        <p:cNvPr id="1" name=""/>
-        <p:cNvGrpSpPr/>
-        <p:nvPr/>
-      </p:nvGrpSpPr>
-      <p:grpSpPr>
-        <a:xfrm>
-          <a:off x="0" y="0"/>
-          <a:ext cx="0" cy="0"/>
-          <a:chOff x="0" y="0"/>
-          <a:chExt cx="0" cy="0"/>
-        </a:xfrm>
-      </p:grpSpPr>
-      <p:sp>
-        <p:nvSpPr>
-          <p:cNvPr id="2" name="Title 1"/>
-          <p:cNvSpPr>
-            <a:spLocks noGrp="1"/>
-          </p:cNvSpPr>
-          <p:nvPr>
-            <p:ph type="ctrTitle"/>
-          </p:nvPr>
-        </p:nvSpPr>
-        <p:spPr>
-          <a:xfrm>
-            <a:off x="762000" y="4648200"/>
-            <a:ext cx="7543800" cy="1524000"/>
-          </a:xfrm>
-        </p:spPr>
-        <p:txBody>
-          <a:bodyPr/>
-          <a:lstStyle/>
-          <a:p>
-            <a:r>
-              <a:rPr lang="en-US" dirty="0" smtClean="0"/>
-              <a:t>Questions?</a:t>
-            </a:r>
-            <a:endParaRPr lang="en-US" dirty="0"/>
-          </a:p>
-        </p:txBody>
-      </p:sp>
-    </p:spTree>
-    <p:extLst>
-      <p:ext uri="{BB962C8B-B14F-4D97-AF65-F5344CB8AC3E}">
-        <p14:creationId xmlns:p14="http://schemas.microsoft.com/office/powerpoint/2010/main" val="3596758272"/>
-      </p:ext>
-    </p:extLst>
-  </p:cSld>
-  <p:clrMapOvr>
-    <a:masterClrMapping/>
-  </p:clrMapOvr>
-  <p:timing>
-    <p:tnLst>
-      <p:par>
-        <p:cTn id="1" dur="indefinite" restart="never" nodeType="tmRoot"/>
-      </p:par>
-    </p:tnLst>
-  </p:timing>
-</p:sld>
-</file>
-
-<file path=ppt/slides/slide27.xml><?xml version="1.0" encoding="utf-8"?>
-<p:sld xmlns:a="http://schemas.openxmlformats.org/drawingml/2006/main" xmlns:r="http://schemas.openxmlformats.org/officeDocument/2006/relationships" xmlns:p="http://schemas.openxmlformats.org/presentationml/2006/main">
-  <p:cSld>
-    <p:spTree>
-      <p:nvGrpSpPr>
-        <p:cNvPr id="1" name=""/>
-        <p:cNvGrpSpPr/>
-        <p:nvPr/>
-      </p:nvGrpSpPr>
-      <p:grpSpPr>
-        <a:xfrm>
-          <a:off x="0" y="0"/>
-          <a:ext cx="0" cy="0"/>
-          <a:chOff x="0" y="0"/>
-          <a:chExt cx="0" cy="0"/>
-        </a:xfrm>
-      </p:grpSpPr>
-      <p:sp>
-        <p:nvSpPr>
-          <p:cNvPr id="2" name="Title 1"/>
-          <p:cNvSpPr>
-            <a:spLocks noGrp="1"/>
-          </p:cNvSpPr>
-          <p:nvPr>
-            <p:ph type="title"/>
-          </p:nvPr>
-        </p:nvSpPr>
-        <p:spPr/>
-        <p:txBody>
-          <a:bodyPr/>
-          <a:lstStyle/>
-          <a:p>
-            <a:endParaRPr lang="en-US"/>
-          </a:p>
-        </p:txBody>
-      </p:sp>
-      <p:sp>
-        <p:nvSpPr>
-          <p:cNvPr id="3" name="Content Placeholder 2"/>
-          <p:cNvSpPr>
-            <a:spLocks noGrp="1"/>
-          </p:cNvSpPr>
-          <p:nvPr>
-            <p:ph idx="1"/>
-          </p:nvPr>
-        </p:nvSpPr>
-        <p:spPr/>
-        <p:txBody>
-          <a:bodyPr/>
-          <a:lstStyle/>
-          <a:p>
-            <a:endParaRPr lang="en-US"/>
-          </a:p>
-        </p:txBody>
-      </p:sp>
       <p:pic>
         <p:nvPicPr>
-          <p:cNvPr id="8193" name="Picture 1"/>
+          <p:cNvPr id="2051" name="Picture 3"/>
           <p:cNvPicPr>
             <a:picLocks noChangeAspect="1" noChangeArrowheads="1"/>
           </p:cNvPicPr>
@@ -8843,8 +5584,8 @@
         </p:blipFill>
         <p:spPr bwMode="auto">
           <a:xfrm>
-            <a:off x="266700" y="633413"/>
-            <a:ext cx="8648700" cy="5930826"/>
+            <a:off x="1904999" y="387112"/>
+            <a:ext cx="5167311" cy="5505688"/>
           </a:xfrm>
           <a:prstGeom prst="rect">
             <a:avLst/>
@@ -8884,10 +5625,3511 @@
           </a:extLst>
         </p:spPr>
       </p:pic>
+      <p:sp>
+        <p:nvSpPr>
+          <p:cNvPr id="4" name="TextBox 3"/>
+          <p:cNvSpPr txBox="1"/>
+          <p:nvPr/>
+        </p:nvSpPr>
+        <p:spPr>
+          <a:xfrm>
+            <a:off x="2133600" y="5867400"/>
+            <a:ext cx="4038600" cy="369332"/>
+          </a:xfrm>
+          <a:prstGeom prst="rect">
+            <a:avLst/>
+          </a:prstGeom>
+          <a:noFill/>
+        </p:spPr>
+        <p:txBody>
+          <a:bodyPr wrap="square" rtlCol="0">
+            <a:spAutoFit/>
+          </a:bodyPr>
+          <a:lstStyle/>
+          <a:p>
+            <a:r>
+              <a:rPr lang="en-US" dirty="0" smtClean="0"/>
+              <a:t>Use Case: Configuration of Product</a:t>
+            </a:r>
+            <a:endParaRPr lang="en-US" dirty="0"/>
+          </a:p>
+        </p:txBody>
+      </p:sp>
     </p:spTree>
     <p:extLst>
       <p:ext uri="{BB962C8B-B14F-4D97-AF65-F5344CB8AC3E}">
-        <p14:creationId xmlns:p14="http://schemas.microsoft.com/office/powerpoint/2010/main" val="1052406937"/>
+        <p14:creationId xmlns:p14="http://schemas.microsoft.com/office/powerpoint/2010/main" val="3361535760"/>
+      </p:ext>
+    </p:extLst>
+  </p:cSld>
+  <p:clrMapOvr>
+    <a:masterClrMapping/>
+  </p:clrMapOvr>
+  <p:timing>
+    <p:tnLst>
+      <p:par>
+        <p:cTn id="1" dur="indefinite" restart="never" nodeType="tmRoot"/>
+      </p:par>
+    </p:tnLst>
+  </p:timing>
+</p:sld>
+</file>
+
+<file path=ppt/slides/slide21.xml><?xml version="1.0" encoding="utf-8"?>
+<p:sld xmlns:a="http://schemas.openxmlformats.org/drawingml/2006/main" xmlns:r="http://schemas.openxmlformats.org/officeDocument/2006/relationships" xmlns:p="http://schemas.openxmlformats.org/presentationml/2006/main">
+  <p:cSld>
+    <p:spTree>
+      <p:nvGrpSpPr>
+        <p:cNvPr id="1" name=""/>
+        <p:cNvGrpSpPr/>
+        <p:nvPr/>
+      </p:nvGrpSpPr>
+      <p:grpSpPr>
+        <a:xfrm>
+          <a:off x="0" y="0"/>
+          <a:ext cx="0" cy="0"/>
+          <a:chOff x="0" y="0"/>
+          <a:chExt cx="0" cy="0"/>
+        </a:xfrm>
+      </p:grpSpPr>
+      <p:pic>
+        <p:nvPicPr>
+          <p:cNvPr id="3074" name="Picture 2"/>
+          <p:cNvPicPr>
+            <a:picLocks noChangeAspect="1" noChangeArrowheads="1"/>
+          </p:cNvPicPr>
+          <p:nvPr/>
+        </p:nvPicPr>
+        <p:blipFill>
+          <a:blip r:embed="rId2">
+            <a:extLst>
+              <a:ext uri="{28A0092B-C50C-407E-A947-70E740481C1C}">
+                <a14:useLocalDpi xmlns:a14="http://schemas.microsoft.com/office/drawing/2010/main" val="0"/>
+              </a:ext>
+            </a:extLst>
+          </a:blip>
+          <a:srcRect/>
+          <a:stretch>
+            <a:fillRect/>
+          </a:stretch>
+        </p:blipFill>
+        <p:spPr bwMode="auto">
+          <a:xfrm>
+            <a:off x="1905000" y="381000"/>
+            <a:ext cx="5149206" cy="5486399"/>
+          </a:xfrm>
+          <a:prstGeom prst="rect">
+            <a:avLst/>
+          </a:prstGeom>
+          <a:noFill/>
+          <a:ln>
+            <a:noFill/>
+          </a:ln>
+          <a:effectLst/>
+          <a:extLst>
+            <a:ext uri="{909E8E84-426E-40DD-AFC4-6F175D3DCCD1}">
+              <a14:hiddenFill xmlns:a14="http://schemas.microsoft.com/office/drawing/2010/main">
+                <a:solidFill>
+                  <a:schemeClr val="accent1"/>
+                </a:solidFill>
+              </a14:hiddenFill>
+            </a:ext>
+            <a:ext uri="{91240B29-F687-4F45-9708-019B960494DF}">
+              <a14:hiddenLine xmlns:a14="http://schemas.microsoft.com/office/drawing/2010/main" w="9525">
+                <a:solidFill>
+                  <a:schemeClr val="tx1"/>
+                </a:solidFill>
+                <a:miter lim="800000"/>
+                <a:headEnd/>
+                <a:tailEnd/>
+              </a14:hiddenLine>
+            </a:ext>
+            <a:ext uri="{AF507438-7753-43E0-B8FC-AC1667EBCBE1}">
+              <a14:hiddenEffects xmlns:a14="http://schemas.microsoft.com/office/drawing/2010/main">
+                <a:effectLst>
+                  <a:outerShdw dist="35921" dir="2700000" algn="ctr" rotWithShape="0">
+                    <a:schemeClr val="bg2"/>
+                  </a:outerShdw>
+                </a:effectLst>
+              </a14:hiddenEffects>
+            </a:ext>
+          </a:extLst>
+        </p:spPr>
+      </p:pic>
+      <p:sp>
+        <p:nvSpPr>
+          <p:cNvPr id="5" name="TextBox 4"/>
+          <p:cNvSpPr txBox="1"/>
+          <p:nvPr/>
+        </p:nvSpPr>
+        <p:spPr>
+          <a:xfrm>
+            <a:off x="2362200" y="5867400"/>
+            <a:ext cx="3581400" cy="369332"/>
+          </a:xfrm>
+          <a:prstGeom prst="rect">
+            <a:avLst/>
+          </a:prstGeom>
+          <a:noFill/>
+        </p:spPr>
+        <p:txBody>
+          <a:bodyPr wrap="square" rtlCol="0">
+            <a:spAutoFit/>
+          </a:bodyPr>
+          <a:lstStyle/>
+          <a:p>
+            <a:r>
+              <a:rPr lang="en-US" dirty="0" smtClean="0"/>
+              <a:t>Use Case: Data Retrieval From GUI </a:t>
+            </a:r>
+            <a:endParaRPr lang="en-US" dirty="0"/>
+          </a:p>
+        </p:txBody>
+      </p:sp>
+    </p:spTree>
+    <p:extLst>
+      <p:ext uri="{BB962C8B-B14F-4D97-AF65-F5344CB8AC3E}">
+        <p14:creationId xmlns:p14="http://schemas.microsoft.com/office/powerpoint/2010/main" val="2929658337"/>
+      </p:ext>
+    </p:extLst>
+  </p:cSld>
+  <p:clrMapOvr>
+    <a:masterClrMapping/>
+  </p:clrMapOvr>
+  <p:timing>
+    <p:tnLst>
+      <p:par>
+        <p:cTn id="1" dur="indefinite" restart="never" nodeType="tmRoot"/>
+      </p:par>
+    </p:tnLst>
+  </p:timing>
+</p:sld>
+</file>
+
+<file path=ppt/slides/slide22.xml><?xml version="1.0" encoding="utf-8"?>
+<p:sld xmlns:a="http://schemas.openxmlformats.org/drawingml/2006/main" xmlns:r="http://schemas.openxmlformats.org/officeDocument/2006/relationships" xmlns:p="http://schemas.openxmlformats.org/presentationml/2006/main">
+  <p:cSld>
+    <p:spTree>
+      <p:nvGrpSpPr>
+        <p:cNvPr id="1" name=""/>
+        <p:cNvGrpSpPr/>
+        <p:nvPr/>
+      </p:nvGrpSpPr>
+      <p:grpSpPr>
+        <a:xfrm>
+          <a:off x="0" y="0"/>
+          <a:ext cx="0" cy="0"/>
+          <a:chOff x="0" y="0"/>
+          <a:chExt cx="0" cy="0"/>
+        </a:xfrm>
+      </p:grpSpPr>
+      <p:pic>
+        <p:nvPicPr>
+          <p:cNvPr id="4098" name="Picture 2"/>
+          <p:cNvPicPr>
+            <a:picLocks noChangeAspect="1" noChangeArrowheads="1"/>
+          </p:cNvPicPr>
+          <p:nvPr/>
+        </p:nvPicPr>
+        <p:blipFill>
+          <a:blip r:embed="rId2">
+            <a:extLst>
+              <a:ext uri="{28A0092B-C50C-407E-A947-70E740481C1C}">
+                <a14:useLocalDpi xmlns:a14="http://schemas.microsoft.com/office/drawing/2010/main" val="0"/>
+              </a:ext>
+            </a:extLst>
+          </a:blip>
+          <a:srcRect/>
+          <a:stretch>
+            <a:fillRect/>
+          </a:stretch>
+        </p:blipFill>
+        <p:spPr bwMode="auto">
+          <a:xfrm>
+            <a:off x="1752600" y="381000"/>
+            <a:ext cx="5105400" cy="5439723"/>
+          </a:xfrm>
+          <a:prstGeom prst="rect">
+            <a:avLst/>
+          </a:prstGeom>
+          <a:noFill/>
+          <a:ln>
+            <a:noFill/>
+          </a:ln>
+          <a:effectLst/>
+          <a:extLst>
+            <a:ext uri="{909E8E84-426E-40DD-AFC4-6F175D3DCCD1}">
+              <a14:hiddenFill xmlns:a14="http://schemas.microsoft.com/office/drawing/2010/main">
+                <a:solidFill>
+                  <a:schemeClr val="accent1"/>
+                </a:solidFill>
+              </a14:hiddenFill>
+            </a:ext>
+            <a:ext uri="{91240B29-F687-4F45-9708-019B960494DF}">
+              <a14:hiddenLine xmlns:a14="http://schemas.microsoft.com/office/drawing/2010/main" w="9525">
+                <a:solidFill>
+                  <a:schemeClr val="tx1"/>
+                </a:solidFill>
+                <a:miter lim="800000"/>
+                <a:headEnd/>
+                <a:tailEnd/>
+              </a14:hiddenLine>
+            </a:ext>
+            <a:ext uri="{AF507438-7753-43E0-B8FC-AC1667EBCBE1}">
+              <a14:hiddenEffects xmlns:a14="http://schemas.microsoft.com/office/drawing/2010/main">
+                <a:effectLst>
+                  <a:outerShdw dist="35921" dir="2700000" algn="ctr" rotWithShape="0">
+                    <a:schemeClr val="bg2"/>
+                  </a:outerShdw>
+                </a:effectLst>
+              </a14:hiddenEffects>
+            </a:ext>
+          </a:extLst>
+        </p:spPr>
+      </p:pic>
+      <p:sp>
+        <p:nvSpPr>
+          <p:cNvPr id="5" name="TextBox 4"/>
+          <p:cNvSpPr txBox="1"/>
+          <p:nvPr/>
+        </p:nvSpPr>
+        <p:spPr>
+          <a:xfrm>
+            <a:off x="2514600" y="5833423"/>
+            <a:ext cx="3124200" cy="369332"/>
+          </a:xfrm>
+          <a:prstGeom prst="rect">
+            <a:avLst/>
+          </a:prstGeom>
+          <a:noFill/>
+        </p:spPr>
+        <p:txBody>
+          <a:bodyPr wrap="square" rtlCol="0">
+            <a:spAutoFit/>
+          </a:bodyPr>
+          <a:lstStyle/>
+          <a:p>
+            <a:r>
+              <a:rPr lang="en-US" dirty="0" smtClean="0"/>
+              <a:t>Use Case: Bump Detection</a:t>
+            </a:r>
+            <a:endParaRPr lang="en-US" dirty="0"/>
+          </a:p>
+        </p:txBody>
+      </p:sp>
+    </p:spTree>
+    <p:extLst>
+      <p:ext uri="{BB962C8B-B14F-4D97-AF65-F5344CB8AC3E}">
+        <p14:creationId xmlns:p14="http://schemas.microsoft.com/office/powerpoint/2010/main" val="3587578043"/>
+      </p:ext>
+    </p:extLst>
+  </p:cSld>
+  <p:clrMapOvr>
+    <a:masterClrMapping/>
+  </p:clrMapOvr>
+  <p:timing>
+    <p:tnLst>
+      <p:par>
+        <p:cTn id="1" dur="indefinite" restart="never" nodeType="tmRoot"/>
+      </p:par>
+    </p:tnLst>
+  </p:timing>
+</p:sld>
+</file>
+
+<file path=ppt/slides/slide23.xml><?xml version="1.0" encoding="utf-8"?>
+<p:sld xmlns:a="http://schemas.openxmlformats.org/drawingml/2006/main" xmlns:r="http://schemas.openxmlformats.org/officeDocument/2006/relationships" xmlns:p="http://schemas.openxmlformats.org/presentationml/2006/main">
+  <p:cSld>
+    <p:spTree>
+      <p:nvGrpSpPr>
+        <p:cNvPr id="1" name=""/>
+        <p:cNvGrpSpPr/>
+        <p:nvPr/>
+      </p:nvGrpSpPr>
+      <p:grpSpPr>
+        <a:xfrm>
+          <a:off x="0" y="0"/>
+          <a:ext cx="0" cy="0"/>
+          <a:chOff x="0" y="0"/>
+          <a:chExt cx="0" cy="0"/>
+        </a:xfrm>
+      </p:grpSpPr>
+      <p:pic>
+        <p:nvPicPr>
+          <p:cNvPr id="5122" name="Picture 2"/>
+          <p:cNvPicPr>
+            <a:picLocks noChangeAspect="1" noChangeArrowheads="1"/>
+          </p:cNvPicPr>
+          <p:nvPr/>
+        </p:nvPicPr>
+        <p:blipFill>
+          <a:blip r:embed="rId2">
+            <a:extLst>
+              <a:ext uri="{28A0092B-C50C-407E-A947-70E740481C1C}">
+                <a14:useLocalDpi xmlns:a14="http://schemas.microsoft.com/office/drawing/2010/main" val="0"/>
+              </a:ext>
+            </a:extLst>
+          </a:blip>
+          <a:srcRect/>
+          <a:stretch>
+            <a:fillRect/>
+          </a:stretch>
+        </p:blipFill>
+        <p:spPr bwMode="auto">
+          <a:xfrm>
+            <a:off x="1828800" y="381002"/>
+            <a:ext cx="5149208" cy="5486400"/>
+          </a:xfrm>
+          <a:prstGeom prst="rect">
+            <a:avLst/>
+          </a:prstGeom>
+          <a:noFill/>
+          <a:ln>
+            <a:noFill/>
+          </a:ln>
+          <a:effectLst/>
+          <a:extLst>
+            <a:ext uri="{909E8E84-426E-40DD-AFC4-6F175D3DCCD1}">
+              <a14:hiddenFill xmlns:a14="http://schemas.microsoft.com/office/drawing/2010/main">
+                <a:solidFill>
+                  <a:schemeClr val="accent1"/>
+                </a:solidFill>
+              </a14:hiddenFill>
+            </a:ext>
+            <a:ext uri="{91240B29-F687-4F45-9708-019B960494DF}">
+              <a14:hiddenLine xmlns:a14="http://schemas.microsoft.com/office/drawing/2010/main" w="9525">
+                <a:solidFill>
+                  <a:schemeClr val="tx1"/>
+                </a:solidFill>
+                <a:miter lim="800000"/>
+                <a:headEnd/>
+                <a:tailEnd/>
+              </a14:hiddenLine>
+            </a:ext>
+            <a:ext uri="{AF507438-7753-43E0-B8FC-AC1667EBCBE1}">
+              <a14:hiddenEffects xmlns:a14="http://schemas.microsoft.com/office/drawing/2010/main">
+                <a:effectLst>
+                  <a:outerShdw dist="35921" dir="2700000" algn="ctr" rotWithShape="0">
+                    <a:schemeClr val="bg2"/>
+                  </a:outerShdw>
+                </a:effectLst>
+              </a14:hiddenEffects>
+            </a:ext>
+          </a:extLst>
+        </p:spPr>
+      </p:pic>
+      <p:sp>
+        <p:nvSpPr>
+          <p:cNvPr id="4" name="TextBox 3"/>
+          <p:cNvSpPr txBox="1"/>
+          <p:nvPr/>
+        </p:nvSpPr>
+        <p:spPr>
+          <a:xfrm>
+            <a:off x="2413000" y="5867402"/>
+            <a:ext cx="3962400" cy="369332"/>
+          </a:xfrm>
+          <a:prstGeom prst="rect">
+            <a:avLst/>
+          </a:prstGeom>
+          <a:noFill/>
+        </p:spPr>
+        <p:txBody>
+          <a:bodyPr wrap="square" rtlCol="0">
+            <a:spAutoFit/>
+          </a:bodyPr>
+          <a:lstStyle/>
+          <a:p>
+            <a:r>
+              <a:rPr lang="en-US" dirty="0" smtClean="0"/>
+              <a:t>Use Case: Storing Raw/Processed Data</a:t>
+            </a:r>
+            <a:endParaRPr lang="en-US" dirty="0"/>
+          </a:p>
+        </p:txBody>
+      </p:sp>
+    </p:spTree>
+    <p:extLst>
+      <p:ext uri="{BB962C8B-B14F-4D97-AF65-F5344CB8AC3E}">
+        <p14:creationId xmlns:p14="http://schemas.microsoft.com/office/powerpoint/2010/main" val="3793695184"/>
+      </p:ext>
+    </p:extLst>
+  </p:cSld>
+  <p:clrMapOvr>
+    <a:masterClrMapping/>
+  </p:clrMapOvr>
+</p:sld>
+</file>
+
+<file path=ppt/slides/slide24.xml><?xml version="1.0" encoding="utf-8"?>
+<p:sld xmlns:a="http://schemas.openxmlformats.org/drawingml/2006/main" xmlns:r="http://schemas.openxmlformats.org/officeDocument/2006/relationships" xmlns:p="http://schemas.openxmlformats.org/presentationml/2006/main">
+  <p:cSld>
+    <p:spTree>
+      <p:nvGrpSpPr>
+        <p:cNvPr id="1" name=""/>
+        <p:cNvGrpSpPr/>
+        <p:nvPr/>
+      </p:nvGrpSpPr>
+      <p:grpSpPr>
+        <a:xfrm>
+          <a:off x="0" y="0"/>
+          <a:ext cx="0" cy="0"/>
+          <a:chOff x="0" y="0"/>
+          <a:chExt cx="0" cy="0"/>
+        </a:xfrm>
+      </p:grpSpPr>
+      <p:sp>
+        <p:nvSpPr>
+          <p:cNvPr id="2" name="Title 1"/>
+          <p:cNvSpPr>
+            <a:spLocks noGrp="1"/>
+          </p:cNvSpPr>
+          <p:nvPr>
+            <p:ph type="ctrTitle"/>
+          </p:nvPr>
+        </p:nvSpPr>
+        <p:spPr>
+          <a:xfrm>
+            <a:off x="762000" y="4724400"/>
+            <a:ext cx="7543800" cy="1524000"/>
+          </a:xfrm>
+        </p:spPr>
+        <p:txBody>
+          <a:bodyPr/>
+          <a:lstStyle/>
+          <a:p>
+            <a:r>
+              <a:rPr lang="en-US" dirty="0" smtClean="0"/>
+              <a:t>Requirement Mapping</a:t>
+            </a:r>
+            <a:endParaRPr lang="en-US" dirty="0"/>
+          </a:p>
+        </p:txBody>
+      </p:sp>
+    </p:spTree>
+    <p:extLst>
+      <p:ext uri="{BB962C8B-B14F-4D97-AF65-F5344CB8AC3E}">
+        <p14:creationId xmlns:p14="http://schemas.microsoft.com/office/powerpoint/2010/main" val="1781556997"/>
+      </p:ext>
+    </p:extLst>
+  </p:cSld>
+  <p:clrMapOvr>
+    <a:masterClrMapping/>
+  </p:clrMapOvr>
+  <p:timing>
+    <p:tnLst>
+      <p:par>
+        <p:cTn id="1" dur="indefinite" restart="never" nodeType="tmRoot"/>
+      </p:par>
+    </p:tnLst>
+  </p:timing>
+</p:sld>
+</file>
+
+<file path=ppt/slides/slide25.xml><?xml version="1.0" encoding="utf-8"?>
+<p:sld xmlns:a="http://schemas.openxmlformats.org/drawingml/2006/main" xmlns:r="http://schemas.openxmlformats.org/officeDocument/2006/relationships" xmlns:p="http://schemas.openxmlformats.org/presentationml/2006/main">
+  <p:cSld>
+    <p:spTree>
+      <p:nvGrpSpPr>
+        <p:cNvPr id="1" name=""/>
+        <p:cNvGrpSpPr/>
+        <p:nvPr/>
+      </p:nvGrpSpPr>
+      <p:grpSpPr>
+        <a:xfrm>
+          <a:off x="0" y="0"/>
+          <a:ext cx="0" cy="0"/>
+          <a:chOff x="0" y="0"/>
+          <a:chExt cx="0" cy="0"/>
+        </a:xfrm>
+      </p:grpSpPr>
+      <p:sp>
+        <p:nvSpPr>
+          <p:cNvPr id="2" name="Title 1"/>
+          <p:cNvSpPr>
+            <a:spLocks noGrp="1"/>
+          </p:cNvSpPr>
+          <p:nvPr>
+            <p:ph type="title"/>
+          </p:nvPr>
+        </p:nvSpPr>
+        <p:spPr/>
+        <p:txBody>
+          <a:bodyPr/>
+          <a:lstStyle/>
+          <a:p>
+            <a:r>
+              <a:rPr lang="en-US" dirty="0" smtClean="0"/>
+              <a:t>Key Requirements</a:t>
+            </a:r>
+            <a:endParaRPr lang="en-US" dirty="0"/>
+          </a:p>
+        </p:txBody>
+      </p:sp>
+      <p:graphicFrame>
+        <p:nvGraphicFramePr>
+          <p:cNvPr id="5" name="Content Placeholder 4"/>
+          <p:cNvGraphicFramePr>
+            <a:graphicFrameLocks noGrp="1"/>
+          </p:cNvGraphicFramePr>
+          <p:nvPr>
+            <p:ph idx="1"/>
+            <p:extLst>
+              <p:ext uri="{D42A27DB-BD31-4B8C-83A1-F6EECF244321}">
+                <p14:modId xmlns:p14="http://schemas.microsoft.com/office/powerpoint/2010/main" val="1105056789"/>
+              </p:ext>
+            </p:extLst>
+          </p:nvPr>
+        </p:nvGraphicFramePr>
+        <p:xfrm>
+          <a:off x="152400" y="838200"/>
+          <a:ext cx="8903674" cy="3840480"/>
+        </p:xfrm>
+        <a:graphic>
+          <a:graphicData uri="http://schemas.openxmlformats.org/drawingml/2006/table">
+            <a:tbl>
+              <a:tblPr firstRow="1" firstCol="1" bandRow="1">
+                <a:tableStyleId>{5C22544A-7EE6-4342-B048-85BDC9FD1C3A}</a:tableStyleId>
+              </a:tblPr>
+              <a:tblGrid>
+                <a:gridCol w="718037"/>
+                <a:gridCol w="4604237"/>
+                <a:gridCol w="685800"/>
+                <a:gridCol w="762000"/>
+                <a:gridCol w="762000"/>
+                <a:gridCol w="685800"/>
+                <a:gridCol w="685800"/>
+              </a:tblGrid>
+              <a:tr h="92122">
+                <a:tc>
+                  <a:txBody>
+                    <a:bodyPr/>
+                    <a:lstStyle/>
+                    <a:p>
+                      <a:pPr marL="0" marR="0">
+                        <a:spcBef>
+                          <a:spcPts val="0"/>
+                        </a:spcBef>
+                        <a:spcAft>
+                          <a:spcPts val="0"/>
+                        </a:spcAft>
+                      </a:pPr>
+                      <a:r>
+                        <a:rPr lang="en-US" sz="1400" dirty="0">
+                          <a:effectLst/>
+                        </a:rPr>
+                        <a:t>Number</a:t>
+                      </a:r>
+                      <a:endParaRPr lang="en-US" sz="1600" dirty="0">
+                        <a:effectLst/>
+                        <a:latin typeface="Times New Roman"/>
+                        <a:ea typeface="Times New Roman"/>
+                      </a:endParaRPr>
+                    </a:p>
+                  </a:txBody>
+                  <a:tcPr marL="20881" marR="20881" marT="0" marB="0"/>
+                </a:tc>
+                <a:tc>
+                  <a:txBody>
+                    <a:bodyPr/>
+                    <a:lstStyle/>
+                    <a:p>
+                      <a:pPr marL="0" marR="0">
+                        <a:spcBef>
+                          <a:spcPts val="0"/>
+                        </a:spcBef>
+                        <a:spcAft>
+                          <a:spcPts val="0"/>
+                        </a:spcAft>
+                      </a:pPr>
+                      <a:r>
+                        <a:rPr lang="en-US" sz="1400" dirty="0">
+                          <a:effectLst/>
+                        </a:rPr>
+                        <a:t>Requirement</a:t>
+                      </a:r>
+                      <a:endParaRPr lang="en-US" sz="1600" dirty="0">
+                        <a:effectLst/>
+                        <a:latin typeface="Times New Roman"/>
+                        <a:ea typeface="Times New Roman"/>
+                      </a:endParaRPr>
+                    </a:p>
+                  </a:txBody>
+                  <a:tcPr marL="20881" marR="20881" marT="0" marB="0"/>
+                </a:tc>
+                <a:tc>
+                  <a:txBody>
+                    <a:bodyPr/>
+                    <a:lstStyle/>
+                    <a:p>
+                      <a:pPr marL="0" marR="0">
+                        <a:spcBef>
+                          <a:spcPts val="0"/>
+                        </a:spcBef>
+                        <a:spcAft>
+                          <a:spcPts val="0"/>
+                        </a:spcAft>
+                      </a:pPr>
+                      <a:r>
+                        <a:rPr lang="en-US" sz="1400">
+                          <a:effectLst/>
+                        </a:rPr>
+                        <a:t>Storage Layer</a:t>
+                      </a:r>
+                      <a:endParaRPr lang="en-US" sz="1600">
+                        <a:effectLst/>
+                        <a:latin typeface="Times New Roman"/>
+                        <a:ea typeface="Times New Roman"/>
+                      </a:endParaRPr>
+                    </a:p>
+                  </a:txBody>
+                  <a:tcPr marL="20881" marR="20881" marT="0" marB="0"/>
+                </a:tc>
+                <a:tc>
+                  <a:txBody>
+                    <a:bodyPr/>
+                    <a:lstStyle/>
+                    <a:p>
+                      <a:pPr marL="0" marR="0">
+                        <a:spcBef>
+                          <a:spcPts val="0"/>
+                        </a:spcBef>
+                        <a:spcAft>
+                          <a:spcPts val="0"/>
+                        </a:spcAft>
+                      </a:pPr>
+                      <a:r>
+                        <a:rPr lang="en-US" sz="1400">
+                          <a:effectLst/>
+                        </a:rPr>
+                        <a:t>Process Layer</a:t>
+                      </a:r>
+                      <a:endParaRPr lang="en-US" sz="1600">
+                        <a:effectLst/>
+                        <a:latin typeface="Times New Roman"/>
+                        <a:ea typeface="Times New Roman"/>
+                      </a:endParaRPr>
+                    </a:p>
+                  </a:txBody>
+                  <a:tcPr marL="20881" marR="20881" marT="0" marB="0"/>
+                </a:tc>
+                <a:tc>
+                  <a:txBody>
+                    <a:bodyPr/>
+                    <a:lstStyle/>
+                    <a:p>
+                      <a:pPr marL="0" marR="0">
+                        <a:spcBef>
+                          <a:spcPts val="0"/>
+                        </a:spcBef>
+                        <a:spcAft>
+                          <a:spcPts val="0"/>
+                        </a:spcAft>
+                      </a:pPr>
+                      <a:r>
+                        <a:rPr lang="en-US" sz="1400">
+                          <a:effectLst/>
+                        </a:rPr>
+                        <a:t>Input Layer</a:t>
+                      </a:r>
+                      <a:endParaRPr lang="en-US" sz="1600">
+                        <a:effectLst/>
+                        <a:latin typeface="Times New Roman"/>
+                        <a:ea typeface="Times New Roman"/>
+                      </a:endParaRPr>
+                    </a:p>
+                  </a:txBody>
+                  <a:tcPr marL="20881" marR="20881" marT="0" marB="0"/>
+                </a:tc>
+                <a:tc>
+                  <a:txBody>
+                    <a:bodyPr/>
+                    <a:lstStyle/>
+                    <a:p>
+                      <a:pPr marL="0" marR="0">
+                        <a:spcBef>
+                          <a:spcPts val="0"/>
+                        </a:spcBef>
+                        <a:spcAft>
+                          <a:spcPts val="0"/>
+                        </a:spcAft>
+                      </a:pPr>
+                      <a:r>
+                        <a:rPr lang="en-US" sz="1400">
+                          <a:effectLst/>
+                        </a:rPr>
+                        <a:t>Output Layer</a:t>
+                      </a:r>
+                      <a:endParaRPr lang="en-US" sz="1600">
+                        <a:effectLst/>
+                        <a:latin typeface="Times New Roman"/>
+                        <a:ea typeface="Times New Roman"/>
+                      </a:endParaRPr>
+                    </a:p>
+                  </a:txBody>
+                  <a:tcPr marL="20881" marR="20881" marT="0" marB="0"/>
+                </a:tc>
+                <a:tc>
+                  <a:txBody>
+                    <a:bodyPr/>
+                    <a:lstStyle/>
+                    <a:p>
+                      <a:pPr marL="0" marR="0">
+                        <a:spcBef>
+                          <a:spcPts val="0"/>
+                        </a:spcBef>
+                        <a:spcAft>
+                          <a:spcPts val="0"/>
+                        </a:spcAft>
+                      </a:pPr>
+                      <a:r>
+                        <a:rPr lang="en-US" sz="1400">
+                          <a:effectLst/>
+                        </a:rPr>
+                        <a:t>GUI Layer</a:t>
+                      </a:r>
+                      <a:endParaRPr lang="en-US" sz="1600">
+                        <a:effectLst/>
+                        <a:latin typeface="Times New Roman"/>
+                        <a:ea typeface="Times New Roman"/>
+                      </a:endParaRPr>
+                    </a:p>
+                  </a:txBody>
+                  <a:tcPr marL="20881" marR="20881" marT="0" marB="0"/>
+                </a:tc>
+              </a:tr>
+              <a:tr h="162135">
+                <a:tc>
+                  <a:txBody>
+                    <a:bodyPr/>
+                    <a:lstStyle/>
+                    <a:p>
+                      <a:pPr marL="0" marR="0" algn="r">
+                        <a:spcBef>
+                          <a:spcPts val="0"/>
+                        </a:spcBef>
+                        <a:spcAft>
+                          <a:spcPts val="0"/>
+                        </a:spcAft>
+                      </a:pPr>
+                      <a:r>
+                        <a:rPr lang="en-US" sz="1400">
+                          <a:effectLst/>
+                        </a:rPr>
+                        <a:t>3.1</a:t>
+                      </a:r>
+                      <a:endParaRPr lang="en-US" sz="1600">
+                        <a:effectLst/>
+                        <a:latin typeface="Times New Roman"/>
+                        <a:ea typeface="Times New Roman"/>
+                      </a:endParaRPr>
+                    </a:p>
+                  </a:txBody>
+                  <a:tcPr marL="20881" marR="20881" marT="0" marB="0"/>
+                </a:tc>
+                <a:tc>
+                  <a:txBody>
+                    <a:bodyPr/>
+                    <a:lstStyle/>
+                    <a:p>
+                      <a:pPr marL="0" marR="0">
+                        <a:spcBef>
+                          <a:spcPts val="0"/>
+                        </a:spcBef>
+                        <a:spcAft>
+                          <a:spcPts val="0"/>
+                        </a:spcAft>
+                      </a:pPr>
+                      <a:r>
+                        <a:rPr lang="en-US" sz="1400">
+                          <a:effectLst/>
+                        </a:rPr>
+                        <a:t>Power on/off easily</a:t>
+                      </a:r>
+                      <a:endParaRPr lang="en-US" sz="1600">
+                        <a:effectLst/>
+                        <a:latin typeface="Times New Roman"/>
+                        <a:ea typeface="Times New Roman"/>
+                      </a:endParaRPr>
+                    </a:p>
+                  </a:txBody>
+                  <a:tcPr marL="20881" marR="20881" marT="0" marB="0"/>
+                </a:tc>
+                <a:tc>
+                  <a:txBody>
+                    <a:bodyPr/>
+                    <a:lstStyle/>
+                    <a:p>
+                      <a:endParaRPr lang="en-US" sz="1400">
+                        <a:effectLst/>
+                        <a:latin typeface="Times New Roman"/>
+                      </a:endParaRPr>
+                    </a:p>
+                  </a:txBody>
+                  <a:tcPr marL="20881" marR="20881" marT="0" marB="0"/>
+                </a:tc>
+                <a:tc>
+                  <a:txBody>
+                    <a:bodyPr/>
+                    <a:lstStyle/>
+                    <a:p>
+                      <a:endParaRPr lang="en-US" sz="1400">
+                        <a:effectLst/>
+                        <a:latin typeface="Times New Roman"/>
+                      </a:endParaRPr>
+                    </a:p>
+                  </a:txBody>
+                  <a:tcPr marL="20881" marR="20881" marT="0" marB="0"/>
+                </a:tc>
+                <a:tc>
+                  <a:txBody>
+                    <a:bodyPr/>
+                    <a:lstStyle/>
+                    <a:p>
+                      <a:pPr marL="0" marR="0" algn="ctr">
+                        <a:spcBef>
+                          <a:spcPts val="0"/>
+                        </a:spcBef>
+                        <a:spcAft>
+                          <a:spcPts val="0"/>
+                        </a:spcAft>
+                      </a:pPr>
+                      <a:r>
+                        <a:rPr lang="en-US" sz="1400">
+                          <a:effectLst/>
+                        </a:rPr>
+                        <a:t>X</a:t>
+                      </a:r>
+                      <a:endParaRPr lang="en-US" sz="1600">
+                        <a:effectLst/>
+                        <a:latin typeface="Times New Roman"/>
+                        <a:ea typeface="Times New Roman"/>
+                      </a:endParaRPr>
+                    </a:p>
+                  </a:txBody>
+                  <a:tcPr marL="20881" marR="20881" marT="0" marB="0"/>
+                </a:tc>
+                <a:tc>
+                  <a:txBody>
+                    <a:bodyPr/>
+                    <a:lstStyle/>
+                    <a:p>
+                      <a:endParaRPr lang="en-US" sz="1400">
+                        <a:effectLst/>
+                        <a:latin typeface="Times New Roman"/>
+                      </a:endParaRPr>
+                    </a:p>
+                  </a:txBody>
+                  <a:tcPr marL="20881" marR="20881" marT="0" marB="0"/>
+                </a:tc>
+                <a:tc>
+                  <a:txBody>
+                    <a:bodyPr/>
+                    <a:lstStyle/>
+                    <a:p>
+                      <a:endParaRPr lang="en-US" sz="1400">
+                        <a:effectLst/>
+                        <a:latin typeface="Times New Roman"/>
+                      </a:endParaRPr>
+                    </a:p>
+                  </a:txBody>
+                  <a:tcPr marL="20881" marR="20881" marT="0" marB="0"/>
+                </a:tc>
+              </a:tr>
+              <a:tr h="162135">
+                <a:tc>
+                  <a:txBody>
+                    <a:bodyPr/>
+                    <a:lstStyle/>
+                    <a:p>
+                      <a:pPr marL="0" marR="0" algn="r">
+                        <a:spcBef>
+                          <a:spcPts val="0"/>
+                        </a:spcBef>
+                        <a:spcAft>
+                          <a:spcPts val="0"/>
+                        </a:spcAft>
+                      </a:pPr>
+                      <a:r>
+                        <a:rPr lang="en-US" sz="1400" dirty="0">
+                          <a:effectLst/>
+                        </a:rPr>
+                        <a:t>3.3</a:t>
+                      </a:r>
+                      <a:endParaRPr lang="en-US" sz="1600" dirty="0">
+                        <a:effectLst/>
+                        <a:latin typeface="Times New Roman"/>
+                        <a:ea typeface="Times New Roman"/>
+                      </a:endParaRPr>
+                    </a:p>
+                  </a:txBody>
+                  <a:tcPr marL="20881" marR="20881" marT="0" marB="0"/>
+                </a:tc>
+                <a:tc>
+                  <a:txBody>
+                    <a:bodyPr/>
+                    <a:lstStyle/>
+                    <a:p>
+                      <a:pPr marL="0" marR="0">
+                        <a:spcBef>
+                          <a:spcPts val="0"/>
+                        </a:spcBef>
+                        <a:spcAft>
+                          <a:spcPts val="0"/>
+                        </a:spcAft>
+                      </a:pPr>
+                      <a:r>
+                        <a:rPr lang="en-US" sz="1400">
+                          <a:effectLst/>
+                        </a:rPr>
+                        <a:t>Visually indicate error conditions</a:t>
+                      </a:r>
+                      <a:endParaRPr lang="en-US" sz="1600">
+                        <a:effectLst/>
+                        <a:latin typeface="Times New Roman"/>
+                        <a:ea typeface="Times New Roman"/>
+                      </a:endParaRPr>
+                    </a:p>
+                  </a:txBody>
+                  <a:tcPr marL="20881" marR="20881" marT="0" marB="0"/>
+                </a:tc>
+                <a:tc>
+                  <a:txBody>
+                    <a:bodyPr/>
+                    <a:lstStyle/>
+                    <a:p>
+                      <a:endParaRPr lang="en-US" sz="1400">
+                        <a:effectLst/>
+                        <a:latin typeface="Times New Roman"/>
+                      </a:endParaRPr>
+                    </a:p>
+                  </a:txBody>
+                  <a:tcPr marL="20881" marR="20881" marT="0" marB="0"/>
+                </a:tc>
+                <a:tc>
+                  <a:txBody>
+                    <a:bodyPr/>
+                    <a:lstStyle/>
+                    <a:p>
+                      <a:endParaRPr lang="en-US" sz="1400">
+                        <a:effectLst/>
+                        <a:latin typeface="Times New Roman"/>
+                      </a:endParaRPr>
+                    </a:p>
+                  </a:txBody>
+                  <a:tcPr marL="20881" marR="20881" marT="0" marB="0"/>
+                </a:tc>
+                <a:tc>
+                  <a:txBody>
+                    <a:bodyPr/>
+                    <a:lstStyle/>
+                    <a:p>
+                      <a:endParaRPr lang="en-US" sz="1400">
+                        <a:effectLst/>
+                        <a:latin typeface="Times New Roman"/>
+                      </a:endParaRPr>
+                    </a:p>
+                  </a:txBody>
+                  <a:tcPr marL="20881" marR="20881" marT="0" marB="0"/>
+                </a:tc>
+                <a:tc>
+                  <a:txBody>
+                    <a:bodyPr/>
+                    <a:lstStyle/>
+                    <a:p>
+                      <a:pPr marL="0" marR="0" algn="ctr">
+                        <a:spcBef>
+                          <a:spcPts val="0"/>
+                        </a:spcBef>
+                        <a:spcAft>
+                          <a:spcPts val="0"/>
+                        </a:spcAft>
+                      </a:pPr>
+                      <a:r>
+                        <a:rPr lang="en-US" sz="1400">
+                          <a:effectLst/>
+                        </a:rPr>
+                        <a:t>X</a:t>
+                      </a:r>
+                      <a:endParaRPr lang="en-US" sz="1600">
+                        <a:effectLst/>
+                        <a:latin typeface="Times New Roman"/>
+                        <a:ea typeface="Times New Roman"/>
+                      </a:endParaRPr>
+                    </a:p>
+                  </a:txBody>
+                  <a:tcPr marL="20881" marR="20881" marT="0" marB="0"/>
+                </a:tc>
+                <a:tc>
+                  <a:txBody>
+                    <a:bodyPr/>
+                    <a:lstStyle/>
+                    <a:p>
+                      <a:endParaRPr lang="en-US" sz="1400">
+                        <a:effectLst/>
+                        <a:latin typeface="Times New Roman"/>
+                      </a:endParaRPr>
+                    </a:p>
+                  </a:txBody>
+                  <a:tcPr marL="20881" marR="20881" marT="0" marB="0"/>
+                </a:tc>
+              </a:tr>
+              <a:tr h="167640">
+                <a:tc>
+                  <a:txBody>
+                    <a:bodyPr/>
+                    <a:lstStyle/>
+                    <a:p>
+                      <a:pPr marL="0" marR="0" algn="r">
+                        <a:spcBef>
+                          <a:spcPts val="0"/>
+                        </a:spcBef>
+                        <a:spcAft>
+                          <a:spcPts val="0"/>
+                        </a:spcAft>
+                      </a:pPr>
+                      <a:r>
+                        <a:rPr lang="en-US" sz="1400">
+                          <a:effectLst/>
+                        </a:rPr>
+                        <a:t>3.4</a:t>
+                      </a:r>
+                      <a:endParaRPr lang="en-US" sz="1600">
+                        <a:effectLst/>
+                        <a:latin typeface="Times New Roman"/>
+                        <a:ea typeface="Times New Roman"/>
+                      </a:endParaRPr>
+                    </a:p>
+                  </a:txBody>
+                  <a:tcPr marL="20881" marR="20881" marT="0" marB="0"/>
+                </a:tc>
+                <a:tc>
+                  <a:txBody>
+                    <a:bodyPr/>
+                    <a:lstStyle/>
+                    <a:p>
+                      <a:pPr marL="0" marR="0">
+                        <a:spcBef>
+                          <a:spcPts val="0"/>
+                        </a:spcBef>
+                        <a:spcAft>
+                          <a:spcPts val="0"/>
+                        </a:spcAft>
+                      </a:pPr>
+                      <a:r>
+                        <a:rPr lang="en-US" sz="1400">
+                          <a:effectLst/>
+                        </a:rPr>
+                        <a:t>Indicate when it is operating normally</a:t>
+                      </a:r>
+                      <a:endParaRPr lang="en-US" sz="1600">
+                        <a:effectLst/>
+                        <a:latin typeface="Times New Roman"/>
+                        <a:ea typeface="Times New Roman"/>
+                      </a:endParaRPr>
+                    </a:p>
+                  </a:txBody>
+                  <a:tcPr marL="20881" marR="20881" marT="0" marB="0"/>
+                </a:tc>
+                <a:tc>
+                  <a:txBody>
+                    <a:bodyPr/>
+                    <a:lstStyle/>
+                    <a:p>
+                      <a:endParaRPr lang="en-US" sz="1400">
+                        <a:effectLst/>
+                        <a:latin typeface="Times New Roman"/>
+                      </a:endParaRPr>
+                    </a:p>
+                  </a:txBody>
+                  <a:tcPr marL="20881" marR="20881" marT="0" marB="0"/>
+                </a:tc>
+                <a:tc>
+                  <a:txBody>
+                    <a:bodyPr/>
+                    <a:lstStyle/>
+                    <a:p>
+                      <a:endParaRPr lang="en-US" sz="1400">
+                        <a:effectLst/>
+                        <a:latin typeface="Times New Roman"/>
+                      </a:endParaRPr>
+                    </a:p>
+                  </a:txBody>
+                  <a:tcPr marL="20881" marR="20881" marT="0" marB="0"/>
+                </a:tc>
+                <a:tc>
+                  <a:txBody>
+                    <a:bodyPr/>
+                    <a:lstStyle/>
+                    <a:p>
+                      <a:endParaRPr lang="en-US" sz="1400">
+                        <a:effectLst/>
+                        <a:latin typeface="Times New Roman"/>
+                      </a:endParaRPr>
+                    </a:p>
+                  </a:txBody>
+                  <a:tcPr marL="20881" marR="20881" marT="0" marB="0"/>
+                </a:tc>
+                <a:tc>
+                  <a:txBody>
+                    <a:bodyPr/>
+                    <a:lstStyle/>
+                    <a:p>
+                      <a:pPr marL="0" marR="0" algn="ctr">
+                        <a:spcBef>
+                          <a:spcPts val="0"/>
+                        </a:spcBef>
+                        <a:spcAft>
+                          <a:spcPts val="0"/>
+                        </a:spcAft>
+                      </a:pPr>
+                      <a:r>
+                        <a:rPr lang="en-US" sz="1400">
+                          <a:effectLst/>
+                        </a:rPr>
+                        <a:t>X</a:t>
+                      </a:r>
+                      <a:endParaRPr lang="en-US" sz="1600">
+                        <a:effectLst/>
+                        <a:latin typeface="Times New Roman"/>
+                        <a:ea typeface="Times New Roman"/>
+                      </a:endParaRPr>
+                    </a:p>
+                  </a:txBody>
+                  <a:tcPr marL="20881" marR="20881" marT="0" marB="0"/>
+                </a:tc>
+                <a:tc>
+                  <a:txBody>
+                    <a:bodyPr/>
+                    <a:lstStyle/>
+                    <a:p>
+                      <a:endParaRPr lang="en-US" sz="1400">
+                        <a:effectLst/>
+                        <a:latin typeface="Times New Roman"/>
+                      </a:endParaRPr>
+                    </a:p>
+                  </a:txBody>
+                  <a:tcPr marL="20881" marR="20881" marT="0" marB="0"/>
+                </a:tc>
+              </a:tr>
+              <a:tr h="152400">
+                <a:tc>
+                  <a:txBody>
+                    <a:bodyPr/>
+                    <a:lstStyle/>
+                    <a:p>
+                      <a:pPr marL="0" marR="0" algn="r">
+                        <a:spcBef>
+                          <a:spcPts val="0"/>
+                        </a:spcBef>
+                        <a:spcAft>
+                          <a:spcPts val="0"/>
+                        </a:spcAft>
+                      </a:pPr>
+                      <a:r>
+                        <a:rPr lang="en-US" sz="1400">
+                          <a:effectLst/>
+                        </a:rPr>
+                        <a:t>3.5</a:t>
+                      </a:r>
+                      <a:endParaRPr lang="en-US" sz="1600">
+                        <a:effectLst/>
+                        <a:latin typeface="Times New Roman"/>
+                        <a:ea typeface="Times New Roman"/>
+                      </a:endParaRPr>
+                    </a:p>
+                  </a:txBody>
+                  <a:tcPr marL="20881" marR="20881" marT="0" marB="0"/>
+                </a:tc>
+                <a:tc>
+                  <a:txBody>
+                    <a:bodyPr/>
+                    <a:lstStyle/>
+                    <a:p>
+                      <a:pPr marL="0" marR="0">
+                        <a:spcBef>
+                          <a:spcPts val="0"/>
+                        </a:spcBef>
+                        <a:spcAft>
+                          <a:spcPts val="0"/>
+                        </a:spcAft>
+                      </a:pPr>
+                      <a:r>
+                        <a:rPr lang="en-US" sz="1400">
+                          <a:effectLst/>
+                        </a:rPr>
+                        <a:t>Measure the travel distance of the platform</a:t>
+                      </a:r>
+                      <a:endParaRPr lang="en-US" sz="1600">
+                        <a:effectLst/>
+                        <a:latin typeface="Times New Roman"/>
+                        <a:ea typeface="Times New Roman"/>
+                      </a:endParaRPr>
+                    </a:p>
+                  </a:txBody>
+                  <a:tcPr marL="20881" marR="20881" marT="0" marB="0"/>
+                </a:tc>
+                <a:tc>
+                  <a:txBody>
+                    <a:bodyPr/>
+                    <a:lstStyle/>
+                    <a:p>
+                      <a:endParaRPr lang="en-US" sz="1400">
+                        <a:effectLst/>
+                        <a:latin typeface="Times New Roman"/>
+                      </a:endParaRPr>
+                    </a:p>
+                  </a:txBody>
+                  <a:tcPr marL="20881" marR="20881" marT="0" marB="0"/>
+                </a:tc>
+                <a:tc>
+                  <a:txBody>
+                    <a:bodyPr/>
+                    <a:lstStyle/>
+                    <a:p>
+                      <a:endParaRPr lang="en-US" sz="1400">
+                        <a:effectLst/>
+                        <a:latin typeface="Times New Roman"/>
+                      </a:endParaRPr>
+                    </a:p>
+                  </a:txBody>
+                  <a:tcPr marL="20881" marR="20881" marT="0" marB="0"/>
+                </a:tc>
+                <a:tc>
+                  <a:txBody>
+                    <a:bodyPr/>
+                    <a:lstStyle/>
+                    <a:p>
+                      <a:pPr marL="0" marR="0" algn="ctr">
+                        <a:spcBef>
+                          <a:spcPts val="0"/>
+                        </a:spcBef>
+                        <a:spcAft>
+                          <a:spcPts val="0"/>
+                        </a:spcAft>
+                      </a:pPr>
+                      <a:r>
+                        <a:rPr lang="en-US" sz="1400">
+                          <a:effectLst/>
+                        </a:rPr>
+                        <a:t>X</a:t>
+                      </a:r>
+                      <a:endParaRPr lang="en-US" sz="1600">
+                        <a:effectLst/>
+                        <a:latin typeface="Times New Roman"/>
+                        <a:ea typeface="Times New Roman"/>
+                      </a:endParaRPr>
+                    </a:p>
+                  </a:txBody>
+                  <a:tcPr marL="20881" marR="20881" marT="0" marB="0"/>
+                </a:tc>
+                <a:tc>
+                  <a:txBody>
+                    <a:bodyPr/>
+                    <a:lstStyle/>
+                    <a:p>
+                      <a:endParaRPr lang="en-US" sz="1400">
+                        <a:effectLst/>
+                        <a:latin typeface="Times New Roman"/>
+                      </a:endParaRPr>
+                    </a:p>
+                  </a:txBody>
+                  <a:tcPr marL="20881" marR="20881" marT="0" marB="0"/>
+                </a:tc>
+                <a:tc>
+                  <a:txBody>
+                    <a:bodyPr/>
+                    <a:lstStyle/>
+                    <a:p>
+                      <a:endParaRPr lang="en-US" sz="1400">
+                        <a:effectLst/>
+                        <a:latin typeface="Times New Roman"/>
+                      </a:endParaRPr>
+                    </a:p>
+                  </a:txBody>
+                  <a:tcPr marL="20881" marR="20881" marT="0" marB="0"/>
+                </a:tc>
+              </a:tr>
+              <a:tr h="137160">
+                <a:tc>
+                  <a:txBody>
+                    <a:bodyPr/>
+                    <a:lstStyle/>
+                    <a:p>
+                      <a:pPr marL="0" marR="0" algn="r">
+                        <a:spcBef>
+                          <a:spcPts val="0"/>
+                        </a:spcBef>
+                        <a:spcAft>
+                          <a:spcPts val="0"/>
+                        </a:spcAft>
+                      </a:pPr>
+                      <a:r>
+                        <a:rPr lang="en-US" sz="1400">
+                          <a:effectLst/>
+                        </a:rPr>
+                        <a:t>3.6</a:t>
+                      </a:r>
+                      <a:endParaRPr lang="en-US" sz="1600">
+                        <a:effectLst/>
+                        <a:latin typeface="Times New Roman"/>
+                        <a:ea typeface="Times New Roman"/>
+                      </a:endParaRPr>
+                    </a:p>
+                  </a:txBody>
+                  <a:tcPr marL="20881" marR="20881" marT="0" marB="0"/>
+                </a:tc>
+                <a:tc>
+                  <a:txBody>
+                    <a:bodyPr/>
+                    <a:lstStyle/>
+                    <a:p>
+                      <a:pPr marL="0" marR="0">
+                        <a:spcBef>
+                          <a:spcPts val="0"/>
+                        </a:spcBef>
+                        <a:spcAft>
+                          <a:spcPts val="0"/>
+                        </a:spcAft>
+                      </a:pPr>
+                      <a:r>
+                        <a:rPr lang="en-US" sz="1400">
+                          <a:effectLst/>
+                        </a:rPr>
+                        <a:t>Measure the inclination of the platform from a calibration point</a:t>
+                      </a:r>
+                      <a:endParaRPr lang="en-US" sz="1600">
+                        <a:effectLst/>
+                        <a:latin typeface="Times New Roman"/>
+                        <a:ea typeface="Times New Roman"/>
+                      </a:endParaRPr>
+                    </a:p>
+                  </a:txBody>
+                  <a:tcPr marL="20881" marR="20881" marT="0" marB="0"/>
+                </a:tc>
+                <a:tc>
+                  <a:txBody>
+                    <a:bodyPr/>
+                    <a:lstStyle/>
+                    <a:p>
+                      <a:endParaRPr lang="en-US" sz="1400">
+                        <a:effectLst/>
+                        <a:latin typeface="Times New Roman"/>
+                      </a:endParaRPr>
+                    </a:p>
+                  </a:txBody>
+                  <a:tcPr marL="20881" marR="20881" marT="0" marB="0"/>
+                </a:tc>
+                <a:tc>
+                  <a:txBody>
+                    <a:bodyPr/>
+                    <a:lstStyle/>
+                    <a:p>
+                      <a:endParaRPr lang="en-US" sz="1400">
+                        <a:effectLst/>
+                        <a:latin typeface="Times New Roman"/>
+                      </a:endParaRPr>
+                    </a:p>
+                  </a:txBody>
+                  <a:tcPr marL="20881" marR="20881" marT="0" marB="0"/>
+                </a:tc>
+                <a:tc>
+                  <a:txBody>
+                    <a:bodyPr/>
+                    <a:lstStyle/>
+                    <a:p>
+                      <a:pPr marL="0" marR="0" algn="ctr">
+                        <a:spcBef>
+                          <a:spcPts val="0"/>
+                        </a:spcBef>
+                        <a:spcAft>
+                          <a:spcPts val="0"/>
+                        </a:spcAft>
+                      </a:pPr>
+                      <a:r>
+                        <a:rPr lang="en-US" sz="1400">
+                          <a:effectLst/>
+                        </a:rPr>
+                        <a:t>X</a:t>
+                      </a:r>
+                      <a:endParaRPr lang="en-US" sz="1600">
+                        <a:effectLst/>
+                        <a:latin typeface="Times New Roman"/>
+                        <a:ea typeface="Times New Roman"/>
+                      </a:endParaRPr>
+                    </a:p>
+                  </a:txBody>
+                  <a:tcPr marL="20881" marR="20881" marT="0" marB="0"/>
+                </a:tc>
+                <a:tc>
+                  <a:txBody>
+                    <a:bodyPr/>
+                    <a:lstStyle/>
+                    <a:p>
+                      <a:endParaRPr lang="en-US" sz="1400">
+                        <a:effectLst/>
+                        <a:latin typeface="Times New Roman"/>
+                      </a:endParaRPr>
+                    </a:p>
+                  </a:txBody>
+                  <a:tcPr marL="20881" marR="20881" marT="0" marB="0"/>
+                </a:tc>
+                <a:tc>
+                  <a:txBody>
+                    <a:bodyPr/>
+                    <a:lstStyle/>
+                    <a:p>
+                      <a:endParaRPr lang="en-US" sz="1400">
+                        <a:effectLst/>
+                        <a:latin typeface="Times New Roman"/>
+                      </a:endParaRPr>
+                    </a:p>
+                  </a:txBody>
+                  <a:tcPr marL="20881" marR="20881" marT="0" marB="0"/>
+                </a:tc>
+              </a:tr>
+              <a:tr h="121920">
+                <a:tc>
+                  <a:txBody>
+                    <a:bodyPr/>
+                    <a:lstStyle/>
+                    <a:p>
+                      <a:pPr marL="0" marR="0" algn="r">
+                        <a:spcBef>
+                          <a:spcPts val="0"/>
+                        </a:spcBef>
+                        <a:spcAft>
+                          <a:spcPts val="0"/>
+                        </a:spcAft>
+                      </a:pPr>
+                      <a:r>
+                        <a:rPr lang="en-US" sz="1400">
+                          <a:effectLst/>
+                        </a:rPr>
+                        <a:t>3.7</a:t>
+                      </a:r>
+                      <a:endParaRPr lang="en-US" sz="1600">
+                        <a:effectLst/>
+                        <a:latin typeface="Times New Roman"/>
+                        <a:ea typeface="Times New Roman"/>
+                      </a:endParaRPr>
+                    </a:p>
+                  </a:txBody>
+                  <a:tcPr marL="20881" marR="20881" marT="0" marB="0"/>
+                </a:tc>
+                <a:tc>
+                  <a:txBody>
+                    <a:bodyPr/>
+                    <a:lstStyle/>
+                    <a:p>
+                      <a:pPr marL="0" marR="0">
+                        <a:spcBef>
+                          <a:spcPts val="0"/>
+                        </a:spcBef>
+                        <a:spcAft>
+                          <a:spcPts val="0"/>
+                        </a:spcAft>
+                      </a:pPr>
+                      <a:r>
+                        <a:rPr lang="en-US" sz="1400">
+                          <a:effectLst/>
+                        </a:rPr>
+                        <a:t>Generate operational data from the raw data of the sensors</a:t>
+                      </a:r>
+                      <a:endParaRPr lang="en-US" sz="1600">
+                        <a:effectLst/>
+                        <a:latin typeface="Times New Roman"/>
+                        <a:ea typeface="Times New Roman"/>
+                      </a:endParaRPr>
+                    </a:p>
+                  </a:txBody>
+                  <a:tcPr marL="20881" marR="20881" marT="0" marB="0"/>
+                </a:tc>
+                <a:tc>
+                  <a:txBody>
+                    <a:bodyPr/>
+                    <a:lstStyle/>
+                    <a:p>
+                      <a:endParaRPr lang="en-US" sz="1400">
+                        <a:effectLst/>
+                        <a:latin typeface="Times New Roman"/>
+                      </a:endParaRPr>
+                    </a:p>
+                  </a:txBody>
+                  <a:tcPr marL="20881" marR="20881" marT="0" marB="0"/>
+                </a:tc>
+                <a:tc>
+                  <a:txBody>
+                    <a:bodyPr/>
+                    <a:lstStyle/>
+                    <a:p>
+                      <a:pPr marL="0" marR="0" algn="ctr">
+                        <a:spcBef>
+                          <a:spcPts val="0"/>
+                        </a:spcBef>
+                        <a:spcAft>
+                          <a:spcPts val="0"/>
+                        </a:spcAft>
+                      </a:pPr>
+                      <a:r>
+                        <a:rPr lang="en-US" sz="1400">
+                          <a:effectLst/>
+                        </a:rPr>
+                        <a:t>X</a:t>
+                      </a:r>
+                      <a:endParaRPr lang="en-US" sz="1600">
+                        <a:effectLst/>
+                        <a:latin typeface="Times New Roman"/>
+                        <a:ea typeface="Times New Roman"/>
+                      </a:endParaRPr>
+                    </a:p>
+                  </a:txBody>
+                  <a:tcPr marL="20881" marR="20881" marT="0" marB="0"/>
+                </a:tc>
+                <a:tc>
+                  <a:txBody>
+                    <a:bodyPr/>
+                    <a:lstStyle/>
+                    <a:p>
+                      <a:endParaRPr lang="en-US" sz="1400">
+                        <a:effectLst/>
+                        <a:latin typeface="Times New Roman"/>
+                      </a:endParaRPr>
+                    </a:p>
+                  </a:txBody>
+                  <a:tcPr marL="20881" marR="20881" marT="0" marB="0"/>
+                </a:tc>
+                <a:tc>
+                  <a:txBody>
+                    <a:bodyPr/>
+                    <a:lstStyle/>
+                    <a:p>
+                      <a:endParaRPr lang="en-US" sz="1400">
+                        <a:effectLst/>
+                        <a:latin typeface="Times New Roman"/>
+                      </a:endParaRPr>
+                    </a:p>
+                  </a:txBody>
+                  <a:tcPr marL="20881" marR="20881" marT="0" marB="0"/>
+                </a:tc>
+                <a:tc>
+                  <a:txBody>
+                    <a:bodyPr/>
+                    <a:lstStyle/>
+                    <a:p>
+                      <a:endParaRPr lang="en-US" sz="1400">
+                        <a:effectLst/>
+                        <a:latin typeface="Times New Roman"/>
+                      </a:endParaRPr>
+                    </a:p>
+                  </a:txBody>
+                  <a:tcPr marL="20881" marR="20881" marT="0" marB="0"/>
+                </a:tc>
+              </a:tr>
+              <a:tr h="165958">
+                <a:tc>
+                  <a:txBody>
+                    <a:bodyPr/>
+                    <a:lstStyle/>
+                    <a:p>
+                      <a:pPr marL="0" marR="0" algn="r">
+                        <a:spcBef>
+                          <a:spcPts val="0"/>
+                        </a:spcBef>
+                        <a:spcAft>
+                          <a:spcPts val="0"/>
+                        </a:spcAft>
+                      </a:pPr>
+                      <a:r>
+                        <a:rPr lang="en-US" sz="1400">
+                          <a:effectLst/>
+                        </a:rPr>
+                        <a:t>3.8</a:t>
+                      </a:r>
+                      <a:endParaRPr lang="en-US" sz="1600">
+                        <a:effectLst/>
+                        <a:latin typeface="Times New Roman"/>
+                        <a:ea typeface="Times New Roman"/>
+                      </a:endParaRPr>
+                    </a:p>
+                  </a:txBody>
+                  <a:tcPr marL="20881" marR="20881" marT="0" marB="0"/>
+                </a:tc>
+                <a:tc>
+                  <a:txBody>
+                    <a:bodyPr/>
+                    <a:lstStyle/>
+                    <a:p>
+                      <a:pPr marL="0" marR="0">
+                        <a:spcBef>
+                          <a:spcPts val="0"/>
+                        </a:spcBef>
+                        <a:spcAft>
+                          <a:spcPts val="0"/>
+                        </a:spcAft>
+                      </a:pPr>
+                      <a:r>
+                        <a:rPr lang="en-US" sz="1400">
+                          <a:effectLst/>
+                        </a:rPr>
+                        <a:t>Transfer operational data to the client application in real-time</a:t>
+                      </a:r>
+                      <a:endParaRPr lang="en-US" sz="1600">
+                        <a:effectLst/>
+                        <a:latin typeface="Times New Roman"/>
+                        <a:ea typeface="Times New Roman"/>
+                      </a:endParaRPr>
+                    </a:p>
+                  </a:txBody>
+                  <a:tcPr marL="20881" marR="20881" marT="0" marB="0"/>
+                </a:tc>
+                <a:tc>
+                  <a:txBody>
+                    <a:bodyPr/>
+                    <a:lstStyle/>
+                    <a:p>
+                      <a:endParaRPr lang="en-US" sz="1400">
+                        <a:effectLst/>
+                        <a:latin typeface="Times New Roman"/>
+                      </a:endParaRPr>
+                    </a:p>
+                  </a:txBody>
+                  <a:tcPr marL="20881" marR="20881" marT="0" marB="0"/>
+                </a:tc>
+                <a:tc>
+                  <a:txBody>
+                    <a:bodyPr/>
+                    <a:lstStyle/>
+                    <a:p>
+                      <a:endParaRPr lang="en-US" sz="1400">
+                        <a:effectLst/>
+                        <a:latin typeface="Times New Roman"/>
+                      </a:endParaRPr>
+                    </a:p>
+                  </a:txBody>
+                  <a:tcPr marL="20881" marR="20881" marT="0" marB="0"/>
+                </a:tc>
+                <a:tc>
+                  <a:txBody>
+                    <a:bodyPr/>
+                    <a:lstStyle/>
+                    <a:p>
+                      <a:endParaRPr lang="en-US" sz="1400">
+                        <a:effectLst/>
+                        <a:latin typeface="Times New Roman"/>
+                      </a:endParaRPr>
+                    </a:p>
+                  </a:txBody>
+                  <a:tcPr marL="20881" marR="20881" marT="0" marB="0"/>
+                </a:tc>
+                <a:tc>
+                  <a:txBody>
+                    <a:bodyPr/>
+                    <a:lstStyle/>
+                    <a:p>
+                      <a:pPr marL="0" marR="0" algn="ctr">
+                        <a:spcBef>
+                          <a:spcPts val="0"/>
+                        </a:spcBef>
+                        <a:spcAft>
+                          <a:spcPts val="0"/>
+                        </a:spcAft>
+                      </a:pPr>
+                      <a:r>
+                        <a:rPr lang="en-US" sz="1400">
+                          <a:effectLst/>
+                        </a:rPr>
+                        <a:t>X</a:t>
+                      </a:r>
+                      <a:endParaRPr lang="en-US" sz="1600">
+                        <a:effectLst/>
+                        <a:latin typeface="Times New Roman"/>
+                        <a:ea typeface="Times New Roman"/>
+                      </a:endParaRPr>
+                    </a:p>
+                  </a:txBody>
+                  <a:tcPr marL="20881" marR="20881" marT="0" marB="0"/>
+                </a:tc>
+                <a:tc>
+                  <a:txBody>
+                    <a:bodyPr/>
+                    <a:lstStyle/>
+                    <a:p>
+                      <a:endParaRPr lang="en-US" sz="1400">
+                        <a:effectLst/>
+                        <a:latin typeface="Times New Roman"/>
+                      </a:endParaRPr>
+                    </a:p>
+                  </a:txBody>
+                  <a:tcPr marL="20881" marR="20881" marT="0" marB="0"/>
+                </a:tc>
+              </a:tr>
+              <a:tr h="91440">
+                <a:tc>
+                  <a:txBody>
+                    <a:bodyPr/>
+                    <a:lstStyle/>
+                    <a:p>
+                      <a:pPr marL="0" marR="0" algn="r">
+                        <a:spcBef>
+                          <a:spcPts val="0"/>
+                        </a:spcBef>
+                        <a:spcAft>
+                          <a:spcPts val="0"/>
+                        </a:spcAft>
+                      </a:pPr>
+                      <a:r>
+                        <a:rPr lang="en-US" sz="1400" dirty="0">
+                          <a:effectLst/>
+                        </a:rPr>
+                        <a:t>3.9</a:t>
+                      </a:r>
+                      <a:endParaRPr lang="en-US" sz="1600" dirty="0">
+                        <a:effectLst/>
+                        <a:latin typeface="Times New Roman"/>
+                        <a:ea typeface="Times New Roman"/>
+                      </a:endParaRPr>
+                    </a:p>
+                  </a:txBody>
+                  <a:tcPr marL="20881" marR="20881" marT="0" marB="0"/>
+                </a:tc>
+                <a:tc>
+                  <a:txBody>
+                    <a:bodyPr/>
+                    <a:lstStyle/>
+                    <a:p>
+                      <a:pPr marL="0" marR="0">
+                        <a:spcBef>
+                          <a:spcPts val="0"/>
+                        </a:spcBef>
+                        <a:spcAft>
+                          <a:spcPts val="0"/>
+                        </a:spcAft>
+                      </a:pPr>
+                      <a:r>
+                        <a:rPr lang="en-US" sz="1400">
+                          <a:effectLst/>
+                        </a:rPr>
+                        <a:t>Detect bumps in concrete pavement</a:t>
+                      </a:r>
+                      <a:endParaRPr lang="en-US" sz="1600">
+                        <a:effectLst/>
+                        <a:latin typeface="Times New Roman"/>
+                        <a:ea typeface="Times New Roman"/>
+                      </a:endParaRPr>
+                    </a:p>
+                  </a:txBody>
+                  <a:tcPr marL="20881" marR="20881" marT="0" marB="0"/>
+                </a:tc>
+                <a:tc>
+                  <a:txBody>
+                    <a:bodyPr/>
+                    <a:lstStyle/>
+                    <a:p>
+                      <a:endParaRPr lang="en-US" sz="1400">
+                        <a:effectLst/>
+                        <a:latin typeface="Times New Roman"/>
+                      </a:endParaRPr>
+                    </a:p>
+                  </a:txBody>
+                  <a:tcPr marL="20881" marR="20881" marT="0" marB="0"/>
+                </a:tc>
+                <a:tc>
+                  <a:txBody>
+                    <a:bodyPr/>
+                    <a:lstStyle/>
+                    <a:p>
+                      <a:pPr marL="0" marR="0" algn="ctr">
+                        <a:spcBef>
+                          <a:spcPts val="0"/>
+                        </a:spcBef>
+                        <a:spcAft>
+                          <a:spcPts val="0"/>
+                        </a:spcAft>
+                      </a:pPr>
+                      <a:r>
+                        <a:rPr lang="en-US" sz="1400">
+                          <a:effectLst/>
+                        </a:rPr>
+                        <a:t>X</a:t>
+                      </a:r>
+                      <a:endParaRPr lang="en-US" sz="1600">
+                        <a:effectLst/>
+                        <a:latin typeface="Times New Roman"/>
+                        <a:ea typeface="Times New Roman"/>
+                      </a:endParaRPr>
+                    </a:p>
+                  </a:txBody>
+                  <a:tcPr marL="20881" marR="20881" marT="0" marB="0"/>
+                </a:tc>
+                <a:tc>
+                  <a:txBody>
+                    <a:bodyPr/>
+                    <a:lstStyle/>
+                    <a:p>
+                      <a:endParaRPr lang="en-US" sz="1400">
+                        <a:effectLst/>
+                        <a:latin typeface="Times New Roman"/>
+                      </a:endParaRPr>
+                    </a:p>
+                  </a:txBody>
+                  <a:tcPr marL="20881" marR="20881" marT="0" marB="0"/>
+                </a:tc>
+                <a:tc>
+                  <a:txBody>
+                    <a:bodyPr/>
+                    <a:lstStyle/>
+                    <a:p>
+                      <a:endParaRPr lang="en-US" sz="1400">
+                        <a:effectLst/>
+                        <a:latin typeface="Times New Roman"/>
+                      </a:endParaRPr>
+                    </a:p>
+                  </a:txBody>
+                  <a:tcPr marL="20881" marR="20881" marT="0" marB="0"/>
+                </a:tc>
+                <a:tc>
+                  <a:txBody>
+                    <a:bodyPr/>
+                    <a:lstStyle/>
+                    <a:p>
+                      <a:endParaRPr lang="en-US" sz="1400">
+                        <a:effectLst/>
+                        <a:latin typeface="Times New Roman"/>
+                      </a:endParaRPr>
+                    </a:p>
+                  </a:txBody>
+                  <a:tcPr marL="20881" marR="20881" marT="0" marB="0"/>
+                </a:tc>
+              </a:tr>
+              <a:tr h="162135">
+                <a:tc>
+                  <a:txBody>
+                    <a:bodyPr/>
+                    <a:lstStyle/>
+                    <a:p>
+                      <a:pPr marL="0" marR="0" algn="r">
+                        <a:spcBef>
+                          <a:spcPts val="0"/>
+                        </a:spcBef>
+                        <a:spcAft>
+                          <a:spcPts val="0"/>
+                        </a:spcAft>
+                      </a:pPr>
+                      <a:r>
+                        <a:rPr lang="en-US" sz="1400" dirty="0">
+                          <a:effectLst/>
+                        </a:rPr>
+                        <a:t>3.13</a:t>
+                      </a:r>
+                      <a:endParaRPr lang="en-US" sz="1600" dirty="0">
+                        <a:effectLst/>
+                        <a:latin typeface="Times New Roman"/>
+                        <a:ea typeface="Times New Roman"/>
+                      </a:endParaRPr>
+                    </a:p>
+                  </a:txBody>
+                  <a:tcPr marL="20881" marR="20881" marT="0" marB="0"/>
+                </a:tc>
+                <a:tc>
+                  <a:txBody>
+                    <a:bodyPr/>
+                    <a:lstStyle/>
+                    <a:p>
+                      <a:pPr marL="0" marR="0">
+                        <a:spcBef>
+                          <a:spcPts val="0"/>
+                        </a:spcBef>
+                        <a:spcAft>
+                          <a:spcPts val="0"/>
+                        </a:spcAft>
+                      </a:pPr>
+                      <a:r>
+                        <a:rPr lang="en-US" sz="1400">
+                          <a:effectLst/>
+                        </a:rPr>
+                        <a:t>Store operational data</a:t>
+                      </a:r>
+                      <a:endParaRPr lang="en-US" sz="1600">
+                        <a:effectLst/>
+                        <a:latin typeface="Times New Roman"/>
+                        <a:ea typeface="Times New Roman"/>
+                      </a:endParaRPr>
+                    </a:p>
+                  </a:txBody>
+                  <a:tcPr marL="20881" marR="20881" marT="0" marB="0"/>
+                </a:tc>
+                <a:tc>
+                  <a:txBody>
+                    <a:bodyPr/>
+                    <a:lstStyle/>
+                    <a:p>
+                      <a:pPr marL="0" marR="0" algn="ctr">
+                        <a:spcBef>
+                          <a:spcPts val="0"/>
+                        </a:spcBef>
+                        <a:spcAft>
+                          <a:spcPts val="0"/>
+                        </a:spcAft>
+                      </a:pPr>
+                      <a:r>
+                        <a:rPr lang="en-US" sz="1400">
+                          <a:effectLst/>
+                        </a:rPr>
+                        <a:t>X</a:t>
+                      </a:r>
+                      <a:endParaRPr lang="en-US" sz="1600">
+                        <a:effectLst/>
+                        <a:latin typeface="Times New Roman"/>
+                        <a:ea typeface="Times New Roman"/>
+                      </a:endParaRPr>
+                    </a:p>
+                  </a:txBody>
+                  <a:tcPr marL="20881" marR="20881" marT="0" marB="0"/>
+                </a:tc>
+                <a:tc>
+                  <a:txBody>
+                    <a:bodyPr/>
+                    <a:lstStyle/>
+                    <a:p>
+                      <a:endParaRPr lang="en-US" sz="1400">
+                        <a:effectLst/>
+                        <a:latin typeface="Times New Roman"/>
+                      </a:endParaRPr>
+                    </a:p>
+                  </a:txBody>
+                  <a:tcPr marL="20881" marR="20881" marT="0" marB="0"/>
+                </a:tc>
+                <a:tc>
+                  <a:txBody>
+                    <a:bodyPr/>
+                    <a:lstStyle/>
+                    <a:p>
+                      <a:endParaRPr lang="en-US" sz="1400">
+                        <a:effectLst/>
+                        <a:latin typeface="Times New Roman"/>
+                      </a:endParaRPr>
+                    </a:p>
+                  </a:txBody>
+                  <a:tcPr marL="20881" marR="20881" marT="0" marB="0"/>
+                </a:tc>
+                <a:tc>
+                  <a:txBody>
+                    <a:bodyPr/>
+                    <a:lstStyle/>
+                    <a:p>
+                      <a:endParaRPr lang="en-US" sz="1400">
+                        <a:effectLst/>
+                        <a:latin typeface="Times New Roman"/>
+                      </a:endParaRPr>
+                    </a:p>
+                  </a:txBody>
+                  <a:tcPr marL="20881" marR="20881" marT="0" marB="0"/>
+                </a:tc>
+                <a:tc>
+                  <a:txBody>
+                    <a:bodyPr/>
+                    <a:lstStyle/>
+                    <a:p>
+                      <a:endParaRPr lang="en-US" sz="1400">
+                        <a:effectLst/>
+                        <a:latin typeface="Times New Roman"/>
+                      </a:endParaRPr>
+                    </a:p>
+                  </a:txBody>
+                  <a:tcPr marL="20881" marR="20881" marT="0" marB="0"/>
+                </a:tc>
+              </a:tr>
+              <a:tr h="162135">
+                <a:tc>
+                  <a:txBody>
+                    <a:bodyPr/>
+                    <a:lstStyle/>
+                    <a:p>
+                      <a:pPr marL="0" marR="0" algn="r">
+                        <a:spcBef>
+                          <a:spcPts val="0"/>
+                        </a:spcBef>
+                        <a:spcAft>
+                          <a:spcPts val="0"/>
+                        </a:spcAft>
+                      </a:pPr>
+                      <a:r>
+                        <a:rPr lang="en-US" sz="1400" dirty="0">
+                          <a:effectLst/>
+                        </a:rPr>
+                        <a:t>3.19</a:t>
+                      </a:r>
+                      <a:endParaRPr lang="en-US" sz="1600" dirty="0">
+                        <a:effectLst/>
+                        <a:latin typeface="Times New Roman"/>
+                        <a:ea typeface="Times New Roman"/>
+                      </a:endParaRPr>
+                    </a:p>
+                  </a:txBody>
+                  <a:tcPr marL="20881" marR="20881" marT="0" marB="0"/>
+                </a:tc>
+                <a:tc>
+                  <a:txBody>
+                    <a:bodyPr/>
+                    <a:lstStyle/>
+                    <a:p>
+                      <a:pPr marL="0" marR="0">
+                        <a:spcBef>
+                          <a:spcPts val="0"/>
+                        </a:spcBef>
+                        <a:spcAft>
+                          <a:spcPts val="0"/>
+                        </a:spcAft>
+                      </a:pPr>
+                      <a:r>
+                        <a:rPr lang="en-US" sz="1400">
+                          <a:effectLst/>
+                        </a:rPr>
+                        <a:t>Display operational data</a:t>
+                      </a:r>
+                      <a:endParaRPr lang="en-US" sz="1600">
+                        <a:effectLst/>
+                        <a:latin typeface="Times New Roman"/>
+                        <a:ea typeface="Times New Roman"/>
+                      </a:endParaRPr>
+                    </a:p>
+                  </a:txBody>
+                  <a:tcPr marL="20881" marR="20881" marT="0" marB="0"/>
+                </a:tc>
+                <a:tc>
+                  <a:txBody>
+                    <a:bodyPr/>
+                    <a:lstStyle/>
+                    <a:p>
+                      <a:endParaRPr lang="en-US" sz="1400">
+                        <a:effectLst/>
+                        <a:latin typeface="Times New Roman"/>
+                      </a:endParaRPr>
+                    </a:p>
+                  </a:txBody>
+                  <a:tcPr marL="20881" marR="20881" marT="0" marB="0"/>
+                </a:tc>
+                <a:tc>
+                  <a:txBody>
+                    <a:bodyPr/>
+                    <a:lstStyle/>
+                    <a:p>
+                      <a:endParaRPr lang="en-US" sz="1400">
+                        <a:effectLst/>
+                        <a:latin typeface="Times New Roman"/>
+                      </a:endParaRPr>
+                    </a:p>
+                  </a:txBody>
+                  <a:tcPr marL="20881" marR="20881" marT="0" marB="0"/>
+                </a:tc>
+                <a:tc>
+                  <a:txBody>
+                    <a:bodyPr/>
+                    <a:lstStyle/>
+                    <a:p>
+                      <a:endParaRPr lang="en-US" sz="1400">
+                        <a:effectLst/>
+                        <a:latin typeface="Times New Roman"/>
+                      </a:endParaRPr>
+                    </a:p>
+                  </a:txBody>
+                  <a:tcPr marL="20881" marR="20881" marT="0" marB="0"/>
+                </a:tc>
+                <a:tc>
+                  <a:txBody>
+                    <a:bodyPr/>
+                    <a:lstStyle/>
+                    <a:p>
+                      <a:endParaRPr lang="en-US" sz="1400">
+                        <a:effectLst/>
+                        <a:latin typeface="Times New Roman"/>
+                      </a:endParaRPr>
+                    </a:p>
+                  </a:txBody>
+                  <a:tcPr marL="20881" marR="20881" marT="0" marB="0"/>
+                </a:tc>
+                <a:tc>
+                  <a:txBody>
+                    <a:bodyPr/>
+                    <a:lstStyle/>
+                    <a:p>
+                      <a:pPr marL="0" marR="0" algn="ctr">
+                        <a:spcBef>
+                          <a:spcPts val="0"/>
+                        </a:spcBef>
+                        <a:spcAft>
+                          <a:spcPts val="0"/>
+                        </a:spcAft>
+                      </a:pPr>
+                      <a:r>
+                        <a:rPr lang="en-US" sz="1400">
+                          <a:effectLst/>
+                        </a:rPr>
+                        <a:t>X</a:t>
+                      </a:r>
+                      <a:endParaRPr lang="en-US" sz="1600">
+                        <a:effectLst/>
+                        <a:latin typeface="Times New Roman"/>
+                        <a:ea typeface="Times New Roman"/>
+                      </a:endParaRPr>
+                    </a:p>
+                  </a:txBody>
+                  <a:tcPr marL="20881" marR="20881" marT="0" marB="0"/>
+                </a:tc>
+              </a:tr>
+              <a:tr h="162135">
+                <a:tc>
+                  <a:txBody>
+                    <a:bodyPr/>
+                    <a:lstStyle/>
+                    <a:p>
+                      <a:pPr marL="0" marR="0" algn="r">
+                        <a:spcBef>
+                          <a:spcPts val="0"/>
+                        </a:spcBef>
+                        <a:spcAft>
+                          <a:spcPts val="0"/>
+                        </a:spcAft>
+                      </a:pPr>
+                      <a:r>
+                        <a:rPr lang="en-US" sz="1400" dirty="0" smtClean="0">
+                          <a:effectLst/>
+                        </a:rPr>
+                        <a:t>3.20</a:t>
+                      </a:r>
+                      <a:endParaRPr lang="en-US" sz="1600" dirty="0">
+                        <a:effectLst/>
+                        <a:latin typeface="Times New Roman"/>
+                        <a:ea typeface="Times New Roman"/>
+                      </a:endParaRPr>
+                    </a:p>
+                  </a:txBody>
+                  <a:tcPr marL="20881" marR="20881" marT="0" marB="0"/>
+                </a:tc>
+                <a:tc>
+                  <a:txBody>
+                    <a:bodyPr/>
+                    <a:lstStyle/>
+                    <a:p>
+                      <a:pPr marL="0" marR="0">
+                        <a:spcBef>
+                          <a:spcPts val="0"/>
+                        </a:spcBef>
+                        <a:spcAft>
+                          <a:spcPts val="0"/>
+                        </a:spcAft>
+                      </a:pPr>
+                      <a:r>
+                        <a:rPr lang="en-US" sz="1400">
+                          <a:effectLst/>
+                        </a:rPr>
+                        <a:t>Read stored data</a:t>
+                      </a:r>
+                      <a:endParaRPr lang="en-US" sz="1600">
+                        <a:effectLst/>
+                        <a:latin typeface="Times New Roman"/>
+                        <a:ea typeface="Times New Roman"/>
+                      </a:endParaRPr>
+                    </a:p>
+                  </a:txBody>
+                  <a:tcPr marL="20881" marR="20881" marT="0" marB="0"/>
+                </a:tc>
+                <a:tc>
+                  <a:txBody>
+                    <a:bodyPr/>
+                    <a:lstStyle/>
+                    <a:p>
+                      <a:pPr marL="0" marR="0" algn="ctr">
+                        <a:spcBef>
+                          <a:spcPts val="0"/>
+                        </a:spcBef>
+                        <a:spcAft>
+                          <a:spcPts val="0"/>
+                        </a:spcAft>
+                      </a:pPr>
+                      <a:r>
+                        <a:rPr lang="en-US" sz="1400">
+                          <a:effectLst/>
+                        </a:rPr>
+                        <a:t>X</a:t>
+                      </a:r>
+                      <a:endParaRPr lang="en-US" sz="1600">
+                        <a:effectLst/>
+                        <a:latin typeface="Times New Roman"/>
+                        <a:ea typeface="Times New Roman"/>
+                      </a:endParaRPr>
+                    </a:p>
+                  </a:txBody>
+                  <a:tcPr marL="20881" marR="20881" marT="0" marB="0"/>
+                </a:tc>
+                <a:tc>
+                  <a:txBody>
+                    <a:bodyPr/>
+                    <a:lstStyle/>
+                    <a:p>
+                      <a:endParaRPr lang="en-US" sz="1400">
+                        <a:effectLst/>
+                        <a:latin typeface="Times New Roman"/>
+                      </a:endParaRPr>
+                    </a:p>
+                  </a:txBody>
+                  <a:tcPr marL="20881" marR="20881" marT="0" marB="0"/>
+                </a:tc>
+                <a:tc>
+                  <a:txBody>
+                    <a:bodyPr/>
+                    <a:lstStyle/>
+                    <a:p>
+                      <a:endParaRPr lang="en-US" sz="1400">
+                        <a:effectLst/>
+                        <a:latin typeface="Times New Roman"/>
+                      </a:endParaRPr>
+                    </a:p>
+                  </a:txBody>
+                  <a:tcPr marL="20881" marR="20881" marT="0" marB="0"/>
+                </a:tc>
+                <a:tc>
+                  <a:txBody>
+                    <a:bodyPr/>
+                    <a:lstStyle/>
+                    <a:p>
+                      <a:endParaRPr lang="en-US" sz="1400">
+                        <a:effectLst/>
+                        <a:latin typeface="Times New Roman"/>
+                      </a:endParaRPr>
+                    </a:p>
+                  </a:txBody>
+                  <a:tcPr marL="20881" marR="20881" marT="0" marB="0"/>
+                </a:tc>
+                <a:tc>
+                  <a:txBody>
+                    <a:bodyPr/>
+                    <a:lstStyle/>
+                    <a:p>
+                      <a:pPr marL="0" marR="0" algn="ctr">
+                        <a:spcBef>
+                          <a:spcPts val="0"/>
+                        </a:spcBef>
+                        <a:spcAft>
+                          <a:spcPts val="0"/>
+                        </a:spcAft>
+                      </a:pPr>
+                      <a:r>
+                        <a:rPr lang="en-US" sz="1400">
+                          <a:effectLst/>
+                        </a:rPr>
+                        <a:t>X</a:t>
+                      </a:r>
+                      <a:endParaRPr lang="en-US" sz="1600">
+                        <a:effectLst/>
+                        <a:latin typeface="Times New Roman"/>
+                        <a:ea typeface="Times New Roman"/>
+                      </a:endParaRPr>
+                    </a:p>
+                  </a:txBody>
+                  <a:tcPr marL="20881" marR="20881" marT="0" marB="0"/>
+                </a:tc>
+              </a:tr>
+              <a:tr h="162135">
+                <a:tc>
+                  <a:txBody>
+                    <a:bodyPr/>
+                    <a:lstStyle/>
+                    <a:p>
+                      <a:pPr marL="0" marR="0" algn="r">
+                        <a:spcBef>
+                          <a:spcPts val="0"/>
+                        </a:spcBef>
+                        <a:spcAft>
+                          <a:spcPts val="0"/>
+                        </a:spcAft>
+                      </a:pPr>
+                      <a:r>
+                        <a:rPr lang="en-US" sz="1400">
+                          <a:effectLst/>
+                        </a:rPr>
+                        <a:t>3.21</a:t>
+                      </a:r>
+                      <a:endParaRPr lang="en-US" sz="1600">
+                        <a:effectLst/>
+                        <a:latin typeface="Times New Roman"/>
+                        <a:ea typeface="Times New Roman"/>
+                      </a:endParaRPr>
+                    </a:p>
+                  </a:txBody>
+                  <a:tcPr marL="20881" marR="20881" marT="0" marB="0"/>
+                </a:tc>
+                <a:tc>
+                  <a:txBody>
+                    <a:bodyPr/>
+                    <a:lstStyle/>
+                    <a:p>
+                      <a:pPr marL="0" marR="0">
+                        <a:spcBef>
+                          <a:spcPts val="0"/>
+                        </a:spcBef>
+                        <a:spcAft>
+                          <a:spcPts val="0"/>
+                        </a:spcAft>
+                      </a:pPr>
+                      <a:r>
+                        <a:rPr lang="en-US" sz="1400">
+                          <a:effectLst/>
+                        </a:rPr>
+                        <a:t>Calibrate sensors</a:t>
+                      </a:r>
+                      <a:endParaRPr lang="en-US" sz="1600">
+                        <a:effectLst/>
+                        <a:latin typeface="Times New Roman"/>
+                        <a:ea typeface="Times New Roman"/>
+                      </a:endParaRPr>
+                    </a:p>
+                  </a:txBody>
+                  <a:tcPr marL="20881" marR="20881" marT="0" marB="0"/>
+                </a:tc>
+                <a:tc>
+                  <a:txBody>
+                    <a:bodyPr/>
+                    <a:lstStyle/>
+                    <a:p>
+                      <a:endParaRPr lang="en-US" sz="1400">
+                        <a:effectLst/>
+                        <a:latin typeface="Times New Roman"/>
+                      </a:endParaRPr>
+                    </a:p>
+                  </a:txBody>
+                  <a:tcPr marL="20881" marR="20881" marT="0" marB="0"/>
+                </a:tc>
+                <a:tc>
+                  <a:txBody>
+                    <a:bodyPr/>
+                    <a:lstStyle/>
+                    <a:p>
+                      <a:endParaRPr lang="en-US" sz="1400">
+                        <a:effectLst/>
+                        <a:latin typeface="Times New Roman"/>
+                      </a:endParaRPr>
+                    </a:p>
+                  </a:txBody>
+                  <a:tcPr marL="20881" marR="20881" marT="0" marB="0"/>
+                </a:tc>
+                <a:tc>
+                  <a:txBody>
+                    <a:bodyPr/>
+                    <a:lstStyle/>
+                    <a:p>
+                      <a:endParaRPr lang="en-US" sz="1400">
+                        <a:effectLst/>
+                        <a:latin typeface="Times New Roman"/>
+                      </a:endParaRPr>
+                    </a:p>
+                  </a:txBody>
+                  <a:tcPr marL="20881" marR="20881" marT="0" marB="0"/>
+                </a:tc>
+                <a:tc>
+                  <a:txBody>
+                    <a:bodyPr/>
+                    <a:lstStyle/>
+                    <a:p>
+                      <a:endParaRPr lang="en-US" sz="1400">
+                        <a:effectLst/>
+                        <a:latin typeface="Times New Roman"/>
+                      </a:endParaRPr>
+                    </a:p>
+                  </a:txBody>
+                  <a:tcPr marL="20881" marR="20881" marT="0" marB="0"/>
+                </a:tc>
+                <a:tc>
+                  <a:txBody>
+                    <a:bodyPr/>
+                    <a:lstStyle/>
+                    <a:p>
+                      <a:pPr marL="0" marR="0" algn="ctr">
+                        <a:spcBef>
+                          <a:spcPts val="0"/>
+                        </a:spcBef>
+                        <a:spcAft>
+                          <a:spcPts val="0"/>
+                        </a:spcAft>
+                      </a:pPr>
+                      <a:r>
+                        <a:rPr lang="en-US" sz="1400">
+                          <a:effectLst/>
+                        </a:rPr>
+                        <a:t>X</a:t>
+                      </a:r>
+                      <a:endParaRPr lang="en-US" sz="1600">
+                        <a:effectLst/>
+                        <a:latin typeface="Times New Roman"/>
+                        <a:ea typeface="Times New Roman"/>
+                      </a:endParaRPr>
+                    </a:p>
+                  </a:txBody>
+                  <a:tcPr marL="20881" marR="20881" marT="0" marB="0"/>
+                </a:tc>
+              </a:tr>
+              <a:tr h="91440">
+                <a:tc>
+                  <a:txBody>
+                    <a:bodyPr/>
+                    <a:lstStyle/>
+                    <a:p>
+                      <a:pPr marL="0" marR="0" algn="r">
+                        <a:spcBef>
+                          <a:spcPts val="0"/>
+                        </a:spcBef>
+                        <a:spcAft>
+                          <a:spcPts val="0"/>
+                        </a:spcAft>
+                      </a:pPr>
+                      <a:r>
+                        <a:rPr lang="en-US" sz="1400">
+                          <a:effectLst/>
+                        </a:rPr>
+                        <a:t>3.22</a:t>
+                      </a:r>
+                      <a:endParaRPr lang="en-US" sz="1600">
+                        <a:effectLst/>
+                        <a:latin typeface="Times New Roman"/>
+                        <a:ea typeface="Times New Roman"/>
+                      </a:endParaRPr>
+                    </a:p>
+                  </a:txBody>
+                  <a:tcPr marL="20881" marR="20881" marT="0" marB="0"/>
+                </a:tc>
+                <a:tc>
+                  <a:txBody>
+                    <a:bodyPr/>
+                    <a:lstStyle/>
+                    <a:p>
+                      <a:pPr marL="0" marR="0">
+                        <a:spcBef>
+                          <a:spcPts val="0"/>
+                        </a:spcBef>
+                        <a:spcAft>
+                          <a:spcPts val="0"/>
+                        </a:spcAft>
+                      </a:pPr>
+                      <a:r>
+                        <a:rPr lang="en-US" sz="1400">
+                          <a:effectLst/>
+                        </a:rPr>
+                        <a:t>The client application can configure the PIC microcontroller</a:t>
+                      </a:r>
+                      <a:endParaRPr lang="en-US" sz="1600">
+                        <a:effectLst/>
+                        <a:latin typeface="Times New Roman"/>
+                        <a:ea typeface="Times New Roman"/>
+                      </a:endParaRPr>
+                    </a:p>
+                  </a:txBody>
+                  <a:tcPr marL="20881" marR="20881" marT="0" marB="0"/>
+                </a:tc>
+                <a:tc>
+                  <a:txBody>
+                    <a:bodyPr/>
+                    <a:lstStyle/>
+                    <a:p>
+                      <a:endParaRPr lang="en-US" sz="1400">
+                        <a:effectLst/>
+                        <a:latin typeface="Times New Roman"/>
+                      </a:endParaRPr>
+                    </a:p>
+                  </a:txBody>
+                  <a:tcPr marL="20881" marR="20881" marT="0" marB="0"/>
+                </a:tc>
+                <a:tc>
+                  <a:txBody>
+                    <a:bodyPr/>
+                    <a:lstStyle/>
+                    <a:p>
+                      <a:endParaRPr lang="en-US" sz="1400">
+                        <a:effectLst/>
+                        <a:latin typeface="Times New Roman"/>
+                      </a:endParaRPr>
+                    </a:p>
+                  </a:txBody>
+                  <a:tcPr marL="20881" marR="20881" marT="0" marB="0"/>
+                </a:tc>
+                <a:tc>
+                  <a:txBody>
+                    <a:bodyPr/>
+                    <a:lstStyle/>
+                    <a:p>
+                      <a:endParaRPr lang="en-US" sz="1400">
+                        <a:effectLst/>
+                        <a:latin typeface="Times New Roman"/>
+                      </a:endParaRPr>
+                    </a:p>
+                  </a:txBody>
+                  <a:tcPr marL="20881" marR="20881" marT="0" marB="0"/>
+                </a:tc>
+                <a:tc>
+                  <a:txBody>
+                    <a:bodyPr/>
+                    <a:lstStyle/>
+                    <a:p>
+                      <a:endParaRPr lang="en-US" sz="1400">
+                        <a:effectLst/>
+                        <a:latin typeface="Times New Roman"/>
+                      </a:endParaRPr>
+                    </a:p>
+                  </a:txBody>
+                  <a:tcPr marL="20881" marR="20881" marT="0" marB="0"/>
+                </a:tc>
+                <a:tc>
+                  <a:txBody>
+                    <a:bodyPr/>
+                    <a:lstStyle/>
+                    <a:p>
+                      <a:pPr marL="0" marR="0" algn="ctr">
+                        <a:spcBef>
+                          <a:spcPts val="0"/>
+                        </a:spcBef>
+                        <a:spcAft>
+                          <a:spcPts val="0"/>
+                        </a:spcAft>
+                      </a:pPr>
+                      <a:r>
+                        <a:rPr lang="en-US" sz="1400">
+                          <a:effectLst/>
+                        </a:rPr>
+                        <a:t>X</a:t>
+                      </a:r>
+                      <a:endParaRPr lang="en-US" sz="1600">
+                        <a:effectLst/>
+                        <a:latin typeface="Times New Roman"/>
+                        <a:ea typeface="Times New Roman"/>
+                      </a:endParaRPr>
+                    </a:p>
+                  </a:txBody>
+                  <a:tcPr marL="20881" marR="20881" marT="0" marB="0"/>
+                </a:tc>
+              </a:tr>
+              <a:tr h="0">
+                <a:tc>
+                  <a:txBody>
+                    <a:bodyPr/>
+                    <a:lstStyle/>
+                    <a:p>
+                      <a:pPr marL="0" marR="0" algn="r">
+                        <a:spcBef>
+                          <a:spcPts val="0"/>
+                        </a:spcBef>
+                        <a:spcAft>
+                          <a:spcPts val="0"/>
+                        </a:spcAft>
+                      </a:pPr>
+                      <a:r>
+                        <a:rPr lang="en-US" sz="1400" dirty="0">
+                          <a:effectLst/>
+                        </a:rPr>
+                        <a:t>3.24</a:t>
+                      </a:r>
+                      <a:endParaRPr lang="en-US" sz="1600" dirty="0">
+                        <a:effectLst/>
+                        <a:latin typeface="Times New Roman"/>
+                        <a:ea typeface="Times New Roman"/>
+                      </a:endParaRPr>
+                    </a:p>
+                  </a:txBody>
+                  <a:tcPr marL="20881" marR="20881" marT="0" marB="0"/>
+                </a:tc>
+                <a:tc>
+                  <a:txBody>
+                    <a:bodyPr/>
+                    <a:lstStyle/>
+                    <a:p>
+                      <a:pPr marL="0" marR="0">
+                        <a:spcBef>
+                          <a:spcPts val="0"/>
+                        </a:spcBef>
+                        <a:spcAft>
+                          <a:spcPts val="0"/>
+                        </a:spcAft>
+                      </a:pPr>
+                      <a:r>
+                        <a:rPr lang="en-US" sz="1400">
+                          <a:effectLst/>
+                        </a:rPr>
+                        <a:t>User-friendly client application</a:t>
+                      </a:r>
+                      <a:endParaRPr lang="en-US" sz="1600">
+                        <a:effectLst/>
+                        <a:latin typeface="Times New Roman"/>
+                        <a:ea typeface="Times New Roman"/>
+                      </a:endParaRPr>
+                    </a:p>
+                  </a:txBody>
+                  <a:tcPr marL="20881" marR="20881" marT="0" marB="0"/>
+                </a:tc>
+                <a:tc>
+                  <a:txBody>
+                    <a:bodyPr/>
+                    <a:lstStyle/>
+                    <a:p>
+                      <a:endParaRPr lang="en-US" sz="1400">
+                        <a:effectLst/>
+                        <a:latin typeface="Times New Roman"/>
+                      </a:endParaRPr>
+                    </a:p>
+                  </a:txBody>
+                  <a:tcPr marL="20881" marR="20881" marT="0" marB="0"/>
+                </a:tc>
+                <a:tc>
+                  <a:txBody>
+                    <a:bodyPr/>
+                    <a:lstStyle/>
+                    <a:p>
+                      <a:endParaRPr lang="en-US" sz="1400">
+                        <a:effectLst/>
+                        <a:latin typeface="Times New Roman"/>
+                      </a:endParaRPr>
+                    </a:p>
+                  </a:txBody>
+                  <a:tcPr marL="20881" marR="20881" marT="0" marB="0"/>
+                </a:tc>
+                <a:tc>
+                  <a:txBody>
+                    <a:bodyPr/>
+                    <a:lstStyle/>
+                    <a:p>
+                      <a:endParaRPr lang="en-US" sz="1400">
+                        <a:effectLst/>
+                        <a:latin typeface="Times New Roman"/>
+                      </a:endParaRPr>
+                    </a:p>
+                  </a:txBody>
+                  <a:tcPr marL="20881" marR="20881" marT="0" marB="0"/>
+                </a:tc>
+                <a:tc>
+                  <a:txBody>
+                    <a:bodyPr/>
+                    <a:lstStyle/>
+                    <a:p>
+                      <a:endParaRPr lang="en-US" sz="1400">
+                        <a:effectLst/>
+                        <a:latin typeface="Times New Roman"/>
+                      </a:endParaRPr>
+                    </a:p>
+                  </a:txBody>
+                  <a:tcPr marL="20881" marR="20881" marT="0" marB="0"/>
+                </a:tc>
+                <a:tc>
+                  <a:txBody>
+                    <a:bodyPr/>
+                    <a:lstStyle/>
+                    <a:p>
+                      <a:pPr marL="0" marR="0" algn="ctr">
+                        <a:spcBef>
+                          <a:spcPts val="0"/>
+                        </a:spcBef>
+                        <a:spcAft>
+                          <a:spcPts val="0"/>
+                        </a:spcAft>
+                      </a:pPr>
+                      <a:r>
+                        <a:rPr lang="en-US" sz="1400">
+                          <a:effectLst/>
+                        </a:rPr>
+                        <a:t>X</a:t>
+                      </a:r>
+                      <a:endParaRPr lang="en-US" sz="1600">
+                        <a:effectLst/>
+                        <a:latin typeface="Times New Roman"/>
+                        <a:ea typeface="Times New Roman"/>
+                      </a:endParaRPr>
+                    </a:p>
+                  </a:txBody>
+                  <a:tcPr marL="20881" marR="20881" marT="0" marB="0"/>
+                </a:tc>
+              </a:tr>
+              <a:tr h="60960">
+                <a:tc>
+                  <a:txBody>
+                    <a:bodyPr/>
+                    <a:lstStyle/>
+                    <a:p>
+                      <a:pPr marL="0" marR="0" algn="r">
+                        <a:spcBef>
+                          <a:spcPts val="0"/>
+                        </a:spcBef>
+                        <a:spcAft>
+                          <a:spcPts val="0"/>
+                        </a:spcAft>
+                      </a:pPr>
+                      <a:r>
+                        <a:rPr lang="en-US" sz="1400" dirty="0">
+                          <a:effectLst/>
+                        </a:rPr>
+                        <a:t>3.26</a:t>
+                      </a:r>
+                      <a:endParaRPr lang="en-US" sz="1600" dirty="0">
+                        <a:effectLst/>
+                        <a:latin typeface="Times New Roman"/>
+                        <a:ea typeface="Times New Roman"/>
+                      </a:endParaRPr>
+                    </a:p>
+                  </a:txBody>
+                  <a:tcPr marL="20881" marR="20881" marT="0" marB="0"/>
+                </a:tc>
+                <a:tc>
+                  <a:txBody>
+                    <a:bodyPr/>
+                    <a:lstStyle/>
+                    <a:p>
+                      <a:pPr marL="0" marR="0">
+                        <a:spcBef>
+                          <a:spcPts val="0"/>
+                        </a:spcBef>
+                        <a:spcAft>
+                          <a:spcPts val="0"/>
+                        </a:spcAft>
+                      </a:pPr>
+                      <a:r>
+                        <a:rPr lang="en-US" sz="1400">
+                          <a:effectLst/>
+                        </a:rPr>
+                        <a:t>Able to operate in a stand-alone mode</a:t>
+                      </a:r>
+                      <a:endParaRPr lang="en-US" sz="1600">
+                        <a:effectLst/>
+                        <a:latin typeface="Times New Roman"/>
+                        <a:ea typeface="Times New Roman"/>
+                      </a:endParaRPr>
+                    </a:p>
+                  </a:txBody>
+                  <a:tcPr marL="20881" marR="20881" marT="0" marB="0"/>
+                </a:tc>
+                <a:tc>
+                  <a:txBody>
+                    <a:bodyPr/>
+                    <a:lstStyle/>
+                    <a:p>
+                      <a:pPr marL="0" marR="0" algn="ctr">
+                        <a:spcBef>
+                          <a:spcPts val="0"/>
+                        </a:spcBef>
+                        <a:spcAft>
+                          <a:spcPts val="0"/>
+                        </a:spcAft>
+                      </a:pPr>
+                      <a:r>
+                        <a:rPr lang="en-US" sz="1400">
+                          <a:effectLst/>
+                        </a:rPr>
+                        <a:t>X</a:t>
+                      </a:r>
+                      <a:endParaRPr lang="en-US" sz="1600">
+                        <a:effectLst/>
+                        <a:latin typeface="Times New Roman"/>
+                        <a:ea typeface="Times New Roman"/>
+                      </a:endParaRPr>
+                    </a:p>
+                  </a:txBody>
+                  <a:tcPr marL="20881" marR="20881" marT="0" marB="0"/>
+                </a:tc>
+                <a:tc>
+                  <a:txBody>
+                    <a:bodyPr/>
+                    <a:lstStyle/>
+                    <a:p>
+                      <a:pPr marL="0" marR="0" algn="ctr">
+                        <a:spcBef>
+                          <a:spcPts val="0"/>
+                        </a:spcBef>
+                        <a:spcAft>
+                          <a:spcPts val="0"/>
+                        </a:spcAft>
+                      </a:pPr>
+                      <a:r>
+                        <a:rPr lang="en-US" sz="1400">
+                          <a:effectLst/>
+                        </a:rPr>
+                        <a:t>X</a:t>
+                      </a:r>
+                      <a:endParaRPr lang="en-US" sz="1600">
+                        <a:effectLst/>
+                        <a:latin typeface="Times New Roman"/>
+                        <a:ea typeface="Times New Roman"/>
+                      </a:endParaRPr>
+                    </a:p>
+                  </a:txBody>
+                  <a:tcPr marL="20881" marR="20881" marT="0" marB="0"/>
+                </a:tc>
+                <a:tc>
+                  <a:txBody>
+                    <a:bodyPr/>
+                    <a:lstStyle/>
+                    <a:p>
+                      <a:pPr marL="0" marR="0" algn="ctr">
+                        <a:spcBef>
+                          <a:spcPts val="0"/>
+                        </a:spcBef>
+                        <a:spcAft>
+                          <a:spcPts val="0"/>
+                        </a:spcAft>
+                      </a:pPr>
+                      <a:r>
+                        <a:rPr lang="en-US" sz="1400">
+                          <a:effectLst/>
+                        </a:rPr>
+                        <a:t>X</a:t>
+                      </a:r>
+                      <a:endParaRPr lang="en-US" sz="1600">
+                        <a:effectLst/>
+                        <a:latin typeface="Times New Roman"/>
+                        <a:ea typeface="Times New Roman"/>
+                      </a:endParaRPr>
+                    </a:p>
+                  </a:txBody>
+                  <a:tcPr marL="20881" marR="20881" marT="0" marB="0"/>
+                </a:tc>
+                <a:tc>
+                  <a:txBody>
+                    <a:bodyPr/>
+                    <a:lstStyle/>
+                    <a:p>
+                      <a:pPr marL="0" marR="0" algn="ctr">
+                        <a:spcBef>
+                          <a:spcPts val="0"/>
+                        </a:spcBef>
+                        <a:spcAft>
+                          <a:spcPts val="0"/>
+                        </a:spcAft>
+                      </a:pPr>
+                      <a:r>
+                        <a:rPr lang="en-US" sz="1400">
+                          <a:effectLst/>
+                        </a:rPr>
+                        <a:t>X</a:t>
+                      </a:r>
+                      <a:endParaRPr lang="en-US" sz="1600">
+                        <a:effectLst/>
+                        <a:latin typeface="Times New Roman"/>
+                        <a:ea typeface="Times New Roman"/>
+                      </a:endParaRPr>
+                    </a:p>
+                  </a:txBody>
+                  <a:tcPr marL="20881" marR="20881" marT="0" marB="0"/>
+                </a:tc>
+                <a:tc>
+                  <a:txBody>
+                    <a:bodyPr/>
+                    <a:lstStyle/>
+                    <a:p>
+                      <a:endParaRPr lang="en-US" sz="1400">
+                        <a:effectLst/>
+                        <a:latin typeface="Times New Roman"/>
+                      </a:endParaRPr>
+                    </a:p>
+                  </a:txBody>
+                  <a:tcPr marL="20881" marR="20881" marT="0" marB="0"/>
+                </a:tc>
+              </a:tr>
+              <a:tr h="45720">
+                <a:tc>
+                  <a:txBody>
+                    <a:bodyPr/>
+                    <a:lstStyle/>
+                    <a:p>
+                      <a:pPr marL="0" marR="0" algn="r">
+                        <a:spcBef>
+                          <a:spcPts val="0"/>
+                        </a:spcBef>
+                        <a:spcAft>
+                          <a:spcPts val="0"/>
+                        </a:spcAft>
+                      </a:pPr>
+                      <a:r>
+                        <a:rPr lang="en-US" sz="1400">
+                          <a:effectLst/>
+                        </a:rPr>
+                        <a:t>3.27</a:t>
+                      </a:r>
+                      <a:endParaRPr lang="en-US" sz="1600">
+                        <a:effectLst/>
+                        <a:latin typeface="Times New Roman"/>
+                        <a:ea typeface="Times New Roman"/>
+                      </a:endParaRPr>
+                    </a:p>
+                  </a:txBody>
+                  <a:tcPr marL="20881" marR="20881" marT="0" marB="0"/>
+                </a:tc>
+                <a:tc>
+                  <a:txBody>
+                    <a:bodyPr/>
+                    <a:lstStyle/>
+                    <a:p>
+                      <a:pPr marL="0" marR="0">
+                        <a:spcBef>
+                          <a:spcPts val="0"/>
+                        </a:spcBef>
+                        <a:spcAft>
+                          <a:spcPts val="0"/>
+                        </a:spcAft>
+                      </a:pPr>
+                      <a:r>
+                        <a:rPr lang="en-US" sz="1400">
+                          <a:effectLst/>
+                        </a:rPr>
+                        <a:t>Visually indicate a bump using a beacon light</a:t>
+                      </a:r>
+                      <a:endParaRPr lang="en-US" sz="1600">
+                        <a:effectLst/>
+                        <a:latin typeface="Times New Roman"/>
+                        <a:ea typeface="Times New Roman"/>
+                      </a:endParaRPr>
+                    </a:p>
+                  </a:txBody>
+                  <a:tcPr marL="20881" marR="20881" marT="0" marB="0"/>
+                </a:tc>
+                <a:tc>
+                  <a:txBody>
+                    <a:bodyPr/>
+                    <a:lstStyle/>
+                    <a:p>
+                      <a:endParaRPr lang="en-US" sz="1400">
+                        <a:effectLst/>
+                        <a:latin typeface="Times New Roman"/>
+                      </a:endParaRPr>
+                    </a:p>
+                  </a:txBody>
+                  <a:tcPr marL="20881" marR="20881" marT="0" marB="0"/>
+                </a:tc>
+                <a:tc>
+                  <a:txBody>
+                    <a:bodyPr/>
+                    <a:lstStyle/>
+                    <a:p>
+                      <a:endParaRPr lang="en-US" sz="1400">
+                        <a:effectLst/>
+                        <a:latin typeface="Times New Roman"/>
+                      </a:endParaRPr>
+                    </a:p>
+                  </a:txBody>
+                  <a:tcPr marL="20881" marR="20881" marT="0" marB="0"/>
+                </a:tc>
+                <a:tc>
+                  <a:txBody>
+                    <a:bodyPr/>
+                    <a:lstStyle/>
+                    <a:p>
+                      <a:endParaRPr lang="en-US" sz="1400">
+                        <a:effectLst/>
+                        <a:latin typeface="Times New Roman"/>
+                      </a:endParaRPr>
+                    </a:p>
+                  </a:txBody>
+                  <a:tcPr marL="20881" marR="20881" marT="0" marB="0"/>
+                </a:tc>
+                <a:tc>
+                  <a:txBody>
+                    <a:bodyPr/>
+                    <a:lstStyle/>
+                    <a:p>
+                      <a:pPr marL="0" marR="0" algn="ctr">
+                        <a:spcBef>
+                          <a:spcPts val="0"/>
+                        </a:spcBef>
+                        <a:spcAft>
+                          <a:spcPts val="0"/>
+                        </a:spcAft>
+                      </a:pPr>
+                      <a:r>
+                        <a:rPr lang="en-US" sz="1400">
+                          <a:effectLst/>
+                        </a:rPr>
+                        <a:t>X</a:t>
+                      </a:r>
+                      <a:endParaRPr lang="en-US" sz="1600">
+                        <a:effectLst/>
+                        <a:latin typeface="Times New Roman"/>
+                        <a:ea typeface="Times New Roman"/>
+                      </a:endParaRPr>
+                    </a:p>
+                  </a:txBody>
+                  <a:tcPr marL="20881" marR="20881" marT="0" marB="0"/>
+                </a:tc>
+                <a:tc>
+                  <a:txBody>
+                    <a:bodyPr/>
+                    <a:lstStyle/>
+                    <a:p>
+                      <a:endParaRPr lang="en-US" sz="1400" dirty="0">
+                        <a:effectLst/>
+                        <a:latin typeface="Times New Roman"/>
+                      </a:endParaRPr>
+                    </a:p>
+                  </a:txBody>
+                  <a:tcPr marL="20881" marR="20881" marT="0" marB="0"/>
+                </a:tc>
+              </a:tr>
+            </a:tbl>
+          </a:graphicData>
+        </a:graphic>
+      </p:graphicFrame>
+    </p:spTree>
+    <p:extLst>
+      <p:ext uri="{BB962C8B-B14F-4D97-AF65-F5344CB8AC3E}">
+        <p14:creationId xmlns:p14="http://schemas.microsoft.com/office/powerpoint/2010/main" val="2960037515"/>
+      </p:ext>
+    </p:extLst>
+  </p:cSld>
+  <p:clrMapOvr>
+    <a:masterClrMapping/>
+  </p:clrMapOvr>
+  <p:timing>
+    <p:tnLst>
+      <p:par>
+        <p:cTn id="1" dur="indefinite" restart="never" nodeType="tmRoot"/>
+      </p:par>
+    </p:tnLst>
+  </p:timing>
+</p:sld>
+</file>
+
+<file path=ppt/slides/slide26.xml><?xml version="1.0" encoding="utf-8"?>
+<p:sld xmlns:a="http://schemas.openxmlformats.org/drawingml/2006/main" xmlns:r="http://schemas.openxmlformats.org/officeDocument/2006/relationships" xmlns:p="http://schemas.openxmlformats.org/presentationml/2006/main">
+  <p:cSld>
+    <p:spTree>
+      <p:nvGrpSpPr>
+        <p:cNvPr id="1" name=""/>
+        <p:cNvGrpSpPr/>
+        <p:nvPr/>
+      </p:nvGrpSpPr>
+      <p:grpSpPr>
+        <a:xfrm>
+          <a:off x="0" y="0"/>
+          <a:ext cx="0" cy="0"/>
+          <a:chOff x="0" y="0"/>
+          <a:chExt cx="0" cy="0"/>
+        </a:xfrm>
+      </p:grpSpPr>
+      <p:sp>
+        <p:nvSpPr>
+          <p:cNvPr id="2" name="Title 1"/>
+          <p:cNvSpPr>
+            <a:spLocks noGrp="1"/>
+          </p:cNvSpPr>
+          <p:nvPr>
+            <p:ph type="title"/>
+          </p:nvPr>
+        </p:nvSpPr>
+        <p:spPr/>
+        <p:txBody>
+          <a:bodyPr/>
+          <a:lstStyle/>
+          <a:p>
+            <a:r>
+              <a:rPr lang="en-US" dirty="0" smtClean="0"/>
+              <a:t>OS Dependencies</a:t>
+            </a:r>
+            <a:endParaRPr lang="en-US" dirty="0"/>
+          </a:p>
+        </p:txBody>
+      </p:sp>
+      <p:sp>
+        <p:nvSpPr>
+          <p:cNvPr id="4" name="Content Placeholder 3"/>
+          <p:cNvSpPr>
+            <a:spLocks noGrp="1"/>
+          </p:cNvSpPr>
+          <p:nvPr>
+            <p:ph idx="1"/>
+          </p:nvPr>
+        </p:nvSpPr>
+        <p:spPr/>
+        <p:txBody>
+          <a:bodyPr>
+            <a:normAutofit lnSpcReduction="10000"/>
+          </a:bodyPr>
+          <a:lstStyle/>
+          <a:p>
+            <a:r>
+              <a:rPr lang="en-US" dirty="0"/>
+              <a:t>GUI </a:t>
+            </a:r>
+            <a:r>
+              <a:rPr lang="en-US" dirty="0" smtClean="0"/>
+              <a:t>Layer</a:t>
+            </a:r>
+          </a:p>
+          <a:p>
+            <a:pPr lvl="1"/>
+            <a:r>
+              <a:rPr lang="en-US" dirty="0"/>
+              <a:t>D</a:t>
+            </a:r>
+            <a:r>
+              <a:rPr lang="en-US" dirty="0" smtClean="0"/>
+              <a:t>eveloped </a:t>
+            </a:r>
+            <a:r>
+              <a:rPr lang="en-US" dirty="0"/>
+              <a:t>in Java with a Windows </a:t>
+            </a:r>
+            <a:r>
+              <a:rPr lang="en-US" dirty="0" smtClean="0"/>
+              <a:t>PC</a:t>
+            </a:r>
+          </a:p>
+          <a:p>
+            <a:pPr lvl="1"/>
+            <a:r>
+              <a:rPr lang="en-US" dirty="0"/>
+              <a:t>Java Development Kit </a:t>
+            </a:r>
+            <a:endParaRPr lang="en-US" dirty="0" smtClean="0"/>
+          </a:p>
+          <a:p>
+            <a:pPr lvl="1"/>
+            <a:r>
+              <a:rPr lang="en-US" dirty="0"/>
+              <a:t>customer will require a machine with compatible Java Runtime Environment </a:t>
+            </a:r>
+            <a:r>
+              <a:rPr lang="en-US" dirty="0" smtClean="0"/>
+              <a:t>installed</a:t>
+            </a:r>
+          </a:p>
+          <a:p>
+            <a:pPr lvl="1"/>
+            <a:r>
+              <a:rPr lang="en-US" dirty="0"/>
+              <a:t>R</a:t>
+            </a:r>
+            <a:r>
+              <a:rPr lang="en-US" dirty="0" smtClean="0"/>
+              <a:t>equired </a:t>
+            </a:r>
+            <a:r>
+              <a:rPr lang="en-US" dirty="0"/>
+              <a:t>system components will be provided by the JRE (</a:t>
+            </a:r>
+            <a:r>
+              <a:rPr lang="en-US" dirty="0" err="1"/>
+              <a:t>ie</a:t>
+            </a:r>
+            <a:r>
+              <a:rPr lang="en-US" dirty="0"/>
+              <a:t>. network stack</a:t>
+            </a:r>
+            <a:r>
+              <a:rPr lang="en-US" dirty="0" smtClean="0"/>
+              <a:t>)</a:t>
+            </a:r>
+          </a:p>
+          <a:p>
+            <a:r>
+              <a:rPr lang="en-US" dirty="0" smtClean="0"/>
+              <a:t>Other Layers</a:t>
+            </a:r>
+          </a:p>
+          <a:p>
+            <a:pPr lvl="1"/>
+            <a:r>
+              <a:rPr lang="en-US" dirty="0"/>
+              <a:t>D</a:t>
+            </a:r>
+            <a:r>
+              <a:rPr lang="en-US" dirty="0" smtClean="0"/>
+              <a:t>eveloped </a:t>
+            </a:r>
+            <a:r>
+              <a:rPr lang="en-US" dirty="0"/>
+              <a:t>in C with a Windows </a:t>
+            </a:r>
+            <a:r>
+              <a:rPr lang="en-US" dirty="0" smtClean="0"/>
+              <a:t>PC</a:t>
+            </a:r>
+          </a:p>
+          <a:p>
+            <a:pPr lvl="1"/>
+            <a:r>
+              <a:rPr lang="en-US" dirty="0" err="1"/>
+              <a:t>MPLab</a:t>
+            </a:r>
+            <a:r>
+              <a:rPr lang="en-US" dirty="0"/>
+              <a:t> C development environment </a:t>
+            </a:r>
+          </a:p>
+        </p:txBody>
+      </p:sp>
+    </p:spTree>
+    <p:extLst>
+      <p:ext uri="{BB962C8B-B14F-4D97-AF65-F5344CB8AC3E}">
+        <p14:creationId xmlns:p14="http://schemas.microsoft.com/office/powerpoint/2010/main" val="1330848102"/>
+      </p:ext>
+    </p:extLst>
+  </p:cSld>
+  <p:clrMapOvr>
+    <a:masterClrMapping/>
+  </p:clrMapOvr>
+  <p:timing>
+    <p:tnLst>
+      <p:par>
+        <p:cTn id="1" dur="indefinite" restart="never" nodeType="tmRoot"/>
+      </p:par>
+    </p:tnLst>
+  </p:timing>
+</p:sld>
+</file>
+
+<file path=ppt/slides/slide27.xml><?xml version="1.0" encoding="utf-8"?>
+<p:sld xmlns:a="http://schemas.openxmlformats.org/drawingml/2006/main" xmlns:r="http://schemas.openxmlformats.org/officeDocument/2006/relationships" xmlns:p="http://schemas.openxmlformats.org/presentationml/2006/main">
+  <p:cSld>
+    <p:spTree>
+      <p:nvGrpSpPr>
+        <p:cNvPr id="1" name=""/>
+        <p:cNvGrpSpPr/>
+        <p:nvPr/>
+      </p:nvGrpSpPr>
+      <p:grpSpPr>
+        <a:xfrm>
+          <a:off x="0" y="0"/>
+          <a:ext cx="0" cy="0"/>
+          <a:chOff x="0" y="0"/>
+          <a:chExt cx="0" cy="0"/>
+        </a:xfrm>
+      </p:grpSpPr>
+      <p:sp>
+        <p:nvSpPr>
+          <p:cNvPr id="2" name="Title 1"/>
+          <p:cNvSpPr>
+            <a:spLocks noGrp="1"/>
+          </p:cNvSpPr>
+          <p:nvPr>
+            <p:ph type="ctrTitle"/>
+          </p:nvPr>
+        </p:nvSpPr>
+        <p:spPr>
+          <a:xfrm>
+            <a:off x="762000" y="4724400"/>
+            <a:ext cx="7543800" cy="1524000"/>
+          </a:xfrm>
+        </p:spPr>
+        <p:txBody>
+          <a:bodyPr/>
+          <a:lstStyle/>
+          <a:p>
+            <a:r>
+              <a:rPr lang="en-US" dirty="0" smtClean="0"/>
+              <a:t>Testing Considerations</a:t>
+            </a:r>
+            <a:endParaRPr lang="en-US" dirty="0"/>
+          </a:p>
+        </p:txBody>
+      </p:sp>
+    </p:spTree>
+    <p:extLst>
+      <p:ext uri="{BB962C8B-B14F-4D97-AF65-F5344CB8AC3E}">
+        <p14:creationId xmlns:p14="http://schemas.microsoft.com/office/powerpoint/2010/main" val="1783155611"/>
+      </p:ext>
+    </p:extLst>
+  </p:cSld>
+  <p:clrMapOvr>
+    <a:masterClrMapping/>
+  </p:clrMapOvr>
+</p:sld>
+</file>
+
+<file path=ppt/slides/slide28.xml><?xml version="1.0" encoding="utf-8"?>
+<p:sld xmlns:a="http://schemas.openxmlformats.org/drawingml/2006/main" xmlns:r="http://schemas.openxmlformats.org/officeDocument/2006/relationships" xmlns:p="http://schemas.openxmlformats.org/presentationml/2006/main">
+  <p:cSld>
+    <p:spTree>
+      <p:nvGrpSpPr>
+        <p:cNvPr id="1" name=""/>
+        <p:cNvGrpSpPr/>
+        <p:nvPr/>
+      </p:nvGrpSpPr>
+      <p:grpSpPr>
+        <a:xfrm>
+          <a:off x="0" y="0"/>
+          <a:ext cx="0" cy="0"/>
+          <a:chOff x="0" y="0"/>
+          <a:chExt cx="0" cy="0"/>
+        </a:xfrm>
+      </p:grpSpPr>
+      <p:sp>
+        <p:nvSpPr>
+          <p:cNvPr id="2" name="Title 1"/>
+          <p:cNvSpPr>
+            <a:spLocks noGrp="1"/>
+          </p:cNvSpPr>
+          <p:nvPr>
+            <p:ph type="title"/>
+          </p:nvPr>
+        </p:nvSpPr>
+        <p:spPr/>
+        <p:txBody>
+          <a:bodyPr/>
+          <a:lstStyle/>
+          <a:p>
+            <a:r>
+              <a:rPr lang="en-US" dirty="0" smtClean="0"/>
+              <a:t>Layer Testing</a:t>
+            </a:r>
+            <a:endParaRPr lang="en-US" dirty="0"/>
+          </a:p>
+        </p:txBody>
+      </p:sp>
+      <p:sp>
+        <p:nvSpPr>
+          <p:cNvPr id="4" name="Content Placeholder 3"/>
+          <p:cNvSpPr>
+            <a:spLocks noGrp="1"/>
+          </p:cNvSpPr>
+          <p:nvPr>
+            <p:ph idx="1"/>
+          </p:nvPr>
+        </p:nvSpPr>
+        <p:spPr/>
+        <p:txBody>
+          <a:bodyPr>
+            <a:normAutofit/>
+          </a:bodyPr>
+          <a:lstStyle/>
+          <a:p>
+            <a:pPr marL="457200" indent="-457200">
+              <a:buFont typeface="+mj-lt"/>
+              <a:buAutoNum type="arabicPeriod"/>
+            </a:pPr>
+            <a:r>
+              <a:rPr lang="en-US" sz="2800" dirty="0"/>
+              <a:t>Sub-system testing</a:t>
+            </a:r>
+          </a:p>
+          <a:p>
+            <a:pPr marL="457200" indent="-457200">
+              <a:buFont typeface="+mj-lt"/>
+              <a:buAutoNum type="arabicPeriod"/>
+            </a:pPr>
+            <a:r>
+              <a:rPr lang="en-US" sz="2800" dirty="0"/>
+              <a:t>Layer testing</a:t>
+            </a:r>
+          </a:p>
+          <a:p>
+            <a:pPr marL="457200" indent="-457200">
+              <a:buFont typeface="+mj-lt"/>
+              <a:buAutoNum type="arabicPeriod"/>
+            </a:pPr>
+            <a:r>
+              <a:rPr lang="en-US" sz="2800" dirty="0" smtClean="0"/>
+              <a:t>Inter-layer testing</a:t>
+            </a:r>
+            <a:endParaRPr lang="en-US" sz="2800" dirty="0"/>
+          </a:p>
+        </p:txBody>
+      </p:sp>
+    </p:spTree>
+    <p:extLst>
+      <p:ext uri="{BB962C8B-B14F-4D97-AF65-F5344CB8AC3E}">
+        <p14:creationId xmlns:p14="http://schemas.microsoft.com/office/powerpoint/2010/main" val="3858084543"/>
+      </p:ext>
+    </p:extLst>
+  </p:cSld>
+  <p:clrMapOvr>
+    <a:masterClrMapping/>
+  </p:clrMapOvr>
+  <p:timing>
+    <p:tnLst>
+      <p:par>
+        <p:cTn id="1" dur="indefinite" restart="never" nodeType="tmRoot"/>
+      </p:par>
+    </p:tnLst>
+  </p:timing>
+</p:sld>
+</file>
+
+<file path=ppt/slides/slide29.xml><?xml version="1.0" encoding="utf-8"?>
+<p:sld xmlns:a="http://schemas.openxmlformats.org/drawingml/2006/main" xmlns:r="http://schemas.openxmlformats.org/officeDocument/2006/relationships" xmlns:p="http://schemas.openxmlformats.org/presentationml/2006/main">
+  <p:cSld>
+    <p:spTree>
+      <p:nvGrpSpPr>
+        <p:cNvPr id="1" name=""/>
+        <p:cNvGrpSpPr/>
+        <p:nvPr/>
+      </p:nvGrpSpPr>
+      <p:grpSpPr>
+        <a:xfrm>
+          <a:off x="0" y="0"/>
+          <a:ext cx="0" cy="0"/>
+          <a:chOff x="0" y="0"/>
+          <a:chExt cx="0" cy="0"/>
+        </a:xfrm>
+      </p:grpSpPr>
+      <p:sp>
+        <p:nvSpPr>
+          <p:cNvPr id="2" name="Title 1"/>
+          <p:cNvSpPr>
+            <a:spLocks noGrp="1"/>
+          </p:cNvSpPr>
+          <p:nvPr>
+            <p:ph type="title"/>
+          </p:nvPr>
+        </p:nvSpPr>
+        <p:spPr/>
+        <p:txBody>
+          <a:bodyPr/>
+          <a:lstStyle/>
+          <a:p>
+            <a:r>
+              <a:rPr lang="en-US" dirty="0"/>
+              <a:t>Layer </a:t>
+            </a:r>
+            <a:r>
+              <a:rPr lang="en-US" dirty="0" smtClean="0"/>
+              <a:t>Testing </a:t>
+            </a:r>
+            <a:r>
+              <a:rPr lang="en-US" dirty="0"/>
+              <a:t>Example</a:t>
+            </a:r>
+          </a:p>
+        </p:txBody>
+      </p:sp>
+      <p:sp>
+        <p:nvSpPr>
+          <p:cNvPr id="3" name="Content Placeholder 2"/>
+          <p:cNvSpPr>
+            <a:spLocks noGrp="1"/>
+          </p:cNvSpPr>
+          <p:nvPr>
+            <p:ph idx="1"/>
+          </p:nvPr>
+        </p:nvSpPr>
+        <p:spPr/>
+        <p:txBody>
+          <a:bodyPr/>
+          <a:lstStyle/>
+          <a:p>
+            <a:r>
+              <a:rPr lang="en-US" dirty="0" smtClean="0"/>
+              <a:t>Input Layer Testing:</a:t>
+            </a:r>
+          </a:p>
+          <a:p>
+            <a:pPr lvl="1"/>
+            <a:r>
+              <a:rPr lang="en-US" dirty="0" smtClean="0"/>
+              <a:t>The </a:t>
+            </a:r>
+            <a:r>
+              <a:rPr lang="en-US" dirty="0"/>
+              <a:t>Input Layer will be tested to make sure that it accepts sensor inputs and user inputs and correctly sends the data to the Storage Layer and Processing Layer. </a:t>
+            </a:r>
+          </a:p>
+        </p:txBody>
+      </p:sp>
+    </p:spTree>
+    <p:extLst>
+      <p:ext uri="{BB962C8B-B14F-4D97-AF65-F5344CB8AC3E}">
+        <p14:creationId xmlns:p14="http://schemas.microsoft.com/office/powerpoint/2010/main" val="55016158"/>
       </p:ext>
     </p:extLst>
   </p:cSld>
@@ -8921,71 +9163,6 @@
             <a:spLocks noGrp="1"/>
           </p:cNvSpPr>
           <p:nvPr>
-            <p:ph type="ctrTitle"/>
-          </p:nvPr>
-        </p:nvSpPr>
-        <p:spPr>
-          <a:xfrm>
-            <a:off x="762000" y="4724400"/>
-            <a:ext cx="7543800" cy="1524000"/>
-          </a:xfrm>
-        </p:spPr>
-        <p:txBody>
-          <a:bodyPr/>
-          <a:lstStyle/>
-          <a:p>
-            <a:r>
-              <a:rPr lang="en-US" sz="7200" dirty="0" smtClean="0"/>
-              <a:t>Product Concept</a:t>
-            </a:r>
-            <a:endParaRPr lang="en-US" sz="7200" dirty="0"/>
-          </a:p>
-        </p:txBody>
-      </p:sp>
-    </p:spTree>
-    <p:extLst>
-      <p:ext uri="{BB962C8B-B14F-4D97-AF65-F5344CB8AC3E}">
-        <p14:creationId xmlns:p14="http://schemas.microsoft.com/office/powerpoint/2010/main" val="2802254707"/>
-      </p:ext>
-    </p:extLst>
-  </p:cSld>
-  <p:clrMapOvr>
-    <a:masterClrMapping/>
-  </p:clrMapOvr>
-  <p:timing>
-    <p:tnLst>
-      <p:par>
-        <p:cTn id="1" dur="indefinite" restart="never" nodeType="tmRoot"/>
-      </p:par>
-    </p:tnLst>
-  </p:timing>
-</p:sld>
-</file>
-
-<file path=ppt/slides/slide4.xml><?xml version="1.0" encoding="utf-8"?>
-<p:sld xmlns:a="http://schemas.openxmlformats.org/drawingml/2006/main" xmlns:r="http://schemas.openxmlformats.org/officeDocument/2006/relationships" xmlns:p="http://schemas.openxmlformats.org/presentationml/2006/main">
-  <p:cSld>
-    <p:spTree>
-      <p:nvGrpSpPr>
-        <p:cNvPr id="1" name=""/>
-        <p:cNvGrpSpPr/>
-        <p:nvPr/>
-      </p:nvGrpSpPr>
-      <p:grpSpPr>
-        <a:xfrm>
-          <a:off x="0" y="0"/>
-          <a:ext cx="0" cy="0"/>
-          <a:chOff x="0" y="0"/>
-          <a:chExt cx="0" cy="0"/>
-        </a:xfrm>
-      </p:grpSpPr>
-      <p:sp>
-        <p:nvSpPr>
-          <p:cNvPr id="2" name="Title 1"/>
-          <p:cNvSpPr>
-            <a:spLocks noGrp="1"/>
-          </p:cNvSpPr>
-          <p:nvPr>
             <p:ph type="title"/>
           </p:nvPr>
         </p:nvSpPr>
@@ -9005,25 +9182,6 @@
               <a:rPr lang="en-US" dirty="0"/>
               <a:t>Rear view of a typical paver </a:t>
             </a:r>
-          </a:p>
-        </p:txBody>
-      </p:sp>
-      <p:sp>
-        <p:nvSpPr>
-          <p:cNvPr id="3" name="Content Placeholder 2"/>
-          <p:cNvSpPr>
-            <a:spLocks noGrp="1"/>
-          </p:cNvSpPr>
-          <p:nvPr>
-            <p:ph idx="1"/>
-          </p:nvPr>
-        </p:nvSpPr>
-        <p:spPr/>
-        <p:txBody>
-          <a:bodyPr/>
-          <a:lstStyle/>
-          <a:p>
-            <a:endParaRPr lang="en-US" dirty="0"/>
           </a:p>
         </p:txBody>
       </p:sp>
@@ -9165,7 +9323,7 @@
 </p:sld>
 </file>
 
-<file path=ppt/slides/slide5.xml><?xml version="1.0" encoding="utf-8"?>
+<file path=ppt/slides/slide30.xml><?xml version="1.0" encoding="utf-8"?>
 <p:sld xmlns:a="http://schemas.openxmlformats.org/drawingml/2006/main" xmlns:r="http://schemas.openxmlformats.org/officeDocument/2006/relationships" xmlns:p="http://schemas.openxmlformats.org/presentationml/2006/main">
   <p:cSld>
     <p:spTree>
@@ -9199,7 +9357,7 @@
           <a:p>
             <a:r>
               <a:rPr lang="en-US" dirty="0" smtClean="0"/>
-              <a:t>Guiding Principles</a:t>
+              <a:t>Integration Testing</a:t>
             </a:r>
             <a:endParaRPr lang="en-US" dirty="0"/>
           </a:p>
@@ -9207,7 +9365,7 @@
       </p:sp>
       <p:sp>
         <p:nvSpPr>
-          <p:cNvPr id="4" name="Content Placeholder 3"/>
+          <p:cNvPr id="3" name="Content Placeholder 2"/>
           <p:cNvSpPr>
             <a:spLocks noGrp="1"/>
           </p:cNvSpPr>
@@ -9222,76 +9380,63 @@
           </a:bodyPr>
           <a:lstStyle/>
           <a:p>
+            <a:pPr marL="457200" indent="-457200">
+              <a:buFont typeface="+mj-lt"/>
+              <a:buAutoNum type="arabicPeriod"/>
+            </a:pPr>
             <a:r>
               <a:rPr lang="en-US" dirty="0" smtClean="0"/>
-              <a:t>Modularity</a:t>
-            </a:r>
-          </a:p>
-          <a:p>
+              <a:t>Use Cases</a:t>
+            </a:r>
+          </a:p>
+          <a:p>
+            <a:pPr marL="834390" lvl="1" indent="-514350">
+              <a:buFont typeface="+mj-lt"/>
+              <a:buAutoNum type="romanLcPeriod"/>
+            </a:pPr>
             <a:r>
               <a:rPr lang="en-US" dirty="0" smtClean="0"/>
-              <a:t>Easy integration</a:t>
-            </a:r>
-            <a:endParaRPr lang="en-US" dirty="0"/>
-          </a:p>
-          <a:p>
-            <a:pPr lvl="0"/>
-            <a:r>
-              <a:rPr lang="en-US" dirty="0"/>
-              <a:t>Staged delivery </a:t>
-            </a:r>
-          </a:p>
-          <a:p>
-            <a:pPr lvl="0"/>
-            <a:r>
-              <a:rPr lang="en-US" dirty="0"/>
-              <a:t>Layers and subsystems with clear, well-defined logical roles</a:t>
-            </a:r>
-          </a:p>
-          <a:p>
-            <a:pPr lvl="0"/>
+              <a:t>Backward Chaining</a:t>
+            </a:r>
+          </a:p>
+          <a:p>
+            <a:pPr marL="834390" lvl="1" indent="-514350">
+              <a:buFont typeface="+mj-lt"/>
+              <a:buAutoNum type="romanLcPeriod"/>
+            </a:pPr>
             <a:r>
               <a:rPr lang="en-US" dirty="0" smtClean="0"/>
-              <a:t>Extensibility</a:t>
-            </a:r>
-            <a:r>
-              <a:rPr lang="en-US" dirty="0"/>
-              <a:t> </a:t>
-            </a:r>
+              <a:t>Forward Chaining</a:t>
+            </a:r>
+          </a:p>
+          <a:p>
+            <a:pPr marL="457200" indent="-457200">
+              <a:buFont typeface="+mj-lt"/>
+              <a:buAutoNum type="arabicPeriod"/>
+            </a:pPr>
             <a:r>
               <a:rPr lang="en-US" dirty="0" smtClean="0"/>
-              <a:t>- </a:t>
-            </a:r>
-            <a:r>
-              <a:rPr lang="en-US" dirty="0"/>
-              <a:t>Easy to add future items/requirements</a:t>
-            </a:r>
-          </a:p>
-          <a:p>
-            <a:pPr lvl="0"/>
+              <a:t>Requirement Mapping</a:t>
+            </a:r>
+          </a:p>
+          <a:p>
+            <a:pPr marL="457200" indent="-457200">
+              <a:buFont typeface="+mj-lt"/>
+              <a:buAutoNum type="arabicPeriod"/>
+            </a:pPr>
             <a:r>
               <a:rPr lang="en-US" dirty="0" smtClean="0"/>
-              <a:t>Fulfillment of all </a:t>
-            </a:r>
-            <a:r>
-              <a:rPr lang="en-US" dirty="0"/>
-              <a:t>System Requirement </a:t>
-            </a:r>
+              <a:t>Proper system data flows</a:t>
+            </a:r>
+          </a:p>
+          <a:p>
+            <a:pPr marL="457200" indent="-457200">
+              <a:buFont typeface="+mj-lt"/>
+              <a:buAutoNum type="arabicPeriod"/>
+            </a:pPr>
             <a:r>
               <a:rPr lang="en-US" dirty="0" smtClean="0"/>
-              <a:t>Specifications</a:t>
-            </a:r>
-            <a:endParaRPr lang="en-US" dirty="0"/>
-          </a:p>
-          <a:p>
-            <a:pPr lvl="0"/>
-            <a:r>
-              <a:rPr lang="en-US" dirty="0"/>
-              <a:t>Interface with PC </a:t>
-            </a:r>
-            <a:r>
-              <a:rPr lang="en-US" dirty="0" smtClean="0"/>
-              <a:t>only</a:t>
+              <a:t>Design validation</a:t>
             </a:r>
             <a:endParaRPr lang="en-US" dirty="0"/>
           </a:p>
@@ -9300,7 +9445,65 @@
     </p:spTree>
     <p:extLst>
       <p:ext uri="{BB962C8B-B14F-4D97-AF65-F5344CB8AC3E}">
-        <p14:creationId xmlns:p14="http://schemas.microsoft.com/office/powerpoint/2010/main" val="3643320344"/>
+        <p14:creationId xmlns:p14="http://schemas.microsoft.com/office/powerpoint/2010/main" val="3477151305"/>
+      </p:ext>
+    </p:extLst>
+  </p:cSld>
+  <p:clrMapOvr>
+    <a:masterClrMapping/>
+  </p:clrMapOvr>
+</p:sld>
+</file>
+
+<file path=ppt/slides/slide31.xml><?xml version="1.0" encoding="utf-8"?>
+<p:sld xmlns:a="http://schemas.openxmlformats.org/drawingml/2006/main" xmlns:r="http://schemas.openxmlformats.org/officeDocument/2006/relationships" xmlns:p="http://schemas.openxmlformats.org/presentationml/2006/main">
+  <p:cSld>
+    <p:spTree>
+      <p:nvGrpSpPr>
+        <p:cNvPr id="1" name=""/>
+        <p:cNvGrpSpPr/>
+        <p:nvPr/>
+      </p:nvGrpSpPr>
+      <p:grpSpPr>
+        <a:xfrm>
+          <a:off x="0" y="0"/>
+          <a:ext cx="0" cy="0"/>
+          <a:chOff x="0" y="0"/>
+          <a:chExt cx="0" cy="0"/>
+        </a:xfrm>
+      </p:grpSpPr>
+      <p:sp>
+        <p:nvSpPr>
+          <p:cNvPr id="2" name="Title 1"/>
+          <p:cNvSpPr>
+            <a:spLocks noGrp="1"/>
+          </p:cNvSpPr>
+          <p:nvPr>
+            <p:ph type="ctrTitle"/>
+          </p:nvPr>
+        </p:nvSpPr>
+        <p:spPr>
+          <a:xfrm>
+            <a:off x="762000" y="4648200"/>
+            <a:ext cx="7543800" cy="1524000"/>
+          </a:xfrm>
+        </p:spPr>
+        <p:txBody>
+          <a:bodyPr/>
+          <a:lstStyle/>
+          <a:p>
+            <a:r>
+              <a:rPr lang="en-US" dirty="0" smtClean="0"/>
+              <a:t>Questions?</a:t>
+            </a:r>
+            <a:endParaRPr lang="en-US" dirty="0"/>
+          </a:p>
+        </p:txBody>
+      </p:sp>
+    </p:spTree>
+    <p:extLst>
+      <p:ext uri="{BB962C8B-B14F-4D97-AF65-F5344CB8AC3E}">
+        <p14:creationId xmlns:p14="http://schemas.microsoft.com/office/powerpoint/2010/main" val="3596758272"/>
       </p:ext>
     </p:extLst>
   </p:cSld>
@@ -9317,7 +9520,7 @@
 </p:sld>
 </file>
 
-<file path=ppt/slides/slide6.xml><?xml version="1.0" encoding="utf-8"?>
+<file path=ppt/slides/slide32.xml><?xml version="1.0" encoding="utf-8"?>
 <p:sld xmlns:a="http://schemas.openxmlformats.org/drawingml/2006/main" xmlns:r="http://schemas.openxmlformats.org/officeDocument/2006/relationships" xmlns:p="http://schemas.openxmlformats.org/presentationml/2006/main">
   <p:cSld>
     <p:spTree>
@@ -9349,17 +9552,13 @@
           <a:bodyPr/>
           <a:lstStyle/>
           <a:p>
-            <a:r>
-              <a:rPr lang="en-US" dirty="0" smtClean="0"/>
-              <a:t>Assumptions</a:t>
-            </a:r>
-            <a:endParaRPr lang="en-US" dirty="0"/>
-          </a:p>
-        </p:txBody>
-      </p:sp>
-      <p:sp>
-        <p:nvSpPr>
-          <p:cNvPr id="4" name="Content Placeholder 3"/>
+            <a:endParaRPr lang="en-US"/>
+          </a:p>
+        </p:txBody>
+      </p:sp>
+      <p:sp>
+        <p:nvSpPr>
+          <p:cNvPr id="3" name="Content Placeholder 2"/>
           <p:cNvSpPr>
             <a:spLocks noGrp="1"/>
           </p:cNvSpPr>
@@ -9372,345 +9571,13 @@
           <a:bodyPr/>
           <a:lstStyle/>
           <a:p>
-            <a:r>
-              <a:rPr lang="en-US" dirty="0" smtClean="0"/>
-              <a:t>Varied temperature range/weather</a:t>
-            </a:r>
-          </a:p>
-          <a:p>
-            <a:r>
-              <a:rPr lang="en-US" dirty="0" smtClean="0"/>
-              <a:t>Product will be returned for servicing</a:t>
-            </a:r>
-          </a:p>
-          <a:p>
-            <a:r>
-              <a:rPr lang="en-US" dirty="0" smtClean="0"/>
-              <a:t>Power will come from road paver</a:t>
-            </a:r>
-          </a:p>
-          <a:p>
-            <a:r>
-              <a:rPr lang="en-US" dirty="0"/>
-              <a:t>A</a:t>
-            </a:r>
-            <a:r>
-              <a:rPr lang="en-US" dirty="0" smtClean="0"/>
-              <a:t>udible </a:t>
-            </a:r>
-            <a:r>
-              <a:rPr lang="en-US" dirty="0"/>
-              <a:t>bump </a:t>
-            </a:r>
-            <a:r>
-              <a:rPr lang="en-US" dirty="0" smtClean="0"/>
-              <a:t>indicator not necessary</a:t>
-            </a:r>
-            <a:endParaRPr lang="en-US" dirty="0"/>
-          </a:p>
-        </p:txBody>
-      </p:sp>
-    </p:spTree>
-    <p:extLst>
-      <p:ext uri="{BB962C8B-B14F-4D97-AF65-F5344CB8AC3E}">
-        <p14:creationId xmlns:p14="http://schemas.microsoft.com/office/powerpoint/2010/main" val="3451546217"/>
-      </p:ext>
-    </p:extLst>
-  </p:cSld>
-  <p:clrMapOvr>
-    <a:masterClrMapping/>
-  </p:clrMapOvr>
-  <p:timing>
-    <p:tnLst>
-      <p:par>
-        <p:cTn id="1" dur="indefinite" restart="never" nodeType="tmRoot"/>
-      </p:par>
-    </p:tnLst>
-  </p:timing>
-</p:sld>
-</file>
-
-<file path=ppt/slides/slide7.xml><?xml version="1.0" encoding="utf-8"?>
-<p:sld xmlns:a="http://schemas.openxmlformats.org/drawingml/2006/main" xmlns:r="http://schemas.openxmlformats.org/officeDocument/2006/relationships" xmlns:p="http://schemas.openxmlformats.org/presentationml/2006/main">
-  <p:cSld>
-    <p:spTree>
-      <p:nvGrpSpPr>
-        <p:cNvPr id="1" name=""/>
-        <p:cNvGrpSpPr/>
-        <p:nvPr/>
-      </p:nvGrpSpPr>
-      <p:grpSpPr>
-        <a:xfrm>
-          <a:off x="0" y="0"/>
-          <a:ext cx="0" cy="0"/>
-          <a:chOff x="0" y="0"/>
-          <a:chExt cx="0" cy="0"/>
-        </a:xfrm>
-      </p:grpSpPr>
-      <p:sp>
-        <p:nvSpPr>
-          <p:cNvPr id="2" name="Title 1"/>
-          <p:cNvSpPr>
-            <a:spLocks noGrp="1"/>
-          </p:cNvSpPr>
-          <p:nvPr>
-            <p:ph type="title"/>
-          </p:nvPr>
-        </p:nvSpPr>
-        <p:spPr/>
-        <p:txBody>
-          <a:bodyPr/>
-          <a:lstStyle/>
-          <a:p>
-            <a:r>
-              <a:rPr lang="en-US" dirty="0" smtClean="0"/>
-              <a:t>Trade Offs</a:t>
-            </a:r>
-            <a:endParaRPr lang="en-US" dirty="0"/>
-          </a:p>
-        </p:txBody>
-      </p:sp>
-      <p:sp>
-        <p:nvSpPr>
-          <p:cNvPr id="4" name="Content Placeholder 3"/>
-          <p:cNvSpPr>
-            <a:spLocks noGrp="1"/>
-          </p:cNvSpPr>
-          <p:nvPr>
-            <p:ph idx="1"/>
-          </p:nvPr>
-        </p:nvSpPr>
-        <p:spPr/>
-        <p:txBody>
-          <a:bodyPr/>
-          <a:lstStyle/>
-          <a:p>
-            <a:r>
-              <a:rPr lang="en-US" dirty="0" smtClean="0"/>
-              <a:t>Output Layer &gt; Output Layer and GUI Layer</a:t>
-            </a:r>
-          </a:p>
-          <a:p>
-            <a:r>
-              <a:rPr lang="en-US" dirty="0" smtClean="0"/>
-              <a:t>Only using PC platform for GUI</a:t>
-            </a:r>
-          </a:p>
-          <a:p>
-            <a:r>
-              <a:rPr lang="en-US" dirty="0" smtClean="0"/>
-              <a:t>File system for removable storage </a:t>
-            </a:r>
-            <a:endParaRPr lang="en-US" dirty="0"/>
-          </a:p>
-        </p:txBody>
-      </p:sp>
-    </p:spTree>
-    <p:extLst>
-      <p:ext uri="{BB962C8B-B14F-4D97-AF65-F5344CB8AC3E}">
-        <p14:creationId xmlns:p14="http://schemas.microsoft.com/office/powerpoint/2010/main" val="451669208"/>
-      </p:ext>
-    </p:extLst>
-  </p:cSld>
-  <p:clrMapOvr>
-    <a:masterClrMapping/>
-  </p:clrMapOvr>
-  <p:timing>
-    <p:tnLst>
-      <p:par>
-        <p:cTn id="1" dur="indefinite" restart="never" nodeType="tmRoot"/>
-      </p:par>
-    </p:tnLst>
-  </p:timing>
-</p:sld>
-</file>
-
-<file path=ppt/slides/slide8.xml><?xml version="1.0" encoding="utf-8"?>
-<p:sld xmlns:a="http://schemas.openxmlformats.org/drawingml/2006/main" xmlns:r="http://schemas.openxmlformats.org/officeDocument/2006/relationships" xmlns:p="http://schemas.openxmlformats.org/presentationml/2006/main">
-  <p:cSld>
-    <p:spTree>
-      <p:nvGrpSpPr>
-        <p:cNvPr id="1" name=""/>
-        <p:cNvGrpSpPr/>
-        <p:nvPr/>
-      </p:nvGrpSpPr>
-      <p:grpSpPr>
-        <a:xfrm>
-          <a:off x="0" y="0"/>
-          <a:ext cx="0" cy="0"/>
-          <a:chOff x="0" y="0"/>
-          <a:chExt cx="0" cy="0"/>
-        </a:xfrm>
-      </p:grpSpPr>
-      <p:sp>
-        <p:nvSpPr>
-          <p:cNvPr id="2" name="Title 1"/>
-          <p:cNvSpPr>
-            <a:spLocks noGrp="1"/>
-          </p:cNvSpPr>
-          <p:nvPr>
-            <p:ph type="ctrTitle"/>
-          </p:nvPr>
-        </p:nvSpPr>
-        <p:spPr>
-          <a:xfrm>
-            <a:off x="762000" y="4724400"/>
-            <a:ext cx="7543800" cy="1524000"/>
-          </a:xfrm>
-        </p:spPr>
-        <p:txBody>
-          <a:bodyPr/>
-          <a:lstStyle/>
-          <a:p>
-            <a:r>
-              <a:rPr lang="en-US" dirty="0" smtClean="0"/>
-              <a:t>Layer Descriptions</a:t>
-            </a:r>
-            <a:endParaRPr lang="en-US" dirty="0"/>
-          </a:p>
-        </p:txBody>
-      </p:sp>
-    </p:spTree>
-    <p:extLst>
-      <p:ext uri="{BB962C8B-B14F-4D97-AF65-F5344CB8AC3E}">
-        <p14:creationId xmlns:p14="http://schemas.microsoft.com/office/powerpoint/2010/main" val="3682389853"/>
-      </p:ext>
-    </p:extLst>
-  </p:cSld>
-  <p:clrMapOvr>
-    <a:masterClrMapping/>
-  </p:clrMapOvr>
-  <p:timing>
-    <p:tnLst>
-      <p:par>
-        <p:cTn id="1" dur="indefinite" restart="never" nodeType="tmRoot"/>
-      </p:par>
-    </p:tnLst>
-  </p:timing>
-</p:sld>
-</file>
-
-<file path=ppt/slides/slide9.xml><?xml version="1.0" encoding="utf-8"?>
-<p:sld xmlns:a="http://schemas.openxmlformats.org/drawingml/2006/main" xmlns:r="http://schemas.openxmlformats.org/officeDocument/2006/relationships" xmlns:p="http://schemas.openxmlformats.org/presentationml/2006/main">
-  <p:cSld>
-    <p:spTree>
-      <p:nvGrpSpPr>
-        <p:cNvPr id="1" name=""/>
-        <p:cNvGrpSpPr/>
-        <p:nvPr/>
-      </p:nvGrpSpPr>
-      <p:grpSpPr>
-        <a:xfrm>
-          <a:off x="0" y="0"/>
-          <a:ext cx="0" cy="0"/>
-          <a:chOff x="0" y="0"/>
-          <a:chExt cx="0" cy="0"/>
-        </a:xfrm>
-      </p:grpSpPr>
-      <p:sp>
-        <p:nvSpPr>
-          <p:cNvPr id="2" name="Title 1"/>
-          <p:cNvSpPr>
-            <a:spLocks noGrp="1"/>
-          </p:cNvSpPr>
-          <p:nvPr>
-            <p:ph type="title"/>
-          </p:nvPr>
-        </p:nvSpPr>
-        <p:spPr/>
-        <p:txBody>
-          <a:bodyPr/>
-          <a:lstStyle/>
-          <a:p>
-            <a:endParaRPr lang="en-US" dirty="0"/>
-          </a:p>
-        </p:txBody>
-      </p:sp>
-      <p:sp>
-        <p:nvSpPr>
-          <p:cNvPr id="3" name="Content Placeholder 2"/>
-          <p:cNvSpPr>
-            <a:spLocks noGrp="1"/>
-          </p:cNvSpPr>
-          <p:nvPr>
-            <p:ph idx="1"/>
-          </p:nvPr>
-        </p:nvSpPr>
-        <p:spPr/>
-        <p:txBody>
-          <a:bodyPr/>
-          <a:lstStyle/>
-          <a:p>
-            <a:endParaRPr lang="en-US" dirty="0"/>
-          </a:p>
-        </p:txBody>
-      </p:sp>
-      <p:sp>
-        <p:nvSpPr>
-          <p:cNvPr id="4" name="Rectangle 2"/>
-          <p:cNvSpPr>
-            <a:spLocks noChangeArrowheads="1"/>
-          </p:cNvSpPr>
-          <p:nvPr/>
-        </p:nvSpPr>
-        <p:spPr bwMode="auto">
-          <a:xfrm>
-            <a:off x="0" y="0"/>
-            <a:ext cx="9144000" cy="0"/>
-          </a:xfrm>
-          <a:prstGeom prst="rect">
-            <a:avLst/>
-          </a:prstGeom>
-          <a:noFill/>
-          <a:ln>
-            <a:noFill/>
-          </a:ln>
-          <a:effectLst/>
-          <a:extLst>
-            <a:ext uri="{909E8E84-426E-40DD-AFC4-6F175D3DCCD1}">
-              <a14:hiddenFill xmlns:a14="http://schemas.microsoft.com/office/drawing/2010/main">
-                <a:solidFill>
-                  <a:schemeClr val="accent1"/>
-                </a:solidFill>
-              </a14:hiddenFill>
-            </a:ext>
-            <a:ext uri="{91240B29-F687-4F45-9708-019B960494DF}">
-              <a14:hiddenLine xmlns:a14="http://schemas.microsoft.com/office/drawing/2010/main" w="9525">
-                <a:solidFill>
-                  <a:schemeClr val="tx1"/>
-                </a:solidFill>
-                <a:miter lim="800000"/>
-                <a:headEnd/>
-                <a:tailEnd/>
-              </a14:hiddenLine>
-            </a:ext>
-            <a:ext uri="{AF507438-7753-43E0-B8FC-AC1667EBCBE1}">
-              <a14:hiddenEffects xmlns:a14="http://schemas.microsoft.com/office/drawing/2010/main">
-                <a:effectLst>
-                  <a:outerShdw dist="35921" dir="2700000" algn="ctr" rotWithShape="0">
-                    <a:schemeClr val="bg2"/>
-                  </a:outerShdw>
-                </a:effectLst>
-              </a14:hiddenEffects>
-            </a:ext>
-          </a:extLst>
-        </p:spPr>
-        <p:txBody>
-          <a:bodyPr vert="horz" wrap="none" lIns="91440" tIns="45720" rIns="91440" bIns="45720" numCol="1" anchor="ctr" anchorCtr="0" compatLnSpc="1">
-            <a:prstTxWarp prst="textNoShape">
-              <a:avLst/>
-            </a:prstTxWarp>
-            <a:spAutoFit/>
-          </a:bodyPr>
-          <a:lstStyle/>
-          <a:p>
             <a:endParaRPr lang="en-US"/>
           </a:p>
         </p:txBody>
       </p:sp>
       <p:pic>
         <p:nvPicPr>
-          <p:cNvPr id="1026" name="Picture 2"/>
+          <p:cNvPr id="8193" name="Picture 1"/>
           <p:cNvPicPr>
             <a:picLocks noChangeAspect="1" noChangeArrowheads="1"/>
           </p:cNvPicPr>
@@ -9731,8 +9598,8 @@
         </p:blipFill>
         <p:spPr bwMode="auto">
           <a:xfrm>
-            <a:off x="1309688" y="1"/>
-            <a:ext cx="6462712" cy="6885918"/>
+            <a:off x="266700" y="633413"/>
+            <a:ext cx="8648700" cy="5930826"/>
           </a:xfrm>
           <a:prstGeom prst="rect">
             <a:avLst/>
@@ -9775,7 +9642,593 @@
     </p:spTree>
     <p:extLst>
       <p:ext uri="{BB962C8B-B14F-4D97-AF65-F5344CB8AC3E}">
-        <p14:creationId xmlns:p14="http://schemas.microsoft.com/office/powerpoint/2010/main" val="3244079174"/>
+        <p14:creationId xmlns:p14="http://schemas.microsoft.com/office/powerpoint/2010/main" val="1052406937"/>
+      </p:ext>
+    </p:extLst>
+  </p:cSld>
+  <p:clrMapOvr>
+    <a:masterClrMapping/>
+  </p:clrMapOvr>
+</p:sld>
+</file>
+
+<file path=ppt/slides/slide4.xml><?xml version="1.0" encoding="utf-8"?>
+<p:sld xmlns:a="http://schemas.openxmlformats.org/drawingml/2006/main" xmlns:r="http://schemas.openxmlformats.org/officeDocument/2006/relationships" xmlns:p="http://schemas.openxmlformats.org/presentationml/2006/main">
+  <p:cSld>
+    <p:spTree>
+      <p:nvGrpSpPr>
+        <p:cNvPr id="1" name=""/>
+        <p:cNvGrpSpPr/>
+        <p:nvPr/>
+      </p:nvGrpSpPr>
+      <p:grpSpPr>
+        <a:xfrm>
+          <a:off x="0" y="0"/>
+          <a:ext cx="0" cy="0"/>
+          <a:chOff x="0" y="0"/>
+          <a:chExt cx="0" cy="0"/>
+        </a:xfrm>
+      </p:grpSpPr>
+      <p:sp>
+        <p:nvSpPr>
+          <p:cNvPr id="2" name="Title 1"/>
+          <p:cNvSpPr>
+            <a:spLocks noGrp="1"/>
+          </p:cNvSpPr>
+          <p:nvPr>
+            <p:ph type="ctrTitle"/>
+          </p:nvPr>
+        </p:nvSpPr>
+        <p:spPr>
+          <a:xfrm>
+            <a:off x="762000" y="4648200"/>
+            <a:ext cx="7543800" cy="1524000"/>
+          </a:xfrm>
+        </p:spPr>
+        <p:txBody>
+          <a:bodyPr/>
+          <a:lstStyle/>
+          <a:p>
+            <a:r>
+              <a:rPr lang="en-US" dirty="0" smtClean="0"/>
+              <a:t>Meta Architecture</a:t>
+            </a:r>
+            <a:endParaRPr lang="en-US" dirty="0"/>
+          </a:p>
+        </p:txBody>
+      </p:sp>
+    </p:spTree>
+    <p:extLst>
+      <p:ext uri="{BB962C8B-B14F-4D97-AF65-F5344CB8AC3E}">
+        <p14:creationId xmlns:p14="http://schemas.microsoft.com/office/powerpoint/2010/main" val="63845556"/>
+      </p:ext>
+    </p:extLst>
+  </p:cSld>
+  <p:clrMapOvr>
+    <a:masterClrMapping/>
+  </p:clrMapOvr>
+  <p:timing>
+    <p:tnLst>
+      <p:par>
+        <p:cTn id="1" dur="indefinite" restart="never" nodeType="tmRoot"/>
+      </p:par>
+    </p:tnLst>
+  </p:timing>
+</p:sld>
+</file>
+
+<file path=ppt/slides/slide5.xml><?xml version="1.0" encoding="utf-8"?>
+<p:sld xmlns:a="http://schemas.openxmlformats.org/drawingml/2006/main" xmlns:r="http://schemas.openxmlformats.org/officeDocument/2006/relationships" xmlns:p="http://schemas.openxmlformats.org/presentationml/2006/main">
+  <p:cSld>
+    <p:spTree>
+      <p:nvGrpSpPr>
+        <p:cNvPr id="1" name=""/>
+        <p:cNvGrpSpPr/>
+        <p:nvPr/>
+      </p:nvGrpSpPr>
+      <p:grpSpPr>
+        <a:xfrm>
+          <a:off x="0" y="0"/>
+          <a:ext cx="0" cy="0"/>
+          <a:chOff x="0" y="0"/>
+          <a:chExt cx="0" cy="0"/>
+        </a:xfrm>
+      </p:grpSpPr>
+      <p:pic>
+        <p:nvPicPr>
+          <p:cNvPr id="1026" name="Picture 2"/>
+          <p:cNvPicPr>
+            <a:picLocks noGrp="1" noChangeAspect="1" noChangeArrowheads="1"/>
+          </p:cNvPicPr>
+          <p:nvPr>
+            <p:ph idx="1"/>
+          </p:nvPr>
+        </p:nvPicPr>
+        <p:blipFill>
+          <a:blip r:embed="rId2">
+            <a:extLst>
+              <a:ext uri="{28A0092B-C50C-407E-A947-70E740481C1C}">
+                <a14:useLocalDpi xmlns:a14="http://schemas.microsoft.com/office/drawing/2010/main" val="0"/>
+              </a:ext>
+            </a:extLst>
+          </a:blip>
+          <a:srcRect/>
+          <a:stretch>
+            <a:fillRect/>
+          </a:stretch>
+        </p:blipFill>
+        <p:spPr bwMode="auto">
+          <a:xfrm>
+            <a:off x="457200" y="685800"/>
+            <a:ext cx="8429202" cy="4572000"/>
+          </a:xfrm>
+          <a:prstGeom prst="rect">
+            <a:avLst/>
+          </a:prstGeom>
+          <a:noFill/>
+          <a:ln>
+            <a:noFill/>
+          </a:ln>
+          <a:effectLst/>
+          <a:extLst>
+            <a:ext uri="{909E8E84-426E-40DD-AFC4-6F175D3DCCD1}">
+              <a14:hiddenFill xmlns:a14="http://schemas.microsoft.com/office/drawing/2010/main">
+                <a:solidFill>
+                  <a:schemeClr val="accent1"/>
+                </a:solidFill>
+              </a14:hiddenFill>
+            </a:ext>
+            <a:ext uri="{91240B29-F687-4F45-9708-019B960494DF}">
+              <a14:hiddenLine xmlns:a14="http://schemas.microsoft.com/office/drawing/2010/main" w="9525">
+                <a:solidFill>
+                  <a:schemeClr val="tx1"/>
+                </a:solidFill>
+                <a:miter lim="800000"/>
+                <a:headEnd/>
+                <a:tailEnd/>
+              </a14:hiddenLine>
+            </a:ext>
+            <a:ext uri="{AF507438-7753-43E0-B8FC-AC1667EBCBE1}">
+              <a14:hiddenEffects xmlns:a14="http://schemas.microsoft.com/office/drawing/2010/main">
+                <a:effectLst>
+                  <a:outerShdw dist="35921" dir="2700000" algn="ctr" rotWithShape="0">
+                    <a:schemeClr val="bg2"/>
+                  </a:outerShdw>
+                </a:effectLst>
+              </a14:hiddenEffects>
+            </a:ext>
+          </a:extLst>
+        </p:spPr>
+      </p:pic>
+    </p:spTree>
+    <p:extLst>
+      <p:ext uri="{BB962C8B-B14F-4D97-AF65-F5344CB8AC3E}">
+        <p14:creationId xmlns:p14="http://schemas.microsoft.com/office/powerpoint/2010/main" val="1648745208"/>
+      </p:ext>
+    </p:extLst>
+  </p:cSld>
+  <p:clrMapOvr>
+    <a:masterClrMapping/>
+  </p:clrMapOvr>
+  <p:timing>
+    <p:tnLst>
+      <p:par>
+        <p:cTn id="1" dur="indefinite" restart="never" nodeType="tmRoot"/>
+      </p:par>
+    </p:tnLst>
+  </p:timing>
+</p:sld>
+</file>
+
+<file path=ppt/slides/slide6.xml><?xml version="1.0" encoding="utf-8"?>
+<p:sld xmlns:a="http://schemas.openxmlformats.org/drawingml/2006/main" xmlns:r="http://schemas.openxmlformats.org/officeDocument/2006/relationships" xmlns:p="http://schemas.openxmlformats.org/presentationml/2006/main">
+  <p:cSld>
+    <p:spTree>
+      <p:nvGrpSpPr>
+        <p:cNvPr id="1" name=""/>
+        <p:cNvGrpSpPr/>
+        <p:nvPr/>
+      </p:nvGrpSpPr>
+      <p:grpSpPr>
+        <a:xfrm>
+          <a:off x="0" y="0"/>
+          <a:ext cx="0" cy="0"/>
+          <a:chOff x="0" y="0"/>
+          <a:chExt cx="0" cy="0"/>
+        </a:xfrm>
+      </p:grpSpPr>
+      <p:sp>
+        <p:nvSpPr>
+          <p:cNvPr id="2" name="Title 1"/>
+          <p:cNvSpPr>
+            <a:spLocks noGrp="1"/>
+          </p:cNvSpPr>
+          <p:nvPr>
+            <p:ph type="title"/>
+          </p:nvPr>
+        </p:nvSpPr>
+        <p:spPr/>
+        <p:txBody>
+          <a:bodyPr/>
+          <a:lstStyle/>
+          <a:p>
+            <a:r>
+              <a:rPr lang="en-US" dirty="0" smtClean="0"/>
+              <a:t>Guiding Principles</a:t>
+            </a:r>
+            <a:endParaRPr lang="en-US" dirty="0"/>
+          </a:p>
+        </p:txBody>
+      </p:sp>
+      <p:sp>
+        <p:nvSpPr>
+          <p:cNvPr id="4" name="Content Placeholder 3"/>
+          <p:cNvSpPr>
+            <a:spLocks noGrp="1"/>
+          </p:cNvSpPr>
+          <p:nvPr>
+            <p:ph idx="1"/>
+          </p:nvPr>
+        </p:nvSpPr>
+        <p:spPr/>
+        <p:txBody>
+          <a:bodyPr>
+            <a:normAutofit/>
+          </a:bodyPr>
+          <a:lstStyle/>
+          <a:p>
+            <a:r>
+              <a:rPr lang="en-US" dirty="0" smtClean="0"/>
+              <a:t>Modularity</a:t>
+            </a:r>
+          </a:p>
+          <a:p>
+            <a:r>
+              <a:rPr lang="en-US" dirty="0" smtClean="0"/>
+              <a:t>Easy integration</a:t>
+            </a:r>
+            <a:endParaRPr lang="en-US" dirty="0"/>
+          </a:p>
+          <a:p>
+            <a:pPr lvl="0"/>
+            <a:r>
+              <a:rPr lang="en-US" dirty="0"/>
+              <a:t>Staged delivery </a:t>
+            </a:r>
+          </a:p>
+          <a:p>
+            <a:pPr lvl="0"/>
+            <a:r>
+              <a:rPr lang="en-US" dirty="0"/>
+              <a:t>Layers and subsystems with clear, well-defined logical roles</a:t>
+            </a:r>
+          </a:p>
+          <a:p>
+            <a:pPr lvl="0"/>
+            <a:r>
+              <a:rPr lang="en-US" dirty="0" smtClean="0"/>
+              <a:t>Extensibility</a:t>
+            </a:r>
+            <a:r>
+              <a:rPr lang="en-US" dirty="0"/>
+              <a:t> </a:t>
+            </a:r>
+            <a:r>
+              <a:rPr lang="en-US" dirty="0" smtClean="0"/>
+              <a:t>- </a:t>
+            </a:r>
+            <a:r>
+              <a:rPr lang="en-US" dirty="0"/>
+              <a:t>Easy to add future items/requirements</a:t>
+            </a:r>
+          </a:p>
+          <a:p>
+            <a:pPr lvl="0"/>
+            <a:r>
+              <a:rPr lang="en-US" dirty="0" smtClean="0"/>
+              <a:t>Fulfillment of all </a:t>
+            </a:r>
+            <a:r>
+              <a:rPr lang="en-US" dirty="0"/>
+              <a:t>System Requirement </a:t>
+            </a:r>
+            <a:r>
+              <a:rPr lang="en-US" dirty="0" smtClean="0"/>
+              <a:t>Specifications</a:t>
+            </a:r>
+            <a:endParaRPr lang="en-US" dirty="0"/>
+          </a:p>
+          <a:p>
+            <a:pPr lvl="0"/>
+            <a:r>
+              <a:rPr lang="en-US" dirty="0"/>
+              <a:t>Interface with PC </a:t>
+            </a:r>
+            <a:r>
+              <a:rPr lang="en-US" dirty="0" smtClean="0"/>
+              <a:t>only</a:t>
+            </a:r>
+            <a:endParaRPr lang="en-US" dirty="0"/>
+          </a:p>
+        </p:txBody>
+      </p:sp>
+    </p:spTree>
+    <p:extLst>
+      <p:ext uri="{BB962C8B-B14F-4D97-AF65-F5344CB8AC3E}">
+        <p14:creationId xmlns:p14="http://schemas.microsoft.com/office/powerpoint/2010/main" val="3643320344"/>
+      </p:ext>
+    </p:extLst>
+  </p:cSld>
+  <p:clrMapOvr>
+    <a:masterClrMapping/>
+  </p:clrMapOvr>
+  <p:timing>
+    <p:tnLst>
+      <p:par>
+        <p:cTn id="1" dur="indefinite" restart="never" nodeType="tmRoot"/>
+      </p:par>
+    </p:tnLst>
+  </p:timing>
+</p:sld>
+</file>
+
+<file path=ppt/slides/slide7.xml><?xml version="1.0" encoding="utf-8"?>
+<p:sld xmlns:a="http://schemas.openxmlformats.org/drawingml/2006/main" xmlns:r="http://schemas.openxmlformats.org/officeDocument/2006/relationships" xmlns:p="http://schemas.openxmlformats.org/presentationml/2006/main">
+  <p:cSld>
+    <p:spTree>
+      <p:nvGrpSpPr>
+        <p:cNvPr id="1" name=""/>
+        <p:cNvGrpSpPr/>
+        <p:nvPr/>
+      </p:nvGrpSpPr>
+      <p:grpSpPr>
+        <a:xfrm>
+          <a:off x="0" y="0"/>
+          <a:ext cx="0" cy="0"/>
+          <a:chOff x="0" y="0"/>
+          <a:chExt cx="0" cy="0"/>
+        </a:xfrm>
+      </p:grpSpPr>
+      <p:sp>
+        <p:nvSpPr>
+          <p:cNvPr id="2" name="Title 1"/>
+          <p:cNvSpPr>
+            <a:spLocks noGrp="1"/>
+          </p:cNvSpPr>
+          <p:nvPr>
+            <p:ph type="title"/>
+          </p:nvPr>
+        </p:nvSpPr>
+        <p:spPr/>
+        <p:txBody>
+          <a:bodyPr/>
+          <a:lstStyle/>
+          <a:p>
+            <a:r>
+              <a:rPr lang="en-US" dirty="0" smtClean="0"/>
+              <a:t>Assumptions</a:t>
+            </a:r>
+            <a:endParaRPr lang="en-US" dirty="0"/>
+          </a:p>
+        </p:txBody>
+      </p:sp>
+      <p:sp>
+        <p:nvSpPr>
+          <p:cNvPr id="4" name="Content Placeholder 3"/>
+          <p:cNvSpPr>
+            <a:spLocks noGrp="1"/>
+          </p:cNvSpPr>
+          <p:nvPr>
+            <p:ph idx="1"/>
+          </p:nvPr>
+        </p:nvSpPr>
+        <p:spPr/>
+        <p:txBody>
+          <a:bodyPr/>
+          <a:lstStyle/>
+          <a:p>
+            <a:r>
+              <a:rPr lang="en-US" dirty="0" smtClean="0"/>
+              <a:t>Varied temperature range/weather</a:t>
+            </a:r>
+          </a:p>
+          <a:p>
+            <a:r>
+              <a:rPr lang="en-US" dirty="0" smtClean="0"/>
+              <a:t>Product will be returned for servicing</a:t>
+            </a:r>
+          </a:p>
+          <a:p>
+            <a:r>
+              <a:rPr lang="en-US" dirty="0" smtClean="0"/>
+              <a:t>Power will come from road paver</a:t>
+            </a:r>
+          </a:p>
+          <a:p>
+            <a:r>
+              <a:rPr lang="en-US" dirty="0"/>
+              <a:t>A</a:t>
+            </a:r>
+            <a:r>
+              <a:rPr lang="en-US" dirty="0" smtClean="0"/>
+              <a:t>udible </a:t>
+            </a:r>
+            <a:r>
+              <a:rPr lang="en-US" dirty="0"/>
+              <a:t>bump </a:t>
+            </a:r>
+            <a:r>
+              <a:rPr lang="en-US" dirty="0" smtClean="0"/>
+              <a:t>indicator not necessary</a:t>
+            </a:r>
+            <a:endParaRPr lang="en-US" dirty="0"/>
+          </a:p>
+        </p:txBody>
+      </p:sp>
+    </p:spTree>
+    <p:extLst>
+      <p:ext uri="{BB962C8B-B14F-4D97-AF65-F5344CB8AC3E}">
+        <p14:creationId xmlns:p14="http://schemas.microsoft.com/office/powerpoint/2010/main" val="3451546217"/>
+      </p:ext>
+    </p:extLst>
+  </p:cSld>
+  <p:clrMapOvr>
+    <a:masterClrMapping/>
+  </p:clrMapOvr>
+  <p:timing>
+    <p:tnLst>
+      <p:par>
+        <p:cTn id="1" dur="indefinite" restart="never" nodeType="tmRoot"/>
+      </p:par>
+    </p:tnLst>
+  </p:timing>
+</p:sld>
+</file>
+
+<file path=ppt/slides/slide8.xml><?xml version="1.0" encoding="utf-8"?>
+<p:sld xmlns:a="http://schemas.openxmlformats.org/drawingml/2006/main" xmlns:r="http://schemas.openxmlformats.org/officeDocument/2006/relationships" xmlns:p="http://schemas.openxmlformats.org/presentationml/2006/main">
+  <p:cSld>
+    <p:spTree>
+      <p:nvGrpSpPr>
+        <p:cNvPr id="1" name=""/>
+        <p:cNvGrpSpPr/>
+        <p:nvPr/>
+      </p:nvGrpSpPr>
+      <p:grpSpPr>
+        <a:xfrm>
+          <a:off x="0" y="0"/>
+          <a:ext cx="0" cy="0"/>
+          <a:chOff x="0" y="0"/>
+          <a:chExt cx="0" cy="0"/>
+        </a:xfrm>
+      </p:grpSpPr>
+      <p:sp>
+        <p:nvSpPr>
+          <p:cNvPr id="2" name="Title 1"/>
+          <p:cNvSpPr>
+            <a:spLocks noGrp="1"/>
+          </p:cNvSpPr>
+          <p:nvPr>
+            <p:ph type="title"/>
+          </p:nvPr>
+        </p:nvSpPr>
+        <p:spPr/>
+        <p:txBody>
+          <a:bodyPr/>
+          <a:lstStyle/>
+          <a:p>
+            <a:r>
+              <a:rPr lang="en-US" dirty="0" smtClean="0"/>
+              <a:t>Trade Offs</a:t>
+            </a:r>
+            <a:endParaRPr lang="en-US" dirty="0"/>
+          </a:p>
+        </p:txBody>
+      </p:sp>
+      <p:sp>
+        <p:nvSpPr>
+          <p:cNvPr id="4" name="Content Placeholder 3"/>
+          <p:cNvSpPr>
+            <a:spLocks noGrp="1"/>
+          </p:cNvSpPr>
+          <p:nvPr>
+            <p:ph idx="1"/>
+          </p:nvPr>
+        </p:nvSpPr>
+        <p:spPr/>
+        <p:txBody>
+          <a:bodyPr/>
+          <a:lstStyle/>
+          <a:p>
+            <a:r>
+              <a:rPr lang="en-US" dirty="0" smtClean="0"/>
+              <a:t>Output Layer &gt; Output Layer and GUI Layer</a:t>
+            </a:r>
+          </a:p>
+          <a:p>
+            <a:r>
+              <a:rPr lang="en-US" dirty="0" smtClean="0"/>
+              <a:t>Only using PC platform for GUI</a:t>
+            </a:r>
+          </a:p>
+          <a:p>
+            <a:r>
+              <a:rPr lang="en-US" dirty="0" smtClean="0"/>
+              <a:t>File system for removable storage </a:t>
+            </a:r>
+            <a:endParaRPr lang="en-US" dirty="0"/>
+          </a:p>
+        </p:txBody>
+      </p:sp>
+    </p:spTree>
+    <p:extLst>
+      <p:ext uri="{BB962C8B-B14F-4D97-AF65-F5344CB8AC3E}">
+        <p14:creationId xmlns:p14="http://schemas.microsoft.com/office/powerpoint/2010/main" val="451669208"/>
+      </p:ext>
+    </p:extLst>
+  </p:cSld>
+  <p:clrMapOvr>
+    <a:masterClrMapping/>
+  </p:clrMapOvr>
+  <p:timing>
+    <p:tnLst>
+      <p:par>
+        <p:cTn id="1" dur="indefinite" restart="never" nodeType="tmRoot"/>
+      </p:par>
+    </p:tnLst>
+  </p:timing>
+</p:sld>
+</file>
+
+<file path=ppt/slides/slide9.xml><?xml version="1.0" encoding="utf-8"?>
+<p:sld xmlns:a="http://schemas.openxmlformats.org/drawingml/2006/main" xmlns:r="http://schemas.openxmlformats.org/officeDocument/2006/relationships" xmlns:p="http://schemas.openxmlformats.org/presentationml/2006/main">
+  <p:cSld>
+    <p:spTree>
+      <p:nvGrpSpPr>
+        <p:cNvPr id="1" name=""/>
+        <p:cNvGrpSpPr/>
+        <p:nvPr/>
+      </p:nvGrpSpPr>
+      <p:grpSpPr>
+        <a:xfrm>
+          <a:off x="0" y="0"/>
+          <a:ext cx="0" cy="0"/>
+          <a:chOff x="0" y="0"/>
+          <a:chExt cx="0" cy="0"/>
+        </a:xfrm>
+      </p:grpSpPr>
+      <p:sp>
+        <p:nvSpPr>
+          <p:cNvPr id="2" name="Title 1"/>
+          <p:cNvSpPr>
+            <a:spLocks noGrp="1"/>
+          </p:cNvSpPr>
+          <p:nvPr>
+            <p:ph type="ctrTitle"/>
+          </p:nvPr>
+        </p:nvSpPr>
+        <p:spPr>
+          <a:xfrm>
+            <a:off x="762000" y="4724400"/>
+            <a:ext cx="7543800" cy="1524000"/>
+          </a:xfrm>
+        </p:spPr>
+        <p:txBody>
+          <a:bodyPr/>
+          <a:lstStyle/>
+          <a:p>
+            <a:r>
+              <a:rPr lang="en-US" dirty="0" smtClean="0"/>
+              <a:t>Layer Descriptions</a:t>
+            </a:r>
+            <a:endParaRPr lang="en-US" dirty="0"/>
+          </a:p>
+        </p:txBody>
+      </p:sp>
+    </p:spTree>
+    <p:extLst>
+      <p:ext uri="{BB962C8B-B14F-4D97-AF65-F5344CB8AC3E}">
+        <p14:creationId xmlns:p14="http://schemas.microsoft.com/office/powerpoint/2010/main" val="3682389853"/>
       </p:ext>
     </p:extLst>
   </p:cSld>
